--- a/1807102-Predefence.pptx
+++ b/1807102-Predefence.pptx
@@ -5,7 +5,7 @@
     <p:sldMasterId id="2147483648" r:id="rId1"/>
   </p:sldMasterIdLst>
   <p:notesMasterIdLst>
-    <p:notesMasterId r:id="rId25"/>
+    <p:notesMasterId r:id="rId34"/>
   </p:notesMasterIdLst>
   <p:sldIdLst>
     <p:sldId id="256" r:id="rId2"/>
@@ -14,23 +14,32 @@
     <p:sldId id="275" r:id="rId5"/>
     <p:sldId id="263" r:id="rId6"/>
     <p:sldId id="262" r:id="rId7"/>
-    <p:sldId id="264" r:id="rId8"/>
-    <p:sldId id="265" r:id="rId9"/>
+    <p:sldId id="288" r:id="rId8"/>
+    <p:sldId id="264" r:id="rId9"/>
     <p:sldId id="259" r:id="rId10"/>
     <p:sldId id="261" r:id="rId11"/>
-    <p:sldId id="268" r:id="rId12"/>
-    <p:sldId id="269" r:id="rId13"/>
-    <p:sldId id="270" r:id="rId14"/>
-    <p:sldId id="271" r:id="rId15"/>
-    <p:sldId id="272" r:id="rId16"/>
-    <p:sldId id="273" r:id="rId17"/>
-    <p:sldId id="276" r:id="rId18"/>
-    <p:sldId id="277" r:id="rId19"/>
-    <p:sldId id="274" r:id="rId20"/>
-    <p:sldId id="266" r:id="rId21"/>
-    <p:sldId id="267" r:id="rId22"/>
-    <p:sldId id="260" r:id="rId23"/>
-    <p:sldId id="278" r:id="rId24"/>
+    <p:sldId id="265" r:id="rId12"/>
+    <p:sldId id="268" r:id="rId13"/>
+    <p:sldId id="280" r:id="rId14"/>
+    <p:sldId id="282" r:id="rId15"/>
+    <p:sldId id="283" r:id="rId16"/>
+    <p:sldId id="279" r:id="rId17"/>
+    <p:sldId id="269" r:id="rId18"/>
+    <p:sldId id="270" r:id="rId19"/>
+    <p:sldId id="271" r:id="rId20"/>
+    <p:sldId id="284" r:id="rId21"/>
+    <p:sldId id="285" r:id="rId22"/>
+    <p:sldId id="272" r:id="rId23"/>
+    <p:sldId id="273" r:id="rId24"/>
+    <p:sldId id="286" r:id="rId25"/>
+    <p:sldId id="287" r:id="rId26"/>
+    <p:sldId id="276" r:id="rId27"/>
+    <p:sldId id="277" r:id="rId28"/>
+    <p:sldId id="274" r:id="rId29"/>
+    <p:sldId id="266" r:id="rId30"/>
+    <p:sldId id="267" r:id="rId31"/>
+    <p:sldId id="260" r:id="rId32"/>
+    <p:sldId id="278" r:id="rId33"/>
   </p:sldIdLst>
   <p:sldSz cx="12192000" cy="6858000"/>
   <p:notesSz cx="6858000" cy="9144000"/>
@@ -219,7 +228,7 @@
           <a:p>
             <a:fld id="{9E9C24EA-D523-4B5B-AB7C-83901EBAB8E3}" type="datetimeFigureOut">
               <a:rPr lang="en-SG" smtClean="0"/>
-              <a:t>29/8/2023</a:t>
+              <a:t>23/2/2024</a:t>
             </a:fld>
             <a:endParaRPr lang="en-SG"/>
           </a:p>
@@ -656,7 +665,7 @@
           <a:p>
             <a:fld id="{00D05E02-AFB4-4BDE-BC14-C6CDFE031216}" type="datetime1">
               <a:rPr lang="en-US" smtClean="0"/>
-              <a:t>8/29/2023</a:t>
+              <a:t>2/23/2024</a:t>
             </a:fld>
             <a:endParaRPr lang="en-US" dirty="0"/>
           </a:p>
@@ -986,7 +995,7 @@
           <a:p>
             <a:fld id="{31096D69-15EB-4F9B-B927-9C1873F93836}" type="datetime1">
               <a:rPr lang="en-US" smtClean="0"/>
-              <a:t>8/29/2023</a:t>
+              <a:t>2/23/2024</a:t>
             </a:fld>
             <a:endParaRPr lang="en-US" dirty="0"/>
           </a:p>
@@ -1165,7 +1174,7 @@
           <a:p>
             <a:fld id="{250A03BE-97FC-46E6-88C0-1C6A20A68EC0}" type="datetime1">
               <a:rPr lang="en-US" smtClean="0"/>
-              <a:t>8/29/2023</a:t>
+              <a:t>2/23/2024</a:t>
             </a:fld>
             <a:endParaRPr lang="en-US" dirty="0"/>
           </a:p>
@@ -1334,7 +1343,7 @@
           <a:p>
             <a:fld id="{89227FBB-25E7-4C7E-8513-268B51BC1F29}" type="datetime1">
               <a:rPr lang="en-US" smtClean="0"/>
-              <a:t>8/29/2023</a:t>
+              <a:t>2/23/2024</a:t>
             </a:fld>
             <a:endParaRPr lang="en-US" dirty="0"/>
           </a:p>
@@ -1610,7 +1619,7 @@
           <a:p>
             <a:fld id="{3BD56930-F493-4AEA-AE29-3CDED7665F56}" type="datetime1">
               <a:rPr lang="en-US" smtClean="0"/>
-              <a:t>8/29/2023</a:t>
+              <a:t>2/23/2024</a:t>
             </a:fld>
             <a:endParaRPr lang="en-US" dirty="0"/>
           </a:p>
@@ -2004,7 +2013,7 @@
           <a:p>
             <a:fld id="{ADEBA200-A7E5-4BCA-9951-DDD07A51DF03}" type="datetime1">
               <a:rPr lang="en-US" smtClean="0"/>
-              <a:t>8/29/2023</a:t>
+              <a:t>2/23/2024</a:t>
             </a:fld>
             <a:endParaRPr lang="en-US" dirty="0"/>
           </a:p>
@@ -2480,7 +2489,7 @@
           <a:p>
             <a:fld id="{28CED42E-C2A5-471E-B296-14F812B32FCA}" type="datetime1">
               <a:rPr lang="en-US" smtClean="0"/>
-              <a:t>8/29/2023</a:t>
+              <a:t>2/23/2024</a:t>
             </a:fld>
             <a:endParaRPr lang="en-US" dirty="0"/>
           </a:p>
@@ -2597,7 +2606,7 @@
           <a:p>
             <a:fld id="{8A8D6B37-BDF5-45A4-8320-A622B5E0CC39}" type="datetime1">
               <a:rPr lang="en-US" smtClean="0"/>
-              <a:t>8/29/2023</a:t>
+              <a:t>2/23/2024</a:t>
             </a:fld>
             <a:endParaRPr lang="en-US" dirty="0"/>
           </a:p>
@@ -2691,7 +2700,7 @@
           <a:p>
             <a:fld id="{008DE966-5C1F-445B-963B-51951F91ED9D}" type="datetime1">
               <a:rPr lang="en-US" smtClean="0"/>
-              <a:t>8/29/2023</a:t>
+              <a:t>2/23/2024</a:t>
             </a:fld>
             <a:endParaRPr lang="en-US" dirty="0"/>
           </a:p>
@@ -3036,7 +3045,7 @@
           <a:p>
             <a:fld id="{98B2DE32-7A50-426B-B5A4-47BA21C4C4F2}" type="datetime1">
               <a:rPr lang="en-US" smtClean="0"/>
-              <a:t>8/29/2023</a:t>
+              <a:t>2/23/2024</a:t>
             </a:fld>
             <a:endParaRPr lang="en-US" dirty="0"/>
           </a:p>
@@ -3424,7 +3433,7 @@
           <a:p>
             <a:fld id="{E4AEF3F8-25B9-4CC1-BF2A-03D8DDA330B3}" type="datetime1">
               <a:rPr lang="en-US" smtClean="0"/>
-              <a:t>8/29/2023</a:t>
+              <a:t>2/23/2024</a:t>
             </a:fld>
             <a:endParaRPr lang="en-US" dirty="0"/>
           </a:p>
@@ -3702,7 +3711,7 @@
           <a:p>
             <a:fld id="{B3FA346D-73C7-4F14-837D-C3AE8520E816}" type="datetime1">
               <a:rPr lang="en-US" smtClean="0"/>
-              <a:t>8/29/2023</a:t>
+              <a:t>2/23/2024</a:t>
             </a:fld>
             <a:endParaRPr lang="en-US" dirty="0"/>
           </a:p>
@@ -4341,7 +4350,7 @@
                 <a:ea typeface="Calibri" panose="020F0502020204030204" pitchFamily="34" charset="0"/>
                 <a:cs typeface="Times New Roman" panose="02020603050405020304" pitchFamily="18" charset="0"/>
               </a:rPr>
-              <a:t>Improved Reliable Data Forwarding Using Homomorphic Encryption Against Blackhole Attacks In Mobile Ad Hoc Networks</a:t>
+              <a:t>Secure And Reliable Data Forwarding Against Blackhole And Wormhole Attacks In Mobile Ad Hoc Networks</a:t>
             </a:r>
             <a:endParaRPr lang="en-SG" dirty="0"/>
           </a:p>
@@ -4503,6 +4512,14 @@
   <p:clrMapOvr>
     <a:masterClrMapping/>
   </p:clrMapOvr>
+  <mc:AlternateContent xmlns:mc="http://schemas.openxmlformats.org/markup-compatibility/2006">
+    <mc:Choice xmlns:p14="http://schemas.microsoft.com/office/powerpoint/2010/main" Requires="p14">
+      <p:transition spd="slow" p14:dur="2000" advTm="1010"/>
+    </mc:Choice>
+    <mc:Fallback>
+      <p:transition spd="slow" advTm="1010"/>
+    </mc:Fallback>
+  </mc:AlternateContent>
 </p:sld>
 </file>
 
@@ -4541,7 +4558,7 @@
         </p:nvSpPr>
         <p:spPr>
           <a:xfrm>
-            <a:off x="995083" y="820271"/>
+            <a:off x="995083" y="1492751"/>
             <a:ext cx="10901082" cy="703729"/>
           </a:xfrm>
         </p:spPr>
@@ -4588,7 +4605,7 @@
         </p:nvSpPr>
         <p:spPr>
           <a:xfrm>
-            <a:off x="1371599" y="1954306"/>
+            <a:off x="1371025" y="2230156"/>
             <a:ext cx="6956613" cy="3913094"/>
           </a:xfrm>
         </p:spPr>
@@ -4694,7 +4711,7 @@
         </p:blipFill>
         <p:spPr>
           <a:xfrm>
-            <a:off x="8328212" y="2079812"/>
+            <a:off x="8328212" y="2297507"/>
             <a:ext cx="3863788" cy="2877669"/>
           </a:xfrm>
         </p:spPr>
@@ -4722,7 +4739,7 @@
           <a:p>
             <a:fld id="{C6875E4F-DED7-4D59-844C-FCE8420D0585}" type="datetime1">
               <a:rPr lang="en-US" smtClean="0"/>
-              <a:t>8/29/2023</a:t>
+              <a:t>2/23/2024</a:t>
             </a:fld>
             <a:endParaRPr lang="en-US" dirty="0"/>
           </a:p>
@@ -4784,7 +4801,7 @@
         </p:nvSpPr>
         <p:spPr>
           <a:xfrm>
-            <a:off x="8031889" y="5175176"/>
+            <a:off x="8090720" y="5315398"/>
             <a:ext cx="4101280" cy="474528"/>
           </a:xfrm>
           <a:prstGeom prst="rect">
@@ -4821,9 +4838,71 @@
                 <a:latin typeface="Times New Roman" panose="02020603050405020304" pitchFamily="18" charset="0"/>
                 <a:cs typeface="Times New Roman" panose="02020603050405020304" pitchFamily="18" charset="0"/>
               </a:rPr>
-              <a:t>Fig 3. Basic AOMDV routing</a:t>
+              <a:t>Fig 4. Basic AOMDV routing</a:t>
             </a:r>
             <a:endParaRPr lang="en-SG" sz="2000" dirty="0">
+              <a:latin typeface="Times New Roman" panose="02020603050405020304" pitchFamily="18" charset="0"/>
+              <a:cs typeface="Times New Roman" panose="02020603050405020304" pitchFamily="18" charset="0"/>
+            </a:endParaRPr>
+          </a:p>
+        </p:txBody>
+      </p:sp>
+      <p:sp>
+        <p:nvSpPr>
+          <p:cNvPr id="4" name="Title 1">
+            <a:extLst>
+              <a:ext uri="{FF2B5EF4-FFF2-40B4-BE49-F238E27FC236}">
+                <a16:creationId xmlns:a16="http://schemas.microsoft.com/office/drawing/2014/main" id="{1077FC89-A3C1-9CA1-C8D4-E92C87942C70}"/>
+              </a:ext>
+            </a:extLst>
+          </p:cNvPr>
+          <p:cNvSpPr txBox="1">
+            <a:spLocks/>
+          </p:cNvSpPr>
+          <p:nvPr/>
+        </p:nvSpPr>
+        <p:spPr>
+          <a:xfrm>
+            <a:off x="1371025" y="496815"/>
+            <a:ext cx="9601200" cy="685800"/>
+          </a:xfrm>
+          <a:prstGeom prst="rect">
+            <a:avLst/>
+          </a:prstGeom>
+        </p:spPr>
+        <p:txBody>
+          <a:bodyPr vert="horz" lIns="91440" tIns="45720" rIns="91440" bIns="45720" rtlCol="0" anchor="t">
+            <a:normAutofit/>
+          </a:bodyPr>
+          <a:lstStyle>
+            <a:lvl1pPr algn="l" defTabSz="914400" rtl="0" eaLnBrk="1" latinLnBrk="0" hangingPunct="1">
+              <a:lnSpc>
+                <a:spcPct val="89000"/>
+              </a:lnSpc>
+              <a:spcBef>
+                <a:spcPct val="0"/>
+              </a:spcBef>
+              <a:buNone/>
+              <a:defRPr sz="4400" kern="1200" baseline="0">
+                <a:solidFill>
+                  <a:schemeClr val="tx2"/>
+                </a:solidFill>
+                <a:latin typeface="+mj-lt"/>
+                <a:ea typeface="+mj-ea"/>
+                <a:cs typeface="+mj-cs"/>
+              </a:defRPr>
+            </a:lvl1pPr>
+          </a:lstStyle>
+          <a:p>
+            <a:pPr algn="ctr"/>
+            <a:r>
+              <a:rPr lang="en-US" sz="4000" b="1" dirty="0">
+                <a:latin typeface="Times New Roman" panose="02020603050405020304" pitchFamily="18" charset="0"/>
+                <a:cs typeface="Times New Roman" panose="02020603050405020304" pitchFamily="18" charset="0"/>
+              </a:rPr>
+              <a:t>Tools</a:t>
+            </a:r>
+            <a:endParaRPr lang="en-SG" b="1" dirty="0">
               <a:latin typeface="Times New Roman" panose="02020603050405020304" pitchFamily="18" charset="0"/>
               <a:cs typeface="Times New Roman" panose="02020603050405020304" pitchFamily="18" charset="0"/>
             </a:endParaRPr>
@@ -4840,6 +4919,14 @@
   <p:clrMapOvr>
     <a:masterClrMapping/>
   </p:clrMapOvr>
+  <mc:AlternateContent xmlns:mc="http://schemas.openxmlformats.org/markup-compatibility/2006">
+    <mc:Choice xmlns:p14="http://schemas.microsoft.com/office/powerpoint/2010/main" Requires="p14">
+      <p:transition spd="slow" p14:dur="2000" advTm="4452"/>
+    </mc:Choice>
+    <mc:Fallback>
+      <p:transition spd="slow" advTm="4452"/>
+    </mc:Fallback>
+  </mc:AlternateContent>
 </p:sld>
 </file>
 
@@ -4865,6 +4952,338 @@
           <p:cNvPr id="2" name="Title 1">
             <a:extLst>
               <a:ext uri="{FF2B5EF4-FFF2-40B4-BE49-F238E27FC236}">
+                <a16:creationId xmlns:a16="http://schemas.microsoft.com/office/drawing/2014/main" id="{B8263E31-4FCF-6E23-6E64-189AD5D1A775}"/>
+              </a:ext>
+            </a:extLst>
+          </p:cNvPr>
+          <p:cNvSpPr>
+            <a:spLocks noGrp="1"/>
+          </p:cNvSpPr>
+          <p:nvPr>
+            <p:ph type="title"/>
+          </p:nvPr>
+        </p:nvSpPr>
+        <p:spPr>
+          <a:xfrm>
+            <a:off x="1390650" y="646060"/>
+            <a:ext cx="9601200" cy="685800"/>
+          </a:xfrm>
+        </p:spPr>
+        <p:txBody>
+          <a:bodyPr/>
+          <a:lstStyle/>
+          <a:p>
+            <a:pPr algn="ctr"/>
+            <a:r>
+              <a:rPr lang="en-US" sz="4000" b="1" dirty="0">
+                <a:latin typeface="Times New Roman" panose="02020603050405020304" pitchFamily="18" charset="0"/>
+                <a:cs typeface="Times New Roman" panose="02020603050405020304" pitchFamily="18" charset="0"/>
+              </a:rPr>
+              <a:t>Tools</a:t>
+            </a:r>
+            <a:endParaRPr lang="en-SG" b="1" dirty="0">
+              <a:latin typeface="Times New Roman" panose="02020603050405020304" pitchFamily="18" charset="0"/>
+              <a:cs typeface="Times New Roman" panose="02020603050405020304" pitchFamily="18" charset="0"/>
+            </a:endParaRPr>
+          </a:p>
+        </p:txBody>
+      </p:sp>
+      <p:sp>
+        <p:nvSpPr>
+          <p:cNvPr id="3" name="Content Placeholder 2">
+            <a:extLst>
+              <a:ext uri="{FF2B5EF4-FFF2-40B4-BE49-F238E27FC236}">
+                <a16:creationId xmlns:a16="http://schemas.microsoft.com/office/drawing/2014/main" id="{3D199670-750D-51F9-B339-021A82A72A62}"/>
+              </a:ext>
+            </a:extLst>
+          </p:cNvPr>
+          <p:cNvSpPr>
+            <a:spLocks noGrp="1"/>
+          </p:cNvSpPr>
+          <p:nvPr>
+            <p:ph idx="1"/>
+          </p:nvPr>
+        </p:nvSpPr>
+        <p:spPr>
+          <a:xfrm>
+            <a:off x="1371600" y="1488141"/>
+            <a:ext cx="9601200" cy="4652682"/>
+          </a:xfrm>
+        </p:spPr>
+        <p:txBody>
+          <a:bodyPr>
+            <a:normAutofit/>
+          </a:bodyPr>
+          <a:lstStyle/>
+          <a:p>
+            <a:r>
+              <a:rPr lang="en-US" sz="3200" b="1" dirty="0"/>
+              <a:t>Enhanced Homomorphic Encryption (EHC)</a:t>
+            </a:r>
+          </a:p>
+          <a:p>
+            <a:pPr marL="0" indent="0">
+              <a:buNone/>
+            </a:pPr>
+            <a:endParaRPr lang="en-US" sz="3200" b="1" dirty="0"/>
+          </a:p>
+          <a:p>
+            <a:pPr>
+              <a:buFont typeface="Wingdings" panose="05000000000000000000" pitchFamily="2" charset="2"/>
+              <a:buChar char="§"/>
+            </a:pPr>
+            <a:r>
+              <a:rPr lang="en-SG" sz="2400" dirty="0">
+                <a:latin typeface="Times New Roman" panose="02020603050405020304" pitchFamily="18" charset="0"/>
+                <a:cs typeface="Times New Roman" panose="02020603050405020304" pitchFamily="18" charset="0"/>
+              </a:rPr>
+              <a:t>Additive homomorphic strategy, introduced by </a:t>
+            </a:r>
+            <a:r>
+              <a:rPr lang="en-SG" sz="2400" dirty="0" err="1">
+                <a:latin typeface="Times New Roman" panose="02020603050405020304" pitchFamily="18" charset="0"/>
+                <a:cs typeface="Times New Roman" panose="02020603050405020304" pitchFamily="18" charset="0"/>
+              </a:rPr>
+              <a:t>Gorti</a:t>
+            </a:r>
+            <a:r>
+              <a:rPr lang="en-SG" sz="2400" dirty="0">
+                <a:latin typeface="Times New Roman" panose="02020603050405020304" pitchFamily="18" charset="0"/>
+                <a:cs typeface="Times New Roman" panose="02020603050405020304" pitchFamily="18" charset="0"/>
+              </a:rPr>
+              <a:t>[3]</a:t>
+            </a:r>
+          </a:p>
+          <a:p>
+            <a:pPr>
+              <a:buFont typeface="Wingdings" panose="05000000000000000000" pitchFamily="2" charset="2"/>
+              <a:buChar char="§"/>
+            </a:pPr>
+            <a:r>
+              <a:rPr lang="en-US" sz="2400" dirty="0">
+                <a:latin typeface="Times New Roman" panose="02020603050405020304" pitchFamily="18" charset="0"/>
+                <a:cs typeface="Times New Roman" panose="02020603050405020304" pitchFamily="18" charset="0"/>
+              </a:rPr>
+              <a:t>Encryption involves a large number m derived from primes p and q, where p serves as the secret key</a:t>
+            </a:r>
+            <a:endParaRPr lang="en-US" sz="2000" dirty="0"/>
+          </a:p>
+          <a:p>
+            <a:pPr>
+              <a:buFont typeface="Wingdings" panose="05000000000000000000" pitchFamily="2" charset="2"/>
+              <a:buChar char="§"/>
+            </a:pPr>
+            <a:r>
+              <a:rPr lang="en-US" sz="2400" dirty="0">
+                <a:latin typeface="Times New Roman" panose="02020603050405020304" pitchFamily="18" charset="0"/>
+                <a:cs typeface="Times New Roman" panose="02020603050405020304" pitchFamily="18" charset="0"/>
+              </a:rPr>
+              <a:t>Incorporates random numbers for enhanced security, strengthening the cryptosystem's resilience</a:t>
+            </a:r>
+          </a:p>
+          <a:p>
+            <a:pPr>
+              <a:buFont typeface="Wingdings" panose="05000000000000000000" pitchFamily="2" charset="2"/>
+              <a:buChar char="§"/>
+            </a:pPr>
+            <a:r>
+              <a:rPr lang="en-US" sz="2400" dirty="0">
+                <a:latin typeface="Times New Roman" panose="02020603050405020304" pitchFamily="18" charset="0"/>
+                <a:cs typeface="Times New Roman" panose="02020603050405020304" pitchFamily="18" charset="0"/>
+              </a:rPr>
+              <a:t>Scheme revolves around key generation, encryption, and decryption as its fundamental principles</a:t>
+            </a:r>
+            <a:endParaRPr lang="en-SG" sz="2400" dirty="0">
+              <a:latin typeface="Times New Roman" panose="02020603050405020304" pitchFamily="18" charset="0"/>
+              <a:cs typeface="Times New Roman" panose="02020603050405020304" pitchFamily="18" charset="0"/>
+            </a:endParaRPr>
+          </a:p>
+          <a:p>
+            <a:pPr>
+              <a:buFont typeface="Wingdings" panose="05000000000000000000" pitchFamily="2" charset="2"/>
+              <a:buChar char="§"/>
+            </a:pPr>
+            <a:endParaRPr lang="en-SG" sz="3200" b="1" dirty="0">
+              <a:latin typeface="Times New Roman" panose="02020603050405020304" pitchFamily="18" charset="0"/>
+              <a:cs typeface="Times New Roman" panose="02020603050405020304" pitchFamily="18" charset="0"/>
+            </a:endParaRPr>
+          </a:p>
+        </p:txBody>
+      </p:sp>
+      <p:sp>
+        <p:nvSpPr>
+          <p:cNvPr id="6" name="Date Placeholder 5">
+            <a:extLst>
+              <a:ext uri="{FF2B5EF4-FFF2-40B4-BE49-F238E27FC236}">
+                <a16:creationId xmlns:a16="http://schemas.microsoft.com/office/drawing/2014/main" id="{BC382AA3-4D0D-7BA0-4A17-3BC20DBA2F0C}"/>
+              </a:ext>
+            </a:extLst>
+          </p:cNvPr>
+          <p:cNvSpPr>
+            <a:spLocks noGrp="1"/>
+          </p:cNvSpPr>
+          <p:nvPr>
+            <p:ph type="dt" sz="half" idx="10"/>
+          </p:nvPr>
+        </p:nvSpPr>
+        <p:spPr/>
+        <p:txBody>
+          <a:bodyPr/>
+          <a:lstStyle/>
+          <a:p>
+            <a:fld id="{30C4B3FC-7644-4976-98D9-16D986268A61}" type="datetime1">
+              <a:rPr lang="en-US" smtClean="0"/>
+              <a:t>2/23/2024</a:t>
+            </a:fld>
+            <a:endParaRPr lang="en-US" dirty="0"/>
+          </a:p>
+        </p:txBody>
+      </p:sp>
+      <p:sp>
+        <p:nvSpPr>
+          <p:cNvPr id="5" name="Slide Number Placeholder 4">
+            <a:extLst>
+              <a:ext uri="{FF2B5EF4-FFF2-40B4-BE49-F238E27FC236}">
+                <a16:creationId xmlns:a16="http://schemas.microsoft.com/office/drawing/2014/main" id="{CC6E2791-F3F9-ECBD-C860-4F919C4CB4D5}"/>
+              </a:ext>
+            </a:extLst>
+          </p:cNvPr>
+          <p:cNvSpPr>
+            <a:spLocks noGrp="1"/>
+          </p:cNvSpPr>
+          <p:nvPr>
+            <p:ph type="sldNum" sz="quarter" idx="12"/>
+          </p:nvPr>
+        </p:nvSpPr>
+        <p:spPr>
+          <a:xfrm>
+            <a:off x="4770315" y="6233750"/>
+            <a:ext cx="1596292" cy="404614"/>
+          </a:xfrm>
+        </p:spPr>
+        <p:txBody>
+          <a:bodyPr/>
+          <a:lstStyle/>
+          <a:p>
+            <a:fld id="{69E57DC2-970A-4B3E-BB1C-7A09969E49DF}" type="slidenum">
+              <a:rPr lang="en-US" sz="2800" b="1" smtClean="0">
+                <a:latin typeface="Times New Roman" panose="02020603050405020304" pitchFamily="18" charset="0"/>
+                <a:cs typeface="Times New Roman" panose="02020603050405020304" pitchFamily="18" charset="0"/>
+              </a:rPr>
+              <a:t>11</a:t>
+            </a:fld>
+            <a:endParaRPr lang="en-US" sz="2800" b="1" dirty="0">
+              <a:latin typeface="Times New Roman" panose="02020603050405020304" pitchFamily="18" charset="0"/>
+              <a:cs typeface="Times New Roman" panose="02020603050405020304" pitchFamily="18" charset="0"/>
+            </a:endParaRPr>
+          </a:p>
+        </p:txBody>
+      </p:sp>
+      <p:sp>
+        <p:nvSpPr>
+          <p:cNvPr id="4" name="Title 1">
+            <a:extLst>
+              <a:ext uri="{FF2B5EF4-FFF2-40B4-BE49-F238E27FC236}">
+                <a16:creationId xmlns:a16="http://schemas.microsoft.com/office/drawing/2014/main" id="{FF0798B9-D6BA-61D4-711C-8289B0341471}"/>
+              </a:ext>
+            </a:extLst>
+          </p:cNvPr>
+          <p:cNvSpPr txBox="1">
+            <a:spLocks/>
+          </p:cNvSpPr>
+          <p:nvPr/>
+        </p:nvSpPr>
+        <p:spPr>
+          <a:xfrm>
+            <a:off x="9812431" y="6310552"/>
+            <a:ext cx="2320738" cy="474528"/>
+          </a:xfrm>
+          <a:prstGeom prst="rect">
+            <a:avLst/>
+          </a:prstGeom>
+        </p:spPr>
+        <p:txBody>
+          <a:bodyPr vert="horz" lIns="91440" tIns="45720" rIns="91440" bIns="45720" rtlCol="0" anchor="t">
+            <a:normAutofit/>
+          </a:bodyPr>
+          <a:lstStyle>
+            <a:lvl1pPr algn="l" defTabSz="914400" rtl="0" eaLnBrk="1" latinLnBrk="0" hangingPunct="1">
+              <a:lnSpc>
+                <a:spcPct val="89000"/>
+              </a:lnSpc>
+              <a:spcBef>
+                <a:spcPct val="0"/>
+              </a:spcBef>
+              <a:buNone/>
+              <a:defRPr sz="4400" kern="1200" baseline="0">
+                <a:solidFill>
+                  <a:schemeClr val="tx2"/>
+                </a:solidFill>
+                <a:latin typeface="+mj-lt"/>
+                <a:ea typeface="+mj-ea"/>
+                <a:cs typeface="+mj-cs"/>
+              </a:defRPr>
+            </a:lvl1pPr>
+          </a:lstStyle>
+          <a:p>
+            <a:pPr algn="ctr"/>
+            <a:r>
+              <a:rPr lang="en-US" sz="1800" dirty="0">
+                <a:latin typeface="Times New Roman" panose="02020603050405020304" pitchFamily="18" charset="0"/>
+                <a:cs typeface="Times New Roman" panose="02020603050405020304" pitchFamily="18" charset="0"/>
+              </a:rPr>
+              <a:t>Tools cont’d….</a:t>
+            </a:r>
+            <a:endParaRPr lang="en-SG" sz="2000" dirty="0">
+              <a:latin typeface="Times New Roman" panose="02020603050405020304" pitchFamily="18" charset="0"/>
+              <a:cs typeface="Times New Roman" panose="02020603050405020304" pitchFamily="18" charset="0"/>
+            </a:endParaRPr>
+          </a:p>
+        </p:txBody>
+      </p:sp>
+    </p:spTree>
+    <p:extLst>
+      <p:ext uri="{BB962C8B-B14F-4D97-AF65-F5344CB8AC3E}">
+        <p14:creationId xmlns:p14="http://schemas.microsoft.com/office/powerpoint/2010/main" val="2719350851"/>
+      </p:ext>
+    </p:extLst>
+  </p:cSld>
+  <p:clrMapOvr>
+    <a:masterClrMapping/>
+  </p:clrMapOvr>
+  <mc:AlternateContent xmlns:mc="http://schemas.openxmlformats.org/markup-compatibility/2006">
+    <mc:Choice xmlns:p14="http://schemas.microsoft.com/office/powerpoint/2010/main" Requires="p14">
+      <p:transition spd="slow" p14:dur="2000" advTm="2292"/>
+    </mc:Choice>
+    <mc:Fallback>
+      <p:transition spd="slow" advTm="2292"/>
+    </mc:Fallback>
+  </mc:AlternateContent>
+</p:sld>
+</file>
+
+<file path=ppt/slides/slide12.xml><?xml version="1.0" encoding="utf-8"?>
+<p:sld xmlns:a="http://schemas.openxmlformats.org/drawingml/2006/main" xmlns:r="http://schemas.openxmlformats.org/officeDocument/2006/relationships" xmlns:p="http://schemas.openxmlformats.org/presentationml/2006/main">
+  <p:cSld>
+    <p:spTree>
+      <p:nvGrpSpPr>
+        <p:cNvPr id="1" name=""/>
+        <p:cNvGrpSpPr/>
+        <p:nvPr/>
+      </p:nvGrpSpPr>
+      <p:grpSpPr>
+        <a:xfrm>
+          <a:off x="0" y="0"/>
+          <a:ext cx="0" cy="0"/>
+          <a:chOff x="0" y="0"/>
+          <a:chExt cx="0" cy="0"/>
+        </a:xfrm>
+      </p:grpSpPr>
+      <p:sp>
+        <p:nvSpPr>
+          <p:cNvPr id="2" name="Title 1">
+            <a:extLst>
+              <a:ext uri="{FF2B5EF4-FFF2-40B4-BE49-F238E27FC236}">
                 <a16:creationId xmlns:a16="http://schemas.microsoft.com/office/drawing/2014/main" id="{E88507F7-14CA-ECE4-D44E-1C34FD763DF6}"/>
               </a:ext>
             </a:extLst>
@@ -4878,6 +5297,1474 @@
         </p:nvSpPr>
         <p:spPr>
           <a:xfrm>
+            <a:off x="1595718" y="738075"/>
+            <a:ext cx="9601200" cy="709246"/>
+          </a:xfrm>
+        </p:spPr>
+        <p:txBody>
+          <a:bodyPr>
+            <a:normAutofit/>
+          </a:bodyPr>
+          <a:lstStyle/>
+          <a:p>
+            <a:pPr algn="ctr"/>
+            <a:r>
+              <a:rPr lang="en-US" sz="4000" b="1" dirty="0">
+                <a:latin typeface="Times New Roman" panose="02020603050405020304" pitchFamily="18" charset="0"/>
+                <a:cs typeface="Times New Roman" panose="02020603050405020304" pitchFamily="18" charset="0"/>
+              </a:rPr>
+              <a:t>Methodology</a:t>
+            </a:r>
+            <a:endParaRPr lang="en-SG" sz="4000" b="1" dirty="0">
+              <a:latin typeface="Times New Roman" panose="02020603050405020304" pitchFamily="18" charset="0"/>
+              <a:cs typeface="Times New Roman" panose="02020603050405020304" pitchFamily="18" charset="0"/>
+            </a:endParaRPr>
+          </a:p>
+        </p:txBody>
+      </p:sp>
+      <p:sp>
+        <p:nvSpPr>
+          <p:cNvPr id="4" name="Date Placeholder 3">
+            <a:extLst>
+              <a:ext uri="{FF2B5EF4-FFF2-40B4-BE49-F238E27FC236}">
+                <a16:creationId xmlns:a16="http://schemas.microsoft.com/office/drawing/2014/main" id="{7B778D70-7AAB-4469-1BFA-6FE9A73F06E3}"/>
+              </a:ext>
+            </a:extLst>
+          </p:cNvPr>
+          <p:cNvSpPr>
+            <a:spLocks noGrp="1"/>
+          </p:cNvSpPr>
+          <p:nvPr>
+            <p:ph type="dt" sz="half" idx="10"/>
+          </p:nvPr>
+        </p:nvSpPr>
+        <p:spPr/>
+        <p:txBody>
+          <a:bodyPr/>
+          <a:lstStyle/>
+          <a:p>
+            <a:fld id="{89227FBB-25E7-4C7E-8513-268B51BC1F29}" type="datetime1">
+              <a:rPr lang="en-US" smtClean="0"/>
+              <a:t>2/23/2024</a:t>
+            </a:fld>
+            <a:endParaRPr lang="en-US" dirty="0"/>
+          </a:p>
+        </p:txBody>
+      </p:sp>
+      <p:sp>
+        <p:nvSpPr>
+          <p:cNvPr id="5" name="Slide Number Placeholder 4">
+            <a:extLst>
+              <a:ext uri="{FF2B5EF4-FFF2-40B4-BE49-F238E27FC236}">
+                <a16:creationId xmlns:a16="http://schemas.microsoft.com/office/drawing/2014/main" id="{427E2341-30D5-1AEE-F5DD-B2DD35CFE014}"/>
+              </a:ext>
+            </a:extLst>
+          </p:cNvPr>
+          <p:cNvSpPr>
+            <a:spLocks noGrp="1"/>
+          </p:cNvSpPr>
+          <p:nvPr>
+            <p:ph type="sldNum" sz="quarter" idx="12"/>
+          </p:nvPr>
+        </p:nvSpPr>
+        <p:spPr>
+          <a:xfrm>
+            <a:off x="5510336" y="6251079"/>
+            <a:ext cx="1596292" cy="404614"/>
+          </a:xfrm>
+        </p:spPr>
+        <p:txBody>
+          <a:bodyPr/>
+          <a:lstStyle/>
+          <a:p>
+            <a:pPr algn="ctr"/>
+            <a:fld id="{69E57DC2-970A-4B3E-BB1C-7A09969E49DF}" type="slidenum">
+              <a:rPr lang="en-US" sz="2800" b="1" smtClean="0">
+                <a:latin typeface="Times New Roman" panose="02020603050405020304" pitchFamily="18" charset="0"/>
+                <a:cs typeface="Times New Roman" panose="02020603050405020304" pitchFamily="18" charset="0"/>
+              </a:rPr>
+              <a:pPr algn="ctr"/>
+              <a:t>12</a:t>
+            </a:fld>
+            <a:endParaRPr lang="en-US" b="1" dirty="0">
+              <a:latin typeface="Times New Roman" panose="02020603050405020304" pitchFamily="18" charset="0"/>
+              <a:cs typeface="Times New Roman" panose="02020603050405020304" pitchFamily="18" charset="0"/>
+            </a:endParaRPr>
+          </a:p>
+        </p:txBody>
+      </p:sp>
+      <p:sp>
+        <p:nvSpPr>
+          <p:cNvPr id="6" name="Title 1">
+            <a:extLst>
+              <a:ext uri="{FF2B5EF4-FFF2-40B4-BE49-F238E27FC236}">
+                <a16:creationId xmlns:a16="http://schemas.microsoft.com/office/drawing/2014/main" id="{3AEB0C63-73FB-BC4B-C4D9-DABB547393F1}"/>
+              </a:ext>
+            </a:extLst>
+          </p:cNvPr>
+          <p:cNvSpPr txBox="1">
+            <a:spLocks/>
+          </p:cNvSpPr>
+          <p:nvPr/>
+        </p:nvSpPr>
+        <p:spPr>
+          <a:xfrm>
+            <a:off x="1662953" y="2577357"/>
+            <a:ext cx="9601200" cy="1942928"/>
+          </a:xfrm>
+          <a:prstGeom prst="rect">
+            <a:avLst/>
+          </a:prstGeom>
+        </p:spPr>
+        <p:txBody>
+          <a:bodyPr vert="horz" lIns="91440" tIns="45720" rIns="91440" bIns="45720" rtlCol="0" anchor="t">
+            <a:normAutofit/>
+          </a:bodyPr>
+          <a:lstStyle>
+            <a:lvl1pPr algn="l" defTabSz="914400" rtl="0" eaLnBrk="1" latinLnBrk="0" hangingPunct="1">
+              <a:lnSpc>
+                <a:spcPct val="89000"/>
+              </a:lnSpc>
+              <a:spcBef>
+                <a:spcPct val="0"/>
+              </a:spcBef>
+              <a:buNone/>
+              <a:defRPr sz="4400" kern="1200" baseline="0">
+                <a:solidFill>
+                  <a:schemeClr val="tx2"/>
+                </a:solidFill>
+                <a:latin typeface="+mj-lt"/>
+                <a:ea typeface="+mj-ea"/>
+                <a:cs typeface="+mj-cs"/>
+              </a:defRPr>
+            </a:lvl1pPr>
+          </a:lstStyle>
+          <a:p>
+            <a:pPr marL="457200" indent="-457200">
+              <a:lnSpc>
+                <a:spcPct val="150000"/>
+              </a:lnSpc>
+              <a:buFont typeface="Wingdings" panose="05000000000000000000" pitchFamily="2" charset="2"/>
+              <a:buChar char="§"/>
+            </a:pPr>
+            <a:r>
+              <a:rPr lang="en-US" sz="3200" b="1" dirty="0">
+                <a:latin typeface="Times New Roman" panose="02020603050405020304" pitchFamily="18" charset="0"/>
+                <a:cs typeface="Times New Roman" panose="02020603050405020304" pitchFamily="18" charset="0"/>
+              </a:rPr>
+              <a:t>Secure Route Discovery</a:t>
+            </a:r>
+          </a:p>
+          <a:p>
+            <a:pPr marL="457200" indent="-457200">
+              <a:lnSpc>
+                <a:spcPct val="150000"/>
+              </a:lnSpc>
+              <a:buFont typeface="Wingdings" panose="05000000000000000000" pitchFamily="2" charset="2"/>
+              <a:buChar char="§"/>
+            </a:pPr>
+            <a:r>
+              <a:rPr lang="en-US" sz="3200" b="1" dirty="0">
+                <a:latin typeface="Times New Roman" panose="02020603050405020304" pitchFamily="18" charset="0"/>
+                <a:cs typeface="Times New Roman" panose="02020603050405020304" pitchFamily="18" charset="0"/>
+              </a:rPr>
+              <a:t>Secure and Reliable Data Communication</a:t>
+            </a:r>
+          </a:p>
+          <a:p>
+            <a:pPr marL="457200" indent="-457200">
+              <a:lnSpc>
+                <a:spcPct val="150000"/>
+              </a:lnSpc>
+              <a:buFont typeface="Wingdings" panose="05000000000000000000" pitchFamily="2" charset="2"/>
+              <a:buChar char="§"/>
+            </a:pPr>
+            <a:endParaRPr lang="en-SG" sz="3200" b="1" dirty="0">
+              <a:latin typeface="Times New Roman" panose="02020603050405020304" pitchFamily="18" charset="0"/>
+              <a:cs typeface="Times New Roman" panose="02020603050405020304" pitchFamily="18" charset="0"/>
+            </a:endParaRPr>
+          </a:p>
+        </p:txBody>
+      </p:sp>
+      <p:sp>
+        <p:nvSpPr>
+          <p:cNvPr id="9" name="TextBox 8">
+            <a:extLst>
+              <a:ext uri="{FF2B5EF4-FFF2-40B4-BE49-F238E27FC236}">
+                <a16:creationId xmlns:a16="http://schemas.microsoft.com/office/drawing/2014/main" id="{962F3755-C7AF-CAAA-311F-5493115CAC29}"/>
+              </a:ext>
+            </a:extLst>
+          </p:cNvPr>
+          <p:cNvSpPr txBox="1"/>
+          <p:nvPr/>
+        </p:nvSpPr>
+        <p:spPr>
+          <a:xfrm>
+            <a:off x="8498541" y="5961129"/>
+            <a:ext cx="3420035" cy="369332"/>
+          </a:xfrm>
+          <a:prstGeom prst="rect">
+            <a:avLst/>
+          </a:prstGeom>
+          <a:noFill/>
+        </p:spPr>
+        <p:txBody>
+          <a:bodyPr wrap="square">
+            <a:spAutoFit/>
+          </a:bodyPr>
+          <a:lstStyle/>
+          <a:p>
+            <a:pPr algn="ctr"/>
+            <a:r>
+              <a:rPr lang="en-US" dirty="0">
+                <a:latin typeface="Times New Roman" panose="02020603050405020304" pitchFamily="18" charset="0"/>
+                <a:cs typeface="Times New Roman" panose="02020603050405020304" pitchFamily="18" charset="0"/>
+              </a:rPr>
+              <a:t>Methodology</a:t>
+            </a:r>
+            <a:r>
+              <a:rPr lang="en-US" sz="1800" dirty="0">
+                <a:latin typeface="Times New Roman" panose="02020603050405020304" pitchFamily="18" charset="0"/>
+                <a:cs typeface="Times New Roman" panose="02020603050405020304" pitchFamily="18" charset="0"/>
+              </a:rPr>
+              <a:t> cont’d….</a:t>
+            </a:r>
+            <a:endParaRPr lang="en-SG" sz="2000" dirty="0">
+              <a:latin typeface="Times New Roman" panose="02020603050405020304" pitchFamily="18" charset="0"/>
+              <a:cs typeface="Times New Roman" panose="02020603050405020304" pitchFamily="18" charset="0"/>
+            </a:endParaRPr>
+          </a:p>
+        </p:txBody>
+      </p:sp>
+    </p:spTree>
+    <p:extLst>
+      <p:ext uri="{BB962C8B-B14F-4D97-AF65-F5344CB8AC3E}">
+        <p14:creationId xmlns:p14="http://schemas.microsoft.com/office/powerpoint/2010/main" val="896806362"/>
+      </p:ext>
+    </p:extLst>
+  </p:cSld>
+  <p:clrMapOvr>
+    <a:masterClrMapping/>
+  </p:clrMapOvr>
+  <mc:AlternateContent xmlns:mc="http://schemas.openxmlformats.org/markup-compatibility/2006">
+    <mc:Choice xmlns:p14="http://schemas.microsoft.com/office/powerpoint/2010/main" Requires="p14">
+      <p:transition spd="slow" p14:dur="2000" advTm="22672"/>
+    </mc:Choice>
+    <mc:Fallback>
+      <p:transition spd="slow" advTm="22672"/>
+    </mc:Fallback>
+  </mc:AlternateContent>
+</p:sld>
+</file>
+
+<file path=ppt/slides/slide13.xml><?xml version="1.0" encoding="utf-8"?>
+<p:sld xmlns:a="http://schemas.openxmlformats.org/drawingml/2006/main" xmlns:r="http://schemas.openxmlformats.org/officeDocument/2006/relationships" xmlns:p="http://schemas.openxmlformats.org/presentationml/2006/main">
+  <p:cSld>
+    <p:spTree>
+      <p:nvGrpSpPr>
+        <p:cNvPr id="1" name="">
+          <a:extLst>
+            <a:ext uri="{FF2B5EF4-FFF2-40B4-BE49-F238E27FC236}">
+              <a16:creationId xmlns:a16="http://schemas.microsoft.com/office/drawing/2014/main" id="{2F014376-00DC-3377-A687-DC7BD2C193E8}"/>
+            </a:ext>
+          </a:extLst>
+        </p:cNvPr>
+        <p:cNvGrpSpPr/>
+        <p:nvPr/>
+      </p:nvGrpSpPr>
+      <p:grpSpPr>
+        <a:xfrm>
+          <a:off x="0" y="0"/>
+          <a:ext cx="0" cy="0"/>
+          <a:chOff x="0" y="0"/>
+          <a:chExt cx="0" cy="0"/>
+        </a:xfrm>
+      </p:grpSpPr>
+      <p:sp>
+        <p:nvSpPr>
+          <p:cNvPr id="2" name="Title 1">
+            <a:extLst>
+              <a:ext uri="{FF2B5EF4-FFF2-40B4-BE49-F238E27FC236}">
+                <a16:creationId xmlns:a16="http://schemas.microsoft.com/office/drawing/2014/main" id="{BC4D5C1F-290A-9893-8D50-4DE3E21A1E35}"/>
+              </a:ext>
+            </a:extLst>
+          </p:cNvPr>
+          <p:cNvSpPr>
+            <a:spLocks noGrp="1"/>
+          </p:cNvSpPr>
+          <p:nvPr>
+            <p:ph type="title"/>
+          </p:nvPr>
+        </p:nvSpPr>
+        <p:spPr>
+          <a:xfrm>
+            <a:off x="1497106" y="2572871"/>
+            <a:ext cx="9861177" cy="941293"/>
+          </a:xfrm>
+        </p:spPr>
+        <p:txBody>
+          <a:bodyPr>
+            <a:normAutofit/>
+          </a:bodyPr>
+          <a:lstStyle/>
+          <a:p>
+            <a:pPr algn="ctr">
+              <a:lnSpc>
+                <a:spcPct val="150000"/>
+              </a:lnSpc>
+            </a:pPr>
+            <a:r>
+              <a:rPr lang="en-US" sz="4000" b="1" dirty="0">
+                <a:latin typeface="Times New Roman" panose="02020603050405020304" pitchFamily="18" charset="0"/>
+                <a:cs typeface="Times New Roman" panose="02020603050405020304" pitchFamily="18" charset="0"/>
+              </a:rPr>
+              <a:t>Secure Route Discovery</a:t>
+            </a:r>
+          </a:p>
+        </p:txBody>
+      </p:sp>
+      <p:sp>
+        <p:nvSpPr>
+          <p:cNvPr id="4" name="Date Placeholder 3">
+            <a:extLst>
+              <a:ext uri="{FF2B5EF4-FFF2-40B4-BE49-F238E27FC236}">
+                <a16:creationId xmlns:a16="http://schemas.microsoft.com/office/drawing/2014/main" id="{AFB4137F-F4A4-4D0F-2886-6F0A73C8CE69}"/>
+              </a:ext>
+            </a:extLst>
+          </p:cNvPr>
+          <p:cNvSpPr>
+            <a:spLocks noGrp="1"/>
+          </p:cNvSpPr>
+          <p:nvPr>
+            <p:ph type="dt" sz="half" idx="10"/>
+          </p:nvPr>
+        </p:nvSpPr>
+        <p:spPr/>
+        <p:txBody>
+          <a:bodyPr/>
+          <a:lstStyle/>
+          <a:p>
+            <a:fld id="{89227FBB-25E7-4C7E-8513-268B51BC1F29}" type="datetime1">
+              <a:rPr lang="en-US" smtClean="0"/>
+              <a:t>2/23/2024</a:t>
+            </a:fld>
+            <a:endParaRPr lang="en-US" dirty="0"/>
+          </a:p>
+        </p:txBody>
+      </p:sp>
+      <p:sp>
+        <p:nvSpPr>
+          <p:cNvPr id="5" name="Slide Number Placeholder 4">
+            <a:extLst>
+              <a:ext uri="{FF2B5EF4-FFF2-40B4-BE49-F238E27FC236}">
+                <a16:creationId xmlns:a16="http://schemas.microsoft.com/office/drawing/2014/main" id="{A65B0F46-8B5C-96E5-8E04-270F313AD3E6}"/>
+              </a:ext>
+            </a:extLst>
+          </p:cNvPr>
+          <p:cNvSpPr>
+            <a:spLocks noGrp="1"/>
+          </p:cNvSpPr>
+          <p:nvPr>
+            <p:ph type="sldNum" sz="quarter" idx="12"/>
+          </p:nvPr>
+        </p:nvSpPr>
+        <p:spPr>
+          <a:xfrm>
+            <a:off x="5510336" y="6251079"/>
+            <a:ext cx="1596292" cy="404614"/>
+          </a:xfrm>
+        </p:spPr>
+        <p:txBody>
+          <a:bodyPr/>
+          <a:lstStyle/>
+          <a:p>
+            <a:pPr algn="ctr"/>
+            <a:fld id="{69E57DC2-970A-4B3E-BB1C-7A09969E49DF}" type="slidenum">
+              <a:rPr lang="en-US" sz="2800" b="1" smtClean="0">
+                <a:latin typeface="Times New Roman" panose="02020603050405020304" pitchFamily="18" charset="0"/>
+                <a:cs typeface="Times New Roman" panose="02020603050405020304" pitchFamily="18" charset="0"/>
+              </a:rPr>
+              <a:pPr algn="ctr"/>
+              <a:t>13</a:t>
+            </a:fld>
+            <a:endParaRPr lang="en-US" b="1" dirty="0">
+              <a:latin typeface="Times New Roman" panose="02020603050405020304" pitchFamily="18" charset="0"/>
+              <a:cs typeface="Times New Roman" panose="02020603050405020304" pitchFamily="18" charset="0"/>
+            </a:endParaRPr>
+          </a:p>
+        </p:txBody>
+      </p:sp>
+      <p:sp>
+        <p:nvSpPr>
+          <p:cNvPr id="9" name="TextBox 8">
+            <a:extLst>
+              <a:ext uri="{FF2B5EF4-FFF2-40B4-BE49-F238E27FC236}">
+                <a16:creationId xmlns:a16="http://schemas.microsoft.com/office/drawing/2014/main" id="{6DF7E9B4-CD4C-C16C-F70C-FDEF0D7B1C2F}"/>
+              </a:ext>
+            </a:extLst>
+          </p:cNvPr>
+          <p:cNvSpPr txBox="1"/>
+          <p:nvPr/>
+        </p:nvSpPr>
+        <p:spPr>
+          <a:xfrm>
+            <a:off x="8498541" y="5961129"/>
+            <a:ext cx="3420035" cy="369332"/>
+          </a:xfrm>
+          <a:prstGeom prst="rect">
+            <a:avLst/>
+          </a:prstGeom>
+          <a:noFill/>
+        </p:spPr>
+        <p:txBody>
+          <a:bodyPr wrap="square">
+            <a:spAutoFit/>
+          </a:bodyPr>
+          <a:lstStyle/>
+          <a:p>
+            <a:pPr algn="ctr"/>
+            <a:r>
+              <a:rPr lang="en-US" dirty="0">
+                <a:latin typeface="Times New Roman" panose="02020603050405020304" pitchFamily="18" charset="0"/>
+                <a:cs typeface="Times New Roman" panose="02020603050405020304" pitchFamily="18" charset="0"/>
+              </a:rPr>
+              <a:t>Methodology</a:t>
+            </a:r>
+            <a:r>
+              <a:rPr lang="en-US" sz="1800" dirty="0">
+                <a:latin typeface="Times New Roman" panose="02020603050405020304" pitchFamily="18" charset="0"/>
+                <a:cs typeface="Times New Roman" panose="02020603050405020304" pitchFamily="18" charset="0"/>
+              </a:rPr>
+              <a:t> cont’d….</a:t>
+            </a:r>
+            <a:endParaRPr lang="en-SG" sz="2000" dirty="0">
+              <a:latin typeface="Times New Roman" panose="02020603050405020304" pitchFamily="18" charset="0"/>
+              <a:cs typeface="Times New Roman" panose="02020603050405020304" pitchFamily="18" charset="0"/>
+            </a:endParaRPr>
+          </a:p>
+        </p:txBody>
+      </p:sp>
+    </p:spTree>
+    <p:extLst>
+      <p:ext uri="{BB962C8B-B14F-4D97-AF65-F5344CB8AC3E}">
+        <p14:creationId xmlns:p14="http://schemas.microsoft.com/office/powerpoint/2010/main" val="9925772"/>
+      </p:ext>
+    </p:extLst>
+  </p:cSld>
+  <p:clrMapOvr>
+    <a:masterClrMapping/>
+  </p:clrMapOvr>
+  <mc:AlternateContent xmlns:mc="http://schemas.openxmlformats.org/markup-compatibility/2006" xmlns:p14="http://schemas.microsoft.com/office/powerpoint/2010/main">
+    <mc:Choice Requires="p14">
+      <p:transition spd="slow" p14:dur="2000" advTm="743"/>
+    </mc:Choice>
+    <mc:Fallback xmlns="">
+      <p:transition spd="slow" advTm="743"/>
+    </mc:Fallback>
+  </mc:AlternateContent>
+</p:sld>
+</file>
+
+<file path=ppt/slides/slide14.xml><?xml version="1.0" encoding="utf-8"?>
+<p:sld xmlns:a="http://schemas.openxmlformats.org/drawingml/2006/main" xmlns:r="http://schemas.openxmlformats.org/officeDocument/2006/relationships" xmlns:p="http://schemas.openxmlformats.org/presentationml/2006/main">
+  <p:cSld>
+    <p:spTree>
+      <p:nvGrpSpPr>
+        <p:cNvPr id="1" name="">
+          <a:extLst>
+            <a:ext uri="{FF2B5EF4-FFF2-40B4-BE49-F238E27FC236}">
+              <a16:creationId xmlns:a16="http://schemas.microsoft.com/office/drawing/2014/main" id="{19D55C88-81BF-39F8-6926-6F890F6063D7}"/>
+            </a:ext>
+          </a:extLst>
+        </p:cNvPr>
+        <p:cNvGrpSpPr/>
+        <p:nvPr/>
+      </p:nvGrpSpPr>
+      <p:grpSpPr>
+        <a:xfrm>
+          <a:off x="0" y="0"/>
+          <a:ext cx="0" cy="0"/>
+          <a:chOff x="0" y="0"/>
+          <a:chExt cx="0" cy="0"/>
+        </a:xfrm>
+      </p:grpSpPr>
+      <p:sp>
+        <p:nvSpPr>
+          <p:cNvPr id="2" name="Title 1">
+            <a:extLst>
+              <a:ext uri="{FF2B5EF4-FFF2-40B4-BE49-F238E27FC236}">
+                <a16:creationId xmlns:a16="http://schemas.microsoft.com/office/drawing/2014/main" id="{092AC4DD-AB76-AD06-BD5F-57A6A3D688BA}"/>
+              </a:ext>
+            </a:extLst>
+          </p:cNvPr>
+          <p:cNvSpPr>
+            <a:spLocks noGrp="1"/>
+          </p:cNvSpPr>
+          <p:nvPr>
+            <p:ph type="title"/>
+          </p:nvPr>
+        </p:nvSpPr>
+        <p:spPr>
+          <a:xfrm>
+            <a:off x="1595718" y="738075"/>
+            <a:ext cx="9601200" cy="709246"/>
+          </a:xfrm>
+        </p:spPr>
+        <p:txBody>
+          <a:bodyPr>
+            <a:normAutofit/>
+          </a:bodyPr>
+          <a:lstStyle/>
+          <a:p>
+            <a:pPr algn="ctr"/>
+            <a:r>
+              <a:rPr lang="en-US" sz="4000" b="1" dirty="0">
+                <a:latin typeface="Times New Roman" panose="02020603050405020304" pitchFamily="18" charset="0"/>
+                <a:cs typeface="Times New Roman" panose="02020603050405020304" pitchFamily="18" charset="0"/>
+              </a:rPr>
+              <a:t>Methodology</a:t>
+            </a:r>
+            <a:endParaRPr lang="en-SG" sz="4000" b="1" dirty="0">
+              <a:latin typeface="Times New Roman" panose="02020603050405020304" pitchFamily="18" charset="0"/>
+              <a:cs typeface="Times New Roman" panose="02020603050405020304" pitchFamily="18" charset="0"/>
+            </a:endParaRPr>
+          </a:p>
+        </p:txBody>
+      </p:sp>
+      <p:sp>
+        <p:nvSpPr>
+          <p:cNvPr id="4" name="Date Placeholder 3">
+            <a:extLst>
+              <a:ext uri="{FF2B5EF4-FFF2-40B4-BE49-F238E27FC236}">
+                <a16:creationId xmlns:a16="http://schemas.microsoft.com/office/drawing/2014/main" id="{51396339-B977-01A8-3CDC-30EB6FB7318B}"/>
+              </a:ext>
+            </a:extLst>
+          </p:cNvPr>
+          <p:cNvSpPr>
+            <a:spLocks noGrp="1"/>
+          </p:cNvSpPr>
+          <p:nvPr>
+            <p:ph type="dt" sz="half" idx="10"/>
+          </p:nvPr>
+        </p:nvSpPr>
+        <p:spPr/>
+        <p:txBody>
+          <a:bodyPr/>
+          <a:lstStyle/>
+          <a:p>
+            <a:fld id="{89227FBB-25E7-4C7E-8513-268B51BC1F29}" type="datetime1">
+              <a:rPr lang="en-US" smtClean="0"/>
+              <a:t>2/23/2024</a:t>
+            </a:fld>
+            <a:endParaRPr lang="en-US" dirty="0"/>
+          </a:p>
+        </p:txBody>
+      </p:sp>
+      <p:sp>
+        <p:nvSpPr>
+          <p:cNvPr id="5" name="Slide Number Placeholder 4">
+            <a:extLst>
+              <a:ext uri="{FF2B5EF4-FFF2-40B4-BE49-F238E27FC236}">
+                <a16:creationId xmlns:a16="http://schemas.microsoft.com/office/drawing/2014/main" id="{3DBBD616-2C41-A5CC-8F5B-1D79CE388D18}"/>
+              </a:ext>
+            </a:extLst>
+          </p:cNvPr>
+          <p:cNvSpPr>
+            <a:spLocks noGrp="1"/>
+          </p:cNvSpPr>
+          <p:nvPr>
+            <p:ph type="sldNum" sz="quarter" idx="12"/>
+          </p:nvPr>
+        </p:nvSpPr>
+        <p:spPr>
+          <a:xfrm>
+            <a:off x="5510336" y="6251079"/>
+            <a:ext cx="1596292" cy="404614"/>
+          </a:xfrm>
+        </p:spPr>
+        <p:txBody>
+          <a:bodyPr/>
+          <a:lstStyle/>
+          <a:p>
+            <a:pPr algn="ctr"/>
+            <a:fld id="{69E57DC2-970A-4B3E-BB1C-7A09969E49DF}" type="slidenum">
+              <a:rPr lang="en-US" sz="2800" b="1" smtClean="0">
+                <a:latin typeface="Times New Roman" panose="02020603050405020304" pitchFamily="18" charset="0"/>
+                <a:cs typeface="Times New Roman" panose="02020603050405020304" pitchFamily="18" charset="0"/>
+              </a:rPr>
+              <a:pPr algn="ctr"/>
+              <a:t>14</a:t>
+            </a:fld>
+            <a:endParaRPr lang="en-US" b="1" dirty="0">
+              <a:latin typeface="Times New Roman" panose="02020603050405020304" pitchFamily="18" charset="0"/>
+              <a:cs typeface="Times New Roman" panose="02020603050405020304" pitchFamily="18" charset="0"/>
+            </a:endParaRPr>
+          </a:p>
+        </p:txBody>
+      </p:sp>
+      <p:sp>
+        <p:nvSpPr>
+          <p:cNvPr id="9" name="TextBox 8">
+            <a:extLst>
+              <a:ext uri="{FF2B5EF4-FFF2-40B4-BE49-F238E27FC236}">
+                <a16:creationId xmlns:a16="http://schemas.microsoft.com/office/drawing/2014/main" id="{838AC0AD-3602-F1BB-9863-8B85F194CAD2}"/>
+              </a:ext>
+            </a:extLst>
+          </p:cNvPr>
+          <p:cNvSpPr txBox="1"/>
+          <p:nvPr/>
+        </p:nvSpPr>
+        <p:spPr>
+          <a:xfrm>
+            <a:off x="8498541" y="5961129"/>
+            <a:ext cx="3420035" cy="369332"/>
+          </a:xfrm>
+          <a:prstGeom prst="rect">
+            <a:avLst/>
+          </a:prstGeom>
+          <a:noFill/>
+        </p:spPr>
+        <p:txBody>
+          <a:bodyPr wrap="square">
+            <a:spAutoFit/>
+          </a:bodyPr>
+          <a:lstStyle/>
+          <a:p>
+            <a:pPr algn="ctr"/>
+            <a:r>
+              <a:rPr lang="en-US" dirty="0">
+                <a:latin typeface="Times New Roman" panose="02020603050405020304" pitchFamily="18" charset="0"/>
+                <a:cs typeface="Times New Roman" panose="02020603050405020304" pitchFamily="18" charset="0"/>
+              </a:rPr>
+              <a:t>Methodology</a:t>
+            </a:r>
+            <a:r>
+              <a:rPr lang="en-US" sz="1800" dirty="0">
+                <a:latin typeface="Times New Roman" panose="02020603050405020304" pitchFamily="18" charset="0"/>
+                <a:cs typeface="Times New Roman" panose="02020603050405020304" pitchFamily="18" charset="0"/>
+              </a:rPr>
+              <a:t> cont’d….</a:t>
+            </a:r>
+            <a:endParaRPr lang="en-SG" sz="2000" dirty="0">
+              <a:latin typeface="Times New Roman" panose="02020603050405020304" pitchFamily="18" charset="0"/>
+              <a:cs typeface="Times New Roman" panose="02020603050405020304" pitchFamily="18" charset="0"/>
+            </a:endParaRPr>
+          </a:p>
+        </p:txBody>
+      </p:sp>
+      <mc:AlternateContent xmlns:mc="http://schemas.openxmlformats.org/markup-compatibility/2006">
+        <mc:Choice xmlns:a14="http://schemas.microsoft.com/office/drawing/2010/main" Requires="a14">
+          <p:sp>
+            <p:nvSpPr>
+              <p:cNvPr id="3" name="Title 1">
+                <a:extLst>
+                  <a:ext uri="{FF2B5EF4-FFF2-40B4-BE49-F238E27FC236}">
+                    <a16:creationId xmlns:a16="http://schemas.microsoft.com/office/drawing/2014/main" id="{F7F17B48-4375-440C-D508-5B2BF50CCC0E}"/>
+                  </a:ext>
+                </a:extLst>
+              </p:cNvPr>
+              <p:cNvSpPr txBox="1">
+                <a:spLocks/>
+              </p:cNvSpPr>
+              <p:nvPr/>
+            </p:nvSpPr>
+            <p:spPr>
+              <a:xfrm>
+                <a:off x="1662953" y="1649505"/>
+                <a:ext cx="9390529" cy="4536142"/>
+              </a:xfrm>
+              <a:prstGeom prst="rect">
+                <a:avLst/>
+              </a:prstGeom>
+            </p:spPr>
+            <p:txBody>
+              <a:bodyPr vert="horz" lIns="91440" tIns="45720" rIns="91440" bIns="45720" rtlCol="0" anchor="t">
+                <a:normAutofit fontScale="85000" lnSpcReduction="20000"/>
+              </a:bodyPr>
+              <a:lstStyle>
+                <a:lvl1pPr algn="l" defTabSz="914400" rtl="0" eaLnBrk="1" latinLnBrk="0" hangingPunct="1">
+                  <a:lnSpc>
+                    <a:spcPct val="89000"/>
+                  </a:lnSpc>
+                  <a:spcBef>
+                    <a:spcPct val="0"/>
+                  </a:spcBef>
+                  <a:buNone/>
+                  <a:defRPr sz="4400" kern="1200" baseline="0">
+                    <a:solidFill>
+                      <a:schemeClr val="tx2"/>
+                    </a:solidFill>
+                    <a:latin typeface="+mj-lt"/>
+                    <a:ea typeface="+mj-ea"/>
+                    <a:cs typeface="+mj-cs"/>
+                  </a:defRPr>
+                </a:lvl1pPr>
+              </a:lstStyle>
+              <a:p>
+                <a:pPr marL="457200" indent="-457200">
+                  <a:lnSpc>
+                    <a:spcPct val="160000"/>
+                  </a:lnSpc>
+                  <a:buFont typeface="Wingdings" panose="05000000000000000000" pitchFamily="2" charset="2"/>
+                  <a:buChar char="§"/>
+                </a:pPr>
+                <a:r>
+                  <a:rPr lang="en-US" sz="2800" dirty="0">
+                    <a:latin typeface="Times New Roman" panose="02020603050405020304" pitchFamily="18" charset="0"/>
+                    <a:cs typeface="Times New Roman" panose="02020603050405020304" pitchFamily="18" charset="0"/>
+                  </a:rPr>
+                  <a:t>Sender choose a random authentication key and a on-way key chain generated by a hash function</a:t>
+                </a:r>
+              </a:p>
+              <a:p>
+                <a:pPr algn="ctr">
+                  <a:lnSpc>
+                    <a:spcPct val="160000"/>
+                  </a:lnSpc>
+                </a:pPr>
+                <a14:m>
+                  <m:oMath xmlns:m="http://schemas.openxmlformats.org/officeDocument/2006/math">
+                    <m:sSub>
+                      <m:sSubPr>
+                        <m:ctrlPr>
+                          <a:rPr lang="en-SG" sz="3000" b="1" i="1">
+                            <a:effectLst/>
+                            <a:latin typeface="Cambria Math" panose="02040503050406030204" pitchFamily="18" charset="0"/>
+                            <a:cs typeface="Times New Roman" panose="02020603050405020304" pitchFamily="18" charset="0"/>
+                          </a:rPr>
+                        </m:ctrlPr>
+                      </m:sSubPr>
+                      <m:e>
+                        <m:r>
+                          <a:rPr lang="en-SG" sz="3000" b="1" i="1">
+                            <a:effectLst/>
+                            <a:latin typeface="Cambria Math" panose="02040503050406030204" pitchFamily="18" charset="0"/>
+                            <a:ea typeface="Calibri" panose="020F0502020204030204" pitchFamily="34" charset="0"/>
+                            <a:cs typeface="Times New Roman" panose="02020603050405020304" pitchFamily="18" charset="0"/>
+                          </a:rPr>
+                          <m:t>𝒌</m:t>
+                        </m:r>
+                      </m:e>
+                      <m:sub>
+                        <m:r>
+                          <a:rPr lang="en-SG" sz="3000" b="1" i="1">
+                            <a:effectLst/>
+                            <a:latin typeface="Cambria Math" panose="02040503050406030204" pitchFamily="18" charset="0"/>
+                            <a:ea typeface="Calibri" panose="020F0502020204030204" pitchFamily="34" charset="0"/>
+                            <a:cs typeface="Times New Roman" panose="02020603050405020304" pitchFamily="18" charset="0"/>
+                          </a:rPr>
+                          <m:t>𝒊</m:t>
+                        </m:r>
+                        <m:r>
+                          <a:rPr lang="en-SG" sz="3000" b="1" i="1">
+                            <a:effectLst/>
+                            <a:latin typeface="Cambria Math" panose="02040503050406030204" pitchFamily="18" charset="0"/>
+                            <a:ea typeface="Calibri" panose="020F0502020204030204" pitchFamily="34" charset="0"/>
+                            <a:cs typeface="Times New Roman" panose="02020603050405020304" pitchFamily="18" charset="0"/>
+                          </a:rPr>
+                          <m:t> </m:t>
+                        </m:r>
+                      </m:sub>
+                    </m:sSub>
+                  </m:oMath>
+                </a14:m>
+                <a:r>
+                  <a:rPr lang="en-SG" sz="3000" b="1" dirty="0">
+                    <a:effectLst/>
+                    <a:latin typeface="Times New Roman" panose="02020603050405020304" pitchFamily="18" charset="0"/>
+                    <a:ea typeface="Times New Roman" panose="02020603050405020304" pitchFamily="18" charset="0"/>
+                  </a:rPr>
+                  <a:t>= H [</a:t>
+                </a:r>
+                <a14:m>
+                  <m:oMath xmlns:m="http://schemas.openxmlformats.org/officeDocument/2006/math">
+                    <m:sSub>
+                      <m:sSubPr>
+                        <m:ctrlPr>
+                          <a:rPr lang="en-SG" sz="3000" b="1" i="1">
+                            <a:effectLst/>
+                            <a:latin typeface="Cambria Math" panose="02040503050406030204" pitchFamily="18" charset="0"/>
+                            <a:cs typeface="Times New Roman" panose="02020603050405020304" pitchFamily="18" charset="0"/>
+                          </a:rPr>
+                        </m:ctrlPr>
+                      </m:sSubPr>
+                      <m:e>
+                        <m:r>
+                          <a:rPr lang="en-SG" sz="3000" b="1" i="1">
+                            <a:effectLst/>
+                            <a:latin typeface="Cambria Math" panose="02040503050406030204" pitchFamily="18" charset="0"/>
+                            <a:ea typeface="Calibri" panose="020F0502020204030204" pitchFamily="34" charset="0"/>
+                            <a:cs typeface="Times New Roman" panose="02020603050405020304" pitchFamily="18" charset="0"/>
+                          </a:rPr>
+                          <m:t>𝒌</m:t>
+                        </m:r>
+                      </m:e>
+                      <m:sub>
+                        <m:r>
+                          <a:rPr lang="en-SG" sz="3000" b="1" i="1">
+                            <a:effectLst/>
+                            <a:latin typeface="Cambria Math" panose="02040503050406030204" pitchFamily="18" charset="0"/>
+                            <a:ea typeface="Calibri" panose="020F0502020204030204" pitchFamily="34" charset="0"/>
+                            <a:cs typeface="Times New Roman" panose="02020603050405020304" pitchFamily="18" charset="0"/>
+                          </a:rPr>
+                          <m:t>𝑵</m:t>
+                        </m:r>
+                        <m:r>
+                          <a:rPr lang="en-SG" sz="3000" b="1" i="1">
+                            <a:effectLst/>
+                            <a:latin typeface="Cambria Math" panose="02040503050406030204" pitchFamily="18" charset="0"/>
+                            <a:ea typeface="Calibri" panose="020F0502020204030204" pitchFamily="34" charset="0"/>
+                            <a:cs typeface="Times New Roman" panose="02020603050405020304" pitchFamily="18" charset="0"/>
+                          </a:rPr>
+                          <m:t>+</m:t>
+                        </m:r>
+                        <m:r>
+                          <a:rPr lang="en-SG" sz="3000" b="1" i="1">
+                            <a:effectLst/>
+                            <a:latin typeface="Cambria Math" panose="02040503050406030204" pitchFamily="18" charset="0"/>
+                            <a:ea typeface="Calibri" panose="020F0502020204030204" pitchFamily="34" charset="0"/>
+                            <a:cs typeface="Times New Roman" panose="02020603050405020304" pitchFamily="18" charset="0"/>
+                          </a:rPr>
+                          <m:t>𝟏</m:t>
+                        </m:r>
+                        <m:r>
+                          <a:rPr lang="en-SG" sz="3000" b="1" i="1">
+                            <a:effectLst/>
+                            <a:latin typeface="Cambria Math" panose="02040503050406030204" pitchFamily="18" charset="0"/>
+                            <a:ea typeface="Calibri" panose="020F0502020204030204" pitchFamily="34" charset="0"/>
+                            <a:cs typeface="Times New Roman" panose="02020603050405020304" pitchFamily="18" charset="0"/>
+                          </a:rPr>
+                          <m:t> </m:t>
+                        </m:r>
+                      </m:sub>
+                    </m:sSub>
+                    <m:r>
+                      <a:rPr lang="en-SG" sz="3000" b="1" i="1">
+                        <a:effectLst/>
+                        <a:latin typeface="Cambria Math" panose="02040503050406030204" pitchFamily="18" charset="0"/>
+                        <a:ea typeface="Calibri" panose="020F0502020204030204" pitchFamily="34" charset="0"/>
+                        <a:cs typeface="Times New Roman" panose="02020603050405020304" pitchFamily="18" charset="0"/>
+                      </a:rPr>
+                      <m:t>]</m:t>
+                    </m:r>
+                  </m:oMath>
+                </a14:m>
+                <a:r>
+                  <a:rPr lang="en-SG" sz="3000" b="1" dirty="0">
+                    <a:effectLst/>
+                    <a:latin typeface="Times New Roman" panose="02020603050405020304" pitchFamily="18" charset="0"/>
+                    <a:ea typeface="Times New Roman" panose="02020603050405020304" pitchFamily="18" charset="0"/>
+                  </a:rPr>
+                  <a:t>= </a:t>
+                </a:r>
+                <a14:m>
+                  <m:oMath xmlns:m="http://schemas.openxmlformats.org/officeDocument/2006/math">
+                    <m:sSup>
+                      <m:sSupPr>
+                        <m:ctrlPr>
+                          <a:rPr lang="en-SG" sz="3000" b="1" i="1">
+                            <a:effectLst/>
+                            <a:latin typeface="Cambria Math" panose="02040503050406030204" pitchFamily="18" charset="0"/>
+                            <a:ea typeface="Times New Roman" panose="02020603050405020304" pitchFamily="18" charset="0"/>
+                            <a:cs typeface="Times New Roman" panose="02020603050405020304" pitchFamily="18" charset="0"/>
+                          </a:rPr>
+                        </m:ctrlPr>
+                      </m:sSupPr>
+                      <m:e>
+                        <m:r>
+                          <a:rPr lang="en-SG" sz="3000" b="1" i="1">
+                            <a:effectLst/>
+                            <a:latin typeface="Cambria Math" panose="02040503050406030204" pitchFamily="18" charset="0"/>
+                            <a:ea typeface="Times New Roman" panose="02020603050405020304" pitchFamily="18" charset="0"/>
+                            <a:cs typeface="Times New Roman" panose="02020603050405020304" pitchFamily="18" charset="0"/>
+                          </a:rPr>
+                          <m:t>𝑯</m:t>
+                        </m:r>
+                      </m:e>
+                      <m:sup>
+                        <m:r>
+                          <a:rPr lang="en-SG" sz="3000" b="1" i="1">
+                            <a:effectLst/>
+                            <a:latin typeface="Cambria Math" panose="02040503050406030204" pitchFamily="18" charset="0"/>
+                            <a:ea typeface="Times New Roman" panose="02020603050405020304" pitchFamily="18" charset="0"/>
+                            <a:cs typeface="Times New Roman" panose="02020603050405020304" pitchFamily="18" charset="0"/>
+                          </a:rPr>
+                          <m:t>𝑵</m:t>
+                        </m:r>
+                        <m:r>
+                          <a:rPr lang="en-SG" sz="3000" b="1" i="1">
+                            <a:effectLst/>
+                            <a:latin typeface="Cambria Math" panose="02040503050406030204" pitchFamily="18" charset="0"/>
+                            <a:ea typeface="Times New Roman" panose="02020603050405020304" pitchFamily="18" charset="0"/>
+                            <a:cs typeface="Times New Roman" panose="02020603050405020304" pitchFamily="18" charset="0"/>
+                          </a:rPr>
+                          <m:t>−</m:t>
+                        </m:r>
+                        <m:r>
+                          <a:rPr lang="en-SG" sz="3000" b="1" i="1">
+                            <a:effectLst/>
+                            <a:latin typeface="Cambria Math" panose="02040503050406030204" pitchFamily="18" charset="0"/>
+                            <a:ea typeface="Times New Roman" panose="02020603050405020304" pitchFamily="18" charset="0"/>
+                            <a:cs typeface="Times New Roman" panose="02020603050405020304" pitchFamily="18" charset="0"/>
+                          </a:rPr>
+                          <m:t>𝒊</m:t>
+                        </m:r>
+                      </m:sup>
+                    </m:sSup>
+                  </m:oMath>
+                </a14:m>
+                <a:r>
+                  <a:rPr lang="en-SG" sz="3000" b="1" dirty="0">
+                    <a:effectLst/>
+                    <a:latin typeface="Times New Roman" panose="02020603050405020304" pitchFamily="18" charset="0"/>
+                    <a:ea typeface="Times New Roman" panose="02020603050405020304" pitchFamily="18" charset="0"/>
+                  </a:rPr>
+                  <a:t> [</a:t>
+                </a:r>
+                <a14:m>
+                  <m:oMath xmlns:m="http://schemas.openxmlformats.org/officeDocument/2006/math">
+                    <m:sSub>
+                      <m:sSubPr>
+                        <m:ctrlPr>
+                          <a:rPr lang="en-SG" sz="3000" b="1" i="1">
+                            <a:effectLst/>
+                            <a:latin typeface="Cambria Math" panose="02040503050406030204" pitchFamily="18" charset="0"/>
+                            <a:cs typeface="Times New Roman" panose="02020603050405020304" pitchFamily="18" charset="0"/>
+                          </a:rPr>
+                        </m:ctrlPr>
+                      </m:sSubPr>
+                      <m:e>
+                        <m:r>
+                          <a:rPr lang="en-SG" sz="3000" b="1" i="1">
+                            <a:effectLst/>
+                            <a:latin typeface="Cambria Math" panose="02040503050406030204" pitchFamily="18" charset="0"/>
+                            <a:ea typeface="Calibri" panose="020F0502020204030204" pitchFamily="34" charset="0"/>
+                            <a:cs typeface="Times New Roman" panose="02020603050405020304" pitchFamily="18" charset="0"/>
+                          </a:rPr>
+                          <m:t>𝒌</m:t>
+                        </m:r>
+                      </m:e>
+                      <m:sub>
+                        <m:r>
+                          <a:rPr lang="en-SG" sz="3000" b="1" i="1">
+                            <a:effectLst/>
+                            <a:latin typeface="Cambria Math" panose="02040503050406030204" pitchFamily="18" charset="0"/>
+                            <a:ea typeface="Calibri" panose="020F0502020204030204" pitchFamily="34" charset="0"/>
+                            <a:cs typeface="Times New Roman" panose="02020603050405020304" pitchFamily="18" charset="0"/>
+                          </a:rPr>
+                          <m:t>𝑵</m:t>
+                        </m:r>
+                        <m:r>
+                          <a:rPr lang="en-SG" sz="3000" b="1" i="1">
+                            <a:effectLst/>
+                            <a:latin typeface="Cambria Math" panose="02040503050406030204" pitchFamily="18" charset="0"/>
+                            <a:ea typeface="Calibri" panose="020F0502020204030204" pitchFamily="34" charset="0"/>
+                            <a:cs typeface="Times New Roman" panose="02020603050405020304" pitchFamily="18" charset="0"/>
+                          </a:rPr>
+                          <m:t> </m:t>
+                        </m:r>
+                      </m:sub>
+                    </m:sSub>
+                  </m:oMath>
+                </a14:m>
+                <a:r>
+                  <a:rPr lang="en-SG" sz="3000" b="1" dirty="0">
+                    <a:effectLst/>
+                    <a:latin typeface="Times New Roman" panose="02020603050405020304" pitchFamily="18" charset="0"/>
+                    <a:ea typeface="Times New Roman" panose="02020603050405020304" pitchFamily="18" charset="0"/>
+                  </a:rPr>
+                  <a:t>]   </a:t>
+                </a:r>
+                <a:r>
+                  <a:rPr lang="en-SG" sz="3000" dirty="0">
+                    <a:effectLst/>
+                    <a:latin typeface="Times New Roman" panose="02020603050405020304" pitchFamily="18" charset="0"/>
+                    <a:ea typeface="Times New Roman" panose="02020603050405020304" pitchFamily="18" charset="0"/>
+                  </a:rPr>
+                  <a:t> </a:t>
+                </a:r>
+                <a:r>
+                  <a:rPr lang="en-SG" sz="1100" dirty="0">
+                    <a:effectLst/>
+                    <a:latin typeface="Times New Roman" panose="02020603050405020304" pitchFamily="18" charset="0"/>
+                    <a:ea typeface="Times New Roman" panose="02020603050405020304" pitchFamily="18" charset="0"/>
+                  </a:rPr>
+                  <a:t>- - - - - - - - - - - - - - - - - - - - - - ( 1 )</a:t>
+                </a:r>
+                <a:endParaRPr lang="en-US" sz="2400" dirty="0">
+                  <a:latin typeface="Times New Roman" panose="02020603050405020304" pitchFamily="18" charset="0"/>
+                  <a:cs typeface="Times New Roman" panose="02020603050405020304" pitchFamily="18" charset="0"/>
+                </a:endParaRPr>
+              </a:p>
+              <a:p>
+                <a:pPr marL="457200" indent="-457200">
+                  <a:lnSpc>
+                    <a:spcPct val="160000"/>
+                  </a:lnSpc>
+                  <a:buFont typeface="Wingdings" panose="05000000000000000000" pitchFamily="2" charset="2"/>
+                  <a:buChar char="§"/>
+                </a:pPr>
+                <a:r>
+                  <a:rPr lang="en-US" sz="2800" dirty="0">
+                    <a:latin typeface="Times New Roman" panose="02020603050405020304" pitchFamily="18" charset="0"/>
+                    <a:cs typeface="Times New Roman" panose="02020603050405020304" pitchFamily="18" charset="0"/>
+                  </a:rPr>
+                  <a:t>Sender’s key release time </a:t>
+                </a:r>
+                <a:r>
+                  <a:rPr lang="en-SG" sz="2800" dirty="0">
+                    <a:latin typeface="Times New Roman" panose="02020603050405020304" pitchFamily="18" charset="0"/>
+                    <a:cs typeface="Times New Roman" panose="02020603050405020304" pitchFamily="18" charset="0"/>
+                  </a:rPr>
+                  <a:t>τ + 2Δ</a:t>
+                </a:r>
+                <a:r>
+                  <a:rPr lang="en-US" sz="2800" dirty="0">
+                    <a:latin typeface="Times New Roman" panose="02020603050405020304" pitchFamily="18" charset="0"/>
+                    <a:cs typeface="Times New Roman" panose="02020603050405020304" pitchFamily="18" charset="0"/>
+                  </a:rPr>
+                  <a:t> , </a:t>
+                </a:r>
+                <a:r>
+                  <a:rPr lang="en-SG" sz="2800" dirty="0">
+                    <a:latin typeface="Times New Roman" panose="02020603050405020304" pitchFamily="18" charset="0"/>
+                    <a:cs typeface="Times New Roman" panose="02020603050405020304" pitchFamily="18" charset="0"/>
+                  </a:rPr>
+                  <a:t>Δ is known by all other nodes which </a:t>
+                </a:r>
+              </a:p>
+              <a:p>
+                <a:pPr>
+                  <a:lnSpc>
+                    <a:spcPct val="160000"/>
+                  </a:lnSpc>
+                </a:pPr>
+                <a:r>
+                  <a:rPr lang="en-US" sz="2800" dirty="0">
+                    <a:latin typeface="Times New Roman" panose="02020603050405020304" pitchFamily="18" charset="0"/>
+                    <a:cs typeface="Times New Roman" panose="02020603050405020304" pitchFamily="18" charset="0"/>
+                  </a:rPr>
+                  <a:t>      is maximum time synchronization error</a:t>
+                </a:r>
+              </a:p>
+              <a:p>
+                <a:pPr marL="457200" indent="-457200">
+                  <a:lnSpc>
+                    <a:spcPct val="160000"/>
+                  </a:lnSpc>
+                  <a:buFont typeface="Wingdings" panose="05000000000000000000" pitchFamily="2" charset="2"/>
+                  <a:buChar char="§"/>
+                </a:pPr>
+                <a:r>
+                  <a:rPr lang="en-US" sz="2800" dirty="0">
+                    <a:latin typeface="Times New Roman" panose="02020603050405020304" pitchFamily="18" charset="0"/>
+                    <a:cs typeface="Times New Roman" panose="02020603050405020304" pitchFamily="18" charset="0"/>
+                  </a:rPr>
+                  <a:t>Receiver checks if the key arrival time </a:t>
+                </a:r>
+                <a14:m>
+                  <m:oMath xmlns:m="http://schemas.openxmlformats.org/officeDocument/2006/math">
+                    <m:sSub>
+                      <m:sSubPr>
+                        <m:ctrlPr>
+                          <a:rPr lang="en-SG" sz="2800" b="1" i="1" smtClean="0">
+                            <a:effectLst/>
+                            <a:latin typeface="Cambria Math" panose="02040503050406030204" pitchFamily="18" charset="0"/>
+                            <a:cs typeface="Times New Roman" panose="02020603050405020304" pitchFamily="18" charset="0"/>
+                          </a:rPr>
+                        </m:ctrlPr>
+                      </m:sSubPr>
+                      <m:e>
+                        <m:r>
+                          <a:rPr lang="en-US" sz="2800" b="1" i="1" smtClean="0">
+                            <a:effectLst/>
+                            <a:latin typeface="Cambria Math" panose="02040503050406030204" pitchFamily="18" charset="0"/>
+                            <a:cs typeface="Times New Roman" panose="02020603050405020304" pitchFamily="18" charset="0"/>
+                          </a:rPr>
+                          <m:t>𝒕</m:t>
+                        </m:r>
+                      </m:e>
+                      <m:sub>
+                        <m:r>
+                          <a:rPr lang="en-US" sz="2800" b="1" i="1" smtClean="0">
+                            <a:effectLst/>
+                            <a:latin typeface="Cambria Math" panose="02040503050406030204" pitchFamily="18" charset="0"/>
+                            <a:ea typeface="Calibri" panose="020F0502020204030204" pitchFamily="34" charset="0"/>
+                            <a:cs typeface="Times New Roman" panose="02020603050405020304" pitchFamily="18" charset="0"/>
+                          </a:rPr>
+                          <m:t>𝒓</m:t>
+                        </m:r>
+                        <m:r>
+                          <a:rPr lang="en-SG" sz="2800" b="1" i="1">
+                            <a:effectLst/>
+                            <a:latin typeface="Cambria Math" panose="02040503050406030204" pitchFamily="18" charset="0"/>
+                            <a:ea typeface="Calibri" panose="020F0502020204030204" pitchFamily="34" charset="0"/>
+                            <a:cs typeface="Times New Roman" panose="02020603050405020304" pitchFamily="18" charset="0"/>
+                          </a:rPr>
+                          <m:t> </m:t>
+                        </m:r>
+                      </m:sub>
+                    </m:sSub>
+                  </m:oMath>
+                </a14:m>
+                <a:r>
+                  <a:rPr lang="en-US" sz="2800" dirty="0">
+                    <a:latin typeface="Times New Roman" panose="02020603050405020304" pitchFamily="18" charset="0"/>
+                    <a:cs typeface="Times New Roman" panose="02020603050405020304" pitchFamily="18" charset="0"/>
+                  </a:rPr>
+                  <a:t> is less then or equal to the expected key release time</a:t>
+                </a:r>
+              </a:p>
+              <a:p>
+                <a:pPr marL="457200" indent="-457200">
+                  <a:lnSpc>
+                    <a:spcPct val="150000"/>
+                  </a:lnSpc>
+                  <a:buFont typeface="Wingdings" panose="05000000000000000000" pitchFamily="2" charset="2"/>
+                  <a:buChar char="§"/>
+                </a:pPr>
+                <a:endParaRPr lang="en-US" sz="2400" dirty="0">
+                  <a:latin typeface="Times New Roman" panose="02020603050405020304" pitchFamily="18" charset="0"/>
+                  <a:cs typeface="Times New Roman" panose="02020603050405020304" pitchFamily="18" charset="0"/>
+                </a:endParaRPr>
+              </a:p>
+              <a:p>
+                <a:pPr>
+                  <a:lnSpc>
+                    <a:spcPct val="150000"/>
+                  </a:lnSpc>
+                </a:pPr>
+                <a:r>
+                  <a:rPr lang="en-SG" sz="1800" dirty="0">
+                    <a:effectLst/>
+                    <a:latin typeface="Times New Roman" panose="02020603050405020304" pitchFamily="18" charset="0"/>
+                    <a:ea typeface="Times New Roman" panose="02020603050405020304" pitchFamily="18" charset="0"/>
+                  </a:rPr>
+                  <a:t>			</a:t>
+                </a:r>
+                <a:endParaRPr lang="en-SG" sz="4000" b="1" dirty="0">
+                  <a:latin typeface="Times New Roman" panose="02020603050405020304" pitchFamily="18" charset="0"/>
+                  <a:cs typeface="Times New Roman" panose="02020603050405020304" pitchFamily="18" charset="0"/>
+                </a:endParaRPr>
+              </a:p>
+            </p:txBody>
+          </p:sp>
+        </mc:Choice>
+        <mc:Fallback>
+          <p:sp>
+            <p:nvSpPr>
+              <p:cNvPr id="3" name="Title 1">
+                <a:extLst>
+                  <a:ext uri="{FF2B5EF4-FFF2-40B4-BE49-F238E27FC236}">
+                    <a16:creationId xmlns:a16="http://schemas.microsoft.com/office/drawing/2014/main" id="{F7F17B48-4375-440C-D508-5B2BF50CCC0E}"/>
+                  </a:ext>
+                </a:extLst>
+              </p:cNvPr>
+              <p:cNvSpPr txBox="1">
+                <a:spLocks noRot="1" noChangeAspect="1" noMove="1" noResize="1" noEditPoints="1" noAdjustHandles="1" noChangeArrowheads="1" noChangeShapeType="1" noTextEdit="1"/>
+              </p:cNvSpPr>
+              <p:nvPr/>
+            </p:nvSpPr>
+            <p:spPr>
+              <a:xfrm>
+                <a:off x="1662953" y="1649505"/>
+                <a:ext cx="9390529" cy="4536142"/>
+              </a:xfrm>
+              <a:prstGeom prst="rect">
+                <a:avLst/>
+              </a:prstGeom>
+              <a:blipFill>
+                <a:blip r:embed="rId2"/>
+                <a:stretch>
+                  <a:fillRect l="-909" r="-325"/>
+                </a:stretch>
+              </a:blipFill>
+            </p:spPr>
+            <p:txBody>
+              <a:bodyPr/>
+              <a:lstStyle/>
+              <a:p>
+                <a:r>
+                  <a:rPr lang="en-SG">
+                    <a:noFill/>
+                  </a:rPr>
+                  <a:t> </a:t>
+                </a:r>
+              </a:p>
+            </p:txBody>
+          </p:sp>
+        </mc:Fallback>
+      </mc:AlternateContent>
+    </p:spTree>
+    <p:extLst>
+      <p:ext uri="{BB962C8B-B14F-4D97-AF65-F5344CB8AC3E}">
+        <p14:creationId xmlns:p14="http://schemas.microsoft.com/office/powerpoint/2010/main" val="3096493952"/>
+      </p:ext>
+    </p:extLst>
+  </p:cSld>
+  <p:clrMapOvr>
+    <a:masterClrMapping/>
+  </p:clrMapOvr>
+  <mc:AlternateContent xmlns:mc="http://schemas.openxmlformats.org/markup-compatibility/2006" xmlns:p14="http://schemas.microsoft.com/office/powerpoint/2010/main">
+    <mc:Choice Requires="p14">
+      <p:transition spd="slow" p14:dur="2000" advTm="758"/>
+    </mc:Choice>
+    <mc:Fallback xmlns="">
+      <p:transition spd="slow" advTm="758"/>
+    </mc:Fallback>
+  </mc:AlternateContent>
+</p:sld>
+</file>
+
+<file path=ppt/slides/slide15.xml><?xml version="1.0" encoding="utf-8"?>
+<p:sld xmlns:a="http://schemas.openxmlformats.org/drawingml/2006/main" xmlns:r="http://schemas.openxmlformats.org/officeDocument/2006/relationships" xmlns:p="http://schemas.openxmlformats.org/presentationml/2006/main">
+  <p:cSld>
+    <p:spTree>
+      <p:nvGrpSpPr>
+        <p:cNvPr id="1" name="">
+          <a:extLst>
+            <a:ext uri="{FF2B5EF4-FFF2-40B4-BE49-F238E27FC236}">
+              <a16:creationId xmlns:a16="http://schemas.microsoft.com/office/drawing/2014/main" id="{3E1D3462-53F6-F6DA-70B7-377C2F753ACC}"/>
+            </a:ext>
+          </a:extLst>
+        </p:cNvPr>
+        <p:cNvGrpSpPr/>
+        <p:nvPr/>
+      </p:nvGrpSpPr>
+      <p:grpSpPr>
+        <a:xfrm>
+          <a:off x="0" y="0"/>
+          <a:ext cx="0" cy="0"/>
+          <a:chOff x="0" y="0"/>
+          <a:chExt cx="0" cy="0"/>
+        </a:xfrm>
+      </p:grpSpPr>
+      <p:sp>
+        <p:nvSpPr>
+          <p:cNvPr id="2" name="Title 1">
+            <a:extLst>
+              <a:ext uri="{FF2B5EF4-FFF2-40B4-BE49-F238E27FC236}">
+                <a16:creationId xmlns:a16="http://schemas.microsoft.com/office/drawing/2014/main" id="{F9FF2CB6-6F25-485D-C6F1-ADD752A8CA5F}"/>
+              </a:ext>
+            </a:extLst>
+          </p:cNvPr>
+          <p:cNvSpPr>
+            <a:spLocks noGrp="1"/>
+          </p:cNvSpPr>
+          <p:nvPr>
+            <p:ph type="title"/>
+          </p:nvPr>
+        </p:nvSpPr>
+        <p:spPr>
+          <a:xfrm>
+            <a:off x="1497106" y="2572871"/>
+            <a:ext cx="9861177" cy="941293"/>
+          </a:xfrm>
+        </p:spPr>
+        <p:txBody>
+          <a:bodyPr>
+            <a:normAutofit/>
+          </a:bodyPr>
+          <a:lstStyle/>
+          <a:p>
+            <a:pPr algn="ctr">
+              <a:lnSpc>
+                <a:spcPct val="150000"/>
+              </a:lnSpc>
+            </a:pPr>
+            <a:r>
+              <a:rPr lang="en-US" sz="4000" b="1" dirty="0">
+                <a:latin typeface="Times New Roman" panose="02020603050405020304" pitchFamily="18" charset="0"/>
+                <a:cs typeface="Times New Roman" panose="02020603050405020304" pitchFamily="18" charset="0"/>
+              </a:rPr>
+              <a:t>Secure and Reliable Data Communication</a:t>
+            </a:r>
+          </a:p>
+        </p:txBody>
+      </p:sp>
+      <p:sp>
+        <p:nvSpPr>
+          <p:cNvPr id="4" name="Date Placeholder 3">
+            <a:extLst>
+              <a:ext uri="{FF2B5EF4-FFF2-40B4-BE49-F238E27FC236}">
+                <a16:creationId xmlns:a16="http://schemas.microsoft.com/office/drawing/2014/main" id="{8682729B-99D9-25AE-19ED-0F594B2308C3}"/>
+              </a:ext>
+            </a:extLst>
+          </p:cNvPr>
+          <p:cNvSpPr>
+            <a:spLocks noGrp="1"/>
+          </p:cNvSpPr>
+          <p:nvPr>
+            <p:ph type="dt" sz="half" idx="10"/>
+          </p:nvPr>
+        </p:nvSpPr>
+        <p:spPr/>
+        <p:txBody>
+          <a:bodyPr/>
+          <a:lstStyle/>
+          <a:p>
+            <a:fld id="{89227FBB-25E7-4C7E-8513-268B51BC1F29}" type="datetime1">
+              <a:rPr lang="en-US" smtClean="0"/>
+              <a:t>2/23/2024</a:t>
+            </a:fld>
+            <a:endParaRPr lang="en-US" dirty="0"/>
+          </a:p>
+        </p:txBody>
+      </p:sp>
+      <p:sp>
+        <p:nvSpPr>
+          <p:cNvPr id="5" name="Slide Number Placeholder 4">
+            <a:extLst>
+              <a:ext uri="{FF2B5EF4-FFF2-40B4-BE49-F238E27FC236}">
+                <a16:creationId xmlns:a16="http://schemas.microsoft.com/office/drawing/2014/main" id="{B9767AB0-852B-EA50-0929-8596698CD5D3}"/>
+              </a:ext>
+            </a:extLst>
+          </p:cNvPr>
+          <p:cNvSpPr>
+            <a:spLocks noGrp="1"/>
+          </p:cNvSpPr>
+          <p:nvPr>
+            <p:ph type="sldNum" sz="quarter" idx="12"/>
+          </p:nvPr>
+        </p:nvSpPr>
+        <p:spPr>
+          <a:xfrm>
+            <a:off x="5510336" y="6251079"/>
+            <a:ext cx="1596292" cy="404614"/>
+          </a:xfrm>
+        </p:spPr>
+        <p:txBody>
+          <a:bodyPr/>
+          <a:lstStyle/>
+          <a:p>
+            <a:pPr algn="ctr"/>
+            <a:fld id="{69E57DC2-970A-4B3E-BB1C-7A09969E49DF}" type="slidenum">
+              <a:rPr lang="en-US" sz="2800" b="1" smtClean="0">
+                <a:latin typeface="Times New Roman" panose="02020603050405020304" pitchFamily="18" charset="0"/>
+                <a:cs typeface="Times New Roman" panose="02020603050405020304" pitchFamily="18" charset="0"/>
+              </a:rPr>
+              <a:pPr algn="ctr"/>
+              <a:t>15</a:t>
+            </a:fld>
+            <a:endParaRPr lang="en-US" b="1" dirty="0">
+              <a:latin typeface="Times New Roman" panose="02020603050405020304" pitchFamily="18" charset="0"/>
+              <a:cs typeface="Times New Roman" panose="02020603050405020304" pitchFamily="18" charset="0"/>
+            </a:endParaRPr>
+          </a:p>
+        </p:txBody>
+      </p:sp>
+      <p:sp>
+        <p:nvSpPr>
+          <p:cNvPr id="9" name="TextBox 8">
+            <a:extLst>
+              <a:ext uri="{FF2B5EF4-FFF2-40B4-BE49-F238E27FC236}">
+                <a16:creationId xmlns:a16="http://schemas.microsoft.com/office/drawing/2014/main" id="{27B88B55-A0DD-FC4F-85DD-E66337AF5845}"/>
+              </a:ext>
+            </a:extLst>
+          </p:cNvPr>
+          <p:cNvSpPr txBox="1"/>
+          <p:nvPr/>
+        </p:nvSpPr>
+        <p:spPr>
+          <a:xfrm>
+            <a:off x="8498541" y="5961129"/>
+            <a:ext cx="3420035" cy="369332"/>
+          </a:xfrm>
+          <a:prstGeom prst="rect">
+            <a:avLst/>
+          </a:prstGeom>
+          <a:noFill/>
+        </p:spPr>
+        <p:txBody>
+          <a:bodyPr wrap="square">
+            <a:spAutoFit/>
+          </a:bodyPr>
+          <a:lstStyle/>
+          <a:p>
+            <a:pPr algn="ctr"/>
+            <a:r>
+              <a:rPr lang="en-US" dirty="0">
+                <a:latin typeface="Times New Roman" panose="02020603050405020304" pitchFamily="18" charset="0"/>
+                <a:cs typeface="Times New Roman" panose="02020603050405020304" pitchFamily="18" charset="0"/>
+              </a:rPr>
+              <a:t>Methodology</a:t>
+            </a:r>
+            <a:r>
+              <a:rPr lang="en-US" sz="1800" dirty="0">
+                <a:latin typeface="Times New Roman" panose="02020603050405020304" pitchFamily="18" charset="0"/>
+                <a:cs typeface="Times New Roman" panose="02020603050405020304" pitchFamily="18" charset="0"/>
+              </a:rPr>
+              <a:t> cont’d….</a:t>
+            </a:r>
+            <a:endParaRPr lang="en-SG" sz="2000" dirty="0">
+              <a:latin typeface="Times New Roman" panose="02020603050405020304" pitchFamily="18" charset="0"/>
+              <a:cs typeface="Times New Roman" panose="02020603050405020304" pitchFamily="18" charset="0"/>
+            </a:endParaRPr>
+          </a:p>
+        </p:txBody>
+      </p:sp>
+    </p:spTree>
+    <p:extLst>
+      <p:ext uri="{BB962C8B-B14F-4D97-AF65-F5344CB8AC3E}">
+        <p14:creationId xmlns:p14="http://schemas.microsoft.com/office/powerpoint/2010/main" val="2094527278"/>
+      </p:ext>
+    </p:extLst>
+  </p:cSld>
+  <p:clrMapOvr>
+    <a:masterClrMapping/>
+  </p:clrMapOvr>
+  <mc:AlternateContent xmlns:mc="http://schemas.openxmlformats.org/markup-compatibility/2006" xmlns:p14="http://schemas.microsoft.com/office/powerpoint/2010/main">
+    <mc:Choice Requires="p14">
+      <p:transition spd="slow" p14:dur="2000" advTm="1401"/>
+    </mc:Choice>
+    <mc:Fallback xmlns="">
+      <p:transition spd="slow" advTm="1401"/>
+    </mc:Fallback>
+  </mc:AlternateContent>
+</p:sld>
+</file>
+
+<file path=ppt/slides/slide16.xml><?xml version="1.0" encoding="utf-8"?>
+<p:sld xmlns:a="http://schemas.openxmlformats.org/drawingml/2006/main" xmlns:r="http://schemas.openxmlformats.org/officeDocument/2006/relationships" xmlns:p="http://schemas.openxmlformats.org/presentationml/2006/main">
+  <p:cSld>
+    <p:spTree>
+      <p:nvGrpSpPr>
+        <p:cNvPr id="1" name="">
+          <a:extLst>
+            <a:ext uri="{FF2B5EF4-FFF2-40B4-BE49-F238E27FC236}">
+              <a16:creationId xmlns:a16="http://schemas.microsoft.com/office/drawing/2014/main" id="{67E04FDF-5348-EE35-4DB0-C8638FE1B0BC}"/>
+            </a:ext>
+          </a:extLst>
+        </p:cNvPr>
+        <p:cNvGrpSpPr/>
+        <p:nvPr/>
+      </p:nvGrpSpPr>
+      <p:grpSpPr>
+        <a:xfrm>
+          <a:off x="0" y="0"/>
+          <a:ext cx="0" cy="0"/>
+          <a:chOff x="0" y="0"/>
+          <a:chExt cx="0" cy="0"/>
+        </a:xfrm>
+      </p:grpSpPr>
+      <p:sp>
+        <p:nvSpPr>
+          <p:cNvPr id="2" name="Title 1">
+            <a:extLst>
+              <a:ext uri="{FF2B5EF4-FFF2-40B4-BE49-F238E27FC236}">
+                <a16:creationId xmlns:a16="http://schemas.microsoft.com/office/drawing/2014/main" id="{EF7051FF-0D25-CC8E-3DB0-C34AD699165F}"/>
+              </a:ext>
+            </a:extLst>
+          </p:cNvPr>
+          <p:cNvSpPr>
+            <a:spLocks noGrp="1"/>
+          </p:cNvSpPr>
+          <p:nvPr>
+            <p:ph type="title"/>
+          </p:nvPr>
+        </p:nvSpPr>
+        <p:spPr>
+          <a:xfrm>
             <a:off x="1371600" y="685800"/>
             <a:ext cx="9601200" cy="709246"/>
           </a:xfrm>
@@ -4894,7 +6781,7 @@
                 <a:latin typeface="Times New Roman" panose="02020603050405020304" pitchFamily="18" charset="0"/>
                 <a:cs typeface="Times New Roman" panose="02020603050405020304" pitchFamily="18" charset="0"/>
               </a:rPr>
-              <a:t>Methodology(studied)</a:t>
+              <a:t>Methodology</a:t>
             </a:r>
             <a:endParaRPr lang="en-SG" sz="4000" b="1" dirty="0">
               <a:latin typeface="Times New Roman" panose="02020603050405020304" pitchFamily="18" charset="0"/>
@@ -4903,14 +6790,14 @@
           </a:p>
         </p:txBody>
       </p:sp>
-      <mc:AlternateContent xmlns:mc="http://schemas.openxmlformats.org/markup-compatibility/2006" xmlns:a14="http://schemas.microsoft.com/office/drawing/2010/main">
-        <mc:Choice Requires="a14">
+      <mc:AlternateContent xmlns:mc="http://schemas.openxmlformats.org/markup-compatibility/2006">
+        <mc:Choice xmlns:a14="http://schemas.microsoft.com/office/drawing/2010/main" Requires="a14">
           <p:sp>
             <p:nvSpPr>
               <p:cNvPr id="3" name="Content Placeholder 2">
                 <a:extLst>
                   <a:ext uri="{FF2B5EF4-FFF2-40B4-BE49-F238E27FC236}">
-                    <a16:creationId xmlns:a16="http://schemas.microsoft.com/office/drawing/2014/main" id="{E9AF4C6C-BAF8-C41B-A37D-C1CA512F1B17}"/>
+                    <a16:creationId xmlns:a16="http://schemas.microsoft.com/office/drawing/2014/main" id="{3F7CB108-3AA2-C3C1-4293-1273FF8F7BEA}"/>
                   </a:ext>
                 </a:extLst>
               </p:cNvPr>
@@ -5069,13 +6956,13 @@
                       </m:e>
                       <m:sub>
                         <m:r>
-                          <a:rPr lang="en-SG" sz="2400" i="1">
+                          <a:rPr lang="en-US" sz="2400" b="0" i="1" smtClean="0">
                             <a:effectLst/>
                             <a:latin typeface="Cambria Math" panose="02040503050406030204" pitchFamily="18" charset="0"/>
                             <a:ea typeface="Calibri" panose="020F0502020204030204" pitchFamily="34" charset="0"/>
                             <a:cs typeface="Times New Roman" panose="02020603050405020304" pitchFamily="18" charset="0"/>
                           </a:rPr>
-                          <m:t>𝑚</m:t>
+                          <m:t>𝑐</m:t>
                         </m:r>
                       </m:sub>
                     </m:sSub>
@@ -5149,7 +7036,7 @@
                     <a:ea typeface="Times New Roman" panose="02020603050405020304" pitchFamily="18" charset="0"/>
                     <a:cs typeface="Times New Roman" panose="02020603050405020304" pitchFamily="18" charset="0"/>
                   </a:rPr>
-                  <a:t>Shared key k = p</a:t>
+                  <a:t>Shared secret key k = p</a:t>
                 </a:r>
                 <a:endParaRPr lang="en-SG" sz="2400" dirty="0">
                   <a:effectLst/>
@@ -5161,13 +7048,13 @@
             </p:txBody>
           </p:sp>
         </mc:Choice>
-        <mc:Fallback xmlns="">
+        <mc:Fallback>
           <p:sp>
             <p:nvSpPr>
               <p:cNvPr id="3" name="Content Placeholder 2">
                 <a:extLst>
                   <a:ext uri="{FF2B5EF4-FFF2-40B4-BE49-F238E27FC236}">
-                    <a16:creationId xmlns:a16="http://schemas.microsoft.com/office/drawing/2014/main" id="{E9AF4C6C-BAF8-C41B-A37D-C1CA512F1B17}"/>
+                    <a16:creationId xmlns:a16="http://schemas.microsoft.com/office/drawing/2014/main" id="{3F7CB108-3AA2-C3C1-4293-1273FF8F7BEA}"/>
                   </a:ext>
                 </a:extLst>
               </p:cNvPr>
@@ -5186,7 +7073,7 @@
               <a:blipFill>
                 <a:blip r:embed="rId2"/>
                 <a:stretch>
-                  <a:fillRect l="-843" r="-1144" b="-1186"/>
+                  <a:fillRect l="-843" r="-241" b="-1186"/>
                 </a:stretch>
               </a:blipFill>
             </p:spPr>
@@ -5210,7 +7097,7 @@
           <p:cNvPr id="4" name="Date Placeholder 3">
             <a:extLst>
               <a:ext uri="{FF2B5EF4-FFF2-40B4-BE49-F238E27FC236}">
-                <a16:creationId xmlns:a16="http://schemas.microsoft.com/office/drawing/2014/main" id="{7B778D70-7AAB-4469-1BFA-6FE9A73F06E3}"/>
+                <a16:creationId xmlns:a16="http://schemas.microsoft.com/office/drawing/2014/main" id="{82DC8E66-6412-3F76-FDAF-FAD68540372B}"/>
               </a:ext>
             </a:extLst>
           </p:cNvPr>
@@ -5228,7 +7115,7 @@
           <a:p>
             <a:fld id="{89227FBB-25E7-4C7E-8513-268B51BC1F29}" type="datetime1">
               <a:rPr lang="en-US" smtClean="0"/>
-              <a:t>8/29/2023</a:t>
+              <a:t>2/23/2024</a:t>
             </a:fld>
             <a:endParaRPr lang="en-US" dirty="0"/>
           </a:p>
@@ -5239,7 +7126,7 @@
           <p:cNvPr id="5" name="Slide Number Placeholder 4">
             <a:extLst>
               <a:ext uri="{FF2B5EF4-FFF2-40B4-BE49-F238E27FC236}">
-                <a16:creationId xmlns:a16="http://schemas.microsoft.com/office/drawing/2014/main" id="{427E2341-30D5-1AEE-F5DD-B2DD35CFE014}"/>
+                <a16:creationId xmlns:a16="http://schemas.microsoft.com/office/drawing/2014/main" id="{E98BDB2C-97A3-433B-9D94-9058172C2998}"/>
               </a:ext>
             </a:extLst>
           </p:cNvPr>
@@ -5267,7 +7154,7 @@
                 <a:cs typeface="Times New Roman" panose="02020603050405020304" pitchFamily="18" charset="0"/>
               </a:rPr>
               <a:pPr algn="ctr"/>
-              <a:t>11</a:t>
+              <a:t>16</a:t>
             </a:fld>
             <a:endParaRPr lang="en-US" b="1" dirty="0">
               <a:latin typeface="Times New Roman" panose="02020603050405020304" pitchFamily="18" charset="0"/>
@@ -5281,7 +7168,7 @@
           <p:cNvPr id="6" name="Title 1">
             <a:extLst>
               <a:ext uri="{FF2B5EF4-FFF2-40B4-BE49-F238E27FC236}">
-                <a16:creationId xmlns:a16="http://schemas.microsoft.com/office/drawing/2014/main" id="{3AEB0C63-73FB-BC4B-C4D9-DABB547393F1}"/>
+                <a16:creationId xmlns:a16="http://schemas.microsoft.com/office/drawing/2014/main" id="{D3D71CDD-EBCE-B5B3-DDD8-FBE56B2268A9}"/>
               </a:ext>
             </a:extLst>
           </p:cNvPr>
@@ -5346,7 +7233,7 @@
           <p:cNvPr id="9" name="TextBox 8">
             <a:extLst>
               <a:ext uri="{FF2B5EF4-FFF2-40B4-BE49-F238E27FC236}">
-                <a16:creationId xmlns:a16="http://schemas.microsoft.com/office/drawing/2014/main" id="{962F3755-C7AF-CAAA-311F-5493115CAC29}"/>
+                <a16:creationId xmlns:a16="http://schemas.microsoft.com/office/drawing/2014/main" id="{9A3B08B5-5619-F10D-9F89-B5FA7A318E05}"/>
               </a:ext>
             </a:extLst>
           </p:cNvPr>
@@ -5394,17 +7281,25 @@
     </p:spTree>
     <p:extLst>
       <p:ext uri="{BB962C8B-B14F-4D97-AF65-F5344CB8AC3E}">
-        <p14:creationId xmlns:p14="http://schemas.microsoft.com/office/powerpoint/2010/main" val="896806362"/>
+        <p14:creationId xmlns:p14="http://schemas.microsoft.com/office/powerpoint/2010/main" val="3269436732"/>
       </p:ext>
     </p:extLst>
   </p:cSld>
   <p:clrMapOvr>
     <a:masterClrMapping/>
   </p:clrMapOvr>
+  <mc:AlternateContent xmlns:mc="http://schemas.openxmlformats.org/markup-compatibility/2006" xmlns:p14="http://schemas.microsoft.com/office/powerpoint/2010/main">
+    <mc:Choice Requires="p14">
+      <p:transition spd="slow" p14:dur="2000" advTm="898"/>
+    </mc:Choice>
+    <mc:Fallback xmlns="">
+      <p:transition spd="slow" advTm="898"/>
+    </mc:Fallback>
+  </mc:AlternateContent>
 </p:sld>
 </file>
 
-<file path=ppt/slides/slide12.xml><?xml version="1.0" encoding="utf-8"?>
+<file path=ppt/slides/slide17.xml><?xml version="1.0" encoding="utf-8"?>
 <p:sld xmlns:a="http://schemas.openxmlformats.org/drawingml/2006/main" xmlns:r="http://schemas.openxmlformats.org/officeDocument/2006/relationships" xmlns:p="http://schemas.openxmlformats.org/presentationml/2006/main">
   <p:cSld>
     <p:spTree>
@@ -5455,7 +7350,7 @@
                 <a:latin typeface="Times New Roman" panose="02020603050405020304" pitchFamily="18" charset="0"/>
                 <a:cs typeface="Times New Roman" panose="02020603050405020304" pitchFamily="18" charset="0"/>
               </a:rPr>
-              <a:t>Methodology(studied)</a:t>
+              <a:t>Methodology</a:t>
             </a:r>
             <a:endParaRPr lang="en-SG" sz="4000" b="1" dirty="0">
               <a:latin typeface="Times New Roman" panose="02020603050405020304" pitchFamily="18" charset="0"/>
@@ -5484,8 +7379,8 @@
             </p:nvSpPr>
             <p:spPr>
               <a:xfrm>
-                <a:off x="1467827" y="2977662"/>
-                <a:ext cx="10126296" cy="3352799"/>
+                <a:off x="1612986" y="2675354"/>
+                <a:ext cx="10126296" cy="3073072"/>
               </a:xfrm>
             </p:spPr>
             <p:txBody>
@@ -5681,15 +7576,44 @@
                   </a:rPr>
                   <a:t>(x) = (x + r × </a:t>
                 </a:r>
-                <a:r>
-                  <a:rPr lang="en-SG" sz="2400" dirty="0" err="1">
-                    <a:effectLst/>
-                    <a:latin typeface="Times New Roman" panose="02020603050405020304" pitchFamily="18" charset="0"/>
-                    <a:ea typeface="Times New Roman" panose="02020603050405020304" pitchFamily="18" charset="0"/>
-                    <a:cs typeface="Times New Roman" panose="02020603050405020304" pitchFamily="18" charset="0"/>
-                  </a:rPr>
-                  <a:t>pq</a:t>
-                </a:r>
+                <a14:m>
+                  <m:oMath xmlns:m="http://schemas.openxmlformats.org/officeDocument/2006/math">
+                    <m:sSup>
+                      <m:sSupPr>
+                        <m:ctrlPr>
+                          <a:rPr lang="en-SG" sz="2400" i="1" smtClean="0">
+                            <a:effectLst/>
+                            <a:latin typeface="Cambria Math" panose="02040503050406030204" pitchFamily="18" charset="0"/>
+                            <a:ea typeface="Times New Roman" panose="02020603050405020304" pitchFamily="18" charset="0"/>
+                            <a:cs typeface="Times New Roman" panose="02020603050405020304" pitchFamily="18" charset="0"/>
+                          </a:rPr>
+                        </m:ctrlPr>
+                      </m:sSupPr>
+                      <m:e>
+                        <m:r>
+                          <a:rPr lang="en-US" sz="2400" b="0" i="1" smtClean="0">
+                            <a:effectLst/>
+                            <a:latin typeface="Cambria Math" panose="02040503050406030204" pitchFamily="18" charset="0"/>
+                            <a:ea typeface="Times New Roman" panose="02020603050405020304" pitchFamily="18" charset="0"/>
+                            <a:cs typeface="Times New Roman" panose="02020603050405020304" pitchFamily="18" charset="0"/>
+                          </a:rPr>
+                          <m:t>𝑝</m:t>
+                        </m:r>
+                      </m:e>
+                      <m:sup>
+                        <m:r>
+                          <a:rPr lang="en-US" sz="2400" b="0" i="1" smtClean="0">
+                            <a:effectLst/>
+                            <a:latin typeface="Cambria Math" panose="02040503050406030204" pitchFamily="18" charset="0"/>
+                            <a:ea typeface="Times New Roman" panose="02020603050405020304" pitchFamily="18" charset="0"/>
+                            <a:cs typeface="Times New Roman" panose="02020603050405020304" pitchFamily="18" charset="0"/>
+                          </a:rPr>
+                          <m:t>𝑞</m:t>
+                        </m:r>
+                      </m:sup>
+                    </m:sSup>
+                  </m:oMath>
+                </a14:m>
                 <a:r>
                   <a:rPr lang="en-SG" sz="2400" dirty="0">
                     <a:effectLst/>
@@ -5697,12 +7621,20 @@
                     <a:ea typeface="Times New Roman" panose="02020603050405020304" pitchFamily="18" charset="0"/>
                     <a:cs typeface="Times New Roman" panose="02020603050405020304" pitchFamily="18" charset="0"/>
                   </a:rPr>
-                  <a:t>) (mod m)</a:t>
+                  <a:t>) (mod m) = </a:t>
+                </a:r>
+                <a:r>
+                  <a:rPr lang="en-SG" sz="2400" dirty="0">
+                    <a:latin typeface="Times New Roman" panose="02020603050405020304" pitchFamily="18" charset="0"/>
+                    <a:ea typeface="Calibri" panose="020F0502020204030204" pitchFamily="34" charset="0"/>
+                    <a:cs typeface="Times New Roman" panose="02020603050405020304" pitchFamily="18" charset="0"/>
+                  </a:rPr>
+                  <a:t>x + r*p</a:t>
                 </a:r>
                 <a:endParaRPr lang="en-SG" sz="2400" dirty="0">
                   <a:effectLst/>
                   <a:latin typeface="Times New Roman" panose="02020603050405020304" pitchFamily="18" charset="0"/>
-                  <a:ea typeface="Calibri" panose="020F0502020204030204" pitchFamily="34" charset="0"/>
+                  <a:ea typeface="Times New Roman" panose="02020603050405020304" pitchFamily="18" charset="0"/>
                   <a:cs typeface="Times New Roman" panose="02020603050405020304" pitchFamily="18" charset="0"/>
                 </a:endParaRPr>
               </a:p>
@@ -5728,8 +7660,8 @@
             </p:nvSpPr>
             <p:spPr>
               <a:xfrm>
-                <a:off x="1467827" y="2977662"/>
-                <a:ext cx="10126296" cy="3352799"/>
+                <a:off x="1612986" y="2675354"/>
+                <a:ext cx="10126296" cy="3073072"/>
               </a:xfrm>
               <a:blipFill>
                 <a:blip r:embed="rId2"/>
@@ -5776,7 +7708,7 @@
           <a:p>
             <a:fld id="{89227FBB-25E7-4C7E-8513-268B51BC1F29}" type="datetime1">
               <a:rPr lang="en-US" smtClean="0"/>
-              <a:t>8/29/2023</a:t>
+              <a:t>2/23/2024</a:t>
             </a:fld>
             <a:endParaRPr lang="en-US" dirty="0"/>
           </a:p>
@@ -5815,7 +7747,7 @@
                 <a:cs typeface="Times New Roman" panose="02020603050405020304" pitchFamily="18" charset="0"/>
               </a:rPr>
               <a:pPr algn="ctr"/>
-              <a:t>12</a:t>
+              <a:t>17</a:t>
             </a:fld>
             <a:endParaRPr lang="en-US" b="1" dirty="0">
               <a:latin typeface="Times New Roman" panose="02020603050405020304" pitchFamily="18" charset="0"/>
@@ -5840,7 +7772,7 @@
         </p:nvSpPr>
         <p:spPr>
           <a:xfrm>
-            <a:off x="1295400" y="2063262"/>
+            <a:off x="1295400" y="1883879"/>
             <a:ext cx="9601200" cy="791475"/>
           </a:xfrm>
           <a:prstGeom prst="rect">
@@ -5949,10 +7881,18 @@
   <p:clrMapOvr>
     <a:masterClrMapping/>
   </p:clrMapOvr>
+  <mc:AlternateContent xmlns:mc="http://schemas.openxmlformats.org/markup-compatibility/2006" xmlns:p14="http://schemas.microsoft.com/office/powerpoint/2010/main">
+    <mc:Choice Requires="p14">
+      <p:transition spd="slow" p14:dur="2000" advTm="900"/>
+    </mc:Choice>
+    <mc:Fallback xmlns="">
+      <p:transition spd="slow" advTm="900"/>
+    </mc:Fallback>
+  </mc:AlternateContent>
 </p:sld>
 </file>
 
-<file path=ppt/slides/slide13.xml><?xml version="1.0" encoding="utf-8"?>
+<file path=ppt/slides/slide18.xml><?xml version="1.0" encoding="utf-8"?>
 <p:sld xmlns:a="http://schemas.openxmlformats.org/drawingml/2006/main" xmlns:r="http://schemas.openxmlformats.org/officeDocument/2006/relationships" xmlns:p="http://schemas.openxmlformats.org/presentationml/2006/main">
   <p:cSld>
     <p:spTree>
@@ -6003,7 +7943,7 @@
                 <a:latin typeface="Times New Roman" panose="02020603050405020304" pitchFamily="18" charset="0"/>
                 <a:cs typeface="Times New Roman" panose="02020603050405020304" pitchFamily="18" charset="0"/>
               </a:rPr>
-              <a:t>Methodology(studied)</a:t>
+              <a:t>Methodology</a:t>
             </a:r>
             <a:endParaRPr lang="en-SG" sz="4000" b="1" dirty="0">
               <a:latin typeface="Times New Roman" panose="02020603050405020304" pitchFamily="18" charset="0"/>
@@ -6033,7 +7973,7 @@
             <p:spPr>
               <a:xfrm>
                 <a:off x="1467827" y="3235570"/>
-                <a:ext cx="10126296" cy="3094892"/>
+                <a:ext cx="10126296" cy="2936630"/>
               </a:xfrm>
             </p:spPr>
             <p:txBody>
@@ -6057,7 +7997,26 @@
                     <a:latin typeface="Times New Roman" panose="02020603050405020304" pitchFamily="18" charset="0"/>
                     <a:cs typeface="Times New Roman" panose="02020603050405020304" pitchFamily="18" charset="0"/>
                   </a:rPr>
-                  <a:t>The Plaintext x is recovered as x =  </a:t>
+                  <a:t>Let, The Plaintext x is recovered as M</a:t>
+                </a:r>
+              </a:p>
+              <a:p>
+                <a:pPr>
+                  <a:lnSpc>
+                    <a:spcPct val="150000"/>
+                  </a:lnSpc>
+                  <a:spcAft>
+                    <a:spcPts val="800"/>
+                  </a:spcAft>
+                  <a:buFont typeface="Wingdings" panose="05000000000000000000" pitchFamily="2" charset="2"/>
+                  <a:buChar char="§"/>
+                </a:pPr>
+                <a:r>
+                  <a:rPr lang="en-SG" sz="2400" dirty="0">
+                    <a:latin typeface="Times New Roman" panose="02020603050405020304" pitchFamily="18" charset="0"/>
+                    <a:cs typeface="Times New Roman" panose="02020603050405020304" pitchFamily="18" charset="0"/>
+                  </a:rPr>
+                  <a:t>M =  </a:t>
                 </a:r>
                 <a14:m>
                   <m:oMath xmlns:m="http://schemas.openxmlformats.org/officeDocument/2006/math">
@@ -6099,7 +8058,26 @@
                     <a:latin typeface="Times New Roman" panose="02020603050405020304" pitchFamily="18" charset="0"/>
                     <a:cs typeface="Times New Roman" panose="02020603050405020304" pitchFamily="18" charset="0"/>
                   </a:rPr>
-                  <a:t>(y) = y mod p </a:t>
+                  <a:t>(y) = y mod p = (x + r * p) mod p</a:t>
+                </a:r>
+              </a:p>
+              <a:p>
+                <a:pPr>
+                  <a:lnSpc>
+                    <a:spcPct val="150000"/>
+                  </a:lnSpc>
+                  <a:spcAft>
+                    <a:spcPts val="800"/>
+                  </a:spcAft>
+                  <a:buFont typeface="Wingdings" panose="05000000000000000000" pitchFamily="2" charset="2"/>
+                  <a:buChar char="§"/>
+                </a:pPr>
+                <a:r>
+                  <a:rPr lang="en-SG" sz="2400" dirty="0">
+                    <a:latin typeface="Times New Roman" panose="02020603050405020304" pitchFamily="18" charset="0"/>
+                    <a:cs typeface="Times New Roman" panose="02020603050405020304" pitchFamily="18" charset="0"/>
+                  </a:rPr>
+                  <a:t> M = ( x mod p + r * p mod p) = x</a:t>
                 </a:r>
                 <a:endParaRPr lang="en-SG" sz="2800" dirty="0">
                   <a:effectLst/>
@@ -6131,7 +8109,7 @@
             <p:spPr>
               <a:xfrm>
                 <a:off x="1467827" y="3235570"/>
-                <a:ext cx="10126296" cy="3094892"/>
+                <a:ext cx="10126296" cy="2936630"/>
               </a:xfrm>
               <a:blipFill>
                 <a:blip r:embed="rId2"/>
@@ -6178,7 +8156,7 @@
           <a:p>
             <a:fld id="{89227FBB-25E7-4C7E-8513-268B51BC1F29}" type="datetime1">
               <a:rPr lang="en-US" smtClean="0"/>
-              <a:t>8/29/2023</a:t>
+              <a:t>2/23/2024</a:t>
             </a:fld>
             <a:endParaRPr lang="en-US" dirty="0"/>
           </a:p>
@@ -6217,7 +8195,7 @@
                 <a:cs typeface="Times New Roman" panose="02020603050405020304" pitchFamily="18" charset="0"/>
               </a:rPr>
               <a:pPr algn="ctr"/>
-              <a:t>13</a:t>
+              <a:t>18</a:t>
             </a:fld>
             <a:endParaRPr lang="en-US" b="1" dirty="0">
               <a:latin typeface="Times New Roman" panose="02020603050405020304" pitchFamily="18" charset="0"/>
@@ -6351,10 +8329,18 @@
   <p:clrMapOvr>
     <a:masterClrMapping/>
   </p:clrMapOvr>
+  <mc:AlternateContent xmlns:mc="http://schemas.openxmlformats.org/markup-compatibility/2006" xmlns:p14="http://schemas.microsoft.com/office/powerpoint/2010/main">
+    <mc:Choice Requires="p14">
+      <p:transition spd="slow" p14:dur="2000" advTm="1528"/>
+    </mc:Choice>
+    <mc:Fallback xmlns="">
+      <p:transition spd="slow" advTm="1528"/>
+    </mc:Fallback>
+  </mc:AlternateContent>
 </p:sld>
 </file>
 
-<file path=ppt/slides/slide14.xml><?xml version="1.0" encoding="utf-8"?>
+<file path=ppt/slides/slide19.xml><?xml version="1.0" encoding="utf-8"?>
 <p:sld xmlns:a="http://schemas.openxmlformats.org/drawingml/2006/main" xmlns:r="http://schemas.openxmlformats.org/officeDocument/2006/relationships" xmlns:p="http://schemas.openxmlformats.org/presentationml/2006/main">
   <p:cSld>
     <p:spTree>
@@ -6405,7 +8391,7 @@
                 <a:latin typeface="Times New Roman" panose="02020603050405020304" pitchFamily="18" charset="0"/>
                 <a:cs typeface="Times New Roman" panose="02020603050405020304" pitchFamily="18" charset="0"/>
               </a:rPr>
-              <a:t>Proposed Scheme(studied)</a:t>
+              <a:t>Proposed Scheme</a:t>
             </a:r>
             <a:endParaRPr lang="en-SG" sz="4000" b="1" dirty="0">
               <a:latin typeface="Times New Roman" panose="02020603050405020304" pitchFamily="18" charset="0"/>
@@ -6568,7 +8554,7 @@
           <a:p>
             <a:fld id="{89227FBB-25E7-4C7E-8513-268B51BC1F29}" type="datetime1">
               <a:rPr lang="en-US" smtClean="0"/>
-              <a:t>8/29/2023</a:t>
+              <a:t>2/23/2024</a:t>
             </a:fld>
             <a:endParaRPr lang="en-US" dirty="0"/>
           </a:p>
@@ -6607,7 +8593,7 @@
                 <a:cs typeface="Times New Roman" panose="02020603050405020304" pitchFamily="18" charset="0"/>
               </a:rPr>
               <a:pPr algn="ctr"/>
-              <a:t>14</a:t>
+              <a:t>19</a:t>
             </a:fld>
             <a:endParaRPr lang="en-US" b="1" dirty="0">
               <a:latin typeface="Times New Roman" panose="02020603050405020304" pitchFamily="18" charset="0"/>
@@ -6669,10 +8655,18 @@
   <p:clrMapOvr>
     <a:masterClrMapping/>
   </p:clrMapOvr>
+  <mc:AlternateContent xmlns:mc="http://schemas.openxmlformats.org/markup-compatibility/2006" xmlns:p14="http://schemas.microsoft.com/office/powerpoint/2010/main">
+    <mc:Choice Requires="p14">
+      <p:transition spd="slow" p14:dur="2000" advTm="606"/>
+    </mc:Choice>
+    <mc:Fallback xmlns="">
+      <p:transition spd="slow" advTm="606"/>
+    </mc:Fallback>
+  </mc:AlternateContent>
 </p:sld>
 </file>
 
-<file path=ppt/slides/slide15.xml><?xml version="1.0" encoding="utf-8"?>
+<file path=ppt/slides/slide2.xml><?xml version="1.0" encoding="utf-8"?>
 <p:sld xmlns:a="http://schemas.openxmlformats.org/drawingml/2006/main" xmlns:r="http://schemas.openxmlformats.org/officeDocument/2006/relationships" xmlns:p="http://schemas.openxmlformats.org/presentationml/2006/main">
   <p:cSld>
     <p:spTree>
@@ -6694,7 +8688,7 @@
           <p:cNvPr id="2" name="Title 1">
             <a:extLst>
               <a:ext uri="{FF2B5EF4-FFF2-40B4-BE49-F238E27FC236}">
-                <a16:creationId xmlns:a16="http://schemas.microsoft.com/office/drawing/2014/main" id="{E88507F7-14CA-ECE4-D44E-1C34FD763DF6}"/>
+                <a16:creationId xmlns:a16="http://schemas.microsoft.com/office/drawing/2014/main" id="{F56A2ED9-2A06-D0C0-2777-F355E5447D99}"/>
               </a:ext>
             </a:extLst>
           </p:cNvPr>
@@ -6707,8 +8701,8 @@
         </p:nvSpPr>
         <p:spPr>
           <a:xfrm>
-            <a:off x="1682262" y="202307"/>
-            <a:ext cx="9601200" cy="709246"/>
+            <a:off x="1295400" y="484399"/>
+            <a:ext cx="9601200" cy="797856"/>
           </a:xfrm>
         </p:spPr>
         <p:txBody>
@@ -6719,13 +8713,13 @@
           <a:p>
             <a:pPr algn="ctr"/>
             <a:r>
-              <a:rPr lang="en-US" sz="4000" b="1" dirty="0">
-                <a:latin typeface="Times New Roman" panose="02020603050405020304" pitchFamily="18" charset="0"/>
-                <a:cs typeface="Times New Roman" panose="02020603050405020304" pitchFamily="18" charset="0"/>
-              </a:rPr>
-              <a:t>Proposed/Studied Scheme</a:t>
-            </a:r>
-            <a:endParaRPr lang="en-SG" sz="4000" b="1" dirty="0">
+              <a:rPr lang="en-US" sz="4000" b="1" spc="300" dirty="0">
+                <a:latin typeface="Times New Roman" panose="02020603050405020304" pitchFamily="18" charset="0"/>
+                <a:cs typeface="Times New Roman" panose="02020603050405020304" pitchFamily="18" charset="0"/>
+              </a:rPr>
+              <a:t>Outlines</a:t>
+            </a:r>
+            <a:endParaRPr lang="en-SG" b="1" spc="300" dirty="0">
               <a:latin typeface="Times New Roman" panose="02020603050405020304" pitchFamily="18" charset="0"/>
               <a:cs typeface="Times New Roman" panose="02020603050405020304" pitchFamily="18" charset="0"/>
             </a:endParaRPr>
@@ -6734,10 +8728,10 @@
       </p:sp>
       <p:sp>
         <p:nvSpPr>
-          <p:cNvPr id="4" name="Date Placeholder 3">
+          <p:cNvPr id="3" name="Content Placeholder 2">
             <a:extLst>
               <a:ext uri="{FF2B5EF4-FFF2-40B4-BE49-F238E27FC236}">
-                <a16:creationId xmlns:a16="http://schemas.microsoft.com/office/drawing/2014/main" id="{7B778D70-7AAB-4469-1BFA-6FE9A73F06E3}"/>
+                <a16:creationId xmlns:a16="http://schemas.microsoft.com/office/drawing/2014/main" id="{5EC63538-05C3-5EE8-5B41-D2FB9B76D928}"/>
               </a:ext>
             </a:extLst>
           </p:cNvPr>
@@ -6745,28 +8739,127 @@
             <a:spLocks noGrp="1"/>
           </p:cNvSpPr>
           <p:nvPr>
-            <p:ph type="dt" sz="half" idx="10"/>
+            <p:ph idx="1"/>
           </p:nvPr>
         </p:nvSpPr>
-        <p:spPr/>
-        <p:txBody>
-          <a:bodyPr/>
+        <p:spPr>
+          <a:xfrm>
+            <a:off x="1390650" y="1363541"/>
+            <a:ext cx="9601200" cy="3800130"/>
+          </a:xfrm>
+        </p:spPr>
+        <p:txBody>
+          <a:bodyPr>
+            <a:normAutofit fontScale="92500" lnSpcReduction="20000"/>
+          </a:bodyPr>
           <a:lstStyle/>
           <a:p>
-            <a:fld id="{89227FBB-25E7-4C7E-8513-268B51BC1F29}" type="datetime1">
-              <a:rPr lang="en-US" smtClean="0"/>
-              <a:t>8/29/2023</a:t>
-            </a:fld>
-            <a:endParaRPr lang="en-US" dirty="0"/>
-          </a:p>
-        </p:txBody>
-      </p:sp>
-      <p:sp>
-        <p:nvSpPr>
-          <p:cNvPr id="5" name="Slide Number Placeholder 4">
+            <a:r>
+              <a:rPr lang="en-US" sz="2400" dirty="0">
+                <a:latin typeface="Times New Roman" panose="02020603050405020304" pitchFamily="18" charset="0"/>
+                <a:cs typeface="Times New Roman" panose="02020603050405020304" pitchFamily="18" charset="0"/>
+              </a:rPr>
+              <a:t>Introduction</a:t>
+            </a:r>
+          </a:p>
+          <a:p>
+            <a:r>
+              <a:rPr lang="en-US" sz="2400" dirty="0">
+                <a:latin typeface="Times New Roman" panose="02020603050405020304" pitchFamily="18" charset="0"/>
+                <a:cs typeface="Times New Roman" panose="02020603050405020304" pitchFamily="18" charset="0"/>
+              </a:rPr>
+              <a:t>Related Works</a:t>
+            </a:r>
+          </a:p>
+          <a:p>
+            <a:r>
+              <a:rPr lang="en-US" sz="2400" dirty="0">
+                <a:latin typeface="Times New Roman" panose="02020603050405020304" pitchFamily="18" charset="0"/>
+                <a:cs typeface="Times New Roman" panose="02020603050405020304" pitchFamily="18" charset="0"/>
+              </a:rPr>
+              <a:t>Objectives</a:t>
+            </a:r>
+          </a:p>
+          <a:p>
+            <a:r>
+              <a:rPr lang="en-US" sz="2400" dirty="0">
+                <a:latin typeface="Times New Roman" panose="02020603050405020304" pitchFamily="18" charset="0"/>
+                <a:cs typeface="Times New Roman" panose="02020603050405020304" pitchFamily="18" charset="0"/>
+              </a:rPr>
+              <a:t>Contributions</a:t>
+            </a:r>
+          </a:p>
+          <a:p>
+            <a:r>
+              <a:rPr lang="en-US" sz="2400" dirty="0">
+                <a:latin typeface="Times New Roman" panose="02020603050405020304" pitchFamily="18" charset="0"/>
+                <a:cs typeface="Times New Roman" panose="02020603050405020304" pitchFamily="18" charset="0"/>
+              </a:rPr>
+              <a:t>Tools</a:t>
+            </a:r>
+          </a:p>
+          <a:p>
+            <a:r>
+              <a:rPr lang="en-US" sz="2400" dirty="0">
+                <a:latin typeface="Times New Roman" panose="02020603050405020304" pitchFamily="18" charset="0"/>
+                <a:cs typeface="Times New Roman" panose="02020603050405020304" pitchFamily="18" charset="0"/>
+              </a:rPr>
+              <a:t>Methodology</a:t>
+            </a:r>
+          </a:p>
+          <a:p>
+            <a:r>
+              <a:rPr lang="en-US" sz="2400" dirty="0">
+                <a:latin typeface="Times New Roman" panose="02020603050405020304" pitchFamily="18" charset="0"/>
+                <a:cs typeface="Times New Roman" panose="02020603050405020304" pitchFamily="18" charset="0"/>
+              </a:rPr>
+              <a:t>Proposed scheme</a:t>
+            </a:r>
+          </a:p>
+          <a:p>
+            <a:r>
+              <a:rPr lang="en-US" sz="2400" dirty="0">
+                <a:latin typeface="Times New Roman" panose="02020603050405020304" pitchFamily="18" charset="0"/>
+                <a:cs typeface="Times New Roman" panose="02020603050405020304" pitchFamily="18" charset="0"/>
+              </a:rPr>
+              <a:t>Result Analysis</a:t>
+            </a:r>
+          </a:p>
+          <a:p>
+            <a:r>
+              <a:rPr lang="en-US" sz="2400" dirty="0">
+                <a:latin typeface="Times New Roman" panose="02020603050405020304" pitchFamily="18" charset="0"/>
+                <a:cs typeface="Times New Roman" panose="02020603050405020304" pitchFamily="18" charset="0"/>
+              </a:rPr>
+              <a:t>Performance Evaluation</a:t>
+            </a:r>
+          </a:p>
+          <a:p>
+            <a:pPr marL="0" indent="0">
+              <a:buNone/>
+            </a:pPr>
+            <a:endParaRPr lang="en-US" sz="2400" dirty="0">
+              <a:latin typeface="Times New Roman" panose="02020603050405020304" pitchFamily="18" charset="0"/>
+              <a:cs typeface="Times New Roman" panose="02020603050405020304" pitchFamily="18" charset="0"/>
+            </a:endParaRPr>
+          </a:p>
+          <a:p>
+            <a:pPr marL="0" indent="0">
+              <a:buNone/>
+            </a:pPr>
+            <a:endParaRPr lang="en-US" sz="2400" dirty="0">
+              <a:latin typeface="Times New Roman" panose="02020603050405020304" pitchFamily="18" charset="0"/>
+              <a:cs typeface="Times New Roman" panose="02020603050405020304" pitchFamily="18" charset="0"/>
+            </a:endParaRPr>
+          </a:p>
+        </p:txBody>
+      </p:sp>
+      <p:sp>
+        <p:nvSpPr>
+          <p:cNvPr id="6" name="Date Placeholder 5">
             <a:extLst>
               <a:ext uri="{FF2B5EF4-FFF2-40B4-BE49-F238E27FC236}">
-                <a16:creationId xmlns:a16="http://schemas.microsoft.com/office/drawing/2014/main" id="{427E2341-30D5-1AEE-F5DD-B2DD35CFE014}"/>
+                <a16:creationId xmlns:a16="http://schemas.microsoft.com/office/drawing/2014/main" id="{89B9A005-12BB-6757-303D-0E65B51498C5}"/>
               </a:ext>
             </a:extLst>
           </p:cNvPr>
@@ -6774,12 +8867,41 @@
             <a:spLocks noGrp="1"/>
           </p:cNvSpPr>
           <p:nvPr>
+            <p:ph type="dt" sz="half" idx="10"/>
+          </p:nvPr>
+        </p:nvSpPr>
+        <p:spPr/>
+        <p:txBody>
+          <a:bodyPr/>
+          <a:lstStyle/>
+          <a:p>
+            <a:fld id="{C14A1798-B586-47DD-8B95-FB72B2093A2A}" type="datetime1">
+              <a:rPr lang="en-US" smtClean="0"/>
+              <a:t>2/23/2024</a:t>
+            </a:fld>
+            <a:endParaRPr lang="en-US" dirty="0"/>
+          </a:p>
+        </p:txBody>
+      </p:sp>
+      <p:sp>
+        <p:nvSpPr>
+          <p:cNvPr id="5" name="Slide Number Placeholder 4">
+            <a:extLst>
+              <a:ext uri="{FF2B5EF4-FFF2-40B4-BE49-F238E27FC236}">
+                <a16:creationId xmlns:a16="http://schemas.microsoft.com/office/drawing/2014/main" id="{131BA4F6-5A39-D5BE-DEDE-BFA880DE7081}"/>
+              </a:ext>
+            </a:extLst>
+          </p:cNvPr>
+          <p:cNvSpPr>
+            <a:spLocks noGrp="1"/>
+          </p:cNvSpPr>
+          <p:nvPr>
             <p:ph type="sldNum" sz="quarter" idx="12"/>
           </p:nvPr>
         </p:nvSpPr>
         <p:spPr>
           <a:xfrm>
-            <a:off x="5510336" y="6251079"/>
+            <a:off x="4889014" y="6239436"/>
             <a:ext cx="1596292" cy="404614"/>
           </a:xfrm>
         </p:spPr>
@@ -6787,64 +8909,26 @@
           <a:bodyPr/>
           <a:lstStyle/>
           <a:p>
-            <a:pPr algn="ctr"/>
             <a:fld id="{69E57DC2-970A-4B3E-BB1C-7A09969E49DF}" type="slidenum">
               <a:rPr lang="en-US" sz="2800" b="1" smtClean="0">
                 <a:latin typeface="Times New Roman" panose="02020603050405020304" pitchFamily="18" charset="0"/>
                 <a:cs typeface="Times New Roman" panose="02020603050405020304" pitchFamily="18" charset="0"/>
               </a:rPr>
-              <a:pPr algn="ctr"/>
-              <a:t>15</a:t>
+              <a:t>2</a:t>
             </a:fld>
-            <a:endParaRPr lang="en-US" b="1" dirty="0">
+            <a:endParaRPr lang="en-US" sz="2800" b="1" dirty="0">
               <a:latin typeface="Times New Roman" panose="02020603050405020304" pitchFamily="18" charset="0"/>
               <a:cs typeface="Times New Roman" panose="02020603050405020304" pitchFamily="18" charset="0"/>
             </a:endParaRPr>
           </a:p>
         </p:txBody>
       </p:sp>
-      <p:pic>
-        <p:nvPicPr>
-          <p:cNvPr id="6" name="Picture 5">
+      <p:sp>
+        <p:nvSpPr>
+          <p:cNvPr id="4" name="Title 1">
             <a:extLst>
               <a:ext uri="{FF2B5EF4-FFF2-40B4-BE49-F238E27FC236}">
-                <a16:creationId xmlns:a16="http://schemas.microsoft.com/office/drawing/2014/main" id="{1FF06436-4EE6-3B72-5E88-741911A22DDF}"/>
-              </a:ext>
-            </a:extLst>
-          </p:cNvPr>
-          <p:cNvPicPr>
-            <a:picLocks noChangeAspect="1"/>
-          </p:cNvPicPr>
-          <p:nvPr/>
-        </p:nvPicPr>
-        <p:blipFill>
-          <a:blip r:embed="rId2">
-            <a:extLst>
-              <a:ext uri="{28A0092B-C50C-407E-A947-70E740481C1C}">
-                <a14:useLocalDpi xmlns:a14="http://schemas.microsoft.com/office/drawing/2010/main" val="0"/>
-              </a:ext>
-            </a:extLst>
-          </a:blip>
-          <a:stretch>
-            <a:fillRect/>
-          </a:stretch>
-        </p:blipFill>
-        <p:spPr>
-          <a:xfrm>
-            <a:off x="3411416" y="1065406"/>
-            <a:ext cx="6142892" cy="4636147"/>
-          </a:xfrm>
-          <a:prstGeom prst="rect">
-            <a:avLst/>
-          </a:prstGeom>
-        </p:spPr>
-      </p:pic>
-      <p:sp>
-        <p:nvSpPr>
-          <p:cNvPr id="3" name="Title 1">
-            <a:extLst>
-              <a:ext uri="{FF2B5EF4-FFF2-40B4-BE49-F238E27FC236}">
-                <a16:creationId xmlns:a16="http://schemas.microsoft.com/office/drawing/2014/main" id="{47880954-767A-548F-DAB9-4F2C282A42A8}"/>
+                <a16:creationId xmlns:a16="http://schemas.microsoft.com/office/drawing/2014/main" id="{04F02D11-9756-9757-E297-D29F5C5920DA}"/>
               </a:ext>
             </a:extLst>
           </p:cNvPr>
@@ -6855,8 +8939,8 @@
         </p:nvSpPr>
         <p:spPr>
           <a:xfrm>
-            <a:off x="4684132" y="5776551"/>
-            <a:ext cx="4101280" cy="474528"/>
+            <a:off x="1214717" y="5360295"/>
+            <a:ext cx="10636624" cy="797856"/>
           </a:xfrm>
           <a:prstGeom prst="rect">
             <a:avLst/>
@@ -6886,13 +8970,26 @@
             </a:lvl1pPr>
           </a:lstStyle>
           <a:p>
-            <a:pPr algn="ctr"/>
             <a:r>
               <a:rPr lang="en-US" sz="1800" dirty="0">
                 <a:latin typeface="Times New Roman" panose="02020603050405020304" pitchFamily="18" charset="0"/>
                 <a:cs typeface="Times New Roman" panose="02020603050405020304" pitchFamily="18" charset="0"/>
               </a:rPr>
-              <a:t>Fig 4. Studied Scheme</a:t>
+              <a:t>Base paper: </a:t>
+            </a:r>
+            <a:r>
+              <a:rPr lang="en-US" sz="1800" dirty="0" err="1">
+                <a:latin typeface="Times New Roman" panose="02020603050405020304" pitchFamily="18" charset="0"/>
+                <a:cs typeface="Times New Roman" panose="02020603050405020304" pitchFamily="18" charset="0"/>
+              </a:rPr>
+              <a:t>Elbasher</a:t>
+            </a:r>
+            <a:r>
+              <a:rPr lang="en-US" sz="1800" dirty="0">
+                <a:latin typeface="Times New Roman" panose="02020603050405020304" pitchFamily="18" charset="0"/>
+                <a:cs typeface="Times New Roman" panose="02020603050405020304" pitchFamily="18" charset="0"/>
+              </a:rPr>
+              <a:t> et al. “Secure and reliable data forwarding using homomorphic encryption against blackhole attacks based on mobile ad hoc network”. JISA, 2020, 51, 102425</a:t>
             </a:r>
             <a:endParaRPr lang="en-SG" sz="2000" dirty="0">
               <a:latin typeface="Times New Roman" panose="02020603050405020304" pitchFamily="18" charset="0"/>
@@ -6901,6 +8998,836 @@
           </a:p>
         </p:txBody>
       </p:sp>
+    </p:spTree>
+    <p:extLst>
+      <p:ext uri="{BB962C8B-B14F-4D97-AF65-F5344CB8AC3E}">
+        <p14:creationId xmlns:p14="http://schemas.microsoft.com/office/powerpoint/2010/main" val="4153223165"/>
+      </p:ext>
+    </p:extLst>
+  </p:cSld>
+  <p:clrMapOvr>
+    <a:masterClrMapping/>
+  </p:clrMapOvr>
+  <mc:AlternateContent xmlns:mc="http://schemas.openxmlformats.org/markup-compatibility/2006">
+    <mc:Choice xmlns:p14="http://schemas.microsoft.com/office/powerpoint/2010/main" Requires="p14">
+      <p:transition spd="slow" p14:dur="2000" advTm="290"/>
+    </mc:Choice>
+    <mc:Fallback>
+      <p:transition spd="slow" advTm="290"/>
+    </mc:Fallback>
+  </mc:AlternateContent>
+</p:sld>
+</file>
+
+<file path=ppt/slides/slide20.xml><?xml version="1.0" encoding="utf-8"?>
+<p:sld xmlns:a="http://schemas.openxmlformats.org/drawingml/2006/main" xmlns:r="http://schemas.openxmlformats.org/officeDocument/2006/relationships" xmlns:p="http://schemas.openxmlformats.org/presentationml/2006/main">
+  <p:cSld>
+    <p:spTree>
+      <p:nvGrpSpPr>
+        <p:cNvPr id="1" name="">
+          <a:extLst>
+            <a:ext uri="{FF2B5EF4-FFF2-40B4-BE49-F238E27FC236}">
+              <a16:creationId xmlns:a16="http://schemas.microsoft.com/office/drawing/2014/main" id="{D4681CAF-708A-8205-82A0-AEE8B1761BE5}"/>
+            </a:ext>
+          </a:extLst>
+        </p:cNvPr>
+        <p:cNvGrpSpPr/>
+        <p:nvPr/>
+      </p:nvGrpSpPr>
+      <p:grpSpPr>
+        <a:xfrm>
+          <a:off x="0" y="0"/>
+          <a:ext cx="0" cy="0"/>
+          <a:chOff x="0" y="0"/>
+          <a:chExt cx="0" cy="0"/>
+        </a:xfrm>
+      </p:grpSpPr>
+      <p:sp>
+        <p:nvSpPr>
+          <p:cNvPr id="2" name="Title 1">
+            <a:extLst>
+              <a:ext uri="{FF2B5EF4-FFF2-40B4-BE49-F238E27FC236}">
+                <a16:creationId xmlns:a16="http://schemas.microsoft.com/office/drawing/2014/main" id="{BD6A8289-B90E-FE0C-83C3-CF754B88BB28}"/>
+              </a:ext>
+            </a:extLst>
+          </p:cNvPr>
+          <p:cNvSpPr>
+            <a:spLocks noGrp="1"/>
+          </p:cNvSpPr>
+          <p:nvPr>
+            <p:ph type="title"/>
+          </p:nvPr>
+        </p:nvSpPr>
+        <p:spPr>
+          <a:xfrm>
+            <a:off x="1390650" y="518727"/>
+            <a:ext cx="9601200" cy="709246"/>
+          </a:xfrm>
+        </p:spPr>
+        <p:txBody>
+          <a:bodyPr>
+            <a:normAutofit/>
+          </a:bodyPr>
+          <a:lstStyle/>
+          <a:p>
+            <a:pPr algn="ctr"/>
+            <a:r>
+              <a:rPr lang="en-US" sz="4000" b="1" dirty="0">
+                <a:latin typeface="Times New Roman" panose="02020603050405020304" pitchFamily="18" charset="0"/>
+                <a:cs typeface="Times New Roman" panose="02020603050405020304" pitchFamily="18" charset="0"/>
+              </a:rPr>
+              <a:t>Proposed Scheme - Flowchart</a:t>
+            </a:r>
+            <a:endParaRPr lang="en-SG" sz="4000" b="1" dirty="0">
+              <a:latin typeface="Times New Roman" panose="02020603050405020304" pitchFamily="18" charset="0"/>
+              <a:cs typeface="Times New Roman" panose="02020603050405020304" pitchFamily="18" charset="0"/>
+            </a:endParaRPr>
+          </a:p>
+        </p:txBody>
+      </p:sp>
+      <p:sp>
+        <p:nvSpPr>
+          <p:cNvPr id="4" name="Date Placeholder 3">
+            <a:extLst>
+              <a:ext uri="{FF2B5EF4-FFF2-40B4-BE49-F238E27FC236}">
+                <a16:creationId xmlns:a16="http://schemas.microsoft.com/office/drawing/2014/main" id="{A19FB2E3-2C11-6F66-A878-97E8F9A385C4}"/>
+              </a:ext>
+            </a:extLst>
+          </p:cNvPr>
+          <p:cNvSpPr>
+            <a:spLocks noGrp="1"/>
+          </p:cNvSpPr>
+          <p:nvPr>
+            <p:ph type="dt" sz="half" idx="10"/>
+          </p:nvPr>
+        </p:nvSpPr>
+        <p:spPr/>
+        <p:txBody>
+          <a:bodyPr/>
+          <a:lstStyle/>
+          <a:p>
+            <a:fld id="{89227FBB-25E7-4C7E-8513-268B51BC1F29}" type="datetime1">
+              <a:rPr lang="en-US" smtClean="0"/>
+              <a:t>2/23/2024</a:t>
+            </a:fld>
+            <a:endParaRPr lang="en-US" dirty="0"/>
+          </a:p>
+        </p:txBody>
+      </p:sp>
+      <p:sp>
+        <p:nvSpPr>
+          <p:cNvPr id="5" name="Slide Number Placeholder 4">
+            <a:extLst>
+              <a:ext uri="{FF2B5EF4-FFF2-40B4-BE49-F238E27FC236}">
+                <a16:creationId xmlns:a16="http://schemas.microsoft.com/office/drawing/2014/main" id="{ABE2BADB-2454-CD8B-DDA4-000A7F2AD2D9}"/>
+              </a:ext>
+            </a:extLst>
+          </p:cNvPr>
+          <p:cNvSpPr>
+            <a:spLocks noGrp="1"/>
+          </p:cNvSpPr>
+          <p:nvPr>
+            <p:ph type="sldNum" sz="quarter" idx="12"/>
+          </p:nvPr>
+        </p:nvSpPr>
+        <p:spPr>
+          <a:xfrm>
+            <a:off x="5510336" y="6251079"/>
+            <a:ext cx="1596292" cy="404614"/>
+          </a:xfrm>
+        </p:spPr>
+        <p:txBody>
+          <a:bodyPr/>
+          <a:lstStyle/>
+          <a:p>
+            <a:pPr algn="ctr"/>
+            <a:fld id="{69E57DC2-970A-4B3E-BB1C-7A09969E49DF}" type="slidenum">
+              <a:rPr lang="en-US" sz="2800" b="1" smtClean="0">
+                <a:latin typeface="Times New Roman" panose="02020603050405020304" pitchFamily="18" charset="0"/>
+                <a:cs typeface="Times New Roman" panose="02020603050405020304" pitchFamily="18" charset="0"/>
+              </a:rPr>
+              <a:pPr algn="ctr"/>
+              <a:t>20</a:t>
+            </a:fld>
+            <a:endParaRPr lang="en-US" b="1" dirty="0">
+              <a:latin typeface="Times New Roman" panose="02020603050405020304" pitchFamily="18" charset="0"/>
+              <a:cs typeface="Times New Roman" panose="02020603050405020304" pitchFamily="18" charset="0"/>
+            </a:endParaRPr>
+          </a:p>
+        </p:txBody>
+      </p:sp>
+      <p:sp>
+        <p:nvSpPr>
+          <p:cNvPr id="6" name="TextBox 5">
+            <a:extLst>
+              <a:ext uri="{FF2B5EF4-FFF2-40B4-BE49-F238E27FC236}">
+                <a16:creationId xmlns:a16="http://schemas.microsoft.com/office/drawing/2014/main" id="{BB7F512C-2BDC-4DAE-6755-40427D80AF0C}"/>
+              </a:ext>
+            </a:extLst>
+          </p:cNvPr>
+          <p:cNvSpPr txBox="1"/>
+          <p:nvPr/>
+        </p:nvSpPr>
+        <p:spPr>
+          <a:xfrm>
+            <a:off x="8498541" y="5961129"/>
+            <a:ext cx="3420035" cy="369332"/>
+          </a:xfrm>
+          <a:prstGeom prst="rect">
+            <a:avLst/>
+          </a:prstGeom>
+          <a:noFill/>
+        </p:spPr>
+        <p:txBody>
+          <a:bodyPr wrap="square">
+            <a:spAutoFit/>
+          </a:bodyPr>
+          <a:lstStyle/>
+          <a:p>
+            <a:pPr algn="ctr"/>
+            <a:r>
+              <a:rPr lang="en-US" sz="1800" dirty="0">
+                <a:latin typeface="Times New Roman" panose="02020603050405020304" pitchFamily="18" charset="0"/>
+                <a:cs typeface="Times New Roman" panose="02020603050405020304" pitchFamily="18" charset="0"/>
+              </a:rPr>
+              <a:t>Proposed scheme cont’d….</a:t>
+            </a:r>
+            <a:endParaRPr lang="en-SG" sz="2000" dirty="0">
+              <a:latin typeface="Times New Roman" panose="02020603050405020304" pitchFamily="18" charset="0"/>
+              <a:cs typeface="Times New Roman" panose="02020603050405020304" pitchFamily="18" charset="0"/>
+            </a:endParaRPr>
+          </a:p>
+        </p:txBody>
+      </p:sp>
+      <p:pic>
+        <p:nvPicPr>
+          <p:cNvPr id="12" name="Picture 11">
+            <a:extLst>
+              <a:ext uri="{FF2B5EF4-FFF2-40B4-BE49-F238E27FC236}">
+                <a16:creationId xmlns:a16="http://schemas.microsoft.com/office/drawing/2014/main" id="{BB6F5EBC-7E65-75F0-9D08-BE476AEC4DB0}"/>
+              </a:ext>
+            </a:extLst>
+          </p:cNvPr>
+          <p:cNvPicPr>
+            <a:picLocks noChangeAspect="1"/>
+          </p:cNvPicPr>
+          <p:nvPr/>
+        </p:nvPicPr>
+        <p:blipFill>
+          <a:blip r:embed="rId2"/>
+          <a:stretch>
+            <a:fillRect/>
+          </a:stretch>
+        </p:blipFill>
+        <p:spPr>
+          <a:xfrm>
+            <a:off x="3094088" y="1393547"/>
+            <a:ext cx="6003823" cy="3927472"/>
+          </a:xfrm>
+          <a:prstGeom prst="rect">
+            <a:avLst/>
+          </a:prstGeom>
+        </p:spPr>
+      </p:pic>
+      <p:sp>
+        <p:nvSpPr>
+          <p:cNvPr id="3" name="Title 1">
+            <a:extLst>
+              <a:ext uri="{FF2B5EF4-FFF2-40B4-BE49-F238E27FC236}">
+                <a16:creationId xmlns:a16="http://schemas.microsoft.com/office/drawing/2014/main" id="{7F060B22-04E6-CF5F-E9BE-0134DA9D6542}"/>
+              </a:ext>
+            </a:extLst>
+          </p:cNvPr>
+          <p:cNvSpPr txBox="1">
+            <a:spLocks/>
+          </p:cNvSpPr>
+          <p:nvPr/>
+        </p:nvSpPr>
+        <p:spPr>
+          <a:xfrm>
+            <a:off x="4140610" y="5671267"/>
+            <a:ext cx="4101280" cy="474528"/>
+          </a:xfrm>
+          <a:prstGeom prst="rect">
+            <a:avLst/>
+          </a:prstGeom>
+        </p:spPr>
+        <p:txBody>
+          <a:bodyPr vert="horz" lIns="91440" tIns="45720" rIns="91440" bIns="45720" rtlCol="0" anchor="t">
+            <a:normAutofit/>
+          </a:bodyPr>
+          <a:lstStyle>
+            <a:lvl1pPr algn="l" defTabSz="914400" rtl="0" eaLnBrk="1" latinLnBrk="0" hangingPunct="1">
+              <a:lnSpc>
+                <a:spcPct val="89000"/>
+              </a:lnSpc>
+              <a:spcBef>
+                <a:spcPct val="0"/>
+              </a:spcBef>
+              <a:buNone/>
+              <a:defRPr sz="4400" kern="1200" baseline="0">
+                <a:solidFill>
+                  <a:schemeClr val="tx2"/>
+                </a:solidFill>
+                <a:latin typeface="+mj-lt"/>
+                <a:ea typeface="+mj-ea"/>
+                <a:cs typeface="+mj-cs"/>
+              </a:defRPr>
+            </a:lvl1pPr>
+          </a:lstStyle>
+          <a:p>
+            <a:pPr algn="ctr"/>
+            <a:r>
+              <a:rPr lang="en-US" sz="1800" dirty="0">
+                <a:latin typeface="Times New Roman" panose="02020603050405020304" pitchFamily="18" charset="0"/>
+                <a:cs typeface="Times New Roman" panose="02020603050405020304" pitchFamily="18" charset="0"/>
+              </a:rPr>
+              <a:t>Fig 4. Flowchart of the proposed scheme</a:t>
+            </a:r>
+            <a:endParaRPr lang="en-SG" sz="2000" dirty="0">
+              <a:latin typeface="Times New Roman" panose="02020603050405020304" pitchFamily="18" charset="0"/>
+              <a:cs typeface="Times New Roman" panose="02020603050405020304" pitchFamily="18" charset="0"/>
+            </a:endParaRPr>
+          </a:p>
+        </p:txBody>
+      </p:sp>
+    </p:spTree>
+    <p:extLst>
+      <p:ext uri="{BB962C8B-B14F-4D97-AF65-F5344CB8AC3E}">
+        <p14:creationId xmlns:p14="http://schemas.microsoft.com/office/powerpoint/2010/main" val="3147112995"/>
+      </p:ext>
+    </p:extLst>
+  </p:cSld>
+  <p:clrMapOvr>
+    <a:masterClrMapping/>
+  </p:clrMapOvr>
+  <mc:AlternateContent xmlns:mc="http://schemas.openxmlformats.org/markup-compatibility/2006" xmlns:p14="http://schemas.microsoft.com/office/powerpoint/2010/main">
+    <mc:Choice Requires="p14">
+      <p:transition spd="slow" p14:dur="2000" advTm="1038"/>
+    </mc:Choice>
+    <mc:Fallback xmlns="">
+      <p:transition spd="slow" advTm="1038"/>
+    </mc:Fallback>
+  </mc:AlternateContent>
+</p:sld>
+</file>
+
+<file path=ppt/slides/slide21.xml><?xml version="1.0" encoding="utf-8"?>
+<p:sld xmlns:a="http://schemas.openxmlformats.org/drawingml/2006/main" xmlns:r="http://schemas.openxmlformats.org/officeDocument/2006/relationships" xmlns:p="http://schemas.openxmlformats.org/presentationml/2006/main">
+  <p:cSld>
+    <p:spTree>
+      <p:nvGrpSpPr>
+        <p:cNvPr id="1" name="">
+          <a:extLst>
+            <a:ext uri="{FF2B5EF4-FFF2-40B4-BE49-F238E27FC236}">
+              <a16:creationId xmlns:a16="http://schemas.microsoft.com/office/drawing/2014/main" id="{E7516E8F-1744-88A3-CBA6-63D1F017751D}"/>
+            </a:ext>
+          </a:extLst>
+        </p:cNvPr>
+        <p:cNvGrpSpPr/>
+        <p:nvPr/>
+      </p:nvGrpSpPr>
+      <p:grpSpPr>
+        <a:xfrm>
+          <a:off x="0" y="0"/>
+          <a:ext cx="0" cy="0"/>
+          <a:chOff x="0" y="0"/>
+          <a:chExt cx="0" cy="0"/>
+        </a:xfrm>
+      </p:grpSpPr>
+      <p:sp>
+        <p:nvSpPr>
+          <p:cNvPr id="2" name="Title 1">
+            <a:extLst>
+              <a:ext uri="{FF2B5EF4-FFF2-40B4-BE49-F238E27FC236}">
+                <a16:creationId xmlns:a16="http://schemas.microsoft.com/office/drawing/2014/main" id="{FCCAF7FC-4ED7-2B82-A43D-ABD119571F58}"/>
+              </a:ext>
+            </a:extLst>
+          </p:cNvPr>
+          <p:cNvSpPr>
+            <a:spLocks noGrp="1"/>
+          </p:cNvSpPr>
+          <p:nvPr>
+            <p:ph type="title"/>
+          </p:nvPr>
+        </p:nvSpPr>
+        <p:spPr>
+          <a:xfrm>
+            <a:off x="1390650" y="635983"/>
+            <a:ext cx="9601200" cy="709246"/>
+          </a:xfrm>
+        </p:spPr>
+        <p:txBody>
+          <a:bodyPr>
+            <a:normAutofit/>
+          </a:bodyPr>
+          <a:lstStyle/>
+          <a:p>
+            <a:pPr algn="ctr"/>
+            <a:r>
+              <a:rPr lang="en-US" sz="4000" b="1" dirty="0">
+                <a:latin typeface="Times New Roman" panose="02020603050405020304" pitchFamily="18" charset="0"/>
+                <a:cs typeface="Times New Roman" panose="02020603050405020304" pitchFamily="18" charset="0"/>
+              </a:rPr>
+              <a:t>Proposed Scheme - Flowchart</a:t>
+            </a:r>
+            <a:endParaRPr lang="en-SG" sz="4000" b="1" dirty="0">
+              <a:latin typeface="Times New Roman" panose="02020603050405020304" pitchFamily="18" charset="0"/>
+              <a:cs typeface="Times New Roman" panose="02020603050405020304" pitchFamily="18" charset="0"/>
+            </a:endParaRPr>
+          </a:p>
+        </p:txBody>
+      </p:sp>
+      <p:sp>
+        <p:nvSpPr>
+          <p:cNvPr id="4" name="Date Placeholder 3">
+            <a:extLst>
+              <a:ext uri="{FF2B5EF4-FFF2-40B4-BE49-F238E27FC236}">
+                <a16:creationId xmlns:a16="http://schemas.microsoft.com/office/drawing/2014/main" id="{9CF3823C-3073-9E54-9D50-3F8EE9A00FC6}"/>
+              </a:ext>
+            </a:extLst>
+          </p:cNvPr>
+          <p:cNvSpPr>
+            <a:spLocks noGrp="1"/>
+          </p:cNvSpPr>
+          <p:nvPr>
+            <p:ph type="dt" sz="half" idx="10"/>
+          </p:nvPr>
+        </p:nvSpPr>
+        <p:spPr/>
+        <p:txBody>
+          <a:bodyPr/>
+          <a:lstStyle/>
+          <a:p>
+            <a:fld id="{89227FBB-25E7-4C7E-8513-268B51BC1F29}" type="datetime1">
+              <a:rPr lang="en-US" smtClean="0"/>
+              <a:t>2/23/2024</a:t>
+            </a:fld>
+            <a:endParaRPr lang="en-US" dirty="0"/>
+          </a:p>
+        </p:txBody>
+      </p:sp>
+      <p:sp>
+        <p:nvSpPr>
+          <p:cNvPr id="5" name="Slide Number Placeholder 4">
+            <a:extLst>
+              <a:ext uri="{FF2B5EF4-FFF2-40B4-BE49-F238E27FC236}">
+                <a16:creationId xmlns:a16="http://schemas.microsoft.com/office/drawing/2014/main" id="{267C3B4C-AD43-2F4B-8818-DCB17A01BA9C}"/>
+              </a:ext>
+            </a:extLst>
+          </p:cNvPr>
+          <p:cNvSpPr>
+            <a:spLocks noGrp="1"/>
+          </p:cNvSpPr>
+          <p:nvPr>
+            <p:ph type="sldNum" sz="quarter" idx="12"/>
+          </p:nvPr>
+        </p:nvSpPr>
+        <p:spPr>
+          <a:xfrm>
+            <a:off x="5510336" y="6251079"/>
+            <a:ext cx="1596292" cy="404614"/>
+          </a:xfrm>
+        </p:spPr>
+        <p:txBody>
+          <a:bodyPr/>
+          <a:lstStyle/>
+          <a:p>
+            <a:pPr algn="ctr"/>
+            <a:fld id="{69E57DC2-970A-4B3E-BB1C-7A09969E49DF}" type="slidenum">
+              <a:rPr lang="en-US" sz="2800" b="1" smtClean="0">
+                <a:latin typeface="Times New Roman" panose="02020603050405020304" pitchFamily="18" charset="0"/>
+                <a:cs typeface="Times New Roman" panose="02020603050405020304" pitchFamily="18" charset="0"/>
+              </a:rPr>
+              <a:pPr algn="ctr"/>
+              <a:t>21</a:t>
+            </a:fld>
+            <a:endParaRPr lang="en-US" b="1" dirty="0">
+              <a:latin typeface="Times New Roman" panose="02020603050405020304" pitchFamily="18" charset="0"/>
+              <a:cs typeface="Times New Roman" panose="02020603050405020304" pitchFamily="18" charset="0"/>
+            </a:endParaRPr>
+          </a:p>
+        </p:txBody>
+      </p:sp>
+      <p:sp>
+        <p:nvSpPr>
+          <p:cNvPr id="6" name="TextBox 5">
+            <a:extLst>
+              <a:ext uri="{FF2B5EF4-FFF2-40B4-BE49-F238E27FC236}">
+                <a16:creationId xmlns:a16="http://schemas.microsoft.com/office/drawing/2014/main" id="{10FD2417-A6F8-BB44-F367-737D9CBEC34E}"/>
+              </a:ext>
+            </a:extLst>
+          </p:cNvPr>
+          <p:cNvSpPr txBox="1"/>
+          <p:nvPr/>
+        </p:nvSpPr>
+        <p:spPr>
+          <a:xfrm>
+            <a:off x="8498541" y="5961129"/>
+            <a:ext cx="3420035" cy="369332"/>
+          </a:xfrm>
+          <a:prstGeom prst="rect">
+            <a:avLst/>
+          </a:prstGeom>
+          <a:noFill/>
+        </p:spPr>
+        <p:txBody>
+          <a:bodyPr wrap="square">
+            <a:spAutoFit/>
+          </a:bodyPr>
+          <a:lstStyle/>
+          <a:p>
+            <a:pPr algn="ctr"/>
+            <a:r>
+              <a:rPr lang="en-US" sz="1800" dirty="0">
+                <a:latin typeface="Times New Roman" panose="02020603050405020304" pitchFamily="18" charset="0"/>
+                <a:cs typeface="Times New Roman" panose="02020603050405020304" pitchFamily="18" charset="0"/>
+              </a:rPr>
+              <a:t>Proposed scheme cont’d….</a:t>
+            </a:r>
+            <a:endParaRPr lang="en-SG" sz="2000" dirty="0">
+              <a:latin typeface="Times New Roman" panose="02020603050405020304" pitchFamily="18" charset="0"/>
+              <a:cs typeface="Times New Roman" panose="02020603050405020304" pitchFamily="18" charset="0"/>
+            </a:endParaRPr>
+          </a:p>
+        </p:txBody>
+      </p:sp>
+      <p:pic>
+        <p:nvPicPr>
+          <p:cNvPr id="7" name="Picture 6">
+            <a:extLst>
+              <a:ext uri="{FF2B5EF4-FFF2-40B4-BE49-F238E27FC236}">
+                <a16:creationId xmlns:a16="http://schemas.microsoft.com/office/drawing/2014/main" id="{6E8492AE-8939-BBC6-B838-F933E95DB2C0}"/>
+              </a:ext>
+            </a:extLst>
+          </p:cNvPr>
+          <p:cNvPicPr>
+            <a:picLocks noChangeAspect="1"/>
+          </p:cNvPicPr>
+          <p:nvPr/>
+        </p:nvPicPr>
+        <p:blipFill>
+          <a:blip r:embed="rId2"/>
+          <a:stretch>
+            <a:fillRect/>
+          </a:stretch>
+        </p:blipFill>
+        <p:spPr>
+          <a:xfrm>
+            <a:off x="3504334" y="1503726"/>
+            <a:ext cx="5608296" cy="3850547"/>
+          </a:xfrm>
+          <a:prstGeom prst="rect">
+            <a:avLst/>
+          </a:prstGeom>
+        </p:spPr>
+      </p:pic>
+      <p:sp>
+        <p:nvSpPr>
+          <p:cNvPr id="3" name="Title 1">
+            <a:extLst>
+              <a:ext uri="{FF2B5EF4-FFF2-40B4-BE49-F238E27FC236}">
+                <a16:creationId xmlns:a16="http://schemas.microsoft.com/office/drawing/2014/main" id="{A35E0833-DC3C-FD09-B00A-747739D4A651}"/>
+              </a:ext>
+            </a:extLst>
+          </p:cNvPr>
+          <p:cNvSpPr txBox="1">
+            <a:spLocks/>
+          </p:cNvSpPr>
+          <p:nvPr/>
+        </p:nvSpPr>
+        <p:spPr>
+          <a:xfrm>
+            <a:off x="4140610" y="5671267"/>
+            <a:ext cx="4101280" cy="474528"/>
+          </a:xfrm>
+          <a:prstGeom prst="rect">
+            <a:avLst/>
+          </a:prstGeom>
+        </p:spPr>
+        <p:txBody>
+          <a:bodyPr vert="horz" lIns="91440" tIns="45720" rIns="91440" bIns="45720" rtlCol="0" anchor="t">
+            <a:normAutofit/>
+          </a:bodyPr>
+          <a:lstStyle>
+            <a:lvl1pPr algn="l" defTabSz="914400" rtl="0" eaLnBrk="1" latinLnBrk="0" hangingPunct="1">
+              <a:lnSpc>
+                <a:spcPct val="89000"/>
+              </a:lnSpc>
+              <a:spcBef>
+                <a:spcPct val="0"/>
+              </a:spcBef>
+              <a:buNone/>
+              <a:defRPr sz="4400" kern="1200" baseline="0">
+                <a:solidFill>
+                  <a:schemeClr val="tx2"/>
+                </a:solidFill>
+                <a:latin typeface="+mj-lt"/>
+                <a:ea typeface="+mj-ea"/>
+                <a:cs typeface="+mj-cs"/>
+              </a:defRPr>
+            </a:lvl1pPr>
+          </a:lstStyle>
+          <a:p>
+            <a:pPr algn="ctr"/>
+            <a:r>
+              <a:rPr lang="en-US" sz="1800" dirty="0">
+                <a:latin typeface="Times New Roman" panose="02020603050405020304" pitchFamily="18" charset="0"/>
+                <a:cs typeface="Times New Roman" panose="02020603050405020304" pitchFamily="18" charset="0"/>
+              </a:rPr>
+              <a:t>Fig 5. Flowchart of the proposed scheme</a:t>
+            </a:r>
+            <a:endParaRPr lang="en-SG" sz="2000" dirty="0">
+              <a:latin typeface="Times New Roman" panose="02020603050405020304" pitchFamily="18" charset="0"/>
+              <a:cs typeface="Times New Roman" panose="02020603050405020304" pitchFamily="18" charset="0"/>
+            </a:endParaRPr>
+          </a:p>
+        </p:txBody>
+      </p:sp>
+    </p:spTree>
+    <p:extLst>
+      <p:ext uri="{BB962C8B-B14F-4D97-AF65-F5344CB8AC3E}">
+        <p14:creationId xmlns:p14="http://schemas.microsoft.com/office/powerpoint/2010/main" val="2104896500"/>
+      </p:ext>
+    </p:extLst>
+  </p:cSld>
+  <p:clrMapOvr>
+    <a:masterClrMapping/>
+  </p:clrMapOvr>
+  <mc:AlternateContent xmlns:mc="http://schemas.openxmlformats.org/markup-compatibility/2006" xmlns:p14="http://schemas.microsoft.com/office/powerpoint/2010/main">
+    <mc:Choice Requires="p14">
+      <p:transition spd="slow" p14:dur="2000" advTm="775"/>
+    </mc:Choice>
+    <mc:Fallback xmlns="">
+      <p:transition spd="slow" advTm="775"/>
+    </mc:Fallback>
+  </mc:AlternateContent>
+</p:sld>
+</file>
+
+<file path=ppt/slides/slide22.xml><?xml version="1.0" encoding="utf-8"?>
+<p:sld xmlns:a="http://schemas.openxmlformats.org/drawingml/2006/main" xmlns:r="http://schemas.openxmlformats.org/officeDocument/2006/relationships" xmlns:p="http://schemas.openxmlformats.org/presentationml/2006/main">
+  <p:cSld>
+    <p:spTree>
+      <p:nvGrpSpPr>
+        <p:cNvPr id="1" name=""/>
+        <p:cNvGrpSpPr/>
+        <p:nvPr/>
+      </p:nvGrpSpPr>
+      <p:grpSpPr>
+        <a:xfrm>
+          <a:off x="0" y="0"/>
+          <a:ext cx="0" cy="0"/>
+          <a:chOff x="0" y="0"/>
+          <a:chExt cx="0" cy="0"/>
+        </a:xfrm>
+      </p:grpSpPr>
+      <p:sp>
+        <p:nvSpPr>
+          <p:cNvPr id="2" name="Title 1">
+            <a:extLst>
+              <a:ext uri="{FF2B5EF4-FFF2-40B4-BE49-F238E27FC236}">
+                <a16:creationId xmlns:a16="http://schemas.microsoft.com/office/drawing/2014/main" id="{E88507F7-14CA-ECE4-D44E-1C34FD763DF6}"/>
+              </a:ext>
+            </a:extLst>
+          </p:cNvPr>
+          <p:cNvSpPr>
+            <a:spLocks noGrp="1"/>
+          </p:cNvSpPr>
+          <p:nvPr>
+            <p:ph type="title"/>
+          </p:nvPr>
+        </p:nvSpPr>
+        <p:spPr>
+          <a:xfrm>
+            <a:off x="1682262" y="202307"/>
+            <a:ext cx="9601200" cy="709246"/>
+          </a:xfrm>
+        </p:spPr>
+        <p:txBody>
+          <a:bodyPr>
+            <a:normAutofit/>
+          </a:bodyPr>
+          <a:lstStyle/>
+          <a:p>
+            <a:pPr algn="ctr"/>
+            <a:r>
+              <a:rPr lang="en-US" sz="4000" b="1" dirty="0">
+                <a:latin typeface="Times New Roman" panose="02020603050405020304" pitchFamily="18" charset="0"/>
+                <a:cs typeface="Times New Roman" panose="02020603050405020304" pitchFamily="18" charset="0"/>
+              </a:rPr>
+              <a:t>Proposed Scheme(Example)</a:t>
+            </a:r>
+            <a:endParaRPr lang="en-SG" sz="4000" b="1" dirty="0">
+              <a:latin typeface="Times New Roman" panose="02020603050405020304" pitchFamily="18" charset="0"/>
+              <a:cs typeface="Times New Roman" panose="02020603050405020304" pitchFamily="18" charset="0"/>
+            </a:endParaRPr>
+          </a:p>
+        </p:txBody>
+      </p:sp>
+      <p:sp>
+        <p:nvSpPr>
+          <p:cNvPr id="4" name="Date Placeholder 3">
+            <a:extLst>
+              <a:ext uri="{FF2B5EF4-FFF2-40B4-BE49-F238E27FC236}">
+                <a16:creationId xmlns:a16="http://schemas.microsoft.com/office/drawing/2014/main" id="{7B778D70-7AAB-4469-1BFA-6FE9A73F06E3}"/>
+              </a:ext>
+            </a:extLst>
+          </p:cNvPr>
+          <p:cNvSpPr>
+            <a:spLocks noGrp="1"/>
+          </p:cNvSpPr>
+          <p:nvPr>
+            <p:ph type="dt" sz="half" idx="10"/>
+          </p:nvPr>
+        </p:nvSpPr>
+        <p:spPr/>
+        <p:txBody>
+          <a:bodyPr/>
+          <a:lstStyle/>
+          <a:p>
+            <a:fld id="{89227FBB-25E7-4C7E-8513-268B51BC1F29}" type="datetime1">
+              <a:rPr lang="en-US" smtClean="0"/>
+              <a:t>2/23/2024</a:t>
+            </a:fld>
+            <a:endParaRPr lang="en-US" dirty="0"/>
+          </a:p>
+        </p:txBody>
+      </p:sp>
+      <p:sp>
+        <p:nvSpPr>
+          <p:cNvPr id="5" name="Slide Number Placeholder 4">
+            <a:extLst>
+              <a:ext uri="{FF2B5EF4-FFF2-40B4-BE49-F238E27FC236}">
+                <a16:creationId xmlns:a16="http://schemas.microsoft.com/office/drawing/2014/main" id="{427E2341-30D5-1AEE-F5DD-B2DD35CFE014}"/>
+              </a:ext>
+            </a:extLst>
+          </p:cNvPr>
+          <p:cNvSpPr>
+            <a:spLocks noGrp="1"/>
+          </p:cNvSpPr>
+          <p:nvPr>
+            <p:ph type="sldNum" sz="quarter" idx="12"/>
+          </p:nvPr>
+        </p:nvSpPr>
+        <p:spPr>
+          <a:xfrm>
+            <a:off x="5510336" y="6251079"/>
+            <a:ext cx="1596292" cy="404614"/>
+          </a:xfrm>
+        </p:spPr>
+        <p:txBody>
+          <a:bodyPr/>
+          <a:lstStyle/>
+          <a:p>
+            <a:pPr algn="ctr"/>
+            <a:fld id="{69E57DC2-970A-4B3E-BB1C-7A09969E49DF}" type="slidenum">
+              <a:rPr lang="en-US" sz="2800" b="1" smtClean="0">
+                <a:latin typeface="Times New Roman" panose="02020603050405020304" pitchFamily="18" charset="0"/>
+                <a:cs typeface="Times New Roman" panose="02020603050405020304" pitchFamily="18" charset="0"/>
+              </a:rPr>
+              <a:pPr algn="ctr"/>
+              <a:t>22</a:t>
+            </a:fld>
+            <a:endParaRPr lang="en-US" b="1" dirty="0">
+              <a:latin typeface="Times New Roman" panose="02020603050405020304" pitchFamily="18" charset="0"/>
+              <a:cs typeface="Times New Roman" panose="02020603050405020304" pitchFamily="18" charset="0"/>
+            </a:endParaRPr>
+          </a:p>
+        </p:txBody>
+      </p:sp>
+      <p:sp>
+        <p:nvSpPr>
+          <p:cNvPr id="3" name="Title 1">
+            <a:extLst>
+              <a:ext uri="{FF2B5EF4-FFF2-40B4-BE49-F238E27FC236}">
+                <a16:creationId xmlns:a16="http://schemas.microsoft.com/office/drawing/2014/main" id="{47880954-767A-548F-DAB9-4F2C282A42A8}"/>
+              </a:ext>
+            </a:extLst>
+          </p:cNvPr>
+          <p:cNvSpPr txBox="1">
+            <a:spLocks/>
+          </p:cNvSpPr>
+          <p:nvPr/>
+        </p:nvSpPr>
+        <p:spPr>
+          <a:xfrm>
+            <a:off x="4684132" y="5776551"/>
+            <a:ext cx="4101280" cy="474528"/>
+          </a:xfrm>
+          <a:prstGeom prst="rect">
+            <a:avLst/>
+          </a:prstGeom>
+        </p:spPr>
+        <p:txBody>
+          <a:bodyPr vert="horz" lIns="91440" tIns="45720" rIns="91440" bIns="45720" rtlCol="0" anchor="t">
+            <a:normAutofit/>
+          </a:bodyPr>
+          <a:lstStyle>
+            <a:lvl1pPr algn="l" defTabSz="914400" rtl="0" eaLnBrk="1" latinLnBrk="0" hangingPunct="1">
+              <a:lnSpc>
+                <a:spcPct val="89000"/>
+              </a:lnSpc>
+              <a:spcBef>
+                <a:spcPct val="0"/>
+              </a:spcBef>
+              <a:buNone/>
+              <a:defRPr sz="4400" kern="1200" baseline="0">
+                <a:solidFill>
+                  <a:schemeClr val="tx2"/>
+                </a:solidFill>
+                <a:latin typeface="+mj-lt"/>
+                <a:ea typeface="+mj-ea"/>
+                <a:cs typeface="+mj-cs"/>
+              </a:defRPr>
+            </a:lvl1pPr>
+          </a:lstStyle>
+          <a:p>
+            <a:pPr algn="ctr"/>
+            <a:r>
+              <a:rPr lang="en-US" sz="1800" dirty="0">
+                <a:latin typeface="Times New Roman" panose="02020603050405020304" pitchFamily="18" charset="0"/>
+                <a:cs typeface="Times New Roman" panose="02020603050405020304" pitchFamily="18" charset="0"/>
+              </a:rPr>
+              <a:t>Fig 6. Example of the  Scheme</a:t>
+            </a:r>
+            <a:endParaRPr lang="en-SG" sz="2000" dirty="0">
+              <a:latin typeface="Times New Roman" panose="02020603050405020304" pitchFamily="18" charset="0"/>
+              <a:cs typeface="Times New Roman" panose="02020603050405020304" pitchFamily="18" charset="0"/>
+            </a:endParaRPr>
+          </a:p>
+        </p:txBody>
+      </p:sp>
+      <p:pic>
+        <p:nvPicPr>
+          <p:cNvPr id="8" name="Picture 7">
+            <a:extLst>
+              <a:ext uri="{FF2B5EF4-FFF2-40B4-BE49-F238E27FC236}">
+                <a16:creationId xmlns:a16="http://schemas.microsoft.com/office/drawing/2014/main" id="{F8549B63-A751-15B8-A2DC-84C1A09B087C}"/>
+              </a:ext>
+            </a:extLst>
+          </p:cNvPr>
+          <p:cNvPicPr>
+            <a:picLocks noChangeAspect="1"/>
+          </p:cNvPicPr>
+          <p:nvPr/>
+        </p:nvPicPr>
+        <p:blipFill>
+          <a:blip r:embed="rId2"/>
+          <a:stretch>
+            <a:fillRect/>
+          </a:stretch>
+        </p:blipFill>
+        <p:spPr>
+          <a:xfrm>
+            <a:off x="3605153" y="1045819"/>
+            <a:ext cx="5625171" cy="4596466"/>
+          </a:xfrm>
+          <a:prstGeom prst="rect">
+            <a:avLst/>
+          </a:prstGeom>
+        </p:spPr>
+      </p:pic>
     </p:spTree>
     <p:extLst>
       <p:ext uri="{BB962C8B-B14F-4D97-AF65-F5344CB8AC3E}">
@@ -6911,10 +9838,18 @@
   <p:clrMapOvr>
     <a:masterClrMapping/>
   </p:clrMapOvr>
+  <mc:AlternateContent xmlns:mc="http://schemas.openxmlformats.org/markup-compatibility/2006" xmlns:p14="http://schemas.microsoft.com/office/powerpoint/2010/main">
+    <mc:Choice Requires="p14">
+      <p:transition spd="slow" p14:dur="2000" advTm="810"/>
+    </mc:Choice>
+    <mc:Fallback xmlns="">
+      <p:transition spd="slow" advTm="810"/>
+    </mc:Fallback>
+  </mc:AlternateContent>
 </p:sld>
 </file>
 
-<file path=ppt/slides/slide16.xml><?xml version="1.0" encoding="utf-8"?>
+<file path=ppt/slides/slide23.xml><?xml version="1.0" encoding="utf-8"?>
 <p:sld xmlns:a="http://schemas.openxmlformats.org/drawingml/2006/main" xmlns:r="http://schemas.openxmlformats.org/officeDocument/2006/relationships" xmlns:p="http://schemas.openxmlformats.org/presentationml/2006/main">
   <p:cSld>
     <p:spTree>
@@ -7612,7 +10547,7 @@
           <a:p>
             <a:fld id="{89227FBB-25E7-4C7E-8513-268B51BC1F29}" type="datetime1">
               <a:rPr lang="en-US" smtClean="0"/>
-              <a:t>8/29/2023</a:t>
+              <a:t>2/23/2024</a:t>
             </a:fld>
             <a:endParaRPr lang="en-US" dirty="0"/>
           </a:p>
@@ -7649,7 +10584,7 @@
                 <a:latin typeface="Times New Roman" panose="02020603050405020304" pitchFamily="18" charset="0"/>
                 <a:cs typeface="Times New Roman" panose="02020603050405020304" pitchFamily="18" charset="0"/>
               </a:rPr>
-              <a:t>16</a:t>
+              <a:t>23</a:t>
             </a:fld>
             <a:endParaRPr lang="en-US" sz="3200" b="1" dirty="0">
               <a:latin typeface="Times New Roman" panose="02020603050405020304" pitchFamily="18" charset="0"/>
@@ -7674,8 +10609,8 @@
         </p:nvSpPr>
         <p:spPr bwMode="auto">
           <a:xfrm>
-            <a:off x="739241" y="2063706"/>
-            <a:ext cx="11218983" cy="461665"/>
+            <a:off x="739241" y="1879040"/>
+            <a:ext cx="11218983" cy="830997"/>
           </a:xfrm>
           <a:prstGeom prst="rect">
             <a:avLst/>
@@ -7770,7 +10705,7 @@
               <a:t>: </a:t>
             </a:r>
             <a:r>
-              <a:rPr kumimoji="0" lang="en-US" altLang="en-US" sz="2000" b="0" i="0" u="none" strike="noStrike" cap="none" normalizeH="0" baseline="0" dirty="0">
+              <a:rPr kumimoji="0" lang="en-US" altLang="en-US" sz="2400" b="0" i="0" u="none" strike="noStrike" cap="none" normalizeH="0" baseline="0" dirty="0">
                 <a:ln>
                   <a:noFill/>
                 </a:ln>
@@ -7954,10 +10889,1923 @@
   <p:clrMapOvr>
     <a:masterClrMapping/>
   </p:clrMapOvr>
+  <mc:AlternateContent xmlns:mc="http://schemas.openxmlformats.org/markup-compatibility/2006" xmlns:p14="http://schemas.microsoft.com/office/powerpoint/2010/main">
+    <mc:Choice Requires="p14">
+      <p:transition spd="slow" p14:dur="2000" advTm="3791"/>
+    </mc:Choice>
+    <mc:Fallback xmlns="">
+      <p:transition spd="slow" advTm="3791"/>
+    </mc:Fallback>
+  </mc:AlternateContent>
 </p:sld>
 </file>
 
-<file path=ppt/slides/slide17.xml><?xml version="1.0" encoding="utf-8"?>
+<file path=ppt/slides/slide24.xml><?xml version="1.0" encoding="utf-8"?>
+<p:sld xmlns:a="http://schemas.openxmlformats.org/drawingml/2006/main" xmlns:r="http://schemas.openxmlformats.org/officeDocument/2006/relationships" xmlns:p="http://schemas.openxmlformats.org/presentationml/2006/main">
+  <p:cSld>
+    <p:spTree>
+      <p:nvGrpSpPr>
+        <p:cNvPr id="1" name="">
+          <a:extLst>
+            <a:ext uri="{FF2B5EF4-FFF2-40B4-BE49-F238E27FC236}">
+              <a16:creationId xmlns:a16="http://schemas.microsoft.com/office/drawing/2014/main" id="{8D7ABFDF-9E90-9CA0-0F5F-7865DA406740}"/>
+            </a:ext>
+          </a:extLst>
+        </p:cNvPr>
+        <p:cNvGrpSpPr/>
+        <p:nvPr/>
+      </p:nvGrpSpPr>
+      <p:grpSpPr>
+        <a:xfrm>
+          <a:off x="0" y="0"/>
+          <a:ext cx="0" cy="0"/>
+          <a:chOff x="0" y="0"/>
+          <a:chExt cx="0" cy="0"/>
+        </a:xfrm>
+      </p:grpSpPr>
+      <p:sp>
+        <p:nvSpPr>
+          <p:cNvPr id="4" name="Date Placeholder 3">
+            <a:extLst>
+              <a:ext uri="{FF2B5EF4-FFF2-40B4-BE49-F238E27FC236}">
+                <a16:creationId xmlns:a16="http://schemas.microsoft.com/office/drawing/2014/main" id="{C7E76010-CF2E-CAD9-7F6D-4EB493761A3F}"/>
+              </a:ext>
+            </a:extLst>
+          </p:cNvPr>
+          <p:cNvSpPr>
+            <a:spLocks noGrp="1"/>
+          </p:cNvSpPr>
+          <p:nvPr>
+            <p:ph type="dt" sz="half" idx="10"/>
+          </p:nvPr>
+        </p:nvSpPr>
+        <p:spPr/>
+        <p:txBody>
+          <a:bodyPr/>
+          <a:lstStyle/>
+          <a:p>
+            <a:fld id="{89227FBB-25E7-4C7E-8513-268B51BC1F29}" type="datetime1">
+              <a:rPr lang="en-US" smtClean="0"/>
+              <a:t>2/23/2024</a:t>
+            </a:fld>
+            <a:endParaRPr lang="en-US" dirty="0"/>
+          </a:p>
+        </p:txBody>
+      </p:sp>
+      <p:sp>
+        <p:nvSpPr>
+          <p:cNvPr id="5" name="Slide Number Placeholder 4">
+            <a:extLst>
+              <a:ext uri="{FF2B5EF4-FFF2-40B4-BE49-F238E27FC236}">
+                <a16:creationId xmlns:a16="http://schemas.microsoft.com/office/drawing/2014/main" id="{98181BAA-8A92-43B4-92FF-EE86AAB6EA9D}"/>
+              </a:ext>
+            </a:extLst>
+          </p:cNvPr>
+          <p:cNvSpPr>
+            <a:spLocks noGrp="1"/>
+          </p:cNvSpPr>
+          <p:nvPr>
+            <p:ph type="sldNum" sz="quarter" idx="12"/>
+          </p:nvPr>
+        </p:nvSpPr>
+        <p:spPr>
+          <a:xfrm>
+            <a:off x="5006244" y="6184365"/>
+            <a:ext cx="1596292" cy="404614"/>
+          </a:xfrm>
+        </p:spPr>
+        <p:txBody>
+          <a:bodyPr/>
+          <a:lstStyle/>
+          <a:p>
+            <a:fld id="{69E57DC2-970A-4B3E-BB1C-7A09969E49DF}" type="slidenum">
+              <a:rPr lang="en-US" sz="3200" b="1" smtClean="0">
+                <a:latin typeface="Times New Roman" panose="02020603050405020304" pitchFamily="18" charset="0"/>
+                <a:cs typeface="Times New Roman" panose="02020603050405020304" pitchFamily="18" charset="0"/>
+              </a:rPr>
+              <a:t>24</a:t>
+            </a:fld>
+            <a:endParaRPr lang="en-US" sz="3200" b="1" dirty="0">
+              <a:latin typeface="Times New Roman" panose="02020603050405020304" pitchFamily="18" charset="0"/>
+              <a:cs typeface="Times New Roman" panose="02020603050405020304" pitchFamily="18" charset="0"/>
+            </a:endParaRPr>
+          </a:p>
+        </p:txBody>
+      </p:sp>
+      <p:sp>
+        <p:nvSpPr>
+          <p:cNvPr id="7" name="Rectangle 1">
+            <a:extLst>
+              <a:ext uri="{FF2B5EF4-FFF2-40B4-BE49-F238E27FC236}">
+                <a16:creationId xmlns:a16="http://schemas.microsoft.com/office/drawing/2014/main" id="{9D214D75-C5B1-46C3-F011-E79877FA7E18}"/>
+              </a:ext>
+            </a:extLst>
+          </p:cNvPr>
+          <p:cNvSpPr>
+            <a:spLocks noChangeArrowheads="1"/>
+          </p:cNvSpPr>
+          <p:nvPr/>
+        </p:nvSpPr>
+        <p:spPr bwMode="auto">
+          <a:xfrm>
+            <a:off x="739241" y="1879040"/>
+            <a:ext cx="11218983" cy="830997"/>
+          </a:xfrm>
+          <a:prstGeom prst="rect">
+            <a:avLst/>
+          </a:prstGeom>
+          <a:noFill/>
+          <a:ln>
+            <a:noFill/>
+          </a:ln>
+          <a:effectLst/>
+          <a:extLst>
+            <a:ext uri="{909E8E84-426E-40DD-AFC4-6F175D3DCCD1}">
+              <a14:hiddenFill xmlns:a14="http://schemas.microsoft.com/office/drawing/2010/main">
+                <a:solidFill>
+                  <a:schemeClr val="accent1"/>
+                </a:solidFill>
+              </a14:hiddenFill>
+            </a:ext>
+            <a:ext uri="{91240B29-F687-4F45-9708-019B960494DF}">
+              <a14:hiddenLine xmlns:a14="http://schemas.microsoft.com/office/drawing/2010/main" w="9525">
+                <a:solidFill>
+                  <a:schemeClr val="tx1"/>
+                </a:solidFill>
+                <a:miter lim="800000"/>
+                <a:headEnd/>
+                <a:tailEnd/>
+              </a14:hiddenLine>
+            </a:ext>
+            <a:ext uri="{AF507438-7753-43E0-B8FC-AC1667EBCBE1}">
+              <a14:hiddenEffects xmlns:a14="http://schemas.microsoft.com/office/drawing/2010/main">
+                <a:effectLst>
+                  <a:outerShdw dist="35921" dir="2700000" algn="ctr" rotWithShape="0">
+                    <a:schemeClr val="bg2"/>
+                  </a:outerShdw>
+                </a:effectLst>
+              </a14:hiddenEffects>
+            </a:ext>
+          </a:extLst>
+        </p:spPr>
+        <p:txBody>
+          <a:bodyPr vert="horz" wrap="square" lIns="91440" tIns="45720" rIns="91440" bIns="45720" numCol="1" anchor="ctr" anchorCtr="0" compatLnSpc="1">
+            <a:prstTxWarp prst="textNoShape">
+              <a:avLst/>
+            </a:prstTxWarp>
+            <a:spAutoFit/>
+          </a:bodyPr>
+          <a:lstStyle/>
+          <a:p>
+            <a:pPr marL="0" marR="0" lvl="0" indent="0" algn="ctr" defTabSz="914400" rtl="0" eaLnBrk="0" fontAlgn="base" latinLnBrk="0" hangingPunct="0">
+              <a:lnSpc>
+                <a:spcPct val="100000"/>
+              </a:lnSpc>
+              <a:spcBef>
+                <a:spcPct val="0"/>
+              </a:spcBef>
+              <a:spcAft>
+                <a:spcPct val="0"/>
+              </a:spcAft>
+              <a:buClrTx/>
+              <a:buSzTx/>
+              <a:buFontTx/>
+              <a:buNone/>
+              <a:tabLst/>
+            </a:pPr>
+            <a:r>
+              <a:rPr kumimoji="0" lang="en-US" altLang="en-US" sz="2400" b="1" i="0" u="none" strike="noStrike" cap="none" normalizeH="0" baseline="0" dirty="0">
+                <a:ln>
+                  <a:noFill/>
+                </a:ln>
+                <a:solidFill>
+                  <a:schemeClr val="tx1"/>
+                </a:solidFill>
+                <a:effectLst/>
+                <a:latin typeface="Times New Roman" panose="02020603050405020304" pitchFamily="18" charset="0"/>
+                <a:ea typeface="Times New Roman" panose="02020603050405020304" pitchFamily="18" charset="0"/>
+                <a:cs typeface="Times New Roman" panose="02020603050405020304" pitchFamily="18" charset="0"/>
+              </a:rPr>
+              <a:t>Table 2</a:t>
+            </a:r>
+            <a:r>
+              <a:rPr kumimoji="0" lang="en-US" altLang="en-US" sz="2400" b="0" i="0" u="none" strike="noStrike" cap="none" normalizeH="0" baseline="0" dirty="0">
+                <a:ln>
+                  <a:noFill/>
+                </a:ln>
+                <a:solidFill>
+                  <a:schemeClr val="tx1"/>
+                </a:solidFill>
+                <a:effectLst/>
+                <a:latin typeface="Times New Roman" panose="02020603050405020304" pitchFamily="18" charset="0"/>
+                <a:ea typeface="Times New Roman" panose="02020603050405020304" pitchFamily="18" charset="0"/>
+                <a:cs typeface="Times New Roman" panose="02020603050405020304" pitchFamily="18" charset="0"/>
+              </a:rPr>
+              <a:t>: </a:t>
+            </a:r>
+            <a:r>
+              <a:rPr lang="en-SG" sz="2400" dirty="0">
+                <a:effectLst/>
+                <a:latin typeface="Times New Roman" panose="02020603050405020304" pitchFamily="18" charset="0"/>
+                <a:ea typeface="Calibri" panose="020F0502020204030204" pitchFamily="34" charset="0"/>
+              </a:rPr>
+              <a:t>Encryption process time (</a:t>
+            </a:r>
+            <a:r>
+              <a:rPr lang="en-SG" sz="2400" dirty="0" err="1">
+                <a:effectLst/>
+                <a:latin typeface="Times New Roman" panose="02020603050405020304" pitchFamily="18" charset="0"/>
+                <a:ea typeface="Calibri" panose="020F0502020204030204" pitchFamily="34" charset="0"/>
+              </a:rPr>
+              <a:t>ms</a:t>
+            </a:r>
+            <a:r>
+              <a:rPr lang="en-SG" sz="2400" dirty="0">
+                <a:effectLst/>
+                <a:latin typeface="Times New Roman" panose="02020603050405020304" pitchFamily="18" charset="0"/>
+                <a:ea typeface="Calibri" panose="020F0502020204030204" pitchFamily="34" charset="0"/>
+              </a:rPr>
+              <a:t>) of different cryptosystems when key size is 512 bits</a:t>
+            </a:r>
+            <a:endParaRPr kumimoji="0" lang="en-US" altLang="en-US" sz="3600" b="0" i="0" u="none" strike="noStrike" cap="none" normalizeH="0" baseline="0" dirty="0">
+              <a:ln>
+                <a:noFill/>
+              </a:ln>
+              <a:solidFill>
+                <a:schemeClr val="tx1"/>
+              </a:solidFill>
+              <a:effectLst/>
+              <a:latin typeface="Times New Roman" panose="02020603050405020304" pitchFamily="18" charset="0"/>
+              <a:cs typeface="Times New Roman" panose="02020603050405020304" pitchFamily="18" charset="0"/>
+            </a:endParaRPr>
+          </a:p>
+        </p:txBody>
+      </p:sp>
+      <p:sp>
+        <p:nvSpPr>
+          <p:cNvPr id="3" name="TextBox 2">
+            <a:extLst>
+              <a:ext uri="{FF2B5EF4-FFF2-40B4-BE49-F238E27FC236}">
+                <a16:creationId xmlns:a16="http://schemas.microsoft.com/office/drawing/2014/main" id="{51617D91-65AD-18CD-DB81-F403F50B223B}"/>
+              </a:ext>
+            </a:extLst>
+          </p:cNvPr>
+          <p:cNvSpPr txBox="1"/>
+          <p:nvPr/>
+        </p:nvSpPr>
+        <p:spPr>
+          <a:xfrm>
+            <a:off x="2958353" y="1045383"/>
+            <a:ext cx="7548282" cy="707886"/>
+          </a:xfrm>
+          <a:prstGeom prst="rect">
+            <a:avLst/>
+          </a:prstGeom>
+          <a:noFill/>
+        </p:spPr>
+        <p:txBody>
+          <a:bodyPr wrap="square">
+            <a:spAutoFit/>
+          </a:bodyPr>
+          <a:lstStyle/>
+          <a:p>
+            <a:pPr algn="ctr"/>
+            <a:r>
+              <a:rPr lang="en-US" sz="4000" b="1" dirty="0">
+                <a:latin typeface="Times New Roman" panose="02020603050405020304" pitchFamily="18" charset="0"/>
+                <a:cs typeface="Times New Roman" panose="02020603050405020304" pitchFamily="18" charset="0"/>
+              </a:rPr>
+              <a:t>Performance Evaluation</a:t>
+            </a:r>
+            <a:endParaRPr lang="en-SG" sz="4000" b="1" dirty="0">
+              <a:latin typeface="Times New Roman" panose="02020603050405020304" pitchFamily="18" charset="0"/>
+              <a:cs typeface="Times New Roman" panose="02020603050405020304" pitchFamily="18" charset="0"/>
+            </a:endParaRPr>
+          </a:p>
+        </p:txBody>
+      </p:sp>
+      <p:sp>
+        <p:nvSpPr>
+          <p:cNvPr id="8" name="TextBox 7">
+            <a:extLst>
+              <a:ext uri="{FF2B5EF4-FFF2-40B4-BE49-F238E27FC236}">
+                <a16:creationId xmlns:a16="http://schemas.microsoft.com/office/drawing/2014/main" id="{688F9485-0075-D83D-0ACF-7E271CB5BC98}"/>
+              </a:ext>
+            </a:extLst>
+          </p:cNvPr>
+          <p:cNvSpPr txBox="1"/>
+          <p:nvPr/>
+        </p:nvSpPr>
+        <p:spPr>
+          <a:xfrm>
+            <a:off x="8588187" y="6084054"/>
+            <a:ext cx="3110753" cy="369332"/>
+          </a:xfrm>
+          <a:prstGeom prst="rect">
+            <a:avLst/>
+          </a:prstGeom>
+          <a:noFill/>
+        </p:spPr>
+        <p:txBody>
+          <a:bodyPr wrap="square">
+            <a:spAutoFit/>
+          </a:bodyPr>
+          <a:lstStyle/>
+          <a:p>
+            <a:pPr algn="ctr"/>
+            <a:r>
+              <a:rPr lang="en-US" sz="1800" dirty="0">
+                <a:latin typeface="Times New Roman" panose="02020603050405020304" pitchFamily="18" charset="0"/>
+                <a:cs typeface="Times New Roman" panose="02020603050405020304" pitchFamily="18" charset="0"/>
+              </a:rPr>
+              <a:t>Result Analysis cont’d….</a:t>
+            </a:r>
+            <a:endParaRPr lang="en-SG" sz="2000" dirty="0">
+              <a:latin typeface="Times New Roman" panose="02020603050405020304" pitchFamily="18" charset="0"/>
+              <a:cs typeface="Times New Roman" panose="02020603050405020304" pitchFamily="18" charset="0"/>
+            </a:endParaRPr>
+          </a:p>
+        </p:txBody>
+      </p:sp>
+      <p:graphicFrame>
+        <p:nvGraphicFramePr>
+          <p:cNvPr id="10" name="Content Placeholder 9">
+            <a:extLst>
+              <a:ext uri="{FF2B5EF4-FFF2-40B4-BE49-F238E27FC236}">
+                <a16:creationId xmlns:a16="http://schemas.microsoft.com/office/drawing/2014/main" id="{549D2C49-E805-0F16-C740-4385D813C63D}"/>
+              </a:ext>
+            </a:extLst>
+          </p:cNvPr>
+          <p:cNvGraphicFramePr>
+            <a:graphicFrameLocks noGrp="1"/>
+          </p:cNvGraphicFramePr>
+          <p:nvPr>
+            <p:ph idx="1"/>
+            <p:extLst>
+              <p:ext uri="{D42A27DB-BD31-4B8C-83A1-F6EECF244321}">
+                <p14:modId xmlns:p14="http://schemas.microsoft.com/office/powerpoint/2010/main" val="1033519087"/>
+              </p:ext>
+            </p:extLst>
+          </p:nvPr>
+        </p:nvGraphicFramePr>
+        <p:xfrm>
+          <a:off x="2205318" y="2835807"/>
+          <a:ext cx="8866093" cy="2686714"/>
+        </p:xfrm>
+        <a:graphic>
+          <a:graphicData uri="http://schemas.openxmlformats.org/drawingml/2006/table">
+            <a:tbl>
+              <a:tblPr firstRow="1" firstCol="1" bandRow="1">
+                <a:tableStyleId>{7DF18680-E054-41AD-8BC1-D1AEF772440D}</a:tableStyleId>
+              </a:tblPr>
+              <a:tblGrid>
+                <a:gridCol w="2247546">
+                  <a:extLst>
+                    <a:ext uri="{9D8B030D-6E8A-4147-A177-3AD203B41FA5}">
+                      <a16:colId xmlns:a16="http://schemas.microsoft.com/office/drawing/2014/main" val="1657776699"/>
+                    </a:ext>
+                  </a:extLst>
+                </a:gridCol>
+                <a:gridCol w="2247546">
+                  <a:extLst>
+                    <a:ext uri="{9D8B030D-6E8A-4147-A177-3AD203B41FA5}">
+                      <a16:colId xmlns:a16="http://schemas.microsoft.com/office/drawing/2014/main" val="2273126838"/>
+                    </a:ext>
+                  </a:extLst>
+                </a:gridCol>
+                <a:gridCol w="2247546">
+                  <a:extLst>
+                    <a:ext uri="{9D8B030D-6E8A-4147-A177-3AD203B41FA5}">
+                      <a16:colId xmlns:a16="http://schemas.microsoft.com/office/drawing/2014/main" val="2654020041"/>
+                    </a:ext>
+                  </a:extLst>
+                </a:gridCol>
+                <a:gridCol w="2123455">
+                  <a:extLst>
+                    <a:ext uri="{9D8B030D-6E8A-4147-A177-3AD203B41FA5}">
+                      <a16:colId xmlns:a16="http://schemas.microsoft.com/office/drawing/2014/main" val="1259435183"/>
+                    </a:ext>
+                  </a:extLst>
+                </a:gridCol>
+              </a:tblGrid>
+              <a:tr h="1074905">
+                <a:tc>
+                  <a:txBody>
+                    <a:bodyPr/>
+                    <a:lstStyle/>
+                    <a:p>
+                      <a:pPr algn="ctr">
+                        <a:lnSpc>
+                          <a:spcPct val="150000"/>
+                        </a:lnSpc>
+                        <a:spcAft>
+                          <a:spcPts val="800"/>
+                        </a:spcAft>
+                      </a:pPr>
+                      <a:r>
+                        <a:rPr lang="en-SG" sz="1800" dirty="0">
+                          <a:effectLst/>
+                          <a:latin typeface="Times New Roman" panose="02020603050405020304" pitchFamily="18" charset="0"/>
+                          <a:cs typeface="Times New Roman" panose="02020603050405020304" pitchFamily="18" charset="0"/>
+                        </a:rPr>
+                        <a:t>Message size in bits</a:t>
+                      </a:r>
+                      <a:endParaRPr lang="en-SG" sz="1800" dirty="0">
+                        <a:effectLst/>
+                        <a:latin typeface="Times New Roman" panose="02020603050405020304" pitchFamily="18" charset="0"/>
+                        <a:ea typeface="Calibri" panose="020F0502020204030204" pitchFamily="34" charset="0"/>
+                        <a:cs typeface="Times New Roman" panose="02020603050405020304" pitchFamily="18" charset="0"/>
+                      </a:endParaRPr>
+                    </a:p>
+                  </a:txBody>
+                  <a:tcPr marL="68580" marR="68580" marT="0" marB="0"/>
+                </a:tc>
+                <a:tc>
+                  <a:txBody>
+                    <a:bodyPr/>
+                    <a:lstStyle/>
+                    <a:p>
+                      <a:pPr algn="ctr">
+                        <a:lnSpc>
+                          <a:spcPct val="150000"/>
+                        </a:lnSpc>
+                        <a:spcAft>
+                          <a:spcPts val="800"/>
+                        </a:spcAft>
+                      </a:pPr>
+                      <a:r>
+                        <a:rPr lang="en-SG" sz="1800" dirty="0" err="1">
+                          <a:effectLst/>
+                          <a:latin typeface="Times New Roman" panose="02020603050405020304" pitchFamily="18" charset="0"/>
+                          <a:cs typeface="Times New Roman" panose="02020603050405020304" pitchFamily="18" charset="0"/>
+                        </a:rPr>
+                        <a:t>Elgamal</a:t>
+                      </a:r>
+                      <a:r>
+                        <a:rPr lang="en-SG" sz="1800" dirty="0">
+                          <a:effectLst/>
+                          <a:latin typeface="Times New Roman" panose="02020603050405020304" pitchFamily="18" charset="0"/>
+                          <a:cs typeface="Times New Roman" panose="02020603050405020304" pitchFamily="18" charset="0"/>
+                        </a:rPr>
+                        <a:t> cryptosystem</a:t>
+                      </a:r>
+                      <a:endParaRPr lang="en-SG" sz="1800" dirty="0">
+                        <a:effectLst/>
+                        <a:latin typeface="Times New Roman" panose="02020603050405020304" pitchFamily="18" charset="0"/>
+                        <a:ea typeface="Calibri" panose="020F0502020204030204" pitchFamily="34" charset="0"/>
+                        <a:cs typeface="Times New Roman" panose="02020603050405020304" pitchFamily="18" charset="0"/>
+                      </a:endParaRPr>
+                    </a:p>
+                  </a:txBody>
+                  <a:tcPr marL="68580" marR="68580" marT="0" marB="0"/>
+                </a:tc>
+                <a:tc>
+                  <a:txBody>
+                    <a:bodyPr/>
+                    <a:lstStyle/>
+                    <a:p>
+                      <a:pPr algn="ctr">
+                        <a:lnSpc>
+                          <a:spcPct val="150000"/>
+                        </a:lnSpc>
+                        <a:spcAft>
+                          <a:spcPts val="800"/>
+                        </a:spcAft>
+                      </a:pPr>
+                      <a:r>
+                        <a:rPr lang="en-SG" sz="1800" dirty="0">
+                          <a:effectLst/>
+                          <a:latin typeface="Times New Roman" panose="02020603050405020304" pitchFamily="18" charset="0"/>
+                          <a:cs typeface="Times New Roman" panose="02020603050405020304" pitchFamily="18" charset="0"/>
+                        </a:rPr>
+                        <a:t>Mixed Multiplicative Homomorphic</a:t>
+                      </a:r>
+                      <a:endParaRPr lang="en-SG" sz="1800" dirty="0">
+                        <a:effectLst/>
+                        <a:latin typeface="Times New Roman" panose="02020603050405020304" pitchFamily="18" charset="0"/>
+                        <a:ea typeface="Calibri" panose="020F0502020204030204" pitchFamily="34" charset="0"/>
+                        <a:cs typeface="Times New Roman" panose="02020603050405020304" pitchFamily="18" charset="0"/>
+                      </a:endParaRPr>
+                    </a:p>
+                  </a:txBody>
+                  <a:tcPr marL="68580" marR="68580" marT="0" marB="0"/>
+                </a:tc>
+                <a:tc>
+                  <a:txBody>
+                    <a:bodyPr/>
+                    <a:lstStyle/>
+                    <a:p>
+                      <a:pPr algn="ctr">
+                        <a:lnSpc>
+                          <a:spcPct val="150000"/>
+                        </a:lnSpc>
+                        <a:spcAft>
+                          <a:spcPts val="800"/>
+                        </a:spcAft>
+                      </a:pPr>
+                      <a:r>
+                        <a:rPr lang="en-SG" sz="1800" dirty="0">
+                          <a:effectLst/>
+                          <a:latin typeface="Times New Roman" panose="02020603050405020304" pitchFamily="18" charset="0"/>
+                          <a:cs typeface="Times New Roman" panose="02020603050405020304" pitchFamily="18" charset="0"/>
+                        </a:rPr>
+                        <a:t>Enhanced Homomorphic Encryption system</a:t>
+                      </a:r>
+                      <a:endParaRPr lang="en-SG" sz="1800" dirty="0">
+                        <a:effectLst/>
+                        <a:latin typeface="Times New Roman" panose="02020603050405020304" pitchFamily="18" charset="0"/>
+                        <a:ea typeface="Calibri" panose="020F0502020204030204" pitchFamily="34" charset="0"/>
+                        <a:cs typeface="Times New Roman" panose="02020603050405020304" pitchFamily="18" charset="0"/>
+                      </a:endParaRPr>
+                    </a:p>
+                  </a:txBody>
+                  <a:tcPr marL="68580" marR="68580" marT="0" marB="0"/>
+                </a:tc>
+                <a:extLst>
+                  <a:ext uri="{0D108BD9-81ED-4DB2-BD59-A6C34878D82A}">
+                    <a16:rowId xmlns:a16="http://schemas.microsoft.com/office/drawing/2014/main" val="3987560850"/>
+                  </a:ext>
+                </a:extLst>
+              </a:tr>
+              <a:tr h="480718">
+                <a:tc>
+                  <a:txBody>
+                    <a:bodyPr/>
+                    <a:lstStyle/>
+                    <a:p>
+                      <a:pPr algn="ctr">
+                        <a:lnSpc>
+                          <a:spcPct val="150000"/>
+                        </a:lnSpc>
+                        <a:spcAft>
+                          <a:spcPts val="800"/>
+                        </a:spcAft>
+                      </a:pPr>
+                      <a:r>
+                        <a:rPr lang="en-SG" sz="1800">
+                          <a:effectLst/>
+                          <a:latin typeface="Times New Roman" panose="02020603050405020304" pitchFamily="18" charset="0"/>
+                          <a:cs typeface="Times New Roman" panose="02020603050405020304" pitchFamily="18" charset="0"/>
+                        </a:rPr>
+                        <a:t>250</a:t>
+                      </a:r>
+                      <a:endParaRPr lang="en-SG" sz="1800">
+                        <a:effectLst/>
+                        <a:latin typeface="Times New Roman" panose="02020603050405020304" pitchFamily="18" charset="0"/>
+                        <a:ea typeface="Calibri" panose="020F0502020204030204" pitchFamily="34" charset="0"/>
+                        <a:cs typeface="Times New Roman" panose="02020603050405020304" pitchFamily="18" charset="0"/>
+                      </a:endParaRPr>
+                    </a:p>
+                  </a:txBody>
+                  <a:tcPr marL="68580" marR="68580" marT="0" marB="0"/>
+                </a:tc>
+                <a:tc>
+                  <a:txBody>
+                    <a:bodyPr/>
+                    <a:lstStyle/>
+                    <a:p>
+                      <a:pPr algn="ctr">
+                        <a:lnSpc>
+                          <a:spcPct val="150000"/>
+                        </a:lnSpc>
+                        <a:spcAft>
+                          <a:spcPts val="800"/>
+                        </a:spcAft>
+                      </a:pPr>
+                      <a:r>
+                        <a:rPr lang="en-SG" sz="1800">
+                          <a:effectLst/>
+                          <a:latin typeface="Times New Roman" panose="02020603050405020304" pitchFamily="18" charset="0"/>
+                          <a:cs typeface="Times New Roman" panose="02020603050405020304" pitchFamily="18" charset="0"/>
+                        </a:rPr>
+                        <a:t>89</a:t>
+                      </a:r>
+                      <a:endParaRPr lang="en-SG" sz="1800">
+                        <a:effectLst/>
+                        <a:latin typeface="Times New Roman" panose="02020603050405020304" pitchFamily="18" charset="0"/>
+                        <a:ea typeface="Calibri" panose="020F0502020204030204" pitchFamily="34" charset="0"/>
+                        <a:cs typeface="Times New Roman" panose="02020603050405020304" pitchFamily="18" charset="0"/>
+                      </a:endParaRPr>
+                    </a:p>
+                  </a:txBody>
+                  <a:tcPr marL="68580" marR="68580" marT="0" marB="0"/>
+                </a:tc>
+                <a:tc>
+                  <a:txBody>
+                    <a:bodyPr/>
+                    <a:lstStyle/>
+                    <a:p>
+                      <a:pPr algn="ctr">
+                        <a:lnSpc>
+                          <a:spcPct val="150000"/>
+                        </a:lnSpc>
+                        <a:spcAft>
+                          <a:spcPts val="800"/>
+                        </a:spcAft>
+                      </a:pPr>
+                      <a:r>
+                        <a:rPr lang="en-SG" sz="1800">
+                          <a:effectLst/>
+                          <a:latin typeface="Times New Roman" panose="02020603050405020304" pitchFamily="18" charset="0"/>
+                          <a:cs typeface="Times New Roman" panose="02020603050405020304" pitchFamily="18" charset="0"/>
+                        </a:rPr>
+                        <a:t>21</a:t>
+                      </a:r>
+                      <a:endParaRPr lang="en-SG" sz="1800">
+                        <a:effectLst/>
+                        <a:latin typeface="Times New Roman" panose="02020603050405020304" pitchFamily="18" charset="0"/>
+                        <a:ea typeface="Calibri" panose="020F0502020204030204" pitchFamily="34" charset="0"/>
+                        <a:cs typeface="Times New Roman" panose="02020603050405020304" pitchFamily="18" charset="0"/>
+                      </a:endParaRPr>
+                    </a:p>
+                  </a:txBody>
+                  <a:tcPr marL="68580" marR="68580" marT="0" marB="0"/>
+                </a:tc>
+                <a:tc>
+                  <a:txBody>
+                    <a:bodyPr/>
+                    <a:lstStyle/>
+                    <a:p>
+                      <a:pPr algn="ctr">
+                        <a:lnSpc>
+                          <a:spcPct val="150000"/>
+                        </a:lnSpc>
+                        <a:spcAft>
+                          <a:spcPts val="800"/>
+                        </a:spcAft>
+                      </a:pPr>
+                      <a:r>
+                        <a:rPr lang="en-SG" sz="1800">
+                          <a:effectLst/>
+                          <a:latin typeface="Times New Roman" panose="02020603050405020304" pitchFamily="18" charset="0"/>
+                          <a:cs typeface="Times New Roman" panose="02020603050405020304" pitchFamily="18" charset="0"/>
+                        </a:rPr>
+                        <a:t>9</a:t>
+                      </a:r>
+                      <a:endParaRPr lang="en-SG" sz="1800">
+                        <a:effectLst/>
+                        <a:latin typeface="Times New Roman" panose="02020603050405020304" pitchFamily="18" charset="0"/>
+                        <a:ea typeface="Calibri" panose="020F0502020204030204" pitchFamily="34" charset="0"/>
+                        <a:cs typeface="Times New Roman" panose="02020603050405020304" pitchFamily="18" charset="0"/>
+                      </a:endParaRPr>
+                    </a:p>
+                  </a:txBody>
+                  <a:tcPr marL="68580" marR="68580" marT="0" marB="0"/>
+                </a:tc>
+                <a:extLst>
+                  <a:ext uri="{0D108BD9-81ED-4DB2-BD59-A6C34878D82A}">
+                    <a16:rowId xmlns:a16="http://schemas.microsoft.com/office/drawing/2014/main" val="1865094286"/>
+                  </a:ext>
+                </a:extLst>
+              </a:tr>
+              <a:tr h="510416">
+                <a:tc>
+                  <a:txBody>
+                    <a:bodyPr/>
+                    <a:lstStyle/>
+                    <a:p>
+                      <a:pPr algn="ctr">
+                        <a:lnSpc>
+                          <a:spcPct val="150000"/>
+                        </a:lnSpc>
+                        <a:spcAft>
+                          <a:spcPts val="800"/>
+                        </a:spcAft>
+                      </a:pPr>
+                      <a:r>
+                        <a:rPr lang="en-SG" sz="1800">
+                          <a:effectLst/>
+                          <a:latin typeface="Times New Roman" panose="02020603050405020304" pitchFamily="18" charset="0"/>
+                          <a:cs typeface="Times New Roman" panose="02020603050405020304" pitchFamily="18" charset="0"/>
+                        </a:rPr>
+                        <a:t>500</a:t>
+                      </a:r>
+                      <a:endParaRPr lang="en-SG" sz="1800">
+                        <a:effectLst/>
+                        <a:latin typeface="Times New Roman" panose="02020603050405020304" pitchFamily="18" charset="0"/>
+                        <a:ea typeface="Calibri" panose="020F0502020204030204" pitchFamily="34" charset="0"/>
+                        <a:cs typeface="Times New Roman" panose="02020603050405020304" pitchFamily="18" charset="0"/>
+                      </a:endParaRPr>
+                    </a:p>
+                  </a:txBody>
+                  <a:tcPr marL="68580" marR="68580" marT="0" marB="0"/>
+                </a:tc>
+                <a:tc>
+                  <a:txBody>
+                    <a:bodyPr/>
+                    <a:lstStyle/>
+                    <a:p>
+                      <a:pPr algn="ctr">
+                        <a:lnSpc>
+                          <a:spcPct val="150000"/>
+                        </a:lnSpc>
+                        <a:spcAft>
+                          <a:spcPts val="800"/>
+                        </a:spcAft>
+                      </a:pPr>
+                      <a:r>
+                        <a:rPr lang="en-SG" sz="1800">
+                          <a:effectLst/>
+                          <a:latin typeface="Times New Roman" panose="02020603050405020304" pitchFamily="18" charset="0"/>
+                          <a:cs typeface="Times New Roman" panose="02020603050405020304" pitchFamily="18" charset="0"/>
+                        </a:rPr>
+                        <a:t>105</a:t>
+                      </a:r>
+                      <a:endParaRPr lang="en-SG" sz="1800">
+                        <a:effectLst/>
+                        <a:latin typeface="Times New Roman" panose="02020603050405020304" pitchFamily="18" charset="0"/>
+                        <a:ea typeface="Calibri" panose="020F0502020204030204" pitchFamily="34" charset="0"/>
+                        <a:cs typeface="Times New Roman" panose="02020603050405020304" pitchFamily="18" charset="0"/>
+                      </a:endParaRPr>
+                    </a:p>
+                  </a:txBody>
+                  <a:tcPr marL="68580" marR="68580" marT="0" marB="0"/>
+                </a:tc>
+                <a:tc>
+                  <a:txBody>
+                    <a:bodyPr/>
+                    <a:lstStyle/>
+                    <a:p>
+                      <a:pPr algn="ctr">
+                        <a:lnSpc>
+                          <a:spcPct val="150000"/>
+                        </a:lnSpc>
+                        <a:spcAft>
+                          <a:spcPts val="800"/>
+                        </a:spcAft>
+                      </a:pPr>
+                      <a:r>
+                        <a:rPr lang="en-SG" sz="1800">
+                          <a:effectLst/>
+                          <a:latin typeface="Times New Roman" panose="02020603050405020304" pitchFamily="18" charset="0"/>
+                          <a:cs typeface="Times New Roman" panose="02020603050405020304" pitchFamily="18" charset="0"/>
+                        </a:rPr>
+                        <a:t>21</a:t>
+                      </a:r>
+                      <a:endParaRPr lang="en-SG" sz="1800">
+                        <a:effectLst/>
+                        <a:latin typeface="Times New Roman" panose="02020603050405020304" pitchFamily="18" charset="0"/>
+                        <a:ea typeface="Calibri" panose="020F0502020204030204" pitchFamily="34" charset="0"/>
+                        <a:cs typeface="Times New Roman" panose="02020603050405020304" pitchFamily="18" charset="0"/>
+                      </a:endParaRPr>
+                    </a:p>
+                  </a:txBody>
+                  <a:tcPr marL="68580" marR="68580" marT="0" marB="0"/>
+                </a:tc>
+                <a:tc>
+                  <a:txBody>
+                    <a:bodyPr/>
+                    <a:lstStyle/>
+                    <a:p>
+                      <a:pPr algn="ctr">
+                        <a:lnSpc>
+                          <a:spcPct val="150000"/>
+                        </a:lnSpc>
+                        <a:spcAft>
+                          <a:spcPts val="800"/>
+                        </a:spcAft>
+                      </a:pPr>
+                      <a:r>
+                        <a:rPr lang="en-SG" sz="1800">
+                          <a:effectLst/>
+                          <a:latin typeface="Times New Roman" panose="02020603050405020304" pitchFamily="18" charset="0"/>
+                          <a:cs typeface="Times New Roman" panose="02020603050405020304" pitchFamily="18" charset="0"/>
+                        </a:rPr>
+                        <a:t>11</a:t>
+                      </a:r>
+                      <a:endParaRPr lang="en-SG" sz="1800">
+                        <a:effectLst/>
+                        <a:latin typeface="Times New Roman" panose="02020603050405020304" pitchFamily="18" charset="0"/>
+                        <a:ea typeface="Calibri" panose="020F0502020204030204" pitchFamily="34" charset="0"/>
+                        <a:cs typeface="Times New Roman" panose="02020603050405020304" pitchFamily="18" charset="0"/>
+                      </a:endParaRPr>
+                    </a:p>
+                  </a:txBody>
+                  <a:tcPr marL="68580" marR="68580" marT="0" marB="0"/>
+                </a:tc>
+                <a:extLst>
+                  <a:ext uri="{0D108BD9-81ED-4DB2-BD59-A6C34878D82A}">
+                    <a16:rowId xmlns:a16="http://schemas.microsoft.com/office/drawing/2014/main" val="3001584341"/>
+                  </a:ext>
+                </a:extLst>
+              </a:tr>
+              <a:tr h="510416">
+                <a:tc>
+                  <a:txBody>
+                    <a:bodyPr/>
+                    <a:lstStyle/>
+                    <a:p>
+                      <a:pPr algn="ctr">
+                        <a:lnSpc>
+                          <a:spcPct val="150000"/>
+                        </a:lnSpc>
+                        <a:spcAft>
+                          <a:spcPts val="800"/>
+                        </a:spcAft>
+                      </a:pPr>
+                      <a:r>
+                        <a:rPr lang="en-SG" sz="1800">
+                          <a:effectLst/>
+                          <a:latin typeface="Times New Roman" panose="02020603050405020304" pitchFamily="18" charset="0"/>
+                          <a:cs typeface="Times New Roman" panose="02020603050405020304" pitchFamily="18" charset="0"/>
+                        </a:rPr>
+                        <a:t>1000</a:t>
+                      </a:r>
+                      <a:endParaRPr lang="en-SG" sz="1800">
+                        <a:effectLst/>
+                        <a:latin typeface="Times New Roman" panose="02020603050405020304" pitchFamily="18" charset="0"/>
+                        <a:ea typeface="Calibri" panose="020F0502020204030204" pitchFamily="34" charset="0"/>
+                        <a:cs typeface="Times New Roman" panose="02020603050405020304" pitchFamily="18" charset="0"/>
+                      </a:endParaRPr>
+                    </a:p>
+                  </a:txBody>
+                  <a:tcPr marL="68580" marR="68580" marT="0" marB="0"/>
+                </a:tc>
+                <a:tc>
+                  <a:txBody>
+                    <a:bodyPr/>
+                    <a:lstStyle/>
+                    <a:p>
+                      <a:pPr algn="ctr">
+                        <a:lnSpc>
+                          <a:spcPct val="150000"/>
+                        </a:lnSpc>
+                        <a:spcAft>
+                          <a:spcPts val="800"/>
+                        </a:spcAft>
+                      </a:pPr>
+                      <a:r>
+                        <a:rPr lang="en-SG" sz="1800">
+                          <a:effectLst/>
+                          <a:latin typeface="Times New Roman" panose="02020603050405020304" pitchFamily="18" charset="0"/>
+                          <a:cs typeface="Times New Roman" panose="02020603050405020304" pitchFamily="18" charset="0"/>
+                        </a:rPr>
+                        <a:t>142</a:t>
+                      </a:r>
+                      <a:endParaRPr lang="en-SG" sz="1800">
+                        <a:effectLst/>
+                        <a:latin typeface="Times New Roman" panose="02020603050405020304" pitchFamily="18" charset="0"/>
+                        <a:ea typeface="Calibri" panose="020F0502020204030204" pitchFamily="34" charset="0"/>
+                        <a:cs typeface="Times New Roman" panose="02020603050405020304" pitchFamily="18" charset="0"/>
+                      </a:endParaRPr>
+                    </a:p>
+                  </a:txBody>
+                  <a:tcPr marL="68580" marR="68580" marT="0" marB="0"/>
+                </a:tc>
+                <a:tc>
+                  <a:txBody>
+                    <a:bodyPr/>
+                    <a:lstStyle/>
+                    <a:p>
+                      <a:pPr algn="ctr">
+                        <a:lnSpc>
+                          <a:spcPct val="150000"/>
+                        </a:lnSpc>
+                        <a:spcAft>
+                          <a:spcPts val="800"/>
+                        </a:spcAft>
+                      </a:pPr>
+                      <a:r>
+                        <a:rPr lang="en-SG" sz="1800">
+                          <a:effectLst/>
+                          <a:latin typeface="Times New Roman" panose="02020603050405020304" pitchFamily="18" charset="0"/>
+                          <a:cs typeface="Times New Roman" panose="02020603050405020304" pitchFamily="18" charset="0"/>
+                        </a:rPr>
+                        <a:t>22</a:t>
+                      </a:r>
+                      <a:endParaRPr lang="en-SG" sz="1800">
+                        <a:effectLst/>
+                        <a:latin typeface="Times New Roman" panose="02020603050405020304" pitchFamily="18" charset="0"/>
+                        <a:ea typeface="Calibri" panose="020F0502020204030204" pitchFamily="34" charset="0"/>
+                        <a:cs typeface="Times New Roman" panose="02020603050405020304" pitchFamily="18" charset="0"/>
+                      </a:endParaRPr>
+                    </a:p>
+                  </a:txBody>
+                  <a:tcPr marL="68580" marR="68580" marT="0" marB="0"/>
+                </a:tc>
+                <a:tc>
+                  <a:txBody>
+                    <a:bodyPr/>
+                    <a:lstStyle/>
+                    <a:p>
+                      <a:pPr algn="ctr">
+                        <a:lnSpc>
+                          <a:spcPct val="150000"/>
+                        </a:lnSpc>
+                        <a:spcAft>
+                          <a:spcPts val="800"/>
+                        </a:spcAft>
+                      </a:pPr>
+                      <a:r>
+                        <a:rPr lang="en-SG" sz="1800" dirty="0">
+                          <a:effectLst/>
+                          <a:latin typeface="Times New Roman" panose="02020603050405020304" pitchFamily="18" charset="0"/>
+                          <a:cs typeface="Times New Roman" panose="02020603050405020304" pitchFamily="18" charset="0"/>
+                        </a:rPr>
+                        <a:t>8</a:t>
+                      </a:r>
+                      <a:endParaRPr lang="en-SG" sz="1800" dirty="0">
+                        <a:effectLst/>
+                        <a:latin typeface="Times New Roman" panose="02020603050405020304" pitchFamily="18" charset="0"/>
+                        <a:ea typeface="Calibri" panose="020F0502020204030204" pitchFamily="34" charset="0"/>
+                        <a:cs typeface="Times New Roman" panose="02020603050405020304" pitchFamily="18" charset="0"/>
+                      </a:endParaRPr>
+                    </a:p>
+                  </a:txBody>
+                  <a:tcPr marL="68580" marR="68580" marT="0" marB="0"/>
+                </a:tc>
+                <a:extLst>
+                  <a:ext uri="{0D108BD9-81ED-4DB2-BD59-A6C34878D82A}">
+                    <a16:rowId xmlns:a16="http://schemas.microsoft.com/office/drawing/2014/main" val="2004504447"/>
+                  </a:ext>
+                </a:extLst>
+              </a:tr>
+            </a:tbl>
+          </a:graphicData>
+        </a:graphic>
+      </p:graphicFrame>
+    </p:spTree>
+    <p:extLst>
+      <p:ext uri="{BB962C8B-B14F-4D97-AF65-F5344CB8AC3E}">
+        <p14:creationId xmlns:p14="http://schemas.microsoft.com/office/powerpoint/2010/main" val="2001346923"/>
+      </p:ext>
+    </p:extLst>
+  </p:cSld>
+  <p:clrMapOvr>
+    <a:masterClrMapping/>
+  </p:clrMapOvr>
+  <mc:AlternateContent xmlns:mc="http://schemas.openxmlformats.org/markup-compatibility/2006" xmlns:p14="http://schemas.microsoft.com/office/powerpoint/2010/main">
+    <mc:Choice Requires="p14">
+      <p:transition spd="slow" p14:dur="2000" advTm="1317"/>
+    </mc:Choice>
+    <mc:Fallback xmlns="">
+      <p:transition spd="slow" advTm="1317"/>
+    </mc:Fallback>
+  </mc:AlternateContent>
+</p:sld>
+</file>
+
+<file path=ppt/slides/slide25.xml><?xml version="1.0" encoding="utf-8"?>
+<p:sld xmlns:a="http://schemas.openxmlformats.org/drawingml/2006/main" xmlns:r="http://schemas.openxmlformats.org/officeDocument/2006/relationships" xmlns:p="http://schemas.openxmlformats.org/presentationml/2006/main">
+  <p:cSld>
+    <p:spTree>
+      <p:nvGrpSpPr>
+        <p:cNvPr id="1" name="">
+          <a:extLst>
+            <a:ext uri="{FF2B5EF4-FFF2-40B4-BE49-F238E27FC236}">
+              <a16:creationId xmlns:a16="http://schemas.microsoft.com/office/drawing/2014/main" id="{7998E07D-7134-069F-C74F-7FC20015971B}"/>
+            </a:ext>
+          </a:extLst>
+        </p:cNvPr>
+        <p:cNvGrpSpPr/>
+        <p:nvPr/>
+      </p:nvGrpSpPr>
+      <p:grpSpPr>
+        <a:xfrm>
+          <a:off x="0" y="0"/>
+          <a:ext cx="0" cy="0"/>
+          <a:chOff x="0" y="0"/>
+          <a:chExt cx="0" cy="0"/>
+        </a:xfrm>
+      </p:grpSpPr>
+      <p:sp>
+        <p:nvSpPr>
+          <p:cNvPr id="4" name="Date Placeholder 3">
+            <a:extLst>
+              <a:ext uri="{FF2B5EF4-FFF2-40B4-BE49-F238E27FC236}">
+                <a16:creationId xmlns:a16="http://schemas.microsoft.com/office/drawing/2014/main" id="{A7A52338-9ACF-3CCA-38AD-75A69FD27DE5}"/>
+              </a:ext>
+            </a:extLst>
+          </p:cNvPr>
+          <p:cNvSpPr>
+            <a:spLocks noGrp="1"/>
+          </p:cNvSpPr>
+          <p:nvPr>
+            <p:ph type="dt" sz="half" idx="10"/>
+          </p:nvPr>
+        </p:nvSpPr>
+        <p:spPr/>
+        <p:txBody>
+          <a:bodyPr/>
+          <a:lstStyle/>
+          <a:p>
+            <a:fld id="{89227FBB-25E7-4C7E-8513-268B51BC1F29}" type="datetime1">
+              <a:rPr lang="en-US" smtClean="0"/>
+              <a:t>2/23/2024</a:t>
+            </a:fld>
+            <a:endParaRPr lang="en-US" dirty="0"/>
+          </a:p>
+        </p:txBody>
+      </p:sp>
+      <p:sp>
+        <p:nvSpPr>
+          <p:cNvPr id="5" name="Slide Number Placeholder 4">
+            <a:extLst>
+              <a:ext uri="{FF2B5EF4-FFF2-40B4-BE49-F238E27FC236}">
+                <a16:creationId xmlns:a16="http://schemas.microsoft.com/office/drawing/2014/main" id="{AC7B8597-208D-B2F6-A665-FAB3384B6DED}"/>
+              </a:ext>
+            </a:extLst>
+          </p:cNvPr>
+          <p:cNvSpPr>
+            <a:spLocks noGrp="1"/>
+          </p:cNvSpPr>
+          <p:nvPr>
+            <p:ph type="sldNum" sz="quarter" idx="12"/>
+          </p:nvPr>
+        </p:nvSpPr>
+        <p:spPr>
+          <a:xfrm>
+            <a:off x="5006244" y="6184365"/>
+            <a:ext cx="1596292" cy="404614"/>
+          </a:xfrm>
+        </p:spPr>
+        <p:txBody>
+          <a:bodyPr/>
+          <a:lstStyle/>
+          <a:p>
+            <a:fld id="{69E57DC2-970A-4B3E-BB1C-7A09969E49DF}" type="slidenum">
+              <a:rPr lang="en-US" sz="3200" b="1" smtClean="0">
+                <a:latin typeface="Times New Roman" panose="02020603050405020304" pitchFamily="18" charset="0"/>
+                <a:cs typeface="Times New Roman" panose="02020603050405020304" pitchFamily="18" charset="0"/>
+              </a:rPr>
+              <a:t>25</a:t>
+            </a:fld>
+            <a:endParaRPr lang="en-US" sz="3200" b="1" dirty="0">
+              <a:latin typeface="Times New Roman" panose="02020603050405020304" pitchFamily="18" charset="0"/>
+              <a:cs typeface="Times New Roman" panose="02020603050405020304" pitchFamily="18" charset="0"/>
+            </a:endParaRPr>
+          </a:p>
+        </p:txBody>
+      </p:sp>
+      <p:sp>
+        <p:nvSpPr>
+          <p:cNvPr id="7" name="Rectangle 1">
+            <a:extLst>
+              <a:ext uri="{FF2B5EF4-FFF2-40B4-BE49-F238E27FC236}">
+                <a16:creationId xmlns:a16="http://schemas.microsoft.com/office/drawing/2014/main" id="{8D6A3E8A-297A-D14A-E29C-D980F29AC43B}"/>
+              </a:ext>
+            </a:extLst>
+          </p:cNvPr>
+          <p:cNvSpPr>
+            <a:spLocks noChangeArrowheads="1"/>
+          </p:cNvSpPr>
+          <p:nvPr/>
+        </p:nvSpPr>
+        <p:spPr bwMode="auto">
+          <a:xfrm>
+            <a:off x="739241" y="1879040"/>
+            <a:ext cx="11218983" cy="830997"/>
+          </a:xfrm>
+          <a:prstGeom prst="rect">
+            <a:avLst/>
+          </a:prstGeom>
+          <a:noFill/>
+          <a:ln>
+            <a:noFill/>
+          </a:ln>
+          <a:effectLst/>
+          <a:extLst>
+            <a:ext uri="{909E8E84-426E-40DD-AFC4-6F175D3DCCD1}">
+              <a14:hiddenFill xmlns:a14="http://schemas.microsoft.com/office/drawing/2010/main">
+                <a:solidFill>
+                  <a:schemeClr val="accent1"/>
+                </a:solidFill>
+              </a14:hiddenFill>
+            </a:ext>
+            <a:ext uri="{91240B29-F687-4F45-9708-019B960494DF}">
+              <a14:hiddenLine xmlns:a14="http://schemas.microsoft.com/office/drawing/2010/main" w="9525">
+                <a:solidFill>
+                  <a:schemeClr val="tx1"/>
+                </a:solidFill>
+                <a:miter lim="800000"/>
+                <a:headEnd/>
+                <a:tailEnd/>
+              </a14:hiddenLine>
+            </a:ext>
+            <a:ext uri="{AF507438-7753-43E0-B8FC-AC1667EBCBE1}">
+              <a14:hiddenEffects xmlns:a14="http://schemas.microsoft.com/office/drawing/2010/main">
+                <a:effectLst>
+                  <a:outerShdw dist="35921" dir="2700000" algn="ctr" rotWithShape="0">
+                    <a:schemeClr val="bg2"/>
+                  </a:outerShdw>
+                </a:effectLst>
+              </a14:hiddenEffects>
+            </a:ext>
+          </a:extLst>
+        </p:spPr>
+        <p:txBody>
+          <a:bodyPr vert="horz" wrap="square" lIns="91440" tIns="45720" rIns="91440" bIns="45720" numCol="1" anchor="ctr" anchorCtr="0" compatLnSpc="1">
+            <a:prstTxWarp prst="textNoShape">
+              <a:avLst/>
+            </a:prstTxWarp>
+            <a:spAutoFit/>
+          </a:bodyPr>
+          <a:lstStyle/>
+          <a:p>
+            <a:pPr marL="0" marR="0" lvl="0" indent="0" algn="ctr" defTabSz="914400" rtl="0" eaLnBrk="0" fontAlgn="base" latinLnBrk="0" hangingPunct="0">
+              <a:lnSpc>
+                <a:spcPct val="100000"/>
+              </a:lnSpc>
+              <a:spcBef>
+                <a:spcPct val="0"/>
+              </a:spcBef>
+              <a:spcAft>
+                <a:spcPct val="0"/>
+              </a:spcAft>
+              <a:buClrTx/>
+              <a:buSzTx/>
+              <a:buFontTx/>
+              <a:buNone/>
+              <a:tabLst/>
+            </a:pPr>
+            <a:r>
+              <a:rPr kumimoji="0" lang="en-US" altLang="en-US" sz="2400" b="1" i="0" u="none" strike="noStrike" cap="none" normalizeH="0" baseline="0" dirty="0">
+                <a:ln>
+                  <a:noFill/>
+                </a:ln>
+                <a:solidFill>
+                  <a:schemeClr val="tx1"/>
+                </a:solidFill>
+                <a:effectLst/>
+                <a:latin typeface="Times New Roman" panose="02020603050405020304" pitchFamily="18" charset="0"/>
+                <a:ea typeface="Times New Roman" panose="02020603050405020304" pitchFamily="18" charset="0"/>
+                <a:cs typeface="Times New Roman" panose="02020603050405020304" pitchFamily="18" charset="0"/>
+              </a:rPr>
+              <a:t>Table 3</a:t>
+            </a:r>
+            <a:r>
+              <a:rPr kumimoji="0" lang="en-US" altLang="en-US" sz="2400" b="0" i="0" u="none" strike="noStrike" cap="none" normalizeH="0" baseline="0" dirty="0">
+                <a:ln>
+                  <a:noFill/>
+                </a:ln>
+                <a:solidFill>
+                  <a:schemeClr val="tx1"/>
+                </a:solidFill>
+                <a:effectLst/>
+                <a:latin typeface="Times New Roman" panose="02020603050405020304" pitchFamily="18" charset="0"/>
+                <a:ea typeface="Times New Roman" panose="02020603050405020304" pitchFamily="18" charset="0"/>
+                <a:cs typeface="Times New Roman" panose="02020603050405020304" pitchFamily="18" charset="0"/>
+              </a:rPr>
+              <a:t>: </a:t>
+            </a:r>
+            <a:r>
+              <a:rPr lang="en-SG" sz="2400" dirty="0">
+                <a:effectLst/>
+                <a:latin typeface="Times New Roman" panose="02020603050405020304" pitchFamily="18" charset="0"/>
+                <a:ea typeface="Calibri" panose="020F0502020204030204" pitchFamily="34" charset="0"/>
+              </a:rPr>
+              <a:t>Encryption process time(</a:t>
+            </a:r>
+            <a:r>
+              <a:rPr lang="en-SG" sz="2400" dirty="0" err="1">
+                <a:effectLst/>
+                <a:latin typeface="Times New Roman" panose="02020603050405020304" pitchFamily="18" charset="0"/>
+                <a:ea typeface="Calibri" panose="020F0502020204030204" pitchFamily="34" charset="0"/>
+              </a:rPr>
+              <a:t>ms</a:t>
+            </a:r>
+            <a:r>
+              <a:rPr lang="en-SG" sz="2400" dirty="0">
+                <a:effectLst/>
+                <a:latin typeface="Times New Roman" panose="02020603050405020304" pitchFamily="18" charset="0"/>
+                <a:ea typeface="Calibri" panose="020F0502020204030204" pitchFamily="34" charset="0"/>
+              </a:rPr>
+              <a:t>) of different cryptosystems when key size is </a:t>
+            </a:r>
+            <a:r>
+              <a:rPr lang="en-SG" sz="2400" dirty="0">
+                <a:latin typeface="Times New Roman" panose="02020603050405020304" pitchFamily="18" charset="0"/>
+                <a:ea typeface="Calibri" panose="020F0502020204030204" pitchFamily="34" charset="0"/>
+              </a:rPr>
+              <a:t>1024</a:t>
+            </a:r>
+            <a:r>
+              <a:rPr lang="en-SG" sz="2400" dirty="0">
+                <a:effectLst/>
+                <a:latin typeface="Times New Roman" panose="02020603050405020304" pitchFamily="18" charset="0"/>
+                <a:ea typeface="Calibri" panose="020F0502020204030204" pitchFamily="34" charset="0"/>
+              </a:rPr>
+              <a:t> bits</a:t>
+            </a:r>
+            <a:endParaRPr kumimoji="0" lang="en-US" altLang="en-US" sz="3600" b="0" i="0" u="none" strike="noStrike" cap="none" normalizeH="0" baseline="0" dirty="0">
+              <a:ln>
+                <a:noFill/>
+              </a:ln>
+              <a:solidFill>
+                <a:schemeClr val="tx1"/>
+              </a:solidFill>
+              <a:effectLst/>
+              <a:latin typeface="Times New Roman" panose="02020603050405020304" pitchFamily="18" charset="0"/>
+              <a:cs typeface="Times New Roman" panose="02020603050405020304" pitchFamily="18" charset="0"/>
+            </a:endParaRPr>
+          </a:p>
+        </p:txBody>
+      </p:sp>
+      <p:sp>
+        <p:nvSpPr>
+          <p:cNvPr id="3" name="TextBox 2">
+            <a:extLst>
+              <a:ext uri="{FF2B5EF4-FFF2-40B4-BE49-F238E27FC236}">
+                <a16:creationId xmlns:a16="http://schemas.microsoft.com/office/drawing/2014/main" id="{F9E234DB-A6EA-53CB-4F3A-4740A244BE12}"/>
+              </a:ext>
+            </a:extLst>
+          </p:cNvPr>
+          <p:cNvSpPr txBox="1"/>
+          <p:nvPr/>
+        </p:nvSpPr>
+        <p:spPr>
+          <a:xfrm>
+            <a:off x="2958353" y="1045383"/>
+            <a:ext cx="7548282" cy="707886"/>
+          </a:xfrm>
+          <a:prstGeom prst="rect">
+            <a:avLst/>
+          </a:prstGeom>
+          <a:noFill/>
+        </p:spPr>
+        <p:txBody>
+          <a:bodyPr wrap="square">
+            <a:spAutoFit/>
+          </a:bodyPr>
+          <a:lstStyle/>
+          <a:p>
+            <a:pPr algn="ctr"/>
+            <a:r>
+              <a:rPr lang="en-US" sz="4000" b="1" dirty="0">
+                <a:latin typeface="Times New Roman" panose="02020603050405020304" pitchFamily="18" charset="0"/>
+                <a:cs typeface="Times New Roman" panose="02020603050405020304" pitchFamily="18" charset="0"/>
+              </a:rPr>
+              <a:t>Performance Evaluation</a:t>
+            </a:r>
+            <a:endParaRPr lang="en-SG" sz="4000" b="1" dirty="0">
+              <a:latin typeface="Times New Roman" panose="02020603050405020304" pitchFamily="18" charset="0"/>
+              <a:cs typeface="Times New Roman" panose="02020603050405020304" pitchFamily="18" charset="0"/>
+            </a:endParaRPr>
+          </a:p>
+        </p:txBody>
+      </p:sp>
+      <p:sp>
+        <p:nvSpPr>
+          <p:cNvPr id="8" name="TextBox 7">
+            <a:extLst>
+              <a:ext uri="{FF2B5EF4-FFF2-40B4-BE49-F238E27FC236}">
+                <a16:creationId xmlns:a16="http://schemas.microsoft.com/office/drawing/2014/main" id="{2B3BB74B-1676-150D-640C-65E41BC5272C}"/>
+              </a:ext>
+            </a:extLst>
+          </p:cNvPr>
+          <p:cNvSpPr txBox="1"/>
+          <p:nvPr/>
+        </p:nvSpPr>
+        <p:spPr>
+          <a:xfrm>
+            <a:off x="8588187" y="6084054"/>
+            <a:ext cx="3110753" cy="369332"/>
+          </a:xfrm>
+          <a:prstGeom prst="rect">
+            <a:avLst/>
+          </a:prstGeom>
+          <a:noFill/>
+        </p:spPr>
+        <p:txBody>
+          <a:bodyPr wrap="square">
+            <a:spAutoFit/>
+          </a:bodyPr>
+          <a:lstStyle/>
+          <a:p>
+            <a:pPr algn="ctr"/>
+            <a:r>
+              <a:rPr lang="en-US" sz="1800" dirty="0">
+                <a:latin typeface="Times New Roman" panose="02020603050405020304" pitchFamily="18" charset="0"/>
+                <a:cs typeface="Times New Roman" panose="02020603050405020304" pitchFamily="18" charset="0"/>
+              </a:rPr>
+              <a:t>Result Analysis cont’d….</a:t>
+            </a:r>
+            <a:endParaRPr lang="en-SG" sz="2000" dirty="0">
+              <a:latin typeface="Times New Roman" panose="02020603050405020304" pitchFamily="18" charset="0"/>
+              <a:cs typeface="Times New Roman" panose="02020603050405020304" pitchFamily="18" charset="0"/>
+            </a:endParaRPr>
+          </a:p>
+        </p:txBody>
+      </p:sp>
+      <p:graphicFrame>
+        <p:nvGraphicFramePr>
+          <p:cNvPr id="9" name="Content Placeholder 8">
+            <a:extLst>
+              <a:ext uri="{FF2B5EF4-FFF2-40B4-BE49-F238E27FC236}">
+                <a16:creationId xmlns:a16="http://schemas.microsoft.com/office/drawing/2014/main" id="{774C0C00-B5E6-2EDA-5233-A8543217AD13}"/>
+              </a:ext>
+            </a:extLst>
+          </p:cNvPr>
+          <p:cNvGraphicFramePr>
+            <a:graphicFrameLocks noGrp="1"/>
+          </p:cNvGraphicFramePr>
+          <p:nvPr>
+            <p:ph idx="1"/>
+            <p:extLst>
+              <p:ext uri="{D42A27DB-BD31-4B8C-83A1-F6EECF244321}">
+                <p14:modId xmlns:p14="http://schemas.microsoft.com/office/powerpoint/2010/main" val="2117005065"/>
+              </p:ext>
+            </p:extLst>
+          </p:nvPr>
+        </p:nvGraphicFramePr>
+        <p:xfrm>
+          <a:off x="2133600" y="2931459"/>
+          <a:ext cx="8919884" cy="2662516"/>
+        </p:xfrm>
+        <a:graphic>
+          <a:graphicData uri="http://schemas.openxmlformats.org/drawingml/2006/table">
+            <a:tbl>
+              <a:tblPr firstRow="1" firstCol="1" bandRow="1">
+                <a:tableStyleId>{7DF18680-E054-41AD-8BC1-D1AEF772440D}</a:tableStyleId>
+              </a:tblPr>
+              <a:tblGrid>
+                <a:gridCol w="2229971">
+                  <a:extLst>
+                    <a:ext uri="{9D8B030D-6E8A-4147-A177-3AD203B41FA5}">
+                      <a16:colId xmlns:a16="http://schemas.microsoft.com/office/drawing/2014/main" val="24491445"/>
+                    </a:ext>
+                  </a:extLst>
+                </a:gridCol>
+                <a:gridCol w="2229971">
+                  <a:extLst>
+                    <a:ext uri="{9D8B030D-6E8A-4147-A177-3AD203B41FA5}">
+                      <a16:colId xmlns:a16="http://schemas.microsoft.com/office/drawing/2014/main" val="2344234299"/>
+                    </a:ext>
+                  </a:extLst>
+                </a:gridCol>
+                <a:gridCol w="2229971">
+                  <a:extLst>
+                    <a:ext uri="{9D8B030D-6E8A-4147-A177-3AD203B41FA5}">
+                      <a16:colId xmlns:a16="http://schemas.microsoft.com/office/drawing/2014/main" val="3094504200"/>
+                    </a:ext>
+                  </a:extLst>
+                </a:gridCol>
+                <a:gridCol w="2229971">
+                  <a:extLst>
+                    <a:ext uri="{9D8B030D-6E8A-4147-A177-3AD203B41FA5}">
+                      <a16:colId xmlns:a16="http://schemas.microsoft.com/office/drawing/2014/main" val="840696703"/>
+                    </a:ext>
+                  </a:extLst>
+                </a:gridCol>
+              </a:tblGrid>
+              <a:tr h="1198729">
+                <a:tc>
+                  <a:txBody>
+                    <a:bodyPr/>
+                    <a:lstStyle/>
+                    <a:p>
+                      <a:pPr algn="ctr">
+                        <a:lnSpc>
+                          <a:spcPct val="150000"/>
+                        </a:lnSpc>
+                        <a:spcAft>
+                          <a:spcPts val="800"/>
+                        </a:spcAft>
+                      </a:pPr>
+                      <a:r>
+                        <a:rPr lang="en-SG" sz="1800" dirty="0">
+                          <a:effectLst/>
+                          <a:latin typeface="Times New Roman" panose="02020603050405020304" pitchFamily="18" charset="0"/>
+                          <a:cs typeface="Times New Roman" panose="02020603050405020304" pitchFamily="18" charset="0"/>
+                        </a:rPr>
+                        <a:t>Message size in bits</a:t>
+                      </a:r>
+                      <a:endParaRPr lang="en-SG" sz="1600" dirty="0">
+                        <a:effectLst/>
+                        <a:latin typeface="Times New Roman" panose="02020603050405020304" pitchFamily="18" charset="0"/>
+                        <a:ea typeface="Calibri" panose="020F0502020204030204" pitchFamily="34" charset="0"/>
+                        <a:cs typeface="Times New Roman" panose="02020603050405020304" pitchFamily="18" charset="0"/>
+                      </a:endParaRPr>
+                    </a:p>
+                  </a:txBody>
+                  <a:tcPr marL="68580" marR="68580" marT="0" marB="0"/>
+                </a:tc>
+                <a:tc>
+                  <a:txBody>
+                    <a:bodyPr/>
+                    <a:lstStyle/>
+                    <a:p>
+                      <a:pPr algn="ctr">
+                        <a:lnSpc>
+                          <a:spcPct val="150000"/>
+                        </a:lnSpc>
+                        <a:spcAft>
+                          <a:spcPts val="800"/>
+                        </a:spcAft>
+                      </a:pPr>
+                      <a:r>
+                        <a:rPr lang="en-SG" sz="1800" dirty="0" err="1">
+                          <a:effectLst/>
+                          <a:latin typeface="Times New Roman" panose="02020603050405020304" pitchFamily="18" charset="0"/>
+                          <a:cs typeface="Times New Roman" panose="02020603050405020304" pitchFamily="18" charset="0"/>
+                        </a:rPr>
+                        <a:t>Elgamal</a:t>
+                      </a:r>
+                      <a:r>
+                        <a:rPr lang="en-SG" sz="1800" dirty="0">
+                          <a:effectLst/>
+                          <a:latin typeface="Times New Roman" panose="02020603050405020304" pitchFamily="18" charset="0"/>
+                          <a:cs typeface="Times New Roman" panose="02020603050405020304" pitchFamily="18" charset="0"/>
+                        </a:rPr>
+                        <a:t> cryptosystem</a:t>
+                      </a:r>
+                      <a:endParaRPr lang="en-SG" sz="1600" dirty="0">
+                        <a:effectLst/>
+                        <a:latin typeface="Times New Roman" panose="02020603050405020304" pitchFamily="18" charset="0"/>
+                        <a:ea typeface="Calibri" panose="020F0502020204030204" pitchFamily="34" charset="0"/>
+                        <a:cs typeface="Times New Roman" panose="02020603050405020304" pitchFamily="18" charset="0"/>
+                      </a:endParaRPr>
+                    </a:p>
+                  </a:txBody>
+                  <a:tcPr marL="68580" marR="68580" marT="0" marB="0"/>
+                </a:tc>
+                <a:tc>
+                  <a:txBody>
+                    <a:bodyPr/>
+                    <a:lstStyle/>
+                    <a:p>
+                      <a:pPr algn="ctr">
+                        <a:lnSpc>
+                          <a:spcPct val="100000"/>
+                        </a:lnSpc>
+                        <a:spcAft>
+                          <a:spcPts val="800"/>
+                        </a:spcAft>
+                      </a:pPr>
+                      <a:r>
+                        <a:rPr lang="en-SG" sz="1800" dirty="0">
+                          <a:effectLst/>
+                          <a:latin typeface="Times New Roman" panose="02020603050405020304" pitchFamily="18" charset="0"/>
+                          <a:cs typeface="Times New Roman" panose="02020603050405020304" pitchFamily="18" charset="0"/>
+                        </a:rPr>
+                        <a:t>Mixed Multiplicative Homomorphic</a:t>
+                      </a:r>
+                      <a:endParaRPr lang="en-SG" sz="1600" dirty="0">
+                        <a:effectLst/>
+                        <a:latin typeface="Times New Roman" panose="02020603050405020304" pitchFamily="18" charset="0"/>
+                        <a:ea typeface="Calibri" panose="020F0502020204030204" pitchFamily="34" charset="0"/>
+                        <a:cs typeface="Times New Roman" panose="02020603050405020304" pitchFamily="18" charset="0"/>
+                      </a:endParaRPr>
+                    </a:p>
+                  </a:txBody>
+                  <a:tcPr marL="68580" marR="68580" marT="0" marB="0"/>
+                </a:tc>
+                <a:tc>
+                  <a:txBody>
+                    <a:bodyPr/>
+                    <a:lstStyle/>
+                    <a:p>
+                      <a:pPr algn="ctr">
+                        <a:lnSpc>
+                          <a:spcPct val="100000"/>
+                        </a:lnSpc>
+                        <a:spcAft>
+                          <a:spcPts val="800"/>
+                        </a:spcAft>
+                      </a:pPr>
+                      <a:r>
+                        <a:rPr lang="en-SG" sz="1800" dirty="0">
+                          <a:effectLst/>
+                          <a:latin typeface="Times New Roman" panose="02020603050405020304" pitchFamily="18" charset="0"/>
+                          <a:cs typeface="Times New Roman" panose="02020603050405020304" pitchFamily="18" charset="0"/>
+                        </a:rPr>
+                        <a:t>Enhanced Homomorphic Encryption system</a:t>
+                      </a:r>
+                      <a:endParaRPr lang="en-SG" sz="1800" dirty="0">
+                        <a:effectLst/>
+                        <a:latin typeface="Times New Roman" panose="02020603050405020304" pitchFamily="18" charset="0"/>
+                        <a:ea typeface="Calibri" panose="020F0502020204030204" pitchFamily="34" charset="0"/>
+                        <a:cs typeface="Times New Roman" panose="02020603050405020304" pitchFamily="18" charset="0"/>
+                      </a:endParaRPr>
+                    </a:p>
+                  </a:txBody>
+                  <a:tcPr marL="68580" marR="68580" marT="0" marB="0"/>
+                </a:tc>
+                <a:extLst>
+                  <a:ext uri="{0D108BD9-81ED-4DB2-BD59-A6C34878D82A}">
+                    <a16:rowId xmlns:a16="http://schemas.microsoft.com/office/drawing/2014/main" val="1978760441"/>
+                  </a:ext>
+                </a:extLst>
+              </a:tr>
+              <a:tr h="487929">
+                <a:tc>
+                  <a:txBody>
+                    <a:bodyPr/>
+                    <a:lstStyle/>
+                    <a:p>
+                      <a:pPr algn="ctr">
+                        <a:lnSpc>
+                          <a:spcPct val="150000"/>
+                        </a:lnSpc>
+                        <a:spcAft>
+                          <a:spcPts val="800"/>
+                        </a:spcAft>
+                      </a:pPr>
+                      <a:r>
+                        <a:rPr lang="en-SG" sz="1800">
+                          <a:effectLst/>
+                          <a:latin typeface="Times New Roman" panose="02020603050405020304" pitchFamily="18" charset="0"/>
+                          <a:cs typeface="Times New Roman" panose="02020603050405020304" pitchFamily="18" charset="0"/>
+                        </a:rPr>
+                        <a:t>100</a:t>
+                      </a:r>
+                      <a:endParaRPr lang="en-SG" sz="1600">
+                        <a:effectLst/>
+                        <a:latin typeface="Times New Roman" panose="02020603050405020304" pitchFamily="18" charset="0"/>
+                        <a:ea typeface="Calibri" panose="020F0502020204030204" pitchFamily="34" charset="0"/>
+                        <a:cs typeface="Times New Roman" panose="02020603050405020304" pitchFamily="18" charset="0"/>
+                      </a:endParaRPr>
+                    </a:p>
+                  </a:txBody>
+                  <a:tcPr marL="68580" marR="68580" marT="0" marB="0"/>
+                </a:tc>
+                <a:tc>
+                  <a:txBody>
+                    <a:bodyPr/>
+                    <a:lstStyle/>
+                    <a:p>
+                      <a:pPr algn="ctr">
+                        <a:lnSpc>
+                          <a:spcPct val="150000"/>
+                        </a:lnSpc>
+                        <a:spcAft>
+                          <a:spcPts val="800"/>
+                        </a:spcAft>
+                      </a:pPr>
+                      <a:r>
+                        <a:rPr lang="en-SG" sz="1800" dirty="0">
+                          <a:effectLst/>
+                          <a:latin typeface="Times New Roman" panose="02020603050405020304" pitchFamily="18" charset="0"/>
+                          <a:cs typeface="Times New Roman" panose="02020603050405020304" pitchFamily="18" charset="0"/>
+                        </a:rPr>
+                        <a:t>72</a:t>
+                      </a:r>
+                      <a:endParaRPr lang="en-SG" sz="1600" dirty="0">
+                        <a:effectLst/>
+                        <a:latin typeface="Times New Roman" panose="02020603050405020304" pitchFamily="18" charset="0"/>
+                        <a:ea typeface="Calibri" panose="020F0502020204030204" pitchFamily="34" charset="0"/>
+                        <a:cs typeface="Times New Roman" panose="02020603050405020304" pitchFamily="18" charset="0"/>
+                      </a:endParaRPr>
+                    </a:p>
+                  </a:txBody>
+                  <a:tcPr marL="68580" marR="68580" marT="0" marB="0"/>
+                </a:tc>
+                <a:tc>
+                  <a:txBody>
+                    <a:bodyPr/>
+                    <a:lstStyle/>
+                    <a:p>
+                      <a:pPr algn="ctr">
+                        <a:lnSpc>
+                          <a:spcPct val="150000"/>
+                        </a:lnSpc>
+                        <a:spcAft>
+                          <a:spcPts val="800"/>
+                        </a:spcAft>
+                      </a:pPr>
+                      <a:r>
+                        <a:rPr lang="en-SG" sz="1800" dirty="0">
+                          <a:effectLst/>
+                          <a:latin typeface="Times New Roman" panose="02020603050405020304" pitchFamily="18" charset="0"/>
+                          <a:cs typeface="Times New Roman" panose="02020603050405020304" pitchFamily="18" charset="0"/>
+                        </a:rPr>
+                        <a:t>11</a:t>
+                      </a:r>
+                      <a:endParaRPr lang="en-SG" sz="1600" dirty="0">
+                        <a:effectLst/>
+                        <a:latin typeface="Times New Roman" panose="02020603050405020304" pitchFamily="18" charset="0"/>
+                        <a:ea typeface="Calibri" panose="020F0502020204030204" pitchFamily="34" charset="0"/>
+                        <a:cs typeface="Times New Roman" panose="02020603050405020304" pitchFamily="18" charset="0"/>
+                      </a:endParaRPr>
+                    </a:p>
+                  </a:txBody>
+                  <a:tcPr marL="68580" marR="68580" marT="0" marB="0"/>
+                </a:tc>
+                <a:tc>
+                  <a:txBody>
+                    <a:bodyPr/>
+                    <a:lstStyle/>
+                    <a:p>
+                      <a:pPr algn="ctr">
+                        <a:lnSpc>
+                          <a:spcPct val="150000"/>
+                        </a:lnSpc>
+                        <a:spcAft>
+                          <a:spcPts val="800"/>
+                        </a:spcAft>
+                      </a:pPr>
+                      <a:r>
+                        <a:rPr lang="en-SG" sz="1800">
+                          <a:effectLst/>
+                          <a:latin typeface="Times New Roman" panose="02020603050405020304" pitchFamily="18" charset="0"/>
+                          <a:cs typeface="Times New Roman" panose="02020603050405020304" pitchFamily="18" charset="0"/>
+                        </a:rPr>
+                        <a:t>7</a:t>
+                      </a:r>
+                      <a:endParaRPr lang="en-SG" sz="1600">
+                        <a:effectLst/>
+                        <a:latin typeface="Times New Roman" panose="02020603050405020304" pitchFamily="18" charset="0"/>
+                        <a:ea typeface="Calibri" panose="020F0502020204030204" pitchFamily="34" charset="0"/>
+                        <a:cs typeface="Times New Roman" panose="02020603050405020304" pitchFamily="18" charset="0"/>
+                      </a:endParaRPr>
+                    </a:p>
+                  </a:txBody>
+                  <a:tcPr marL="68580" marR="68580" marT="0" marB="0"/>
+                </a:tc>
+                <a:extLst>
+                  <a:ext uri="{0D108BD9-81ED-4DB2-BD59-A6C34878D82A}">
+                    <a16:rowId xmlns:a16="http://schemas.microsoft.com/office/drawing/2014/main" val="2841533773"/>
+                  </a:ext>
+                </a:extLst>
+              </a:tr>
+              <a:tr h="487929">
+                <a:tc>
+                  <a:txBody>
+                    <a:bodyPr/>
+                    <a:lstStyle/>
+                    <a:p>
+                      <a:pPr algn="ctr">
+                        <a:lnSpc>
+                          <a:spcPct val="150000"/>
+                        </a:lnSpc>
+                        <a:spcAft>
+                          <a:spcPts val="800"/>
+                        </a:spcAft>
+                      </a:pPr>
+                      <a:r>
+                        <a:rPr lang="en-SG" sz="1800">
+                          <a:effectLst/>
+                          <a:latin typeface="Times New Roman" panose="02020603050405020304" pitchFamily="18" charset="0"/>
+                          <a:cs typeface="Times New Roman" panose="02020603050405020304" pitchFamily="18" charset="0"/>
+                        </a:rPr>
+                        <a:t>250</a:t>
+                      </a:r>
+                      <a:endParaRPr lang="en-SG" sz="1600">
+                        <a:effectLst/>
+                        <a:latin typeface="Times New Roman" panose="02020603050405020304" pitchFamily="18" charset="0"/>
+                        <a:ea typeface="Calibri" panose="020F0502020204030204" pitchFamily="34" charset="0"/>
+                        <a:cs typeface="Times New Roman" panose="02020603050405020304" pitchFamily="18" charset="0"/>
+                      </a:endParaRPr>
+                    </a:p>
+                  </a:txBody>
+                  <a:tcPr marL="68580" marR="68580" marT="0" marB="0"/>
+                </a:tc>
+                <a:tc>
+                  <a:txBody>
+                    <a:bodyPr/>
+                    <a:lstStyle/>
+                    <a:p>
+                      <a:pPr algn="ctr">
+                        <a:lnSpc>
+                          <a:spcPct val="150000"/>
+                        </a:lnSpc>
+                        <a:spcAft>
+                          <a:spcPts val="800"/>
+                        </a:spcAft>
+                      </a:pPr>
+                      <a:r>
+                        <a:rPr lang="en-SG" sz="1800">
+                          <a:effectLst/>
+                          <a:latin typeface="Times New Roman" panose="02020603050405020304" pitchFamily="18" charset="0"/>
+                          <a:cs typeface="Times New Roman" panose="02020603050405020304" pitchFamily="18" charset="0"/>
+                        </a:rPr>
+                        <a:t>76</a:t>
+                      </a:r>
+                      <a:endParaRPr lang="en-SG" sz="1600">
+                        <a:effectLst/>
+                        <a:latin typeface="Times New Roman" panose="02020603050405020304" pitchFamily="18" charset="0"/>
+                        <a:ea typeface="Calibri" panose="020F0502020204030204" pitchFamily="34" charset="0"/>
+                        <a:cs typeface="Times New Roman" panose="02020603050405020304" pitchFamily="18" charset="0"/>
+                      </a:endParaRPr>
+                    </a:p>
+                  </a:txBody>
+                  <a:tcPr marL="68580" marR="68580" marT="0" marB="0"/>
+                </a:tc>
+                <a:tc>
+                  <a:txBody>
+                    <a:bodyPr/>
+                    <a:lstStyle/>
+                    <a:p>
+                      <a:pPr algn="ctr">
+                        <a:lnSpc>
+                          <a:spcPct val="150000"/>
+                        </a:lnSpc>
+                        <a:spcAft>
+                          <a:spcPts val="800"/>
+                        </a:spcAft>
+                      </a:pPr>
+                      <a:r>
+                        <a:rPr lang="en-SG" sz="1800">
+                          <a:effectLst/>
+                          <a:latin typeface="Times New Roman" panose="02020603050405020304" pitchFamily="18" charset="0"/>
+                          <a:cs typeface="Times New Roman" panose="02020603050405020304" pitchFamily="18" charset="0"/>
+                        </a:rPr>
+                        <a:t>11</a:t>
+                      </a:r>
+                      <a:endParaRPr lang="en-SG" sz="1600">
+                        <a:effectLst/>
+                        <a:latin typeface="Times New Roman" panose="02020603050405020304" pitchFamily="18" charset="0"/>
+                        <a:ea typeface="Calibri" panose="020F0502020204030204" pitchFamily="34" charset="0"/>
+                        <a:cs typeface="Times New Roman" panose="02020603050405020304" pitchFamily="18" charset="0"/>
+                      </a:endParaRPr>
+                    </a:p>
+                  </a:txBody>
+                  <a:tcPr marL="68580" marR="68580" marT="0" marB="0"/>
+                </a:tc>
+                <a:tc>
+                  <a:txBody>
+                    <a:bodyPr/>
+                    <a:lstStyle/>
+                    <a:p>
+                      <a:pPr algn="ctr">
+                        <a:lnSpc>
+                          <a:spcPct val="150000"/>
+                        </a:lnSpc>
+                        <a:spcAft>
+                          <a:spcPts val="800"/>
+                        </a:spcAft>
+                      </a:pPr>
+                      <a:r>
+                        <a:rPr lang="en-SG" sz="1800">
+                          <a:effectLst/>
+                          <a:latin typeface="Times New Roman" panose="02020603050405020304" pitchFamily="18" charset="0"/>
+                          <a:cs typeface="Times New Roman" panose="02020603050405020304" pitchFamily="18" charset="0"/>
+                        </a:rPr>
+                        <a:t>7</a:t>
+                      </a:r>
+                      <a:endParaRPr lang="en-SG" sz="1600">
+                        <a:effectLst/>
+                        <a:latin typeface="Times New Roman" panose="02020603050405020304" pitchFamily="18" charset="0"/>
+                        <a:ea typeface="Calibri" panose="020F0502020204030204" pitchFamily="34" charset="0"/>
+                        <a:cs typeface="Times New Roman" panose="02020603050405020304" pitchFamily="18" charset="0"/>
+                      </a:endParaRPr>
+                    </a:p>
+                  </a:txBody>
+                  <a:tcPr marL="68580" marR="68580" marT="0" marB="0"/>
+                </a:tc>
+                <a:extLst>
+                  <a:ext uri="{0D108BD9-81ED-4DB2-BD59-A6C34878D82A}">
+                    <a16:rowId xmlns:a16="http://schemas.microsoft.com/office/drawing/2014/main" val="2462366475"/>
+                  </a:ext>
+                </a:extLst>
+              </a:tr>
+              <a:tr h="487929">
+                <a:tc>
+                  <a:txBody>
+                    <a:bodyPr/>
+                    <a:lstStyle/>
+                    <a:p>
+                      <a:pPr algn="ctr">
+                        <a:lnSpc>
+                          <a:spcPct val="150000"/>
+                        </a:lnSpc>
+                        <a:spcAft>
+                          <a:spcPts val="800"/>
+                        </a:spcAft>
+                      </a:pPr>
+                      <a:r>
+                        <a:rPr lang="en-SG" sz="1800">
+                          <a:effectLst/>
+                          <a:latin typeface="Times New Roman" panose="02020603050405020304" pitchFamily="18" charset="0"/>
+                          <a:cs typeface="Times New Roman" panose="02020603050405020304" pitchFamily="18" charset="0"/>
+                        </a:rPr>
+                        <a:t>500</a:t>
+                      </a:r>
+                      <a:endParaRPr lang="en-SG" sz="1600">
+                        <a:effectLst/>
+                        <a:latin typeface="Times New Roman" panose="02020603050405020304" pitchFamily="18" charset="0"/>
+                        <a:ea typeface="Calibri" panose="020F0502020204030204" pitchFamily="34" charset="0"/>
+                        <a:cs typeface="Times New Roman" panose="02020603050405020304" pitchFamily="18" charset="0"/>
+                      </a:endParaRPr>
+                    </a:p>
+                  </a:txBody>
+                  <a:tcPr marL="68580" marR="68580" marT="0" marB="0"/>
+                </a:tc>
+                <a:tc>
+                  <a:txBody>
+                    <a:bodyPr/>
+                    <a:lstStyle/>
+                    <a:p>
+                      <a:pPr algn="ctr">
+                        <a:lnSpc>
+                          <a:spcPct val="150000"/>
+                        </a:lnSpc>
+                        <a:spcAft>
+                          <a:spcPts val="800"/>
+                        </a:spcAft>
+                      </a:pPr>
+                      <a:r>
+                        <a:rPr lang="en-SG" sz="1800">
+                          <a:effectLst/>
+                          <a:latin typeface="Times New Roman" panose="02020603050405020304" pitchFamily="18" charset="0"/>
+                          <a:cs typeface="Times New Roman" panose="02020603050405020304" pitchFamily="18" charset="0"/>
+                        </a:rPr>
+                        <a:t>87</a:t>
+                      </a:r>
+                      <a:endParaRPr lang="en-SG" sz="1600">
+                        <a:effectLst/>
+                        <a:latin typeface="Times New Roman" panose="02020603050405020304" pitchFamily="18" charset="0"/>
+                        <a:ea typeface="Calibri" panose="020F0502020204030204" pitchFamily="34" charset="0"/>
+                        <a:cs typeface="Times New Roman" panose="02020603050405020304" pitchFamily="18" charset="0"/>
+                      </a:endParaRPr>
+                    </a:p>
+                  </a:txBody>
+                  <a:tcPr marL="68580" marR="68580" marT="0" marB="0"/>
+                </a:tc>
+                <a:tc>
+                  <a:txBody>
+                    <a:bodyPr/>
+                    <a:lstStyle/>
+                    <a:p>
+                      <a:pPr algn="ctr">
+                        <a:lnSpc>
+                          <a:spcPct val="150000"/>
+                        </a:lnSpc>
+                        <a:spcAft>
+                          <a:spcPts val="800"/>
+                        </a:spcAft>
+                      </a:pPr>
+                      <a:r>
+                        <a:rPr lang="en-SG" sz="1800">
+                          <a:effectLst/>
+                          <a:latin typeface="Times New Roman" panose="02020603050405020304" pitchFamily="18" charset="0"/>
+                          <a:cs typeface="Times New Roman" panose="02020603050405020304" pitchFamily="18" charset="0"/>
+                        </a:rPr>
+                        <a:t>11</a:t>
+                      </a:r>
+                      <a:endParaRPr lang="en-SG" sz="1600">
+                        <a:effectLst/>
+                        <a:latin typeface="Times New Roman" panose="02020603050405020304" pitchFamily="18" charset="0"/>
+                        <a:ea typeface="Calibri" panose="020F0502020204030204" pitchFamily="34" charset="0"/>
+                        <a:cs typeface="Times New Roman" panose="02020603050405020304" pitchFamily="18" charset="0"/>
+                      </a:endParaRPr>
+                    </a:p>
+                  </a:txBody>
+                  <a:tcPr marL="68580" marR="68580" marT="0" marB="0"/>
+                </a:tc>
+                <a:tc>
+                  <a:txBody>
+                    <a:bodyPr/>
+                    <a:lstStyle/>
+                    <a:p>
+                      <a:pPr algn="ctr">
+                        <a:lnSpc>
+                          <a:spcPct val="150000"/>
+                        </a:lnSpc>
+                        <a:spcAft>
+                          <a:spcPts val="800"/>
+                        </a:spcAft>
+                      </a:pPr>
+                      <a:r>
+                        <a:rPr lang="en-SG" sz="1800" dirty="0">
+                          <a:effectLst/>
+                          <a:latin typeface="Times New Roman" panose="02020603050405020304" pitchFamily="18" charset="0"/>
+                          <a:cs typeface="Times New Roman" panose="02020603050405020304" pitchFamily="18" charset="0"/>
+                        </a:rPr>
+                        <a:t>7</a:t>
+                      </a:r>
+                      <a:endParaRPr lang="en-SG" sz="1600" dirty="0">
+                        <a:effectLst/>
+                        <a:latin typeface="Times New Roman" panose="02020603050405020304" pitchFamily="18" charset="0"/>
+                        <a:ea typeface="Calibri" panose="020F0502020204030204" pitchFamily="34" charset="0"/>
+                        <a:cs typeface="Times New Roman" panose="02020603050405020304" pitchFamily="18" charset="0"/>
+                      </a:endParaRPr>
+                    </a:p>
+                  </a:txBody>
+                  <a:tcPr marL="68580" marR="68580" marT="0" marB="0"/>
+                </a:tc>
+                <a:extLst>
+                  <a:ext uri="{0D108BD9-81ED-4DB2-BD59-A6C34878D82A}">
+                    <a16:rowId xmlns:a16="http://schemas.microsoft.com/office/drawing/2014/main" val="453663542"/>
+                  </a:ext>
+                </a:extLst>
+              </a:tr>
+            </a:tbl>
+          </a:graphicData>
+        </a:graphic>
+      </p:graphicFrame>
+    </p:spTree>
+    <p:extLst>
+      <p:ext uri="{BB962C8B-B14F-4D97-AF65-F5344CB8AC3E}">
+        <p14:creationId xmlns:p14="http://schemas.microsoft.com/office/powerpoint/2010/main" val="2172748190"/>
+      </p:ext>
+    </p:extLst>
+  </p:cSld>
+  <p:clrMapOvr>
+    <a:masterClrMapping/>
+  </p:clrMapOvr>
+  <mc:AlternateContent xmlns:mc="http://schemas.openxmlformats.org/markup-compatibility/2006" xmlns:p14="http://schemas.microsoft.com/office/powerpoint/2010/main">
+    <mc:Choice Requires="p14">
+      <p:transition spd="slow" p14:dur="2000" advTm="857"/>
+    </mc:Choice>
+    <mc:Fallback xmlns="">
+      <p:transition spd="slow" advTm="857"/>
+    </mc:Fallback>
+  </mc:AlternateContent>
+</p:sld>
+</file>
+
+<file path=ppt/slides/slide26.xml><?xml version="1.0" encoding="utf-8"?>
 <p:sld xmlns:a="http://schemas.openxmlformats.org/drawingml/2006/main" xmlns:r="http://schemas.openxmlformats.org/officeDocument/2006/relationships" xmlns:p="http://schemas.openxmlformats.org/presentationml/2006/main">
   <p:cSld>
     <p:spTree>
@@ -8026,7 +12874,7 @@
           <a:p>
             <a:fld id="{89227FBB-25E7-4C7E-8513-268B51BC1F29}" type="datetime1">
               <a:rPr lang="en-US" smtClean="0"/>
-              <a:t>8/29/2023</a:t>
+              <a:t>2/23/2024</a:t>
             </a:fld>
             <a:endParaRPr lang="en-US" dirty="0"/>
           </a:p>
@@ -8063,7 +12911,7 @@
                 <a:latin typeface="Times New Roman" panose="02020603050405020304" pitchFamily="18" charset="0"/>
                 <a:cs typeface="Times New Roman" panose="02020603050405020304" pitchFamily="18" charset="0"/>
               </a:rPr>
-              <a:t>17</a:t>
+              <a:t>26</a:t>
             </a:fld>
             <a:endParaRPr lang="en-US" sz="2800" b="1" dirty="0">
               <a:latin typeface="Times New Roman" panose="02020603050405020304" pitchFamily="18" charset="0"/>
@@ -8116,7 +12964,7 @@
         </p:nvSpPr>
         <p:spPr>
           <a:xfrm>
-            <a:off x="8247529" y="6084054"/>
+            <a:off x="8247529" y="5994404"/>
             <a:ext cx="3451411" cy="369332"/>
           </a:xfrm>
           <a:prstGeom prst="rect">
@@ -8205,7 +13053,7 @@
                 <a:latin typeface="Times New Roman" panose="02020603050405020304" pitchFamily="18" charset="0"/>
                 <a:cs typeface="Times New Roman" panose="02020603050405020304" pitchFamily="18" charset="0"/>
               </a:rPr>
-              <a:t>Fig 5. Packet delivery ratio(%)</a:t>
+              <a:t>Fig 7. Packet delivery ratio(%)</a:t>
             </a:r>
             <a:endParaRPr lang="en-SG" sz="2000" dirty="0">
               <a:latin typeface="Times New Roman" panose="02020603050405020304" pitchFamily="18" charset="0"/>
@@ -8267,7 +13115,7 @@
                 <a:latin typeface="Times New Roman" panose="02020603050405020304" pitchFamily="18" charset="0"/>
                 <a:cs typeface="Times New Roman" panose="02020603050405020304" pitchFamily="18" charset="0"/>
               </a:rPr>
-              <a:t>Fig 6. Packet loss(%)</a:t>
+              <a:t>Fig 8. Packet loss(%)</a:t>
             </a:r>
             <a:endParaRPr lang="en-SG" sz="2000" dirty="0">
               <a:latin typeface="Times New Roman" panose="02020603050405020304" pitchFamily="18" charset="0"/>
@@ -8348,10 +13196,18 @@
   <p:clrMapOvr>
     <a:masterClrMapping/>
   </p:clrMapOvr>
+  <mc:AlternateContent xmlns:mc="http://schemas.openxmlformats.org/markup-compatibility/2006" xmlns:p14="http://schemas.microsoft.com/office/powerpoint/2010/main">
+    <mc:Choice Requires="p14">
+      <p:transition spd="slow" p14:dur="2000" advTm="915"/>
+    </mc:Choice>
+    <mc:Fallback xmlns="">
+      <p:transition spd="slow" advTm="915"/>
+    </mc:Fallback>
+  </mc:AlternateContent>
 </p:sld>
 </file>
 
-<file path=ppt/slides/slide18.xml><?xml version="1.0" encoding="utf-8"?>
+<file path=ppt/slides/slide27.xml><?xml version="1.0" encoding="utf-8"?>
 <p:sld xmlns:a="http://schemas.openxmlformats.org/drawingml/2006/main" xmlns:r="http://schemas.openxmlformats.org/officeDocument/2006/relationships" xmlns:p="http://schemas.openxmlformats.org/presentationml/2006/main">
   <p:cSld>
     <p:spTree>
@@ -8391,7 +13247,7 @@
           <a:p>
             <a:fld id="{89227FBB-25E7-4C7E-8513-268B51BC1F29}" type="datetime1">
               <a:rPr lang="en-US" smtClean="0"/>
-              <a:t>8/29/2023</a:t>
+              <a:t>2/23/2024</a:t>
             </a:fld>
             <a:endParaRPr lang="en-US" dirty="0"/>
           </a:p>
@@ -8428,7 +13284,7 @@
                 <a:latin typeface="Times New Roman" panose="02020603050405020304" pitchFamily="18" charset="0"/>
                 <a:cs typeface="Times New Roman" panose="02020603050405020304" pitchFamily="18" charset="0"/>
               </a:rPr>
-              <a:t>18</a:t>
+              <a:t>27</a:t>
             </a:fld>
             <a:endParaRPr lang="en-US" sz="2800" b="1" dirty="0">
               <a:latin typeface="Times New Roman" panose="02020603050405020304" pitchFamily="18" charset="0"/>
@@ -8453,7 +13309,7 @@
         </p:nvSpPr>
         <p:spPr>
           <a:xfrm>
-            <a:off x="1992936" y="5103105"/>
+            <a:off x="1992936" y="5165860"/>
             <a:ext cx="4101280" cy="474528"/>
           </a:xfrm>
           <a:prstGeom prst="rect">
@@ -8490,7 +13346,7 @@
                 <a:latin typeface="Times New Roman" panose="02020603050405020304" pitchFamily="18" charset="0"/>
                 <a:cs typeface="Times New Roman" panose="02020603050405020304" pitchFamily="18" charset="0"/>
               </a:rPr>
-              <a:t>Fig 6. End-to-end delay(</a:t>
+              <a:t>Fig 9. End-to-end delay(</a:t>
             </a:r>
             <a:r>
               <a:rPr lang="en-US" sz="1800" dirty="0" err="1">
@@ -8529,7 +13385,7 @@
         </p:nvSpPr>
         <p:spPr>
           <a:xfrm>
-            <a:off x="7041849" y="5103105"/>
+            <a:off x="7041849" y="5183790"/>
             <a:ext cx="4101280" cy="474528"/>
           </a:xfrm>
           <a:prstGeom prst="rect">
@@ -8566,7 +13422,7 @@
                 <a:latin typeface="Times New Roman" panose="02020603050405020304" pitchFamily="18" charset="0"/>
                 <a:cs typeface="Times New Roman" panose="02020603050405020304" pitchFamily="18" charset="0"/>
               </a:rPr>
-              <a:t>Fig 7. Throughput(kbps)</a:t>
+              <a:t>Fig 10. Throughput(kbps)</a:t>
             </a:r>
             <a:endParaRPr lang="en-SG" sz="2000" dirty="0">
               <a:latin typeface="Times New Roman" panose="02020603050405020304" pitchFamily="18" charset="0"/>
@@ -8597,7 +13453,7 @@
         </p:blipFill>
         <p:spPr>
           <a:xfrm>
-            <a:off x="6854522" y="1776282"/>
+            <a:off x="6854522" y="1883862"/>
             <a:ext cx="4475933" cy="3055311"/>
           </a:xfrm>
           <a:prstGeom prst="rect">
@@ -8627,7 +13483,7 @@
         </p:blipFill>
         <p:spPr>
           <a:xfrm>
-            <a:off x="1361301" y="1687095"/>
+            <a:off x="1361301" y="1803640"/>
             <a:ext cx="4950180" cy="3144497"/>
           </a:xfrm>
           <a:prstGeom prst="rect">
@@ -8707,10 +13563,18 @@
   <p:clrMapOvr>
     <a:masterClrMapping/>
   </p:clrMapOvr>
+  <mc:AlternateContent xmlns:mc="http://schemas.openxmlformats.org/markup-compatibility/2006" xmlns:p14="http://schemas.microsoft.com/office/powerpoint/2010/main">
+    <mc:Choice Requires="p14">
+      <p:transition spd="slow" p14:dur="2000" advTm="805"/>
+    </mc:Choice>
+    <mc:Fallback xmlns="">
+      <p:transition spd="slow" advTm="805"/>
+    </mc:Fallback>
+  </mc:AlternateContent>
 </p:sld>
 </file>
 
-<file path=ppt/slides/slide19.xml><?xml version="1.0" encoding="utf-8"?>
+<file path=ppt/slides/slide28.xml><?xml version="1.0" encoding="utf-8"?>
 <p:sld xmlns:a="http://schemas.openxmlformats.org/drawingml/2006/main" xmlns:r="http://schemas.openxmlformats.org/officeDocument/2006/relationships" xmlns:p="http://schemas.openxmlformats.org/presentationml/2006/main">
   <p:cSld>
     <p:spTree>
@@ -8750,7 +13614,7 @@
           <a:p>
             <a:fld id="{89227FBB-25E7-4C7E-8513-268B51BC1F29}" type="datetime1">
               <a:rPr lang="en-US" smtClean="0"/>
-              <a:t>8/29/2023</a:t>
+              <a:t>2/23/2024</a:t>
             </a:fld>
             <a:endParaRPr lang="en-US" dirty="0"/>
           </a:p>
@@ -8787,7 +13651,7 @@
                 <a:latin typeface="Times New Roman" panose="02020603050405020304" pitchFamily="18" charset="0"/>
                 <a:cs typeface="Times New Roman" panose="02020603050405020304" pitchFamily="18" charset="0"/>
               </a:rPr>
-              <a:t>19</a:t>
+              <a:t>28</a:t>
             </a:fld>
             <a:endParaRPr lang="en-US" sz="3200" b="1" dirty="0">
               <a:latin typeface="Times New Roman" panose="02020603050405020304" pitchFamily="18" charset="0"/>
@@ -8946,7 +13810,7 @@
                 <a:latin typeface="Times New Roman" panose="02020603050405020304" pitchFamily="18" charset="0"/>
                 <a:cs typeface="Times New Roman" panose="02020603050405020304" pitchFamily="18" charset="0"/>
               </a:rPr>
-              <a:t>Fig – Work plan shows in Gantt chart</a:t>
+              <a:t>Fig 11– Work plan shows in Gantt chart</a:t>
             </a:r>
             <a:endParaRPr kumimoji="0" lang="en-US" altLang="en-US" sz="1600" i="0" u="none" strike="noStrike" cap="none" normalizeH="0" baseline="0" dirty="0">
               <a:ln>
@@ -8972,10 +13836,18 @@
   <p:clrMapOvr>
     <a:masterClrMapping/>
   </p:clrMapOvr>
+  <mc:AlternateContent xmlns:mc="http://schemas.openxmlformats.org/markup-compatibility/2006" xmlns:p14="http://schemas.microsoft.com/office/powerpoint/2010/main">
+    <mc:Choice Requires="p14">
+      <p:transition spd="slow" p14:dur="2000" advTm="2622"/>
+    </mc:Choice>
+    <mc:Fallback xmlns="">
+      <p:transition spd="slow" advTm="2622"/>
+    </mc:Fallback>
+  </mc:AlternateContent>
 </p:sld>
 </file>
 
-<file path=ppt/slides/slide2.xml><?xml version="1.0" encoding="utf-8"?>
+<file path=ppt/slides/slide29.xml><?xml version="1.0" encoding="utf-8"?>
 <p:sld xmlns:a="http://schemas.openxmlformats.org/drawingml/2006/main" xmlns:r="http://schemas.openxmlformats.org/officeDocument/2006/relationships" xmlns:p="http://schemas.openxmlformats.org/presentationml/2006/main">
   <p:cSld>
     <p:spTree>
@@ -8997,351 +13869,6 @@
           <p:cNvPr id="2" name="Title 1">
             <a:extLst>
               <a:ext uri="{FF2B5EF4-FFF2-40B4-BE49-F238E27FC236}">
-                <a16:creationId xmlns:a16="http://schemas.microsoft.com/office/drawing/2014/main" id="{F56A2ED9-2A06-D0C0-2777-F355E5447D99}"/>
-              </a:ext>
-            </a:extLst>
-          </p:cNvPr>
-          <p:cNvSpPr>
-            <a:spLocks noGrp="1"/>
-          </p:cNvSpPr>
-          <p:nvPr>
-            <p:ph type="title"/>
-          </p:nvPr>
-        </p:nvSpPr>
-        <p:spPr>
-          <a:xfrm>
-            <a:off x="1295400" y="484399"/>
-            <a:ext cx="9601200" cy="797856"/>
-          </a:xfrm>
-        </p:spPr>
-        <p:txBody>
-          <a:bodyPr>
-            <a:normAutofit/>
-          </a:bodyPr>
-          <a:lstStyle/>
-          <a:p>
-            <a:pPr algn="ctr"/>
-            <a:r>
-              <a:rPr lang="en-US" sz="4000" b="1" spc="300" dirty="0">
-                <a:latin typeface="Times New Roman" panose="02020603050405020304" pitchFamily="18" charset="0"/>
-                <a:cs typeface="Times New Roman" panose="02020603050405020304" pitchFamily="18" charset="0"/>
-              </a:rPr>
-              <a:t>Outlines</a:t>
-            </a:r>
-            <a:endParaRPr lang="en-SG" b="1" spc="300" dirty="0">
-              <a:latin typeface="Times New Roman" panose="02020603050405020304" pitchFamily="18" charset="0"/>
-              <a:cs typeface="Times New Roman" panose="02020603050405020304" pitchFamily="18" charset="0"/>
-            </a:endParaRPr>
-          </a:p>
-        </p:txBody>
-      </p:sp>
-      <p:sp>
-        <p:nvSpPr>
-          <p:cNvPr id="3" name="Content Placeholder 2">
-            <a:extLst>
-              <a:ext uri="{FF2B5EF4-FFF2-40B4-BE49-F238E27FC236}">
-                <a16:creationId xmlns:a16="http://schemas.microsoft.com/office/drawing/2014/main" id="{5EC63538-05C3-5EE8-5B41-D2FB9B76D928}"/>
-              </a:ext>
-            </a:extLst>
-          </p:cNvPr>
-          <p:cNvSpPr>
-            <a:spLocks noGrp="1"/>
-          </p:cNvSpPr>
-          <p:nvPr>
-            <p:ph idx="1"/>
-          </p:nvPr>
-        </p:nvSpPr>
-        <p:spPr>
-          <a:xfrm>
-            <a:off x="1390650" y="1363541"/>
-            <a:ext cx="9601200" cy="3800130"/>
-          </a:xfrm>
-        </p:spPr>
-        <p:txBody>
-          <a:bodyPr>
-            <a:normAutofit fontScale="92500" lnSpcReduction="20000"/>
-          </a:bodyPr>
-          <a:lstStyle/>
-          <a:p>
-            <a:r>
-              <a:rPr lang="en-US" sz="2400" dirty="0">
-                <a:latin typeface="Times New Roman" panose="02020603050405020304" pitchFamily="18" charset="0"/>
-                <a:cs typeface="Times New Roman" panose="02020603050405020304" pitchFamily="18" charset="0"/>
-              </a:rPr>
-              <a:t>Introduction</a:t>
-            </a:r>
-          </a:p>
-          <a:p>
-            <a:r>
-              <a:rPr lang="en-US" sz="2400" dirty="0">
-                <a:latin typeface="Times New Roman" panose="02020603050405020304" pitchFamily="18" charset="0"/>
-                <a:cs typeface="Times New Roman" panose="02020603050405020304" pitchFamily="18" charset="0"/>
-              </a:rPr>
-              <a:t>Related Works</a:t>
-            </a:r>
-          </a:p>
-          <a:p>
-            <a:r>
-              <a:rPr lang="en-US" sz="2400" dirty="0">
-                <a:latin typeface="Times New Roman" panose="02020603050405020304" pitchFamily="18" charset="0"/>
-                <a:cs typeface="Times New Roman" panose="02020603050405020304" pitchFamily="18" charset="0"/>
-              </a:rPr>
-              <a:t>Objectives</a:t>
-            </a:r>
-          </a:p>
-          <a:p>
-            <a:r>
-              <a:rPr lang="en-US" sz="2400" dirty="0">
-                <a:latin typeface="Times New Roman" panose="02020603050405020304" pitchFamily="18" charset="0"/>
-                <a:cs typeface="Times New Roman" panose="02020603050405020304" pitchFamily="18" charset="0"/>
-              </a:rPr>
-              <a:t>Contributions</a:t>
-            </a:r>
-          </a:p>
-          <a:p>
-            <a:r>
-              <a:rPr lang="en-US" sz="2400" dirty="0">
-                <a:latin typeface="Times New Roman" panose="02020603050405020304" pitchFamily="18" charset="0"/>
-                <a:cs typeface="Times New Roman" panose="02020603050405020304" pitchFamily="18" charset="0"/>
-              </a:rPr>
-              <a:t>Tools</a:t>
-            </a:r>
-          </a:p>
-          <a:p>
-            <a:r>
-              <a:rPr lang="en-US" sz="2400" dirty="0">
-                <a:latin typeface="Times New Roman" panose="02020603050405020304" pitchFamily="18" charset="0"/>
-                <a:cs typeface="Times New Roman" panose="02020603050405020304" pitchFamily="18" charset="0"/>
-              </a:rPr>
-              <a:t>Methodology</a:t>
-            </a:r>
-          </a:p>
-          <a:p>
-            <a:r>
-              <a:rPr lang="en-US" sz="2400" dirty="0">
-                <a:latin typeface="Times New Roman" panose="02020603050405020304" pitchFamily="18" charset="0"/>
-                <a:cs typeface="Times New Roman" panose="02020603050405020304" pitchFamily="18" charset="0"/>
-              </a:rPr>
-              <a:t>Proposed scheme</a:t>
-            </a:r>
-          </a:p>
-          <a:p>
-            <a:r>
-              <a:rPr lang="en-US" sz="2400" dirty="0">
-                <a:latin typeface="Times New Roman" panose="02020603050405020304" pitchFamily="18" charset="0"/>
-                <a:cs typeface="Times New Roman" panose="02020603050405020304" pitchFamily="18" charset="0"/>
-              </a:rPr>
-              <a:t>Result Analysis</a:t>
-            </a:r>
-          </a:p>
-          <a:p>
-            <a:r>
-              <a:rPr lang="en-US" sz="2400" dirty="0">
-                <a:latin typeface="Times New Roman" panose="02020603050405020304" pitchFamily="18" charset="0"/>
-                <a:cs typeface="Times New Roman" panose="02020603050405020304" pitchFamily="18" charset="0"/>
-              </a:rPr>
-              <a:t>Performance Evaluation</a:t>
-            </a:r>
-          </a:p>
-          <a:p>
-            <a:pPr marL="0" indent="0">
-              <a:buNone/>
-            </a:pPr>
-            <a:endParaRPr lang="en-US" sz="2400" dirty="0">
-              <a:latin typeface="Times New Roman" panose="02020603050405020304" pitchFamily="18" charset="0"/>
-              <a:cs typeface="Times New Roman" panose="02020603050405020304" pitchFamily="18" charset="0"/>
-            </a:endParaRPr>
-          </a:p>
-          <a:p>
-            <a:pPr marL="0" indent="0">
-              <a:buNone/>
-            </a:pPr>
-            <a:endParaRPr lang="en-US" sz="2400" dirty="0">
-              <a:latin typeface="Times New Roman" panose="02020603050405020304" pitchFamily="18" charset="0"/>
-              <a:cs typeface="Times New Roman" panose="02020603050405020304" pitchFamily="18" charset="0"/>
-            </a:endParaRPr>
-          </a:p>
-        </p:txBody>
-      </p:sp>
-      <p:sp>
-        <p:nvSpPr>
-          <p:cNvPr id="6" name="Date Placeholder 5">
-            <a:extLst>
-              <a:ext uri="{FF2B5EF4-FFF2-40B4-BE49-F238E27FC236}">
-                <a16:creationId xmlns:a16="http://schemas.microsoft.com/office/drawing/2014/main" id="{89B9A005-12BB-6757-303D-0E65B51498C5}"/>
-              </a:ext>
-            </a:extLst>
-          </p:cNvPr>
-          <p:cNvSpPr>
-            <a:spLocks noGrp="1"/>
-          </p:cNvSpPr>
-          <p:nvPr>
-            <p:ph type="dt" sz="half" idx="10"/>
-          </p:nvPr>
-        </p:nvSpPr>
-        <p:spPr/>
-        <p:txBody>
-          <a:bodyPr/>
-          <a:lstStyle/>
-          <a:p>
-            <a:fld id="{C14A1798-B586-47DD-8B95-FB72B2093A2A}" type="datetime1">
-              <a:rPr lang="en-US" smtClean="0"/>
-              <a:t>8/29/2023</a:t>
-            </a:fld>
-            <a:endParaRPr lang="en-US" dirty="0"/>
-          </a:p>
-        </p:txBody>
-      </p:sp>
-      <p:sp>
-        <p:nvSpPr>
-          <p:cNvPr id="5" name="Slide Number Placeholder 4">
-            <a:extLst>
-              <a:ext uri="{FF2B5EF4-FFF2-40B4-BE49-F238E27FC236}">
-                <a16:creationId xmlns:a16="http://schemas.microsoft.com/office/drawing/2014/main" id="{131BA4F6-5A39-D5BE-DEDE-BFA880DE7081}"/>
-              </a:ext>
-            </a:extLst>
-          </p:cNvPr>
-          <p:cNvSpPr>
-            <a:spLocks noGrp="1"/>
-          </p:cNvSpPr>
-          <p:nvPr>
-            <p:ph type="sldNum" sz="quarter" idx="12"/>
-          </p:nvPr>
-        </p:nvSpPr>
-        <p:spPr>
-          <a:xfrm>
-            <a:off x="4889014" y="6239436"/>
-            <a:ext cx="1596292" cy="404614"/>
-          </a:xfrm>
-        </p:spPr>
-        <p:txBody>
-          <a:bodyPr/>
-          <a:lstStyle/>
-          <a:p>
-            <a:fld id="{69E57DC2-970A-4B3E-BB1C-7A09969E49DF}" type="slidenum">
-              <a:rPr lang="en-US" sz="2800" b="1" smtClean="0">
-                <a:latin typeface="Times New Roman" panose="02020603050405020304" pitchFamily="18" charset="0"/>
-                <a:cs typeface="Times New Roman" panose="02020603050405020304" pitchFamily="18" charset="0"/>
-              </a:rPr>
-              <a:t>2</a:t>
-            </a:fld>
-            <a:endParaRPr lang="en-US" sz="2800" b="1" dirty="0">
-              <a:latin typeface="Times New Roman" panose="02020603050405020304" pitchFamily="18" charset="0"/>
-              <a:cs typeface="Times New Roman" panose="02020603050405020304" pitchFamily="18" charset="0"/>
-            </a:endParaRPr>
-          </a:p>
-        </p:txBody>
-      </p:sp>
-      <p:sp>
-        <p:nvSpPr>
-          <p:cNvPr id="4" name="Title 1">
-            <a:extLst>
-              <a:ext uri="{FF2B5EF4-FFF2-40B4-BE49-F238E27FC236}">
-                <a16:creationId xmlns:a16="http://schemas.microsoft.com/office/drawing/2014/main" id="{04F02D11-9756-9757-E297-D29F5C5920DA}"/>
-              </a:ext>
-            </a:extLst>
-          </p:cNvPr>
-          <p:cNvSpPr txBox="1">
-            <a:spLocks/>
-          </p:cNvSpPr>
-          <p:nvPr/>
-        </p:nvSpPr>
-        <p:spPr>
-          <a:xfrm>
-            <a:off x="1214717" y="5360295"/>
-            <a:ext cx="10636624" cy="797856"/>
-          </a:xfrm>
-          <a:prstGeom prst="rect">
-            <a:avLst/>
-          </a:prstGeom>
-        </p:spPr>
-        <p:txBody>
-          <a:bodyPr vert="horz" lIns="91440" tIns="45720" rIns="91440" bIns="45720" rtlCol="0" anchor="t">
-            <a:normAutofit/>
-          </a:bodyPr>
-          <a:lstStyle>
-            <a:lvl1pPr algn="l" defTabSz="914400" rtl="0" eaLnBrk="1" latinLnBrk="0" hangingPunct="1">
-              <a:lnSpc>
-                <a:spcPct val="89000"/>
-              </a:lnSpc>
-              <a:spcBef>
-                <a:spcPct val="0"/>
-              </a:spcBef>
-              <a:buNone/>
-              <a:defRPr sz="4400" kern="1200" baseline="0">
-                <a:solidFill>
-                  <a:schemeClr val="tx2"/>
-                </a:solidFill>
-                <a:latin typeface="+mj-lt"/>
-                <a:ea typeface="+mj-ea"/>
-                <a:cs typeface="+mj-cs"/>
-              </a:defRPr>
-            </a:lvl1pPr>
-          </a:lstStyle>
-          <a:p>
-            <a:r>
-              <a:rPr lang="en-US" sz="1800" dirty="0">
-                <a:latin typeface="Times New Roman" panose="02020603050405020304" pitchFamily="18" charset="0"/>
-                <a:cs typeface="Times New Roman" panose="02020603050405020304" pitchFamily="18" charset="0"/>
-              </a:rPr>
-              <a:t>Base paper: </a:t>
-            </a:r>
-            <a:r>
-              <a:rPr lang="en-US" sz="1800" dirty="0" err="1">
-                <a:latin typeface="Times New Roman" panose="02020603050405020304" pitchFamily="18" charset="0"/>
-                <a:cs typeface="Times New Roman" panose="02020603050405020304" pitchFamily="18" charset="0"/>
-              </a:rPr>
-              <a:t>Elbasher</a:t>
-            </a:r>
-            <a:r>
-              <a:rPr lang="en-US" sz="1800" dirty="0">
-                <a:latin typeface="Times New Roman" panose="02020603050405020304" pitchFamily="18" charset="0"/>
-                <a:cs typeface="Times New Roman" panose="02020603050405020304" pitchFamily="18" charset="0"/>
-              </a:rPr>
-              <a:t> et al. “Secure and reliable data forwarding using homomorphic encryption against blackhole attacks based on mobile ad hoc network”. JISA, 2020, 51, 102425</a:t>
-            </a:r>
-            <a:endParaRPr lang="en-SG" sz="2000" dirty="0">
-              <a:latin typeface="Times New Roman" panose="02020603050405020304" pitchFamily="18" charset="0"/>
-              <a:cs typeface="Times New Roman" panose="02020603050405020304" pitchFamily="18" charset="0"/>
-            </a:endParaRPr>
-          </a:p>
-        </p:txBody>
-      </p:sp>
-    </p:spTree>
-    <p:extLst>
-      <p:ext uri="{BB962C8B-B14F-4D97-AF65-F5344CB8AC3E}">
-        <p14:creationId xmlns:p14="http://schemas.microsoft.com/office/powerpoint/2010/main" val="4153223165"/>
-      </p:ext>
-    </p:extLst>
-  </p:cSld>
-  <p:clrMapOvr>
-    <a:masterClrMapping/>
-  </p:clrMapOvr>
-</p:sld>
-</file>
-
-<file path=ppt/slides/slide20.xml><?xml version="1.0" encoding="utf-8"?>
-<p:sld xmlns:a="http://schemas.openxmlformats.org/drawingml/2006/main" xmlns:r="http://schemas.openxmlformats.org/officeDocument/2006/relationships" xmlns:p="http://schemas.openxmlformats.org/presentationml/2006/main">
-  <p:cSld>
-    <p:spTree>
-      <p:nvGrpSpPr>
-        <p:cNvPr id="1" name=""/>
-        <p:cNvGrpSpPr/>
-        <p:nvPr/>
-      </p:nvGrpSpPr>
-      <p:grpSpPr>
-        <a:xfrm>
-          <a:off x="0" y="0"/>
-          <a:ext cx="0" cy="0"/>
-          <a:chOff x="0" y="0"/>
-          <a:chExt cx="0" cy="0"/>
-        </a:xfrm>
-      </p:grpSpPr>
-      <p:sp>
-        <p:nvSpPr>
-          <p:cNvPr id="2" name="Title 1">
-            <a:extLst>
-              <a:ext uri="{FF2B5EF4-FFF2-40B4-BE49-F238E27FC236}">
                 <a16:creationId xmlns:a16="http://schemas.microsoft.com/office/drawing/2014/main" id="{3C28F50C-F6AA-57EA-F3E2-6FE5FA101B26}"/>
               </a:ext>
             </a:extLst>
@@ -9422,6 +13949,15 @@
                 <a:latin typeface="Times New Roman" panose="02020603050405020304" pitchFamily="18" charset="0"/>
                 <a:cs typeface="Times New Roman" panose="02020603050405020304" pitchFamily="18" charset="0"/>
               </a:rPr>
+              <a:t>Node Authentication for Route Discovery</a:t>
+            </a:r>
+          </a:p>
+          <a:p>
+            <a:r>
+              <a:rPr lang="en-US" sz="2400" dirty="0">
+                <a:latin typeface="Times New Roman" panose="02020603050405020304" pitchFamily="18" charset="0"/>
+                <a:cs typeface="Times New Roman" panose="02020603050405020304" pitchFamily="18" charset="0"/>
+              </a:rPr>
               <a:t>Distributed Message Components</a:t>
             </a:r>
           </a:p>
@@ -9431,7 +13967,7 @@
                 <a:latin typeface="Times New Roman" panose="02020603050405020304" pitchFamily="18" charset="0"/>
                 <a:cs typeface="Times New Roman" panose="02020603050405020304" pitchFamily="18" charset="0"/>
               </a:rPr>
-              <a:t>Simulation Backed Advantages</a:t>
+              <a:t>Entire message can’t be revealed, a node get only a part of the message</a:t>
             </a:r>
           </a:p>
           <a:p>
@@ -9440,7 +13976,7 @@
                 <a:latin typeface="Times New Roman" panose="02020603050405020304" pitchFamily="18" charset="0"/>
                 <a:cs typeface="Times New Roman" panose="02020603050405020304" pitchFamily="18" charset="0"/>
               </a:rPr>
-              <a:t>High Success rate and Network Groups</a:t>
+              <a:t>High Success rate</a:t>
             </a:r>
             <a:endParaRPr lang="en-SG" sz="2400" dirty="0">
               <a:latin typeface="Times New Roman" panose="02020603050405020304" pitchFamily="18" charset="0"/>
@@ -9472,7 +14008,7 @@
           <a:p>
             <a:fld id="{F468D9F7-6BD5-4CCE-A562-57B964C028F0}" type="datetime1">
               <a:rPr lang="en-US" smtClean="0"/>
-              <a:t>8/29/2023</a:t>
+              <a:t>2/23/2024</a:t>
             </a:fld>
             <a:endParaRPr lang="en-US" dirty="0"/>
           </a:p>
@@ -9509,7 +14045,7 @@
                 <a:latin typeface="Times New Roman" panose="02020603050405020304" pitchFamily="18" charset="0"/>
                 <a:cs typeface="Times New Roman" panose="02020603050405020304" pitchFamily="18" charset="0"/>
               </a:rPr>
-              <a:t>20</a:t>
+              <a:t>29</a:t>
             </a:fld>
             <a:endParaRPr lang="en-US" sz="2800" b="1" dirty="0">
               <a:latin typeface="Times New Roman" panose="02020603050405020304" pitchFamily="18" charset="0"/>
@@ -9528,695 +14064,14 @@
   <p:clrMapOvr>
     <a:masterClrMapping/>
   </p:clrMapOvr>
-</p:sld>
-</file>
-
-<file path=ppt/slides/slide21.xml><?xml version="1.0" encoding="utf-8"?>
-<p:sld xmlns:a="http://schemas.openxmlformats.org/drawingml/2006/main" xmlns:r="http://schemas.openxmlformats.org/officeDocument/2006/relationships" xmlns:p="http://schemas.openxmlformats.org/presentationml/2006/main">
-  <p:cSld>
-    <p:spTree>
-      <p:nvGrpSpPr>
-        <p:cNvPr id="1" name=""/>
-        <p:cNvGrpSpPr/>
-        <p:nvPr/>
-      </p:nvGrpSpPr>
-      <p:grpSpPr>
-        <a:xfrm>
-          <a:off x="0" y="0"/>
-          <a:ext cx="0" cy="0"/>
-          <a:chOff x="0" y="0"/>
-          <a:chExt cx="0" cy="0"/>
-        </a:xfrm>
-      </p:grpSpPr>
-      <p:sp>
-        <p:nvSpPr>
-          <p:cNvPr id="2" name="Title 1">
-            <a:extLst>
-              <a:ext uri="{FF2B5EF4-FFF2-40B4-BE49-F238E27FC236}">
-                <a16:creationId xmlns:a16="http://schemas.microsoft.com/office/drawing/2014/main" id="{F9D01DE3-FCEC-E6A2-4D42-7A3AF14ACAD5}"/>
-              </a:ext>
-            </a:extLst>
-          </p:cNvPr>
-          <p:cNvSpPr>
-            <a:spLocks noGrp="1"/>
-          </p:cNvSpPr>
-          <p:nvPr>
-            <p:ph type="title"/>
-          </p:nvPr>
-        </p:nvSpPr>
-        <p:spPr>
-          <a:xfrm>
-            <a:off x="1371600" y="1160584"/>
-            <a:ext cx="9601200" cy="844061"/>
-          </a:xfrm>
-        </p:spPr>
-        <p:txBody>
-          <a:bodyPr>
-            <a:normAutofit/>
-          </a:bodyPr>
-          <a:lstStyle/>
-          <a:p>
-            <a:pPr algn="ctr"/>
-            <a:r>
-              <a:rPr lang="en-US" sz="4000" b="1" dirty="0">
-                <a:latin typeface="Times New Roman" panose="02020603050405020304" pitchFamily="18" charset="0"/>
-                <a:cs typeface="Times New Roman" panose="02020603050405020304" pitchFamily="18" charset="0"/>
-              </a:rPr>
-              <a:t>Future work</a:t>
-            </a:r>
-            <a:endParaRPr lang="en-SG" sz="4000" b="1" dirty="0">
-              <a:latin typeface="Times New Roman" panose="02020603050405020304" pitchFamily="18" charset="0"/>
-              <a:cs typeface="Times New Roman" panose="02020603050405020304" pitchFamily="18" charset="0"/>
-            </a:endParaRPr>
-          </a:p>
-        </p:txBody>
-      </p:sp>
-      <p:sp>
-        <p:nvSpPr>
-          <p:cNvPr id="3" name="Content Placeholder 2">
-            <a:extLst>
-              <a:ext uri="{FF2B5EF4-FFF2-40B4-BE49-F238E27FC236}">
-                <a16:creationId xmlns:a16="http://schemas.microsoft.com/office/drawing/2014/main" id="{789BF08A-A672-5140-8BC8-BFB0E4E96F6D}"/>
-              </a:ext>
-            </a:extLst>
-          </p:cNvPr>
-          <p:cNvSpPr>
-            <a:spLocks noGrp="1"/>
-          </p:cNvSpPr>
-          <p:nvPr>
-            <p:ph idx="1"/>
-          </p:nvPr>
-        </p:nvSpPr>
-        <p:spPr>
-          <a:xfrm>
-            <a:off x="1371600" y="2872154"/>
-            <a:ext cx="9601200" cy="2995246"/>
-          </a:xfrm>
-        </p:spPr>
-        <p:txBody>
-          <a:bodyPr>
-            <a:normAutofit/>
-          </a:bodyPr>
-          <a:lstStyle/>
-          <a:p>
-            <a:r>
-              <a:rPr lang="en-SG" sz="2400" dirty="0">
-                <a:latin typeface="Times New Roman" panose="02020603050405020304" pitchFamily="18" charset="0"/>
-                <a:cs typeface="Times New Roman" panose="02020603050405020304" pitchFamily="18" charset="0"/>
-              </a:rPr>
-              <a:t>End-to-End Delay Reduction</a:t>
-            </a:r>
-          </a:p>
-          <a:p>
-            <a:r>
-              <a:rPr lang="en-SG" sz="2400" dirty="0">
-                <a:latin typeface="Times New Roman" panose="02020603050405020304" pitchFamily="18" charset="0"/>
-                <a:cs typeface="Times New Roman" panose="02020603050405020304" pitchFamily="18" charset="0"/>
-              </a:rPr>
-              <a:t>Emergency Application Implementation</a:t>
-            </a:r>
-          </a:p>
-        </p:txBody>
-      </p:sp>
-      <p:sp>
-        <p:nvSpPr>
-          <p:cNvPr id="4" name="Date Placeholder 3">
-            <a:extLst>
-              <a:ext uri="{FF2B5EF4-FFF2-40B4-BE49-F238E27FC236}">
-                <a16:creationId xmlns:a16="http://schemas.microsoft.com/office/drawing/2014/main" id="{599FF725-1319-5C81-4A6E-62B32B8E10A8}"/>
-              </a:ext>
-            </a:extLst>
-          </p:cNvPr>
-          <p:cNvSpPr>
-            <a:spLocks noGrp="1"/>
-          </p:cNvSpPr>
-          <p:nvPr>
-            <p:ph type="dt" sz="half" idx="10"/>
-          </p:nvPr>
-        </p:nvSpPr>
-        <p:spPr/>
-        <p:txBody>
-          <a:bodyPr/>
-          <a:lstStyle/>
-          <a:p>
-            <a:fld id="{89227FBB-25E7-4C7E-8513-268B51BC1F29}" type="datetime1">
-              <a:rPr lang="en-US" smtClean="0"/>
-              <a:t>8/29/2023</a:t>
-            </a:fld>
-            <a:endParaRPr lang="en-US" dirty="0"/>
-          </a:p>
-        </p:txBody>
-      </p:sp>
-      <p:sp>
-        <p:nvSpPr>
-          <p:cNvPr id="5" name="Slide Number Placeholder 4">
-            <a:extLst>
-              <a:ext uri="{FF2B5EF4-FFF2-40B4-BE49-F238E27FC236}">
-                <a16:creationId xmlns:a16="http://schemas.microsoft.com/office/drawing/2014/main" id="{2EC4576E-3317-0A7D-A0CB-8CB6AE735ED5}"/>
-              </a:ext>
-            </a:extLst>
-          </p:cNvPr>
-          <p:cNvSpPr>
-            <a:spLocks noGrp="1"/>
-          </p:cNvSpPr>
-          <p:nvPr>
-            <p:ph type="sldNum" sz="quarter" idx="12"/>
-          </p:nvPr>
-        </p:nvSpPr>
-        <p:spPr>
-          <a:xfrm>
-            <a:off x="5009662" y="6251079"/>
-            <a:ext cx="1596292" cy="404614"/>
-          </a:xfrm>
-        </p:spPr>
-        <p:txBody>
-          <a:bodyPr/>
-          <a:lstStyle/>
-          <a:p>
-            <a:fld id="{69E57DC2-970A-4B3E-BB1C-7A09969E49DF}" type="slidenum">
-              <a:rPr lang="en-US" sz="2800" b="1" smtClean="0">
-                <a:latin typeface="Times New Roman" panose="02020603050405020304" pitchFamily="18" charset="0"/>
-                <a:cs typeface="Times New Roman" panose="02020603050405020304" pitchFamily="18" charset="0"/>
-              </a:rPr>
-              <a:t>21</a:t>
-            </a:fld>
-            <a:endParaRPr lang="en-US" sz="2800" b="1" dirty="0">
-              <a:latin typeface="Times New Roman" panose="02020603050405020304" pitchFamily="18" charset="0"/>
-              <a:cs typeface="Times New Roman" panose="02020603050405020304" pitchFamily="18" charset="0"/>
-            </a:endParaRPr>
-          </a:p>
-        </p:txBody>
-      </p:sp>
-    </p:spTree>
-    <p:extLst>
-      <p:ext uri="{BB962C8B-B14F-4D97-AF65-F5344CB8AC3E}">
-        <p14:creationId xmlns:p14="http://schemas.microsoft.com/office/powerpoint/2010/main" val="2777675724"/>
-      </p:ext>
-    </p:extLst>
-  </p:cSld>
-  <p:clrMapOvr>
-    <a:masterClrMapping/>
-  </p:clrMapOvr>
-</p:sld>
-</file>
-
-<file path=ppt/slides/slide22.xml><?xml version="1.0" encoding="utf-8"?>
-<p:sld xmlns:a="http://schemas.openxmlformats.org/drawingml/2006/main" xmlns:r="http://schemas.openxmlformats.org/officeDocument/2006/relationships" xmlns:p="http://schemas.openxmlformats.org/presentationml/2006/main">
-  <p:cSld>
-    <p:spTree>
-      <p:nvGrpSpPr>
-        <p:cNvPr id="1" name=""/>
-        <p:cNvGrpSpPr/>
-        <p:nvPr/>
-      </p:nvGrpSpPr>
-      <p:grpSpPr>
-        <a:xfrm>
-          <a:off x="0" y="0"/>
-          <a:ext cx="0" cy="0"/>
-          <a:chOff x="0" y="0"/>
-          <a:chExt cx="0" cy="0"/>
-        </a:xfrm>
-      </p:grpSpPr>
-      <p:sp>
-        <p:nvSpPr>
-          <p:cNvPr id="2" name="Title 1">
-            <a:extLst>
-              <a:ext uri="{FF2B5EF4-FFF2-40B4-BE49-F238E27FC236}">
-                <a16:creationId xmlns:a16="http://schemas.microsoft.com/office/drawing/2014/main" id="{DE23E47F-D9FA-F4BC-4F11-BB23A0385A82}"/>
-              </a:ext>
-            </a:extLst>
-          </p:cNvPr>
-          <p:cNvSpPr>
-            <a:spLocks noGrp="1"/>
-          </p:cNvSpPr>
-          <p:nvPr>
-            <p:ph type="title"/>
-          </p:nvPr>
-        </p:nvSpPr>
-        <p:spPr>
-          <a:xfrm>
-            <a:off x="1371600" y="665629"/>
-            <a:ext cx="9601200" cy="649941"/>
-          </a:xfrm>
-        </p:spPr>
-        <p:txBody>
-          <a:bodyPr/>
-          <a:lstStyle/>
-          <a:p>
-            <a:pPr algn="ctr"/>
-            <a:r>
-              <a:rPr lang="en-US" sz="4000" b="1" dirty="0">
-                <a:latin typeface="Times New Roman" panose="02020603050405020304" pitchFamily="18" charset="0"/>
-                <a:cs typeface="Times New Roman" panose="02020603050405020304" pitchFamily="18" charset="0"/>
-              </a:rPr>
-              <a:t>Reference</a:t>
-            </a:r>
-            <a:endParaRPr lang="en-SG" b="1" dirty="0">
-              <a:latin typeface="Times New Roman" panose="02020603050405020304" pitchFamily="18" charset="0"/>
-              <a:cs typeface="Times New Roman" panose="02020603050405020304" pitchFamily="18" charset="0"/>
-            </a:endParaRPr>
-          </a:p>
-        </p:txBody>
-      </p:sp>
-      <p:sp>
-        <p:nvSpPr>
-          <p:cNvPr id="3" name="Content Placeholder 2">
-            <a:extLst>
-              <a:ext uri="{FF2B5EF4-FFF2-40B4-BE49-F238E27FC236}">
-                <a16:creationId xmlns:a16="http://schemas.microsoft.com/office/drawing/2014/main" id="{B7475B8F-EE26-4911-B725-6F5BA7D047D6}"/>
-              </a:ext>
-            </a:extLst>
-          </p:cNvPr>
-          <p:cNvSpPr>
-            <a:spLocks noGrp="1"/>
-          </p:cNvSpPr>
-          <p:nvPr>
-            <p:ph idx="1"/>
-          </p:nvPr>
-        </p:nvSpPr>
-        <p:spPr>
-          <a:xfrm>
-            <a:off x="1371600" y="1443318"/>
-            <a:ext cx="9601200" cy="4679576"/>
-          </a:xfrm>
-        </p:spPr>
-        <p:txBody>
-          <a:bodyPr/>
-          <a:lstStyle/>
-          <a:p>
-            <a:pPr marL="457200" indent="-457200">
-              <a:buFont typeface="+mj-lt"/>
-              <a:buAutoNum type="arabicPeriod"/>
-            </a:pPr>
-            <a:r>
-              <a:rPr lang="en-SG" sz="1800" dirty="0">
-                <a:solidFill>
-                  <a:schemeClr val="tx1"/>
-                </a:solidFill>
-                <a:hlinkClick r:id="rId2">
-                  <a:extLst>
-                    <a:ext uri="{A12FA001-AC4F-418D-AE19-62706E023703}">
-                      <ahyp:hlinkClr xmlns:ahyp="http://schemas.microsoft.com/office/drawing/2018/hyperlinkcolor" val="tx"/>
-                    </a:ext>
-                  </a:extLst>
-                </a:hlinkClick>
-              </a:rPr>
-              <a:t>https://www.researchgate.net/publication/4183879_AODV_multipath_extension_using_source_route_lists_with_optimized_route_establishment</a:t>
-            </a:r>
-            <a:endParaRPr lang="en-SG" sz="1800" dirty="0">
-              <a:solidFill>
-                <a:schemeClr val="tx1"/>
-              </a:solidFill>
-            </a:endParaRPr>
-          </a:p>
-          <a:p>
-            <a:pPr marL="457200" indent="-457200">
-              <a:buFont typeface="+mj-lt"/>
-              <a:buAutoNum type="arabicPeriod"/>
-            </a:pPr>
-            <a:r>
-              <a:rPr lang="en-US" sz="1800" dirty="0">
-                <a:solidFill>
-                  <a:schemeClr val="tx1"/>
-                </a:solidFill>
-                <a:hlinkClick r:id="rId3">
-                  <a:extLst>
-                    <a:ext uri="{A12FA001-AC4F-418D-AE19-62706E023703}">
-                      <ahyp:hlinkClr xmlns:ahyp="http://schemas.microsoft.com/office/drawing/2018/hyperlinkcolor" val="tx"/>
-                    </a:ext>
-                  </a:extLst>
-                </a:hlinkClick>
-              </a:rPr>
-              <a:t>An Optimized Ad-hoc On-demand Multipath Distance Vector(AOMDV) Routing Protocol | Semantic Scholar</a:t>
-            </a:r>
-            <a:r>
-              <a:rPr lang="en-US" sz="1800" dirty="0">
-                <a:solidFill>
-                  <a:schemeClr val="tx1"/>
-                </a:solidFill>
-              </a:rPr>
-              <a:t> </a:t>
-            </a:r>
-          </a:p>
-          <a:p>
-            <a:pPr marL="457200" indent="-457200">
-              <a:buFont typeface="+mj-lt"/>
-              <a:buAutoNum type="arabicPeriod"/>
-            </a:pPr>
-            <a:r>
-              <a:rPr lang="en-US" sz="1800" dirty="0" err="1"/>
-              <a:t>Papadimitratos</a:t>
-            </a:r>
-            <a:r>
-              <a:rPr lang="en-US" sz="1800" dirty="0"/>
-              <a:t> P, Haas ZJ. Secure message transmission in mobile ad hoc networks. Ad Hoc </a:t>
-            </a:r>
-            <a:r>
-              <a:rPr lang="en-US" sz="1800" dirty="0" err="1"/>
-              <a:t>Netw</a:t>
-            </a:r>
-            <a:r>
-              <a:rPr lang="en-US" sz="1800" dirty="0"/>
-              <a:t> 2003;1:193–209. doi:10.1016/S1570-8705(03)00018-0.</a:t>
-            </a:r>
-          </a:p>
-          <a:p>
-            <a:pPr marL="457200" indent="-457200">
-              <a:buFont typeface="+mj-lt"/>
-              <a:buAutoNum type="arabicPeriod"/>
-            </a:pPr>
-            <a:r>
-              <a:rPr lang="en-SG" sz="1800" dirty="0"/>
-              <a:t>Lou W, Liu W, Fang Y. SPREAD: enhancing data confidentiality in mobile ad hoc networks. Proc IEEE INFOCOM 2004;4:2404–13. doi:10.1109/INFCOM.2004. 1354662.</a:t>
-            </a:r>
-          </a:p>
-          <a:p>
-            <a:pPr marL="457200" indent="-457200">
-              <a:buFont typeface="+mj-lt"/>
-              <a:buAutoNum type="arabicPeriod"/>
-            </a:pPr>
-            <a:r>
-              <a:rPr lang="en-SG" sz="1800" dirty="0" err="1"/>
-              <a:t>Wazid</a:t>
-            </a:r>
-            <a:r>
-              <a:rPr lang="en-SG" sz="1800" dirty="0"/>
-              <a:t> M, Kumar A. An efficient hybrid anomaly detection scheme using K-means clustering for wireless sensor networks. </a:t>
-            </a:r>
-            <a:r>
-              <a:rPr lang="en-SG" sz="1800" dirty="0" err="1"/>
-              <a:t>Wirel</a:t>
-            </a:r>
-            <a:r>
-              <a:rPr lang="en-SG" sz="1800" dirty="0"/>
-              <a:t> </a:t>
-            </a:r>
-            <a:r>
-              <a:rPr lang="en-SG" sz="1800" dirty="0" err="1"/>
-              <a:t>Pers</a:t>
-            </a:r>
-            <a:r>
-              <a:rPr lang="en-SG" sz="1800" dirty="0"/>
-              <a:t> </a:t>
-            </a:r>
-            <a:r>
-              <a:rPr lang="en-SG" sz="1800" dirty="0" err="1"/>
-              <a:t>Commun</a:t>
-            </a:r>
-            <a:r>
-              <a:rPr lang="en-SG" sz="1800" dirty="0"/>
-              <a:t> 2016;90:1971–2000. doi:10.1007/s11277-016-3433-3.</a:t>
-            </a:r>
-          </a:p>
-          <a:p>
-            <a:pPr marL="457200" indent="-457200">
-              <a:buFont typeface="+mj-lt"/>
-              <a:buAutoNum type="arabicPeriod"/>
-            </a:pPr>
-            <a:r>
-              <a:rPr lang="en-SG" sz="1800" dirty="0">
-                <a:effectLst/>
-                <a:latin typeface="Calibri" panose="020F0502020204030204" pitchFamily="34" charset="0"/>
-                <a:ea typeface="Calibri" panose="020F0502020204030204" pitchFamily="34" charset="0"/>
-                <a:cs typeface="Times New Roman" panose="02020603050405020304" pitchFamily="18" charset="0"/>
-              </a:rPr>
-              <a:t>J. P. T. V. </a:t>
-            </a:r>
-            <a:r>
-              <a:rPr lang="en-SG" sz="1800" dirty="0" err="1">
-                <a:effectLst/>
-                <a:latin typeface="Calibri" panose="020F0502020204030204" pitchFamily="34" charset="0"/>
-                <a:ea typeface="Calibri" panose="020F0502020204030204" pitchFamily="34" charset="0"/>
-                <a:cs typeface="Times New Roman" panose="02020603050405020304" pitchFamily="18" charset="0"/>
-              </a:rPr>
-              <a:t>Satav</a:t>
-            </a:r>
-            <a:r>
-              <a:rPr lang="en-SG" sz="1800" dirty="0">
-                <a:effectLst/>
-                <a:latin typeface="Calibri" panose="020F0502020204030204" pitchFamily="34" charset="0"/>
-                <a:ea typeface="Calibri" panose="020F0502020204030204" pitchFamily="34" charset="0"/>
-                <a:cs typeface="Times New Roman" panose="02020603050405020304" pitchFamily="18" charset="0"/>
-              </a:rPr>
-              <a:t> P, “Secure route selection mechanism in the presence of blackhole attack with </a:t>
-            </a:r>
-            <a:r>
-              <a:rPr lang="en-SG" sz="1800" dirty="0" err="1">
-                <a:effectLst/>
-                <a:latin typeface="Calibri" panose="020F0502020204030204" pitchFamily="34" charset="0"/>
-                <a:ea typeface="Calibri" panose="020F0502020204030204" pitchFamily="34" charset="0"/>
-                <a:cs typeface="Times New Roman" panose="02020603050405020304" pitchFamily="18" charset="0"/>
-              </a:rPr>
-              <a:t>aomdv</a:t>
-            </a:r>
-            <a:r>
-              <a:rPr lang="en-SG" sz="1800" dirty="0">
-                <a:effectLst/>
-                <a:latin typeface="Calibri" panose="020F0502020204030204" pitchFamily="34" charset="0"/>
-                <a:ea typeface="Calibri" panose="020F0502020204030204" pitchFamily="34" charset="0"/>
-                <a:cs typeface="Times New Roman" panose="02020603050405020304" pitchFamily="18" charset="0"/>
-              </a:rPr>
-              <a:t> routing algorithm,” </a:t>
-            </a:r>
-            <a:r>
-              <a:rPr lang="en-SG" sz="1800" i="1" dirty="0">
-                <a:effectLst/>
-                <a:latin typeface="Calibri" panose="020F0502020204030204" pitchFamily="34" charset="0"/>
-                <a:ea typeface="Calibri" panose="020F0502020204030204" pitchFamily="34" charset="0"/>
-                <a:cs typeface="Times New Roman" panose="02020603050405020304" pitchFamily="18" charset="0"/>
-              </a:rPr>
-              <a:t>fourth international conference on computing communication control and automation., </a:t>
-            </a:r>
-            <a:r>
-              <a:rPr lang="en-SG" sz="1800" dirty="0">
-                <a:effectLst/>
-                <a:latin typeface="Calibri" panose="020F0502020204030204" pitchFamily="34" charset="0"/>
-                <a:ea typeface="Calibri" panose="020F0502020204030204" pitchFamily="34" charset="0"/>
-                <a:cs typeface="Times New Roman" panose="02020603050405020304" pitchFamily="18" charset="0"/>
-              </a:rPr>
-              <a:t>2018.</a:t>
-            </a:r>
-            <a:endParaRPr lang="en-SG" sz="1800" dirty="0"/>
-          </a:p>
-          <a:p>
-            <a:pPr marL="457200" indent="-457200">
-              <a:buFont typeface="+mj-lt"/>
-              <a:buAutoNum type="arabicPeriod"/>
-            </a:pPr>
-            <a:endParaRPr lang="en-SG" dirty="0"/>
-          </a:p>
-        </p:txBody>
-      </p:sp>
-      <p:sp>
-        <p:nvSpPr>
-          <p:cNvPr id="6" name="Date Placeholder 5">
-            <a:extLst>
-              <a:ext uri="{FF2B5EF4-FFF2-40B4-BE49-F238E27FC236}">
-                <a16:creationId xmlns:a16="http://schemas.microsoft.com/office/drawing/2014/main" id="{742B94F9-CA13-7534-2248-8FD6F7AED545}"/>
-              </a:ext>
-            </a:extLst>
-          </p:cNvPr>
-          <p:cNvSpPr>
-            <a:spLocks noGrp="1"/>
-          </p:cNvSpPr>
-          <p:nvPr>
-            <p:ph type="dt" sz="half" idx="10"/>
-          </p:nvPr>
-        </p:nvSpPr>
-        <p:spPr/>
-        <p:txBody>
-          <a:bodyPr/>
-          <a:lstStyle/>
-          <a:p>
-            <a:fld id="{80DC2995-04AD-4914-8D00-7D7EBF2C7639}" type="datetime1">
-              <a:rPr lang="en-US" smtClean="0"/>
-              <a:t>8/29/2023</a:t>
-            </a:fld>
-            <a:endParaRPr lang="en-US" dirty="0"/>
-          </a:p>
-        </p:txBody>
-      </p:sp>
-      <p:sp>
-        <p:nvSpPr>
-          <p:cNvPr id="5" name="Slide Number Placeholder 4">
-            <a:extLst>
-              <a:ext uri="{FF2B5EF4-FFF2-40B4-BE49-F238E27FC236}">
-                <a16:creationId xmlns:a16="http://schemas.microsoft.com/office/drawing/2014/main" id="{308540B9-84EF-6343-B21D-FA4E28882A8B}"/>
-              </a:ext>
-            </a:extLst>
-          </p:cNvPr>
-          <p:cNvSpPr>
-            <a:spLocks noGrp="1"/>
-          </p:cNvSpPr>
-          <p:nvPr>
-            <p:ph type="sldNum" sz="quarter" idx="12"/>
-          </p:nvPr>
-        </p:nvSpPr>
-        <p:spPr>
-          <a:xfrm>
-            <a:off x="4962770" y="6233494"/>
-            <a:ext cx="1596292" cy="404614"/>
-          </a:xfrm>
-        </p:spPr>
-        <p:txBody>
-          <a:bodyPr/>
-          <a:lstStyle/>
-          <a:p>
-            <a:fld id="{69E57DC2-970A-4B3E-BB1C-7A09969E49DF}" type="slidenum">
-              <a:rPr lang="en-US" sz="2800" b="1" smtClean="0">
-                <a:latin typeface="Times New Roman" panose="02020603050405020304" pitchFamily="18" charset="0"/>
-                <a:cs typeface="Times New Roman" panose="02020603050405020304" pitchFamily="18" charset="0"/>
-              </a:rPr>
-              <a:t>22</a:t>
-            </a:fld>
-            <a:endParaRPr lang="en-US" sz="2800" b="1" dirty="0">
-              <a:latin typeface="Times New Roman" panose="02020603050405020304" pitchFamily="18" charset="0"/>
-              <a:cs typeface="Times New Roman" panose="02020603050405020304" pitchFamily="18" charset="0"/>
-            </a:endParaRPr>
-          </a:p>
-        </p:txBody>
-      </p:sp>
-    </p:spTree>
-    <p:extLst>
-      <p:ext uri="{BB962C8B-B14F-4D97-AF65-F5344CB8AC3E}">
-        <p14:creationId xmlns:p14="http://schemas.microsoft.com/office/powerpoint/2010/main" val="2842471047"/>
-      </p:ext>
-    </p:extLst>
-  </p:cSld>
-  <p:clrMapOvr>
-    <a:masterClrMapping/>
-  </p:clrMapOvr>
-</p:sld>
-</file>
-
-<file path=ppt/slides/slide23.xml><?xml version="1.0" encoding="utf-8"?>
-<p:sld xmlns:a="http://schemas.openxmlformats.org/drawingml/2006/main" xmlns:r="http://schemas.openxmlformats.org/officeDocument/2006/relationships" xmlns:p="http://schemas.openxmlformats.org/presentationml/2006/main">
-  <p:cSld>
-    <p:spTree>
-      <p:nvGrpSpPr>
-        <p:cNvPr id="1" name=""/>
-        <p:cNvGrpSpPr/>
-        <p:nvPr/>
-      </p:nvGrpSpPr>
-      <p:grpSpPr>
-        <a:xfrm>
-          <a:off x="0" y="0"/>
-          <a:ext cx="0" cy="0"/>
-          <a:chOff x="0" y="0"/>
-          <a:chExt cx="0" cy="0"/>
-        </a:xfrm>
-      </p:grpSpPr>
-      <p:sp>
-        <p:nvSpPr>
-          <p:cNvPr id="2" name="Title 1">
-            <a:extLst>
-              <a:ext uri="{FF2B5EF4-FFF2-40B4-BE49-F238E27FC236}">
-                <a16:creationId xmlns:a16="http://schemas.microsoft.com/office/drawing/2014/main" id="{5F40481B-B477-1ABC-9FCC-8CF10E95FCE3}"/>
-              </a:ext>
-            </a:extLst>
-          </p:cNvPr>
-          <p:cNvSpPr>
-            <a:spLocks noGrp="1"/>
-          </p:cNvSpPr>
-          <p:nvPr>
-            <p:ph type="title"/>
-          </p:nvPr>
-        </p:nvSpPr>
-        <p:spPr>
-          <a:xfrm>
-            <a:off x="1568823" y="2686050"/>
-            <a:ext cx="9601200" cy="1485900"/>
-          </a:xfrm>
-        </p:spPr>
-        <p:txBody>
-          <a:bodyPr>
-            <a:normAutofit/>
-          </a:bodyPr>
-          <a:lstStyle/>
-          <a:p>
-            <a:pPr algn="ctr"/>
-            <a:r>
-              <a:rPr lang="en-US" sz="8800" dirty="0">
-                <a:latin typeface="Times New Roman" panose="02020603050405020304" pitchFamily="18" charset="0"/>
-                <a:cs typeface="Times New Roman" panose="02020603050405020304" pitchFamily="18" charset="0"/>
-              </a:rPr>
-              <a:t>Thank You</a:t>
-            </a:r>
-            <a:endParaRPr lang="en-SG" sz="8800" dirty="0">
-              <a:latin typeface="Times New Roman" panose="02020603050405020304" pitchFamily="18" charset="0"/>
-              <a:cs typeface="Times New Roman" panose="02020603050405020304" pitchFamily="18" charset="0"/>
-            </a:endParaRPr>
-          </a:p>
-        </p:txBody>
-      </p:sp>
-      <p:sp>
-        <p:nvSpPr>
-          <p:cNvPr id="3" name="Date Placeholder 2">
-            <a:extLst>
-              <a:ext uri="{FF2B5EF4-FFF2-40B4-BE49-F238E27FC236}">
-                <a16:creationId xmlns:a16="http://schemas.microsoft.com/office/drawing/2014/main" id="{FC597560-9745-4941-720F-63DE94835AA3}"/>
-              </a:ext>
-            </a:extLst>
-          </p:cNvPr>
-          <p:cNvSpPr>
-            <a:spLocks noGrp="1"/>
-          </p:cNvSpPr>
-          <p:nvPr>
-            <p:ph type="dt" sz="half" idx="10"/>
-          </p:nvPr>
-        </p:nvSpPr>
-        <p:spPr/>
-        <p:txBody>
-          <a:bodyPr/>
-          <a:lstStyle/>
-          <a:p>
-            <a:fld id="{8A8D6B37-BDF5-45A4-8320-A622B5E0CC39}" type="datetime1">
-              <a:rPr lang="en-US" smtClean="0"/>
-              <a:t>8/29/2023</a:t>
-            </a:fld>
-            <a:endParaRPr lang="en-US" dirty="0"/>
-          </a:p>
-        </p:txBody>
-      </p:sp>
-      <p:sp>
-        <p:nvSpPr>
-          <p:cNvPr id="4" name="Slide Number Placeholder 3">
-            <a:extLst>
-              <a:ext uri="{FF2B5EF4-FFF2-40B4-BE49-F238E27FC236}">
-                <a16:creationId xmlns:a16="http://schemas.microsoft.com/office/drawing/2014/main" id="{132E46D6-1215-4BD9-2EA5-630BBCBA7D61}"/>
-              </a:ext>
-            </a:extLst>
-          </p:cNvPr>
-          <p:cNvSpPr>
-            <a:spLocks noGrp="1"/>
-          </p:cNvSpPr>
-          <p:nvPr>
-            <p:ph type="sldNum" sz="quarter" idx="12"/>
-          </p:nvPr>
-        </p:nvSpPr>
-        <p:spPr/>
-        <p:txBody>
-          <a:bodyPr/>
-          <a:lstStyle/>
-          <a:p>
-            <a:fld id="{69E57DC2-970A-4B3E-BB1C-7A09969E49DF}" type="slidenum">
-              <a:rPr lang="en-US" smtClean="0"/>
-              <a:t>23</a:t>
-            </a:fld>
-            <a:endParaRPr lang="en-US" dirty="0"/>
-          </a:p>
-        </p:txBody>
-      </p:sp>
-    </p:spTree>
-    <p:extLst>
-      <p:ext uri="{BB962C8B-B14F-4D97-AF65-F5344CB8AC3E}">
-        <p14:creationId xmlns:p14="http://schemas.microsoft.com/office/powerpoint/2010/main" val="1099920055"/>
-      </p:ext>
-    </p:extLst>
-  </p:cSld>
-  <p:clrMapOvr>
-    <a:masterClrMapping/>
-  </p:clrMapOvr>
+  <mc:AlternateContent xmlns:mc="http://schemas.openxmlformats.org/markup-compatibility/2006" xmlns:p14="http://schemas.microsoft.com/office/powerpoint/2010/main">
+    <mc:Choice Requires="p14">
+      <p:transition spd="slow" p14:dur="2000" advTm="1972"/>
+    </mc:Choice>
+    <mc:Fallback xmlns="">
+      <p:transition spd="slow" advTm="1972"/>
+    </mc:Fallback>
+  </mc:AlternateContent>
 </p:sld>
 </file>
 
@@ -10449,7 +14304,7 @@
           <a:p>
             <a:fld id="{7225D2A2-9FF5-44C0-8A4F-0C650FEDC595}" type="datetime1">
               <a:rPr lang="en-US" smtClean="0"/>
-              <a:t>8/29/2023</a:t>
+              <a:t>2/23/2024</a:t>
             </a:fld>
             <a:endParaRPr lang="en-US" dirty="0"/>
           </a:p>
@@ -10829,6 +14684,727 @@
   <p:clrMapOvr>
     <a:masterClrMapping/>
   </p:clrMapOvr>
+  <mc:AlternateContent xmlns:mc="http://schemas.openxmlformats.org/markup-compatibility/2006">
+    <mc:Choice xmlns:p14="http://schemas.microsoft.com/office/powerpoint/2010/main" Requires="p14">
+      <p:transition spd="slow" p14:dur="2000" advTm="232"/>
+    </mc:Choice>
+    <mc:Fallback>
+      <p:transition spd="slow" advTm="232"/>
+    </mc:Fallback>
+  </mc:AlternateContent>
+</p:sld>
+</file>
+
+<file path=ppt/slides/slide30.xml><?xml version="1.0" encoding="utf-8"?>
+<p:sld xmlns:a="http://schemas.openxmlformats.org/drawingml/2006/main" xmlns:r="http://schemas.openxmlformats.org/officeDocument/2006/relationships" xmlns:p="http://schemas.openxmlformats.org/presentationml/2006/main">
+  <p:cSld>
+    <p:spTree>
+      <p:nvGrpSpPr>
+        <p:cNvPr id="1" name=""/>
+        <p:cNvGrpSpPr/>
+        <p:nvPr/>
+      </p:nvGrpSpPr>
+      <p:grpSpPr>
+        <a:xfrm>
+          <a:off x="0" y="0"/>
+          <a:ext cx="0" cy="0"/>
+          <a:chOff x="0" y="0"/>
+          <a:chExt cx="0" cy="0"/>
+        </a:xfrm>
+      </p:grpSpPr>
+      <p:sp>
+        <p:nvSpPr>
+          <p:cNvPr id="2" name="Title 1">
+            <a:extLst>
+              <a:ext uri="{FF2B5EF4-FFF2-40B4-BE49-F238E27FC236}">
+                <a16:creationId xmlns:a16="http://schemas.microsoft.com/office/drawing/2014/main" id="{F9D01DE3-FCEC-E6A2-4D42-7A3AF14ACAD5}"/>
+              </a:ext>
+            </a:extLst>
+          </p:cNvPr>
+          <p:cNvSpPr>
+            <a:spLocks noGrp="1"/>
+          </p:cNvSpPr>
+          <p:nvPr>
+            <p:ph type="title"/>
+          </p:nvPr>
+        </p:nvSpPr>
+        <p:spPr>
+          <a:xfrm>
+            <a:off x="1371600" y="1160584"/>
+            <a:ext cx="9601200" cy="844061"/>
+          </a:xfrm>
+        </p:spPr>
+        <p:txBody>
+          <a:bodyPr>
+            <a:normAutofit/>
+          </a:bodyPr>
+          <a:lstStyle/>
+          <a:p>
+            <a:pPr algn="ctr"/>
+            <a:r>
+              <a:rPr lang="en-US" sz="4000" b="1" dirty="0">
+                <a:latin typeface="Times New Roman" panose="02020603050405020304" pitchFamily="18" charset="0"/>
+                <a:cs typeface="Times New Roman" panose="02020603050405020304" pitchFamily="18" charset="0"/>
+              </a:rPr>
+              <a:t>Future work</a:t>
+            </a:r>
+            <a:endParaRPr lang="en-SG" sz="4000" b="1" dirty="0">
+              <a:latin typeface="Times New Roman" panose="02020603050405020304" pitchFamily="18" charset="0"/>
+              <a:cs typeface="Times New Roman" panose="02020603050405020304" pitchFamily="18" charset="0"/>
+            </a:endParaRPr>
+          </a:p>
+        </p:txBody>
+      </p:sp>
+      <p:sp>
+        <p:nvSpPr>
+          <p:cNvPr id="3" name="Content Placeholder 2">
+            <a:extLst>
+              <a:ext uri="{FF2B5EF4-FFF2-40B4-BE49-F238E27FC236}">
+                <a16:creationId xmlns:a16="http://schemas.microsoft.com/office/drawing/2014/main" id="{789BF08A-A672-5140-8BC8-BFB0E4E96F6D}"/>
+              </a:ext>
+            </a:extLst>
+          </p:cNvPr>
+          <p:cNvSpPr>
+            <a:spLocks noGrp="1"/>
+          </p:cNvSpPr>
+          <p:nvPr>
+            <p:ph idx="1"/>
+          </p:nvPr>
+        </p:nvSpPr>
+        <p:spPr>
+          <a:xfrm>
+            <a:off x="1371600" y="2872154"/>
+            <a:ext cx="9601200" cy="2995246"/>
+          </a:xfrm>
+        </p:spPr>
+        <p:txBody>
+          <a:bodyPr>
+            <a:normAutofit/>
+          </a:bodyPr>
+          <a:lstStyle/>
+          <a:p>
+            <a:r>
+              <a:rPr lang="en-SG" sz="2400" dirty="0">
+                <a:latin typeface="Times New Roman" panose="02020603050405020304" pitchFamily="18" charset="0"/>
+                <a:cs typeface="Times New Roman" panose="02020603050405020304" pitchFamily="18" charset="0"/>
+              </a:rPr>
+              <a:t>End-to-End Delay Reduction</a:t>
+            </a:r>
+          </a:p>
+          <a:p>
+            <a:r>
+              <a:rPr lang="en-SG" sz="2400" dirty="0">
+                <a:latin typeface="Times New Roman" panose="02020603050405020304" pitchFamily="18" charset="0"/>
+                <a:cs typeface="Times New Roman" panose="02020603050405020304" pitchFamily="18" charset="0"/>
+              </a:rPr>
+              <a:t>Emergency Application Implementation for real life simulation.</a:t>
+            </a:r>
+          </a:p>
+        </p:txBody>
+      </p:sp>
+      <p:sp>
+        <p:nvSpPr>
+          <p:cNvPr id="4" name="Date Placeholder 3">
+            <a:extLst>
+              <a:ext uri="{FF2B5EF4-FFF2-40B4-BE49-F238E27FC236}">
+                <a16:creationId xmlns:a16="http://schemas.microsoft.com/office/drawing/2014/main" id="{599FF725-1319-5C81-4A6E-62B32B8E10A8}"/>
+              </a:ext>
+            </a:extLst>
+          </p:cNvPr>
+          <p:cNvSpPr>
+            <a:spLocks noGrp="1"/>
+          </p:cNvSpPr>
+          <p:nvPr>
+            <p:ph type="dt" sz="half" idx="10"/>
+          </p:nvPr>
+        </p:nvSpPr>
+        <p:spPr/>
+        <p:txBody>
+          <a:bodyPr/>
+          <a:lstStyle/>
+          <a:p>
+            <a:fld id="{89227FBB-25E7-4C7E-8513-268B51BC1F29}" type="datetime1">
+              <a:rPr lang="en-US" smtClean="0"/>
+              <a:t>2/23/2024</a:t>
+            </a:fld>
+            <a:endParaRPr lang="en-US" dirty="0"/>
+          </a:p>
+        </p:txBody>
+      </p:sp>
+      <p:sp>
+        <p:nvSpPr>
+          <p:cNvPr id="5" name="Slide Number Placeholder 4">
+            <a:extLst>
+              <a:ext uri="{FF2B5EF4-FFF2-40B4-BE49-F238E27FC236}">
+                <a16:creationId xmlns:a16="http://schemas.microsoft.com/office/drawing/2014/main" id="{2EC4576E-3317-0A7D-A0CB-8CB6AE735ED5}"/>
+              </a:ext>
+            </a:extLst>
+          </p:cNvPr>
+          <p:cNvSpPr>
+            <a:spLocks noGrp="1"/>
+          </p:cNvSpPr>
+          <p:nvPr>
+            <p:ph type="sldNum" sz="quarter" idx="12"/>
+          </p:nvPr>
+        </p:nvSpPr>
+        <p:spPr>
+          <a:xfrm>
+            <a:off x="5009662" y="6251079"/>
+            <a:ext cx="1596292" cy="404614"/>
+          </a:xfrm>
+        </p:spPr>
+        <p:txBody>
+          <a:bodyPr/>
+          <a:lstStyle/>
+          <a:p>
+            <a:fld id="{69E57DC2-970A-4B3E-BB1C-7A09969E49DF}" type="slidenum">
+              <a:rPr lang="en-US" sz="2800" b="1" smtClean="0">
+                <a:latin typeface="Times New Roman" panose="02020603050405020304" pitchFamily="18" charset="0"/>
+                <a:cs typeface="Times New Roman" panose="02020603050405020304" pitchFamily="18" charset="0"/>
+              </a:rPr>
+              <a:t>30</a:t>
+            </a:fld>
+            <a:endParaRPr lang="en-US" sz="2800" b="1" dirty="0">
+              <a:latin typeface="Times New Roman" panose="02020603050405020304" pitchFamily="18" charset="0"/>
+              <a:cs typeface="Times New Roman" panose="02020603050405020304" pitchFamily="18" charset="0"/>
+            </a:endParaRPr>
+          </a:p>
+        </p:txBody>
+      </p:sp>
+    </p:spTree>
+    <p:extLst>
+      <p:ext uri="{BB962C8B-B14F-4D97-AF65-F5344CB8AC3E}">
+        <p14:creationId xmlns:p14="http://schemas.microsoft.com/office/powerpoint/2010/main" val="2777675724"/>
+      </p:ext>
+    </p:extLst>
+  </p:cSld>
+  <p:clrMapOvr>
+    <a:masterClrMapping/>
+  </p:clrMapOvr>
+  <mc:AlternateContent xmlns:mc="http://schemas.openxmlformats.org/markup-compatibility/2006" xmlns:p14="http://schemas.microsoft.com/office/powerpoint/2010/main">
+    <mc:Choice Requires="p14">
+      <p:transition spd="slow" p14:dur="2000" advTm="2628"/>
+    </mc:Choice>
+    <mc:Fallback xmlns="">
+      <p:transition spd="slow" advTm="2628"/>
+    </mc:Fallback>
+  </mc:AlternateContent>
+</p:sld>
+</file>
+
+<file path=ppt/slides/slide31.xml><?xml version="1.0" encoding="utf-8"?>
+<p:sld xmlns:a="http://schemas.openxmlformats.org/drawingml/2006/main" xmlns:r="http://schemas.openxmlformats.org/officeDocument/2006/relationships" xmlns:p="http://schemas.openxmlformats.org/presentationml/2006/main">
+  <p:cSld>
+    <p:spTree>
+      <p:nvGrpSpPr>
+        <p:cNvPr id="1" name=""/>
+        <p:cNvGrpSpPr/>
+        <p:nvPr/>
+      </p:nvGrpSpPr>
+      <p:grpSpPr>
+        <a:xfrm>
+          <a:off x="0" y="0"/>
+          <a:ext cx="0" cy="0"/>
+          <a:chOff x="0" y="0"/>
+          <a:chExt cx="0" cy="0"/>
+        </a:xfrm>
+      </p:grpSpPr>
+      <p:sp>
+        <p:nvSpPr>
+          <p:cNvPr id="2" name="Title 1">
+            <a:extLst>
+              <a:ext uri="{FF2B5EF4-FFF2-40B4-BE49-F238E27FC236}">
+                <a16:creationId xmlns:a16="http://schemas.microsoft.com/office/drawing/2014/main" id="{DE23E47F-D9FA-F4BC-4F11-BB23A0385A82}"/>
+              </a:ext>
+            </a:extLst>
+          </p:cNvPr>
+          <p:cNvSpPr>
+            <a:spLocks noGrp="1"/>
+          </p:cNvSpPr>
+          <p:nvPr>
+            <p:ph type="title"/>
+          </p:nvPr>
+        </p:nvSpPr>
+        <p:spPr>
+          <a:xfrm>
+            <a:off x="1371600" y="665629"/>
+            <a:ext cx="9601200" cy="649941"/>
+          </a:xfrm>
+        </p:spPr>
+        <p:txBody>
+          <a:bodyPr/>
+          <a:lstStyle/>
+          <a:p>
+            <a:pPr algn="ctr"/>
+            <a:r>
+              <a:rPr lang="en-US" sz="4000" b="1" dirty="0">
+                <a:latin typeface="Times New Roman" panose="02020603050405020304" pitchFamily="18" charset="0"/>
+                <a:cs typeface="Times New Roman" panose="02020603050405020304" pitchFamily="18" charset="0"/>
+              </a:rPr>
+              <a:t>Reference</a:t>
+            </a:r>
+            <a:endParaRPr lang="en-SG" b="1" dirty="0">
+              <a:latin typeface="Times New Roman" panose="02020603050405020304" pitchFamily="18" charset="0"/>
+              <a:cs typeface="Times New Roman" panose="02020603050405020304" pitchFamily="18" charset="0"/>
+            </a:endParaRPr>
+          </a:p>
+        </p:txBody>
+      </p:sp>
+      <p:sp>
+        <p:nvSpPr>
+          <p:cNvPr id="3" name="Content Placeholder 2">
+            <a:extLst>
+              <a:ext uri="{FF2B5EF4-FFF2-40B4-BE49-F238E27FC236}">
+                <a16:creationId xmlns:a16="http://schemas.microsoft.com/office/drawing/2014/main" id="{B7475B8F-EE26-4911-B725-6F5BA7D047D6}"/>
+              </a:ext>
+            </a:extLst>
+          </p:cNvPr>
+          <p:cNvSpPr>
+            <a:spLocks noGrp="1"/>
+          </p:cNvSpPr>
+          <p:nvPr>
+            <p:ph idx="1"/>
+          </p:nvPr>
+        </p:nvSpPr>
+        <p:spPr>
+          <a:xfrm>
+            <a:off x="1371600" y="1443318"/>
+            <a:ext cx="9601200" cy="4679576"/>
+          </a:xfrm>
+        </p:spPr>
+        <p:txBody>
+          <a:bodyPr/>
+          <a:lstStyle/>
+          <a:p>
+            <a:pPr marL="457200" indent="-457200">
+              <a:buFont typeface="+mj-lt"/>
+              <a:buAutoNum type="arabicPeriod"/>
+            </a:pPr>
+            <a:r>
+              <a:rPr lang="en-SG" sz="1800" dirty="0">
+                <a:solidFill>
+                  <a:schemeClr val="tx1"/>
+                </a:solidFill>
+                <a:hlinkClick r:id="rId2">
+                  <a:extLst>
+                    <a:ext uri="{A12FA001-AC4F-418D-AE19-62706E023703}">
+                      <ahyp:hlinkClr xmlns:ahyp="http://schemas.microsoft.com/office/drawing/2018/hyperlinkcolor" val="tx"/>
+                    </a:ext>
+                  </a:extLst>
+                </a:hlinkClick>
+              </a:rPr>
+              <a:t>https://www.researchgate.net/publication/4183879_AODV_multipath_extension_using_source_route_lists_with_optimized_route_establishment</a:t>
+            </a:r>
+            <a:endParaRPr lang="en-SG" sz="1800" dirty="0">
+              <a:solidFill>
+                <a:schemeClr val="tx1"/>
+              </a:solidFill>
+            </a:endParaRPr>
+          </a:p>
+          <a:p>
+            <a:pPr marL="457200" indent="-457200">
+              <a:buFont typeface="+mj-lt"/>
+              <a:buAutoNum type="arabicPeriod"/>
+            </a:pPr>
+            <a:r>
+              <a:rPr lang="en-US" sz="1800" dirty="0">
+                <a:solidFill>
+                  <a:schemeClr val="tx1"/>
+                </a:solidFill>
+                <a:hlinkClick r:id="rId3">
+                  <a:extLst>
+                    <a:ext uri="{A12FA001-AC4F-418D-AE19-62706E023703}">
+                      <ahyp:hlinkClr xmlns:ahyp="http://schemas.microsoft.com/office/drawing/2018/hyperlinkcolor" val="tx"/>
+                    </a:ext>
+                  </a:extLst>
+                </a:hlinkClick>
+              </a:rPr>
+              <a:t>An Optimized Ad-hoc On-demand Multipath Distance Vector(AOMDV) Routing Protocol | Semantic Scholar</a:t>
+            </a:r>
+            <a:r>
+              <a:rPr lang="en-US" sz="1800" dirty="0">
+                <a:solidFill>
+                  <a:schemeClr val="tx1"/>
+                </a:solidFill>
+              </a:rPr>
+              <a:t> </a:t>
+            </a:r>
+          </a:p>
+          <a:p>
+            <a:pPr marL="457200" indent="-457200">
+              <a:buFont typeface="+mj-lt"/>
+              <a:buAutoNum type="arabicPeriod"/>
+            </a:pPr>
+            <a:r>
+              <a:rPr lang="en-US" sz="1800" dirty="0" err="1"/>
+              <a:t>Papadimitratos</a:t>
+            </a:r>
+            <a:r>
+              <a:rPr lang="en-US" sz="1800" dirty="0"/>
+              <a:t> P, Haas ZJ. Secure message transmission in mobile ad hoc networks. Ad Hoc </a:t>
+            </a:r>
+            <a:r>
+              <a:rPr lang="en-US" sz="1800" dirty="0" err="1"/>
+              <a:t>Netw</a:t>
+            </a:r>
+            <a:r>
+              <a:rPr lang="en-US" sz="1800" dirty="0"/>
+              <a:t> 2003;1:193–209. doi:10.1016/S1570-8705(03)00018-0.</a:t>
+            </a:r>
+          </a:p>
+          <a:p>
+            <a:pPr marL="457200" indent="-457200">
+              <a:buFont typeface="+mj-lt"/>
+              <a:buAutoNum type="arabicPeriod"/>
+            </a:pPr>
+            <a:r>
+              <a:rPr lang="en-SG" sz="1800" dirty="0"/>
+              <a:t>Lou W, Liu W, Fang Y. SPREAD: enhancing data confidentiality in mobile ad hoc networks. Proc IEEE INFOCOM 2004;4:2404–13. doi:10.1109/INFCOM.2004. 1354662.</a:t>
+            </a:r>
+          </a:p>
+          <a:p>
+            <a:pPr marL="457200" indent="-457200">
+              <a:buFont typeface="+mj-lt"/>
+              <a:buAutoNum type="arabicPeriod"/>
+            </a:pPr>
+            <a:r>
+              <a:rPr lang="en-SG" sz="1800" dirty="0" err="1"/>
+              <a:t>Wazid</a:t>
+            </a:r>
+            <a:r>
+              <a:rPr lang="en-SG" sz="1800" dirty="0"/>
+              <a:t> M, Kumar A. An efficient hybrid anomaly detection scheme using K-means clustering for wireless sensor networks. </a:t>
+            </a:r>
+            <a:r>
+              <a:rPr lang="en-SG" sz="1800" dirty="0" err="1"/>
+              <a:t>Wirel</a:t>
+            </a:r>
+            <a:r>
+              <a:rPr lang="en-SG" sz="1800" dirty="0"/>
+              <a:t> </a:t>
+            </a:r>
+            <a:r>
+              <a:rPr lang="en-SG" sz="1800" dirty="0" err="1"/>
+              <a:t>Pers</a:t>
+            </a:r>
+            <a:r>
+              <a:rPr lang="en-SG" sz="1800" dirty="0"/>
+              <a:t> </a:t>
+            </a:r>
+            <a:r>
+              <a:rPr lang="en-SG" sz="1800" dirty="0" err="1"/>
+              <a:t>Commun</a:t>
+            </a:r>
+            <a:r>
+              <a:rPr lang="en-SG" sz="1800" dirty="0"/>
+              <a:t> 2016;90:1971–2000. doi:10.1007/s11277-016-3433-3.</a:t>
+            </a:r>
+          </a:p>
+          <a:p>
+            <a:pPr marL="457200" indent="-457200">
+              <a:buFont typeface="+mj-lt"/>
+              <a:buAutoNum type="arabicPeriod"/>
+            </a:pPr>
+            <a:r>
+              <a:rPr lang="en-SG" sz="1800" dirty="0">
+                <a:effectLst/>
+                <a:latin typeface="Calibri" panose="020F0502020204030204" pitchFamily="34" charset="0"/>
+                <a:ea typeface="Calibri" panose="020F0502020204030204" pitchFamily="34" charset="0"/>
+                <a:cs typeface="Times New Roman" panose="02020603050405020304" pitchFamily="18" charset="0"/>
+              </a:rPr>
+              <a:t>J. P. T. V. </a:t>
+            </a:r>
+            <a:r>
+              <a:rPr lang="en-SG" sz="1800" dirty="0" err="1">
+                <a:effectLst/>
+                <a:latin typeface="Calibri" panose="020F0502020204030204" pitchFamily="34" charset="0"/>
+                <a:ea typeface="Calibri" panose="020F0502020204030204" pitchFamily="34" charset="0"/>
+                <a:cs typeface="Times New Roman" panose="02020603050405020304" pitchFamily="18" charset="0"/>
+              </a:rPr>
+              <a:t>Satav</a:t>
+            </a:r>
+            <a:r>
+              <a:rPr lang="en-SG" sz="1800" dirty="0">
+                <a:effectLst/>
+                <a:latin typeface="Calibri" panose="020F0502020204030204" pitchFamily="34" charset="0"/>
+                <a:ea typeface="Calibri" panose="020F0502020204030204" pitchFamily="34" charset="0"/>
+                <a:cs typeface="Times New Roman" panose="02020603050405020304" pitchFamily="18" charset="0"/>
+              </a:rPr>
+              <a:t> P, “Secure route selection mechanism in the presence of blackhole attack with </a:t>
+            </a:r>
+            <a:r>
+              <a:rPr lang="en-SG" sz="1800" dirty="0" err="1">
+                <a:effectLst/>
+                <a:latin typeface="Calibri" panose="020F0502020204030204" pitchFamily="34" charset="0"/>
+                <a:ea typeface="Calibri" panose="020F0502020204030204" pitchFamily="34" charset="0"/>
+                <a:cs typeface="Times New Roman" panose="02020603050405020304" pitchFamily="18" charset="0"/>
+              </a:rPr>
+              <a:t>aomdv</a:t>
+            </a:r>
+            <a:r>
+              <a:rPr lang="en-SG" sz="1800" dirty="0">
+                <a:effectLst/>
+                <a:latin typeface="Calibri" panose="020F0502020204030204" pitchFamily="34" charset="0"/>
+                <a:ea typeface="Calibri" panose="020F0502020204030204" pitchFamily="34" charset="0"/>
+                <a:cs typeface="Times New Roman" panose="02020603050405020304" pitchFamily="18" charset="0"/>
+              </a:rPr>
+              <a:t> routing algorithm,” </a:t>
+            </a:r>
+            <a:r>
+              <a:rPr lang="en-SG" sz="1800" i="1" dirty="0">
+                <a:effectLst/>
+                <a:latin typeface="Calibri" panose="020F0502020204030204" pitchFamily="34" charset="0"/>
+                <a:ea typeface="Calibri" panose="020F0502020204030204" pitchFamily="34" charset="0"/>
+                <a:cs typeface="Times New Roman" panose="02020603050405020304" pitchFamily="18" charset="0"/>
+              </a:rPr>
+              <a:t>fourth international conference on computing communication control and automation., </a:t>
+            </a:r>
+            <a:r>
+              <a:rPr lang="en-SG" sz="1800" dirty="0">
+                <a:effectLst/>
+                <a:latin typeface="Calibri" panose="020F0502020204030204" pitchFamily="34" charset="0"/>
+                <a:ea typeface="Calibri" panose="020F0502020204030204" pitchFamily="34" charset="0"/>
+                <a:cs typeface="Times New Roman" panose="02020603050405020304" pitchFamily="18" charset="0"/>
+              </a:rPr>
+              <a:t>2018.</a:t>
+            </a:r>
+            <a:endParaRPr lang="en-SG" sz="1800" dirty="0"/>
+          </a:p>
+          <a:p>
+            <a:pPr marL="457200" indent="-457200">
+              <a:buFont typeface="+mj-lt"/>
+              <a:buAutoNum type="arabicPeriod"/>
+            </a:pPr>
+            <a:endParaRPr lang="en-SG" dirty="0"/>
+          </a:p>
+        </p:txBody>
+      </p:sp>
+      <p:sp>
+        <p:nvSpPr>
+          <p:cNvPr id="6" name="Date Placeholder 5">
+            <a:extLst>
+              <a:ext uri="{FF2B5EF4-FFF2-40B4-BE49-F238E27FC236}">
+                <a16:creationId xmlns:a16="http://schemas.microsoft.com/office/drawing/2014/main" id="{742B94F9-CA13-7534-2248-8FD6F7AED545}"/>
+              </a:ext>
+            </a:extLst>
+          </p:cNvPr>
+          <p:cNvSpPr>
+            <a:spLocks noGrp="1"/>
+          </p:cNvSpPr>
+          <p:nvPr>
+            <p:ph type="dt" sz="half" idx="10"/>
+          </p:nvPr>
+        </p:nvSpPr>
+        <p:spPr/>
+        <p:txBody>
+          <a:bodyPr/>
+          <a:lstStyle/>
+          <a:p>
+            <a:fld id="{80DC2995-04AD-4914-8D00-7D7EBF2C7639}" type="datetime1">
+              <a:rPr lang="en-US" smtClean="0"/>
+              <a:t>2/23/2024</a:t>
+            </a:fld>
+            <a:endParaRPr lang="en-US" dirty="0"/>
+          </a:p>
+        </p:txBody>
+      </p:sp>
+      <p:sp>
+        <p:nvSpPr>
+          <p:cNvPr id="5" name="Slide Number Placeholder 4">
+            <a:extLst>
+              <a:ext uri="{FF2B5EF4-FFF2-40B4-BE49-F238E27FC236}">
+                <a16:creationId xmlns:a16="http://schemas.microsoft.com/office/drawing/2014/main" id="{308540B9-84EF-6343-B21D-FA4E28882A8B}"/>
+              </a:ext>
+            </a:extLst>
+          </p:cNvPr>
+          <p:cNvSpPr>
+            <a:spLocks noGrp="1"/>
+          </p:cNvSpPr>
+          <p:nvPr>
+            <p:ph type="sldNum" sz="quarter" idx="12"/>
+          </p:nvPr>
+        </p:nvSpPr>
+        <p:spPr>
+          <a:xfrm>
+            <a:off x="4962770" y="6233494"/>
+            <a:ext cx="1596292" cy="404614"/>
+          </a:xfrm>
+        </p:spPr>
+        <p:txBody>
+          <a:bodyPr/>
+          <a:lstStyle/>
+          <a:p>
+            <a:fld id="{69E57DC2-970A-4B3E-BB1C-7A09969E49DF}" type="slidenum">
+              <a:rPr lang="en-US" sz="2800" b="1" smtClean="0">
+                <a:latin typeface="Times New Roman" panose="02020603050405020304" pitchFamily="18" charset="0"/>
+                <a:cs typeface="Times New Roman" panose="02020603050405020304" pitchFamily="18" charset="0"/>
+              </a:rPr>
+              <a:t>31</a:t>
+            </a:fld>
+            <a:endParaRPr lang="en-US" sz="2800" b="1" dirty="0">
+              <a:latin typeface="Times New Roman" panose="02020603050405020304" pitchFamily="18" charset="0"/>
+              <a:cs typeface="Times New Roman" panose="02020603050405020304" pitchFamily="18" charset="0"/>
+            </a:endParaRPr>
+          </a:p>
+        </p:txBody>
+      </p:sp>
+    </p:spTree>
+    <p:extLst>
+      <p:ext uri="{BB962C8B-B14F-4D97-AF65-F5344CB8AC3E}">
+        <p14:creationId xmlns:p14="http://schemas.microsoft.com/office/powerpoint/2010/main" val="2842471047"/>
+      </p:ext>
+    </p:extLst>
+  </p:cSld>
+  <p:clrMapOvr>
+    <a:masterClrMapping/>
+  </p:clrMapOvr>
+  <mc:AlternateContent xmlns:mc="http://schemas.openxmlformats.org/markup-compatibility/2006" xmlns:p14="http://schemas.microsoft.com/office/powerpoint/2010/main">
+    <mc:Choice Requires="p14">
+      <p:transition spd="slow" p14:dur="2000" advTm="5140"/>
+    </mc:Choice>
+    <mc:Fallback xmlns="">
+      <p:transition spd="slow" advTm="5140"/>
+    </mc:Fallback>
+  </mc:AlternateContent>
+</p:sld>
+</file>
+
+<file path=ppt/slides/slide32.xml><?xml version="1.0" encoding="utf-8"?>
+<p:sld xmlns:a="http://schemas.openxmlformats.org/drawingml/2006/main" xmlns:r="http://schemas.openxmlformats.org/officeDocument/2006/relationships" xmlns:p="http://schemas.openxmlformats.org/presentationml/2006/main">
+  <p:cSld>
+    <p:spTree>
+      <p:nvGrpSpPr>
+        <p:cNvPr id="1" name=""/>
+        <p:cNvGrpSpPr/>
+        <p:nvPr/>
+      </p:nvGrpSpPr>
+      <p:grpSpPr>
+        <a:xfrm>
+          <a:off x="0" y="0"/>
+          <a:ext cx="0" cy="0"/>
+          <a:chOff x="0" y="0"/>
+          <a:chExt cx="0" cy="0"/>
+        </a:xfrm>
+      </p:grpSpPr>
+      <p:sp>
+        <p:nvSpPr>
+          <p:cNvPr id="2" name="Title 1">
+            <a:extLst>
+              <a:ext uri="{FF2B5EF4-FFF2-40B4-BE49-F238E27FC236}">
+                <a16:creationId xmlns:a16="http://schemas.microsoft.com/office/drawing/2014/main" id="{5F40481B-B477-1ABC-9FCC-8CF10E95FCE3}"/>
+              </a:ext>
+            </a:extLst>
+          </p:cNvPr>
+          <p:cNvSpPr>
+            <a:spLocks noGrp="1"/>
+          </p:cNvSpPr>
+          <p:nvPr>
+            <p:ph type="title"/>
+          </p:nvPr>
+        </p:nvSpPr>
+        <p:spPr>
+          <a:xfrm>
+            <a:off x="1568823" y="2686050"/>
+            <a:ext cx="9601200" cy="1485900"/>
+          </a:xfrm>
+        </p:spPr>
+        <p:txBody>
+          <a:bodyPr>
+            <a:normAutofit/>
+          </a:bodyPr>
+          <a:lstStyle/>
+          <a:p>
+            <a:pPr algn="ctr"/>
+            <a:r>
+              <a:rPr lang="en-US" sz="8800" dirty="0">
+                <a:latin typeface="Times New Roman" panose="02020603050405020304" pitchFamily="18" charset="0"/>
+                <a:cs typeface="Times New Roman" panose="02020603050405020304" pitchFamily="18" charset="0"/>
+              </a:rPr>
+              <a:t>Thank You</a:t>
+            </a:r>
+            <a:endParaRPr lang="en-SG" sz="8800" dirty="0">
+              <a:latin typeface="Times New Roman" panose="02020603050405020304" pitchFamily="18" charset="0"/>
+              <a:cs typeface="Times New Roman" panose="02020603050405020304" pitchFamily="18" charset="0"/>
+            </a:endParaRPr>
+          </a:p>
+        </p:txBody>
+      </p:sp>
+      <p:sp>
+        <p:nvSpPr>
+          <p:cNvPr id="3" name="Date Placeholder 2">
+            <a:extLst>
+              <a:ext uri="{FF2B5EF4-FFF2-40B4-BE49-F238E27FC236}">
+                <a16:creationId xmlns:a16="http://schemas.microsoft.com/office/drawing/2014/main" id="{FC597560-9745-4941-720F-63DE94835AA3}"/>
+              </a:ext>
+            </a:extLst>
+          </p:cNvPr>
+          <p:cNvSpPr>
+            <a:spLocks noGrp="1"/>
+          </p:cNvSpPr>
+          <p:nvPr>
+            <p:ph type="dt" sz="half" idx="10"/>
+          </p:nvPr>
+        </p:nvSpPr>
+        <p:spPr/>
+        <p:txBody>
+          <a:bodyPr/>
+          <a:lstStyle/>
+          <a:p>
+            <a:fld id="{8A8D6B37-BDF5-45A4-8320-A622B5E0CC39}" type="datetime1">
+              <a:rPr lang="en-US" smtClean="0"/>
+              <a:t>2/23/2024</a:t>
+            </a:fld>
+            <a:endParaRPr lang="en-US" dirty="0"/>
+          </a:p>
+        </p:txBody>
+      </p:sp>
+      <p:sp>
+        <p:nvSpPr>
+          <p:cNvPr id="4" name="Slide Number Placeholder 3">
+            <a:extLst>
+              <a:ext uri="{FF2B5EF4-FFF2-40B4-BE49-F238E27FC236}">
+                <a16:creationId xmlns:a16="http://schemas.microsoft.com/office/drawing/2014/main" id="{132E46D6-1215-4BD9-2EA5-630BBCBA7D61}"/>
+              </a:ext>
+            </a:extLst>
+          </p:cNvPr>
+          <p:cNvSpPr>
+            <a:spLocks noGrp="1"/>
+          </p:cNvSpPr>
+          <p:nvPr>
+            <p:ph type="sldNum" sz="quarter" idx="12"/>
+          </p:nvPr>
+        </p:nvSpPr>
+        <p:spPr/>
+        <p:txBody>
+          <a:bodyPr/>
+          <a:lstStyle/>
+          <a:p>
+            <a:fld id="{69E57DC2-970A-4B3E-BB1C-7A09969E49DF}" type="slidenum">
+              <a:rPr lang="en-US" smtClean="0"/>
+              <a:t>32</a:t>
+            </a:fld>
+            <a:endParaRPr lang="en-US" dirty="0"/>
+          </a:p>
+        </p:txBody>
+      </p:sp>
+    </p:spTree>
+    <p:extLst>
+      <p:ext uri="{BB962C8B-B14F-4D97-AF65-F5344CB8AC3E}">
+        <p14:creationId xmlns:p14="http://schemas.microsoft.com/office/powerpoint/2010/main" val="1099920055"/>
+      </p:ext>
+    </p:extLst>
+  </p:cSld>
+  <p:clrMapOvr>
+    <a:masterClrMapping/>
+  </p:clrMapOvr>
+  <mc:AlternateContent xmlns:mc="http://schemas.openxmlformats.org/markup-compatibility/2006" xmlns:p14="http://schemas.microsoft.com/office/powerpoint/2010/main">
+    <mc:Choice Requires="p14">
+      <p:transition spd="slow" p14:dur="2000" advTm="705"/>
+    </mc:Choice>
+    <mc:Fallback xmlns="">
+      <p:transition spd="slow" advTm="705"/>
+    </mc:Fallback>
+  </mc:AlternateContent>
 </p:sld>
 </file>
 
@@ -10905,8 +15481,8 @@
         </p:nvSpPr>
         <p:spPr>
           <a:xfrm>
-            <a:off x="1371600" y="2277034"/>
-            <a:ext cx="9601200" cy="3375213"/>
+            <a:off x="1371600" y="1945342"/>
+            <a:ext cx="9601200" cy="3706906"/>
           </a:xfrm>
         </p:spPr>
         <p:txBody>
@@ -10972,7 +15548,7 @@
                 <a:latin typeface="Times New Roman" panose="02020603050405020304" pitchFamily="18" charset="0"/>
                 <a:cs typeface="Times New Roman" panose="02020603050405020304" pitchFamily="18" charset="0"/>
               </a:rPr>
-              <a:t>Blackhole Attacks in AOMDV</a:t>
+              <a:t>Blackhole and Wormhole Attacks in AOMDV</a:t>
             </a:r>
           </a:p>
           <a:p>
@@ -10994,17 +15570,31 @@
               </a:rPr>
               <a:t>, </a:t>
             </a:r>
+          </a:p>
+          <a:p>
+            <a:pPr marL="530352" lvl="1" indent="0">
+              <a:buNone/>
+            </a:pPr>
             <a:r>
               <a:rPr lang="en-US" i="0" dirty="0">
                 <a:latin typeface="Times New Roman" panose="02020603050405020304" pitchFamily="18" charset="0"/>
                 <a:cs typeface="Times New Roman" panose="02020603050405020304" pitchFamily="18" charset="0"/>
               </a:rPr>
-              <a:t>disrupting communication by dropping packets</a:t>
-            </a:r>
-            <a:endParaRPr lang="en-SG" sz="2400" dirty="0">
-              <a:latin typeface="Times New Roman" panose="02020603050405020304" pitchFamily="18" charset="0"/>
-              <a:cs typeface="Times New Roman" panose="02020603050405020304" pitchFamily="18" charset="0"/>
-            </a:endParaRPr>
+              <a:t>       disrupting communication by dropping packets</a:t>
+            </a:r>
+          </a:p>
+          <a:p>
+            <a:pPr lvl="1">
+              <a:buFont typeface="Wingdings" panose="05000000000000000000" pitchFamily="2" charset="2"/>
+              <a:buChar char="ü"/>
+            </a:pPr>
+            <a:r>
+              <a:rPr lang="en-US" i="0" dirty="0">
+                <a:latin typeface="Times New Roman" panose="02020603050405020304" pitchFamily="18" charset="0"/>
+                <a:cs typeface="Times New Roman" panose="02020603050405020304" pitchFamily="18" charset="0"/>
+              </a:rPr>
+              <a:t>Wormhole can bypass the important data packet to another route.</a:t>
+            </a:r>
           </a:p>
         </p:txBody>
       </p:sp>
@@ -11031,7 +15621,7 @@
           <a:p>
             <a:fld id="{89227FBB-25E7-4C7E-8513-268B51BC1F29}" type="datetime1">
               <a:rPr lang="en-US" smtClean="0"/>
-              <a:t>8/29/2023</a:t>
+              <a:t>2/24/2024</a:t>
             </a:fld>
             <a:endParaRPr lang="en-US" dirty="0"/>
           </a:p>
@@ -11068,6 +15658,109 @@
               <a:t>4</a:t>
             </a:fld>
             <a:endParaRPr lang="en-US" sz="2800" b="1" dirty="0"/>
+          </a:p>
+        </p:txBody>
+      </p:sp>
+      <p:pic>
+        <p:nvPicPr>
+          <p:cNvPr id="6" name="Picture 5">
+            <a:extLst>
+              <a:ext uri="{FF2B5EF4-FFF2-40B4-BE49-F238E27FC236}">
+                <a16:creationId xmlns:a16="http://schemas.microsoft.com/office/drawing/2014/main" id="{0C364572-181B-D0C5-E9F5-3DC47AF85994}"/>
+              </a:ext>
+            </a:extLst>
+          </p:cNvPr>
+          <p:cNvPicPr>
+            <a:picLocks noChangeAspect="1"/>
+          </p:cNvPicPr>
+          <p:nvPr/>
+        </p:nvPicPr>
+        <p:blipFill>
+          <a:blip r:embed="rId2" cstate="print">
+            <a:extLst>
+              <a:ext uri="{28A0092B-C50C-407E-A947-70E740481C1C}">
+                <a14:useLocalDpi xmlns:a14="http://schemas.microsoft.com/office/drawing/2010/main" val="0"/>
+              </a:ext>
+            </a:extLst>
+          </a:blip>
+          <a:srcRect/>
+          <a:stretch>
+            <a:fillRect/>
+          </a:stretch>
+        </p:blipFill>
+        <p:spPr bwMode="auto">
+          <a:xfrm>
+            <a:off x="8152379" y="2221415"/>
+            <a:ext cx="3646668" cy="1828456"/>
+          </a:xfrm>
+          <a:prstGeom prst="rect">
+            <a:avLst/>
+          </a:prstGeom>
+          <a:noFill/>
+          <a:ln>
+            <a:noFill/>
+          </a:ln>
+        </p:spPr>
+      </p:pic>
+      <p:sp>
+        <p:nvSpPr>
+          <p:cNvPr id="8" name="Title 1">
+            <a:extLst>
+              <a:ext uri="{FF2B5EF4-FFF2-40B4-BE49-F238E27FC236}">
+                <a16:creationId xmlns:a16="http://schemas.microsoft.com/office/drawing/2014/main" id="{EDE654D1-E9BF-7F1B-6839-7F56FA8ECFEE}"/>
+              </a:ext>
+            </a:extLst>
+          </p:cNvPr>
+          <p:cNvSpPr txBox="1">
+            <a:spLocks/>
+          </p:cNvSpPr>
+          <p:nvPr/>
+        </p:nvSpPr>
+        <p:spPr>
+          <a:xfrm>
+            <a:off x="8793019" y="4116607"/>
+            <a:ext cx="2245371" cy="618997"/>
+          </a:xfrm>
+          <a:prstGeom prst="rect">
+            <a:avLst/>
+          </a:prstGeom>
+        </p:spPr>
+        <p:txBody>
+          <a:bodyPr vert="horz" lIns="91440" tIns="45720" rIns="91440" bIns="45720" rtlCol="0" anchor="t">
+            <a:normAutofit/>
+          </a:bodyPr>
+          <a:lstStyle>
+            <a:lvl1pPr algn="l" defTabSz="914400" rtl="0" eaLnBrk="1" latinLnBrk="0" hangingPunct="1">
+              <a:lnSpc>
+                <a:spcPct val="89000"/>
+              </a:lnSpc>
+              <a:spcBef>
+                <a:spcPct val="0"/>
+              </a:spcBef>
+              <a:buNone/>
+              <a:defRPr sz="4400" kern="1200" baseline="0">
+                <a:solidFill>
+                  <a:schemeClr val="tx2"/>
+                </a:solidFill>
+                <a:latin typeface="+mj-lt"/>
+                <a:ea typeface="+mj-ea"/>
+                <a:cs typeface="+mj-cs"/>
+              </a:defRPr>
+            </a:lvl1pPr>
+          </a:lstStyle>
+          <a:p>
+            <a:pPr algn="ctr"/>
+            <a:r>
+              <a:rPr lang="en-US" sz="1800" dirty="0">
+                <a:latin typeface="Times New Roman" panose="02020603050405020304" pitchFamily="18" charset="0"/>
+                <a:cs typeface="Times New Roman" panose="02020603050405020304" pitchFamily="18" charset="0"/>
+              </a:rPr>
+              <a:t>Fig 2: Wormhole attack</a:t>
+            </a:r>
+            <a:endParaRPr lang="en-SG" sz="1800" dirty="0">
+              <a:latin typeface="Times New Roman" panose="02020603050405020304" pitchFamily="18" charset="0"/>
+              <a:cs typeface="Times New Roman" panose="02020603050405020304" pitchFamily="18" charset="0"/>
+            </a:endParaRPr>
           </a:p>
         </p:txBody>
       </p:sp>
@@ -11081,6 +15774,14 @@
   <p:clrMapOvr>
     <a:masterClrMapping/>
   </p:clrMapOvr>
+  <mc:AlternateContent xmlns:mc="http://schemas.openxmlformats.org/markup-compatibility/2006">
+    <mc:Choice xmlns:p14="http://schemas.microsoft.com/office/powerpoint/2010/main" Requires="p14">
+      <p:transition spd="slow" p14:dur="2000" advTm="124"/>
+    </mc:Choice>
+    <mc:Fallback>
+      <p:transition spd="slow" advTm="124"/>
+    </mc:Fallback>
+  </mc:AlternateContent>
 </p:sld>
 </file>
 
@@ -12858,7 +17559,7 @@
           <a:p>
             <a:fld id="{18D187CC-CE8A-4357-8ED1-5E45E36090ED}" type="datetime1">
               <a:rPr lang="en-US" smtClean="0"/>
-              <a:t>8/29/2023</a:t>
+              <a:t>2/23/2024</a:t>
             </a:fld>
             <a:endParaRPr lang="en-US" dirty="0"/>
           </a:p>
@@ -12976,6 +17677,14 @@
   <p:clrMapOvr>
     <a:masterClrMapping/>
   </p:clrMapOvr>
+  <mc:AlternateContent xmlns:mc="http://schemas.openxmlformats.org/markup-compatibility/2006">
+    <mc:Choice xmlns:p14="http://schemas.microsoft.com/office/powerpoint/2010/main" Requires="p14">
+      <p:transition spd="slow" p14:dur="2000" advTm="156"/>
+    </mc:Choice>
+    <mc:Fallback>
+      <p:transition spd="slow" advTm="156"/>
+    </mc:Fallback>
+  </mc:AlternateContent>
 </p:sld>
 </file>
 
@@ -13030,7 +17739,7 @@
                 <a:latin typeface="Times New Roman" panose="02020603050405020304" pitchFamily="18" charset="0"/>
                 <a:cs typeface="Times New Roman" panose="02020603050405020304" pitchFamily="18" charset="0"/>
               </a:rPr>
-              <a:t>Objectives</a:t>
+              <a:t>Research Gap</a:t>
             </a:r>
             <a:endParaRPr lang="en-SG" sz="4000" b="1" dirty="0">
               <a:latin typeface="Times New Roman" panose="02020603050405020304" pitchFamily="18" charset="0"/>
@@ -13057,8 +17766,8 @@
         </p:nvSpPr>
         <p:spPr>
           <a:xfrm>
-            <a:off x="1371600" y="1873624"/>
-            <a:ext cx="9601200" cy="3993776"/>
+            <a:off x="1371600" y="2420470"/>
+            <a:ext cx="9601200" cy="3680012"/>
           </a:xfrm>
         </p:spPr>
         <p:txBody>
@@ -13074,10 +17783,16 @@
                 <a:ea typeface="Calibri" panose="020F0502020204030204" pitchFamily="34" charset="0"/>
                 <a:cs typeface="Times New Roman" panose="02020603050405020304" pitchFamily="18" charset="0"/>
               </a:rPr>
-              <a:t>To provide a reliable and secure AOMDV routing protocol for data transmission</a:t>
-            </a:r>
-          </a:p>
-          <a:p>
+              <a:t>Both reliab</a:t>
+            </a:r>
+            <a:r>
+              <a:rPr lang="en-SG" sz="2400" dirty="0">
+                <a:latin typeface="Times New Roman" panose="02020603050405020304" pitchFamily="18" charset="0"/>
+                <a:ea typeface="Calibri" panose="020F0502020204030204" pitchFamily="34" charset="0"/>
+                <a:cs typeface="Times New Roman" panose="02020603050405020304" pitchFamily="18" charset="0"/>
+              </a:rPr>
+              <a:t>i</a:t>
+            </a:r>
             <a:r>
               <a:rPr lang="en-SG" sz="2400" dirty="0">
                 <a:effectLst/>
@@ -13085,17 +17800,69 @@
                 <a:ea typeface="Calibri" panose="020F0502020204030204" pitchFamily="34" charset="0"/>
                 <a:cs typeface="Times New Roman" panose="02020603050405020304" pitchFamily="18" charset="0"/>
               </a:rPr>
-              <a:t>To secure data transmission by assuming that routing between sender and receiver is already established</a:t>
-            </a:r>
-          </a:p>
-          <a:p>
+              <a:t>l</a:t>
+            </a:r>
             <a:r>
               <a:rPr lang="en-SG" sz="2400" dirty="0">
                 <a:latin typeface="Times New Roman" panose="02020603050405020304" pitchFamily="18" charset="0"/>
                 <a:ea typeface="Calibri" panose="020F0502020204030204" pitchFamily="34" charset="0"/>
                 <a:cs typeface="Times New Roman" panose="02020603050405020304" pitchFamily="18" charset="0"/>
               </a:rPr>
-              <a:t>To make AOMDV routing protocol more efficient</a:t>
+              <a:t>ity</a:t>
+            </a:r>
+            <a:r>
+              <a:rPr lang="en-SG" sz="2400" dirty="0">
+                <a:effectLst/>
+                <a:latin typeface="Times New Roman" panose="02020603050405020304" pitchFamily="18" charset="0"/>
+                <a:ea typeface="Calibri" panose="020F0502020204030204" pitchFamily="34" charset="0"/>
+                <a:cs typeface="Times New Roman" panose="02020603050405020304" pitchFamily="18" charset="0"/>
+              </a:rPr>
+              <a:t> and security for routing protocol for data transmission</a:t>
+            </a:r>
+          </a:p>
+          <a:p>
+            <a:pPr marL="0" indent="0">
+              <a:buNone/>
+            </a:pPr>
+            <a:r>
+              <a:rPr lang="en-SG" sz="2400" dirty="0">
+                <a:effectLst/>
+                <a:latin typeface="Times New Roman" panose="02020603050405020304" pitchFamily="18" charset="0"/>
+                <a:ea typeface="Calibri" panose="020F0502020204030204" pitchFamily="34" charset="0"/>
+                <a:cs typeface="Times New Roman" panose="02020603050405020304" pitchFamily="18" charset="0"/>
+              </a:rPr>
+              <a:t>     is missing.</a:t>
+            </a:r>
+          </a:p>
+          <a:p>
+            <a:r>
+              <a:rPr lang="en-SG" sz="2400" dirty="0">
+                <a:effectLst/>
+                <a:latin typeface="Times New Roman" panose="02020603050405020304" pitchFamily="18" charset="0"/>
+                <a:ea typeface="Calibri" panose="020F0502020204030204" pitchFamily="34" charset="0"/>
+                <a:cs typeface="Times New Roman" panose="02020603050405020304" pitchFamily="18" charset="0"/>
+              </a:rPr>
+              <a:t>Lack of security in message transmission.</a:t>
+            </a:r>
+          </a:p>
+          <a:p>
+            <a:r>
+              <a:rPr lang="en-SG" sz="2400" dirty="0">
+                <a:latin typeface="Times New Roman" panose="02020603050405020304" pitchFamily="18" charset="0"/>
+                <a:ea typeface="Calibri" panose="020F0502020204030204" pitchFamily="34" charset="0"/>
+                <a:cs typeface="Times New Roman" panose="02020603050405020304" pitchFamily="18" charset="0"/>
+              </a:rPr>
+              <a:t>Routing protocol with more overhead and less throughput.</a:t>
+            </a:r>
+          </a:p>
+          <a:p>
+            <a:r>
+              <a:rPr lang="en-SG" sz="2400" dirty="0">
+                <a:latin typeface="Times New Roman" panose="02020603050405020304" pitchFamily="18" charset="0"/>
+                <a:ea typeface="Calibri" panose="020F0502020204030204" pitchFamily="34" charset="0"/>
+                <a:cs typeface="Times New Roman" panose="02020603050405020304" pitchFamily="18" charset="0"/>
+              </a:rPr>
+              <a:t>Vulnerable to  Blackhole, Wormhole attacks etc.</a:t>
             </a:r>
             <a:endParaRPr lang="en-SG" sz="2800" dirty="0">
               <a:latin typeface="Times New Roman" panose="02020603050405020304" pitchFamily="18" charset="0"/>
@@ -13127,7 +17894,7 @@
           <a:p>
             <a:fld id="{AB551B0B-09D4-47A6-9E6B-2A42F90DD1F9}" type="datetime1">
               <a:rPr lang="en-US" smtClean="0"/>
-              <a:t>8/29/2023</a:t>
+              <a:t>2/23/2024</a:t>
             </a:fld>
             <a:endParaRPr lang="en-US" dirty="0"/>
           </a:p>
@@ -13183,6 +17950,14 @@
   <p:clrMapOvr>
     <a:masterClrMapping/>
   </p:clrMapOvr>
+  <mc:AlternateContent xmlns:mc="http://schemas.openxmlformats.org/markup-compatibility/2006">
+    <mc:Choice xmlns:p14="http://schemas.microsoft.com/office/powerpoint/2010/main" Requires="p14">
+      <p:transition spd="slow" p14:dur="2000" advTm="367"/>
+    </mc:Choice>
+    <mc:Fallback>
+      <p:transition spd="slow" advTm="367"/>
+    </mc:Fallback>
+  </mc:AlternateContent>
 </p:sld>
 </file>
 
@@ -13191,7 +17966,13 @@
   <p:cSld>
     <p:spTree>
       <p:nvGrpSpPr>
-        <p:cNvPr id="1" name=""/>
+        <p:cNvPr id="1" name="">
+          <a:extLst>
+            <a:ext uri="{FF2B5EF4-FFF2-40B4-BE49-F238E27FC236}">
+              <a16:creationId xmlns:a16="http://schemas.microsoft.com/office/drawing/2014/main" id="{E1A40F07-1457-8E5A-E1C0-D7D687EAA3E6}"/>
+            </a:ext>
+          </a:extLst>
+        </p:cNvPr>
         <p:cNvGrpSpPr/>
         <p:nvPr/>
       </p:nvGrpSpPr>
@@ -13208,7 +17989,7 @@
           <p:cNvPr id="2" name="Title 1">
             <a:extLst>
               <a:ext uri="{FF2B5EF4-FFF2-40B4-BE49-F238E27FC236}">
-                <a16:creationId xmlns:a16="http://schemas.microsoft.com/office/drawing/2014/main" id="{5744CDD8-0126-B613-8682-B63FC81D151E}"/>
+                <a16:creationId xmlns:a16="http://schemas.microsoft.com/office/drawing/2014/main" id="{811A7E0A-7C60-BD9E-8AC7-736F1F87CCA0}"/>
               </a:ext>
             </a:extLst>
           </p:cNvPr>
@@ -13222,7 +18003,7 @@
         <p:spPr>
           <a:xfrm>
             <a:off x="1371600" y="685800"/>
-            <a:ext cx="9601200" cy="739588"/>
+            <a:ext cx="9601200" cy="766482"/>
           </a:xfrm>
         </p:spPr>
         <p:txBody>
@@ -13237,9 +18018,9 @@
                 <a:latin typeface="Times New Roman" panose="02020603050405020304" pitchFamily="18" charset="0"/>
                 <a:cs typeface="Times New Roman" panose="02020603050405020304" pitchFamily="18" charset="0"/>
               </a:rPr>
-              <a:t>Contributions</a:t>
-            </a:r>
-            <a:endParaRPr lang="en-SG" b="1" dirty="0">
+              <a:t>Objectives</a:t>
+            </a:r>
+            <a:endParaRPr lang="en-SG" sz="4000" b="1" dirty="0">
               <a:latin typeface="Times New Roman" panose="02020603050405020304" pitchFamily="18" charset="0"/>
               <a:cs typeface="Times New Roman" panose="02020603050405020304" pitchFamily="18" charset="0"/>
             </a:endParaRPr>
@@ -13251,7 +18032,7 @@
           <p:cNvPr id="3" name="Content Placeholder 2">
             <a:extLst>
               <a:ext uri="{FF2B5EF4-FFF2-40B4-BE49-F238E27FC236}">
-                <a16:creationId xmlns:a16="http://schemas.microsoft.com/office/drawing/2014/main" id="{9EC042C9-560D-7675-8654-DFEC4CD36A10}"/>
+                <a16:creationId xmlns:a16="http://schemas.microsoft.com/office/drawing/2014/main" id="{9F1FF25F-0993-3C0D-4295-AA0F5837E838}"/>
               </a:ext>
             </a:extLst>
           </p:cNvPr>
@@ -13264,8 +18045,8 @@
         </p:nvSpPr>
         <p:spPr>
           <a:xfrm>
-            <a:off x="1371600" y="1828800"/>
-            <a:ext cx="9601200" cy="4038600"/>
+            <a:off x="1371600" y="2187388"/>
+            <a:ext cx="9601200" cy="3680012"/>
           </a:xfrm>
         </p:spPr>
         <p:txBody>
@@ -13275,48 +18056,54 @@
           <a:lstStyle/>
           <a:p>
             <a:r>
-              <a:rPr lang="en-US" sz="2400" dirty="0">
-                <a:latin typeface="Times New Roman" panose="02020603050405020304" pitchFamily="18" charset="0"/>
-                <a:cs typeface="Times New Roman" panose="02020603050405020304" pitchFamily="18" charset="0"/>
-              </a:rPr>
-              <a:t>Leverages the AOMDV protocol to establish multiple paths and transmits securely with these paths</a:t>
-            </a:r>
-          </a:p>
-          <a:p>
-            <a:r>
-              <a:rPr lang="en-US" sz="2400" dirty="0">
-                <a:latin typeface="Times New Roman" panose="02020603050405020304" pitchFamily="18" charset="0"/>
-                <a:cs typeface="Times New Roman" panose="02020603050405020304" pitchFamily="18" charset="0"/>
-              </a:rPr>
-              <a:t>Encrypted by Enhanced Homomorphic Cryptosystem (EHC)</a:t>
-            </a:r>
-          </a:p>
-          <a:p>
-            <a:r>
-              <a:rPr lang="en-US" sz="2400" dirty="0">
-                <a:latin typeface="Times New Roman" panose="02020603050405020304" pitchFamily="18" charset="0"/>
-                <a:cs typeface="Times New Roman" panose="02020603050405020304" pitchFamily="18" charset="0"/>
-              </a:rPr>
-              <a:t>Make the AOMDV Protocol of intrusion avoidance from intrusion detection</a:t>
-            </a:r>
-          </a:p>
-          <a:p>
-            <a:r>
-              <a:rPr lang="en-US" sz="2400" dirty="0">
-                <a:latin typeface="Times New Roman" panose="02020603050405020304" pitchFamily="18" charset="0"/>
-                <a:cs typeface="Times New Roman" panose="02020603050405020304" pitchFamily="18" charset="0"/>
-              </a:rPr>
-              <a:t>Counters the malicious nodes – The Blackholes</a:t>
-            </a:r>
-          </a:p>
-          <a:p>
-            <a:r>
               <a:rPr lang="en-SG" sz="2400" dirty="0">
-                <a:latin typeface="Times New Roman" panose="02020603050405020304" pitchFamily="18" charset="0"/>
-                <a:cs typeface="Times New Roman" panose="02020603050405020304" pitchFamily="18" charset="0"/>
-              </a:rPr>
-              <a:t>Ensures the transmission of entire message without modifications from Blackhole attacks</a:t>
-            </a:r>
+                <a:effectLst/>
+                <a:latin typeface="Times New Roman" panose="02020603050405020304" pitchFamily="18" charset="0"/>
+                <a:ea typeface="Calibri" panose="020F0502020204030204" pitchFamily="34" charset="0"/>
+                <a:cs typeface="Times New Roman" panose="02020603050405020304" pitchFamily="18" charset="0"/>
+              </a:rPr>
+              <a:t>To provide a reliable and secure AOMDV routing protocol for data transmission</a:t>
+            </a:r>
+          </a:p>
+          <a:p>
+            <a:r>
+              <a:rPr lang="en-SG" sz="2400" dirty="0">
+                <a:latin typeface="Times New Roman" panose="02020603050405020304" pitchFamily="18" charset="0"/>
+                <a:ea typeface="Calibri" panose="020F0502020204030204" pitchFamily="34" charset="0"/>
+                <a:cs typeface="Times New Roman" panose="02020603050405020304" pitchFamily="18" charset="0"/>
+              </a:rPr>
+              <a:t>Discover available secure route by efficient authentication scheme </a:t>
+            </a:r>
+            <a:endParaRPr lang="en-SG" sz="2400" dirty="0">
+              <a:effectLst/>
+              <a:latin typeface="Times New Roman" panose="02020603050405020304" pitchFamily="18" charset="0"/>
+              <a:ea typeface="Calibri" panose="020F0502020204030204" pitchFamily="34" charset="0"/>
+              <a:cs typeface="Times New Roman" panose="02020603050405020304" pitchFamily="18" charset="0"/>
+            </a:endParaRPr>
+          </a:p>
+          <a:p>
+            <a:r>
+              <a:rPr lang="en-SG" sz="2400" dirty="0">
+                <a:latin typeface="Times New Roman" panose="02020603050405020304" pitchFamily="18" charset="0"/>
+                <a:ea typeface="Calibri" panose="020F0502020204030204" pitchFamily="34" charset="0"/>
+                <a:cs typeface="Times New Roman" panose="02020603050405020304" pitchFamily="18" charset="0"/>
+              </a:rPr>
+              <a:t>To make AOMDV routing protocol more efficient</a:t>
+            </a:r>
+          </a:p>
+          <a:p>
+            <a:r>
+              <a:rPr lang="en-SG" sz="2400" dirty="0">
+                <a:latin typeface="Times New Roman" panose="02020603050405020304" pitchFamily="18" charset="0"/>
+                <a:ea typeface="Calibri" panose="020F0502020204030204" pitchFamily="34" charset="0"/>
+                <a:cs typeface="Times New Roman" panose="02020603050405020304" pitchFamily="18" charset="0"/>
+              </a:rPr>
+              <a:t>Secure data packets from Blackhole and Wormhole attacks.</a:t>
+            </a:r>
+            <a:endParaRPr lang="en-SG" sz="2800" dirty="0">
+              <a:latin typeface="Times New Roman" panose="02020603050405020304" pitchFamily="18" charset="0"/>
+              <a:cs typeface="Times New Roman" panose="02020603050405020304" pitchFamily="18" charset="0"/>
+            </a:endParaRPr>
           </a:p>
         </p:txBody>
       </p:sp>
@@ -13325,7 +18112,7 @@
           <p:cNvPr id="6" name="Date Placeholder 5">
             <a:extLst>
               <a:ext uri="{FF2B5EF4-FFF2-40B4-BE49-F238E27FC236}">
-                <a16:creationId xmlns:a16="http://schemas.microsoft.com/office/drawing/2014/main" id="{F547FFC1-9DB6-EB5E-F8FE-F1B138F51605}"/>
+                <a16:creationId xmlns:a16="http://schemas.microsoft.com/office/drawing/2014/main" id="{EAD2C15D-845C-7B24-0BB4-2E347F943065}"/>
               </a:ext>
             </a:extLst>
           </p:cNvPr>
@@ -13341,9 +18128,9 @@
           <a:bodyPr/>
           <a:lstStyle/>
           <a:p>
-            <a:fld id="{C63D521A-D9F7-457B-9C87-ABDE0601776B}" type="datetime1">
+            <a:fld id="{AB551B0B-09D4-47A6-9E6B-2A42F90DD1F9}" type="datetime1">
               <a:rPr lang="en-US" smtClean="0"/>
-              <a:t>8/29/2023</a:t>
+              <a:t>2/23/2024</a:t>
             </a:fld>
             <a:endParaRPr lang="en-US" dirty="0"/>
           </a:p>
@@ -13354,7 +18141,7 @@
           <p:cNvPr id="5" name="Slide Number Placeholder 4">
             <a:extLst>
               <a:ext uri="{FF2B5EF4-FFF2-40B4-BE49-F238E27FC236}">
-                <a16:creationId xmlns:a16="http://schemas.microsoft.com/office/drawing/2014/main" id="{598FEA55-D11C-6203-9EA5-0044C4733ADB}"/>
+                <a16:creationId xmlns:a16="http://schemas.microsoft.com/office/drawing/2014/main" id="{AB0280B7-C857-825F-E386-D0F1793B8C89}"/>
               </a:ext>
             </a:extLst>
           </p:cNvPr>
@@ -13367,7 +18154,7 @@
         </p:nvSpPr>
         <p:spPr>
           <a:xfrm>
-            <a:off x="4771782" y="6256941"/>
+            <a:off x="4760059" y="6251079"/>
             <a:ext cx="1596292" cy="404614"/>
           </a:xfrm>
         </p:spPr>
@@ -13392,13 +18179,21 @@
     </p:spTree>
     <p:extLst>
       <p:ext uri="{BB962C8B-B14F-4D97-AF65-F5344CB8AC3E}">
-        <p14:creationId xmlns:p14="http://schemas.microsoft.com/office/powerpoint/2010/main" val="155548111"/>
+        <p14:creationId xmlns:p14="http://schemas.microsoft.com/office/powerpoint/2010/main" val="796221080"/>
       </p:ext>
     </p:extLst>
   </p:cSld>
   <p:clrMapOvr>
     <a:masterClrMapping/>
   </p:clrMapOvr>
+  <mc:AlternateContent xmlns:mc="http://schemas.openxmlformats.org/markup-compatibility/2006">
+    <mc:Choice xmlns:p14="http://schemas.microsoft.com/office/powerpoint/2010/main" Requires="p14">
+      <p:transition spd="slow" p14:dur="2000" advTm="312"/>
+    </mc:Choice>
+    <mc:Fallback>
+      <p:transition spd="slow" advTm="312"/>
+    </mc:Fallback>
+  </mc:AlternateContent>
 </p:sld>
 </file>
 
@@ -13424,7 +18219,7 @@
           <p:cNvPr id="2" name="Title 1">
             <a:extLst>
               <a:ext uri="{FF2B5EF4-FFF2-40B4-BE49-F238E27FC236}">
-                <a16:creationId xmlns:a16="http://schemas.microsoft.com/office/drawing/2014/main" id="{B8263E31-4FCF-6E23-6E64-189AD5D1A775}"/>
+                <a16:creationId xmlns:a16="http://schemas.microsoft.com/office/drawing/2014/main" id="{5744CDD8-0126-B613-8682-B63FC81D151E}"/>
               </a:ext>
             </a:extLst>
           </p:cNvPr>
@@ -13437,12 +18232,14 @@
         </p:nvSpPr>
         <p:spPr>
           <a:xfrm>
-            <a:off x="1390650" y="646060"/>
-            <a:ext cx="9601200" cy="685800"/>
+            <a:off x="1371600" y="685800"/>
+            <a:ext cx="9601200" cy="739588"/>
           </a:xfrm>
         </p:spPr>
         <p:txBody>
-          <a:bodyPr/>
+          <a:bodyPr>
+            <a:normAutofit/>
+          </a:bodyPr>
           <a:lstStyle/>
           <a:p>
             <a:pPr algn="ctr"/>
@@ -13451,7 +18248,7 @@
                 <a:latin typeface="Times New Roman" panose="02020603050405020304" pitchFamily="18" charset="0"/>
                 <a:cs typeface="Times New Roman" panose="02020603050405020304" pitchFamily="18" charset="0"/>
               </a:rPr>
-              <a:t>Tools</a:t>
+              <a:t>Contributions</a:t>
             </a:r>
             <a:endParaRPr lang="en-SG" b="1" dirty="0">
               <a:latin typeface="Times New Roman" panose="02020603050405020304" pitchFamily="18" charset="0"/>
@@ -13465,7 +18262,7 @@
           <p:cNvPr id="3" name="Content Placeholder 2">
             <a:extLst>
               <a:ext uri="{FF2B5EF4-FFF2-40B4-BE49-F238E27FC236}">
-                <a16:creationId xmlns:a16="http://schemas.microsoft.com/office/drawing/2014/main" id="{3D199670-750D-51F9-B339-021A82A72A62}"/>
+                <a16:creationId xmlns:a16="http://schemas.microsoft.com/office/drawing/2014/main" id="{9EC042C9-560D-7675-8654-DFEC4CD36A10}"/>
               </a:ext>
             </a:extLst>
           </p:cNvPr>
@@ -13478,8 +18275,8 @@
         </p:nvSpPr>
         <p:spPr>
           <a:xfrm>
-            <a:off x="1371600" y="1488141"/>
-            <a:ext cx="9601200" cy="4652682"/>
+            <a:off x="1371600" y="1828800"/>
+            <a:ext cx="9601200" cy="4038600"/>
           </a:xfrm>
         </p:spPr>
         <p:txBody>
@@ -13489,82 +18286,48 @@
           <a:lstStyle/>
           <a:p>
             <a:r>
-              <a:rPr lang="en-US" sz="3200" b="1" dirty="0"/>
-              <a:t>Enhanced Homomorphic Encryption (EHC)</a:t>
-            </a:r>
-          </a:p>
-          <a:p>
-            <a:pPr marL="0" indent="0">
-              <a:buNone/>
-            </a:pPr>
-            <a:endParaRPr lang="en-US" sz="3200" b="1" dirty="0"/>
-          </a:p>
-          <a:p>
-            <a:pPr>
-              <a:buFont typeface="Wingdings" panose="05000000000000000000" pitchFamily="2" charset="2"/>
-              <a:buChar char="§"/>
-            </a:pPr>
+              <a:rPr lang="en-US" sz="2400" dirty="0">
+                <a:latin typeface="Times New Roman" panose="02020603050405020304" pitchFamily="18" charset="0"/>
+                <a:cs typeface="Times New Roman" panose="02020603050405020304" pitchFamily="18" charset="0"/>
+              </a:rPr>
+              <a:t>Leverages the AOMDV protocol to establish multiple paths and transmits securely with these paths</a:t>
+            </a:r>
+          </a:p>
+          <a:p>
+            <a:r>
+              <a:rPr lang="en-US" sz="2400" dirty="0">
+                <a:latin typeface="Times New Roman" panose="02020603050405020304" pitchFamily="18" charset="0"/>
+                <a:cs typeface="Times New Roman" panose="02020603050405020304" pitchFamily="18" charset="0"/>
+              </a:rPr>
+              <a:t>Encrypted by Enhanced Homomorphic Cryptosystem (EHC)</a:t>
+            </a:r>
+          </a:p>
+          <a:p>
+            <a:r>
+              <a:rPr lang="en-US" sz="2400" dirty="0">
+                <a:latin typeface="Times New Roman" panose="02020603050405020304" pitchFamily="18" charset="0"/>
+                <a:cs typeface="Times New Roman" panose="02020603050405020304" pitchFamily="18" charset="0"/>
+              </a:rPr>
+              <a:t>Make the AOMDV Protocol of intrusion avoidance from intrusion detection</a:t>
+            </a:r>
+          </a:p>
+          <a:p>
+            <a:r>
+              <a:rPr lang="en-US" sz="2400" dirty="0">
+                <a:latin typeface="Times New Roman" panose="02020603050405020304" pitchFamily="18" charset="0"/>
+                <a:cs typeface="Times New Roman" panose="02020603050405020304" pitchFamily="18" charset="0"/>
+              </a:rPr>
+              <a:t>Counters the malicious nodes – The Blackholes and The Wormholes</a:t>
+            </a:r>
+          </a:p>
+          <a:p>
             <a:r>
               <a:rPr lang="en-SG" sz="2400" dirty="0">
                 <a:latin typeface="Times New Roman" panose="02020603050405020304" pitchFamily="18" charset="0"/>
                 <a:cs typeface="Times New Roman" panose="02020603050405020304" pitchFamily="18" charset="0"/>
               </a:rPr>
-              <a:t>Additive homomorphic strategy, Enhanced RSA</a:t>
-            </a:r>
-          </a:p>
-          <a:p>
-            <a:pPr>
-              <a:buFont typeface="Wingdings" panose="05000000000000000000" pitchFamily="2" charset="2"/>
-              <a:buChar char="§"/>
-            </a:pPr>
-            <a:r>
-              <a:rPr lang="en-US" sz="2400" dirty="0">
-                <a:latin typeface="Times New Roman" panose="02020603050405020304" pitchFamily="18" charset="0"/>
-                <a:cs typeface="Times New Roman" panose="02020603050405020304" pitchFamily="18" charset="0"/>
-              </a:rPr>
-              <a:t>Encryption involves a large number m derived from primes p and q, where q serves as the secret key</a:t>
-            </a:r>
-            <a:endParaRPr lang="en-US" sz="2000" dirty="0"/>
-          </a:p>
-          <a:p>
-            <a:pPr>
-              <a:buFont typeface="Wingdings" panose="05000000000000000000" pitchFamily="2" charset="2"/>
-              <a:buChar char="§"/>
-            </a:pPr>
-            <a:r>
-              <a:rPr lang="en-US" sz="2400" dirty="0">
-                <a:latin typeface="Times New Roman" panose="02020603050405020304" pitchFamily="18" charset="0"/>
-                <a:cs typeface="Times New Roman" panose="02020603050405020304" pitchFamily="18" charset="0"/>
-              </a:rPr>
-              <a:t>Incorporates random numbers for enhanced security, strengthening the cryptosystem's resilience</a:t>
-            </a:r>
-          </a:p>
-          <a:p>
-            <a:pPr>
-              <a:buFont typeface="Wingdings" panose="05000000000000000000" pitchFamily="2" charset="2"/>
-              <a:buChar char="§"/>
-            </a:pPr>
-            <a:r>
-              <a:rPr lang="en-US" sz="2400" dirty="0">
-                <a:latin typeface="Times New Roman" panose="02020603050405020304" pitchFamily="18" charset="0"/>
-                <a:cs typeface="Times New Roman" panose="02020603050405020304" pitchFamily="18" charset="0"/>
-              </a:rPr>
-              <a:t>Scheme revolves around key generation, encryption, and decryption as its fundamental principles</a:t>
-            </a:r>
-            <a:endParaRPr lang="en-SG" sz="2400" dirty="0">
-              <a:latin typeface="Times New Roman" panose="02020603050405020304" pitchFamily="18" charset="0"/>
-              <a:cs typeface="Times New Roman" panose="02020603050405020304" pitchFamily="18" charset="0"/>
-            </a:endParaRPr>
-          </a:p>
-          <a:p>
-            <a:pPr>
-              <a:buFont typeface="Wingdings" panose="05000000000000000000" pitchFamily="2" charset="2"/>
-              <a:buChar char="§"/>
-            </a:pPr>
-            <a:endParaRPr lang="en-SG" sz="3200" b="1" dirty="0">
-              <a:latin typeface="Times New Roman" panose="02020603050405020304" pitchFamily="18" charset="0"/>
-              <a:cs typeface="Times New Roman" panose="02020603050405020304" pitchFamily="18" charset="0"/>
-            </a:endParaRPr>
+              <a:t>Ensures the transmission of entire message without modifications from Blackhole attacks and Wormhole attacks.</a:t>
+            </a:r>
           </a:p>
         </p:txBody>
       </p:sp>
@@ -13573,7 +18336,7 @@
           <p:cNvPr id="6" name="Date Placeholder 5">
             <a:extLst>
               <a:ext uri="{FF2B5EF4-FFF2-40B4-BE49-F238E27FC236}">
-                <a16:creationId xmlns:a16="http://schemas.microsoft.com/office/drawing/2014/main" id="{BC382AA3-4D0D-7BA0-4A17-3BC20DBA2F0C}"/>
+                <a16:creationId xmlns:a16="http://schemas.microsoft.com/office/drawing/2014/main" id="{F547FFC1-9DB6-EB5E-F8FE-F1B138F51605}"/>
               </a:ext>
             </a:extLst>
           </p:cNvPr>
@@ -13589,9 +18352,9 @@
           <a:bodyPr/>
           <a:lstStyle/>
           <a:p>
-            <a:fld id="{30C4B3FC-7644-4976-98D9-16D986268A61}" type="datetime1">
+            <a:fld id="{C63D521A-D9F7-457B-9C87-ABDE0601776B}" type="datetime1">
               <a:rPr lang="en-US" smtClean="0"/>
-              <a:t>8/29/2023</a:t>
+              <a:t>2/23/2024</a:t>
             </a:fld>
             <a:endParaRPr lang="en-US" dirty="0"/>
           </a:p>
@@ -13602,7 +18365,7 @@
           <p:cNvPr id="5" name="Slide Number Placeholder 4">
             <a:extLst>
               <a:ext uri="{FF2B5EF4-FFF2-40B4-BE49-F238E27FC236}">
-                <a16:creationId xmlns:a16="http://schemas.microsoft.com/office/drawing/2014/main" id="{CC6E2791-F3F9-ECBD-C860-4F919C4CB4D5}"/>
+                <a16:creationId xmlns:a16="http://schemas.microsoft.com/office/drawing/2014/main" id="{598FEA55-D11C-6203-9EA5-0044C4733ADB}"/>
               </a:ext>
             </a:extLst>
           </p:cNvPr>
@@ -13615,7 +18378,7 @@
         </p:nvSpPr>
         <p:spPr>
           <a:xfrm>
-            <a:off x="4770315" y="6233750"/>
+            <a:off x="4771782" y="6256941"/>
             <a:ext cx="1596292" cy="404614"/>
           </a:xfrm>
         </p:spPr>
@@ -13637,78 +18400,24 @@
           </a:p>
         </p:txBody>
       </p:sp>
-      <p:sp>
-        <p:nvSpPr>
-          <p:cNvPr id="4" name="Title 1">
-            <a:extLst>
-              <a:ext uri="{FF2B5EF4-FFF2-40B4-BE49-F238E27FC236}">
-                <a16:creationId xmlns:a16="http://schemas.microsoft.com/office/drawing/2014/main" id="{FF0798B9-D6BA-61D4-711C-8289B0341471}"/>
-              </a:ext>
-            </a:extLst>
-          </p:cNvPr>
-          <p:cNvSpPr txBox="1">
-            <a:spLocks/>
-          </p:cNvSpPr>
-          <p:nvPr/>
-        </p:nvSpPr>
-        <p:spPr>
-          <a:xfrm>
-            <a:off x="9812431" y="6310552"/>
-            <a:ext cx="2320738" cy="474528"/>
-          </a:xfrm>
-          <a:prstGeom prst="rect">
-            <a:avLst/>
-          </a:prstGeom>
-        </p:spPr>
-        <p:txBody>
-          <a:bodyPr vert="horz" lIns="91440" tIns="45720" rIns="91440" bIns="45720" rtlCol="0" anchor="t">
-            <a:normAutofit/>
-          </a:bodyPr>
-          <a:lstStyle>
-            <a:lvl1pPr algn="l" defTabSz="914400" rtl="0" eaLnBrk="1" latinLnBrk="0" hangingPunct="1">
-              <a:lnSpc>
-                <a:spcPct val="89000"/>
-              </a:lnSpc>
-              <a:spcBef>
-                <a:spcPct val="0"/>
-              </a:spcBef>
-              <a:buNone/>
-              <a:defRPr sz="4400" kern="1200" baseline="0">
-                <a:solidFill>
-                  <a:schemeClr val="tx2"/>
-                </a:solidFill>
-                <a:latin typeface="+mj-lt"/>
-                <a:ea typeface="+mj-ea"/>
-                <a:cs typeface="+mj-cs"/>
-              </a:defRPr>
-            </a:lvl1pPr>
-          </a:lstStyle>
-          <a:p>
-            <a:pPr algn="ctr"/>
-            <a:r>
-              <a:rPr lang="en-US" sz="1800" dirty="0">
-                <a:latin typeface="Times New Roman" panose="02020603050405020304" pitchFamily="18" charset="0"/>
-                <a:cs typeface="Times New Roman" panose="02020603050405020304" pitchFamily="18" charset="0"/>
-              </a:rPr>
-              <a:t>Tools cont’d….</a:t>
-            </a:r>
-            <a:endParaRPr lang="en-SG" sz="2000" dirty="0">
-              <a:latin typeface="Times New Roman" panose="02020603050405020304" pitchFamily="18" charset="0"/>
-              <a:cs typeface="Times New Roman" panose="02020603050405020304" pitchFamily="18" charset="0"/>
-            </a:endParaRPr>
-          </a:p>
-        </p:txBody>
-      </p:sp>
     </p:spTree>
     <p:extLst>
       <p:ext uri="{BB962C8B-B14F-4D97-AF65-F5344CB8AC3E}">
-        <p14:creationId xmlns:p14="http://schemas.microsoft.com/office/powerpoint/2010/main" val="2719350851"/>
+        <p14:creationId xmlns:p14="http://schemas.microsoft.com/office/powerpoint/2010/main" val="155548111"/>
       </p:ext>
     </p:extLst>
   </p:cSld>
   <p:clrMapOvr>
     <a:masterClrMapping/>
   </p:clrMapOvr>
+  <mc:AlternateContent xmlns:mc="http://schemas.openxmlformats.org/markup-compatibility/2006">
+    <mc:Choice xmlns:p14="http://schemas.microsoft.com/office/powerpoint/2010/main" Requires="p14">
+      <p:transition spd="slow" p14:dur="2000" advTm="349"/>
+    </mc:Choice>
+    <mc:Fallback>
+      <p:transition spd="slow" advTm="349"/>
+    </mc:Fallback>
+  </mc:AlternateContent>
 </p:sld>
 </file>
 
@@ -13747,7 +18456,7 @@
         </p:nvSpPr>
         <p:spPr>
           <a:xfrm>
-            <a:off x="1187825" y="744070"/>
+            <a:off x="1187824" y="1186606"/>
             <a:ext cx="9784975" cy="753035"/>
           </a:xfrm>
         </p:spPr>
@@ -13793,7 +18502,7 @@
         </p:nvSpPr>
         <p:spPr>
           <a:xfrm>
-            <a:off x="1187825" y="1703294"/>
+            <a:off x="1187825" y="1863450"/>
             <a:ext cx="6701115" cy="4509247"/>
           </a:xfrm>
         </p:spPr>
@@ -13919,8 +18628,8 @@
         </p:blipFill>
         <p:spPr>
           <a:xfrm>
-            <a:off x="8090719" y="1586753"/>
-            <a:ext cx="4065424" cy="4061012"/>
+            <a:off x="8357383" y="2173332"/>
+            <a:ext cx="3567954" cy="3564082"/>
           </a:xfrm>
         </p:spPr>
       </p:pic>
@@ -13947,7 +18656,7 @@
           <a:p>
             <a:fld id="{1111CA07-363D-4D2C-82E8-15DAA89A65AA}" type="datetime1">
               <a:rPr lang="en-US" smtClean="0"/>
-              <a:t>8/29/2023</a:t>
+              <a:t>2/23/2024</a:t>
             </a:fld>
             <a:endParaRPr lang="en-US" dirty="0"/>
           </a:p>
@@ -14108,9 +18817,71 @@
                 <a:latin typeface="Times New Roman" panose="02020603050405020304" pitchFamily="18" charset="0"/>
                 <a:cs typeface="Times New Roman" panose="02020603050405020304" pitchFamily="18" charset="0"/>
               </a:rPr>
-              <a:t>Fig 2. Basic AODV routing</a:t>
+              <a:t>Fig 3. Basic AODV routing</a:t>
             </a:r>
             <a:endParaRPr lang="en-SG" sz="2000" dirty="0">
+              <a:latin typeface="Times New Roman" panose="02020603050405020304" pitchFamily="18" charset="0"/>
+              <a:cs typeface="Times New Roman" panose="02020603050405020304" pitchFamily="18" charset="0"/>
+            </a:endParaRPr>
+          </a:p>
+        </p:txBody>
+      </p:sp>
+      <p:sp>
+        <p:nvSpPr>
+          <p:cNvPr id="7" name="Title 1">
+            <a:extLst>
+              <a:ext uri="{FF2B5EF4-FFF2-40B4-BE49-F238E27FC236}">
+                <a16:creationId xmlns:a16="http://schemas.microsoft.com/office/drawing/2014/main" id="{3715C00F-3956-878D-B8E5-A5D0891F232D}"/>
+              </a:ext>
+            </a:extLst>
+          </p:cNvPr>
+          <p:cNvSpPr txBox="1">
+            <a:spLocks/>
+          </p:cNvSpPr>
+          <p:nvPr/>
+        </p:nvSpPr>
+        <p:spPr>
+          <a:xfrm>
+            <a:off x="1390650" y="460462"/>
+            <a:ext cx="9601200" cy="685800"/>
+          </a:xfrm>
+          <a:prstGeom prst="rect">
+            <a:avLst/>
+          </a:prstGeom>
+        </p:spPr>
+        <p:txBody>
+          <a:bodyPr vert="horz" lIns="91440" tIns="45720" rIns="91440" bIns="45720" rtlCol="0" anchor="t">
+            <a:normAutofit/>
+          </a:bodyPr>
+          <a:lstStyle>
+            <a:lvl1pPr algn="l" defTabSz="914400" rtl="0" eaLnBrk="1" latinLnBrk="0" hangingPunct="1">
+              <a:lnSpc>
+                <a:spcPct val="89000"/>
+              </a:lnSpc>
+              <a:spcBef>
+                <a:spcPct val="0"/>
+              </a:spcBef>
+              <a:buNone/>
+              <a:defRPr sz="4400" kern="1200" baseline="0">
+                <a:solidFill>
+                  <a:schemeClr val="tx2"/>
+                </a:solidFill>
+                <a:latin typeface="+mj-lt"/>
+                <a:ea typeface="+mj-ea"/>
+                <a:cs typeface="+mj-cs"/>
+              </a:defRPr>
+            </a:lvl1pPr>
+          </a:lstStyle>
+          <a:p>
+            <a:pPr algn="ctr"/>
+            <a:r>
+              <a:rPr lang="en-US" sz="4000" b="1" dirty="0">
+                <a:latin typeface="Times New Roman" panose="02020603050405020304" pitchFamily="18" charset="0"/>
+                <a:cs typeface="Times New Roman" panose="02020603050405020304" pitchFamily="18" charset="0"/>
+              </a:rPr>
+              <a:t>Tools</a:t>
+            </a:r>
+            <a:endParaRPr lang="en-SG" b="1" dirty="0">
               <a:latin typeface="Times New Roman" panose="02020603050405020304" pitchFamily="18" charset="0"/>
               <a:cs typeface="Times New Roman" panose="02020603050405020304" pitchFamily="18" charset="0"/>
             </a:endParaRPr>
@@ -14127,6 +18898,14 @@
   <p:clrMapOvr>
     <a:masterClrMapping/>
   </p:clrMapOvr>
+  <mc:AlternateContent xmlns:mc="http://schemas.openxmlformats.org/markup-compatibility/2006">
+    <mc:Choice xmlns:p14="http://schemas.microsoft.com/office/powerpoint/2010/main" Requires="p14">
+      <p:transition spd="slow" p14:dur="2000" advTm="1383"/>
+    </mc:Choice>
+    <mc:Fallback>
+      <p:transition spd="slow" advTm="1383"/>
+    </mc:Fallback>
+  </mc:AlternateContent>
 </p:sld>
 </file>
 
